--- a/docs/Tech Talk - Kubernetes.pptx
+++ b/docs/Tech Talk - Kubernetes.pptx
@@ -8,7 +8,7 @@
     <p:sldMasterId id="2147483687" r:id="rId4"/>
   </p:sldMasterIdLst>
   <p:notesMasterIdLst>
-    <p:notesMasterId r:id="rId31"/>
+    <p:notesMasterId r:id="rId33"/>
   </p:notesMasterIdLst>
   <p:sldIdLst>
     <p:sldId id="256" r:id="rId5"/>
@@ -22,21 +22,23 @@
     <p:sldId id="264" r:id="rId13"/>
     <p:sldId id="265" r:id="rId14"/>
     <p:sldId id="266" r:id="rId15"/>
-    <p:sldId id="279" r:id="rId16"/>
-    <p:sldId id="278" r:id="rId17"/>
-    <p:sldId id="268" r:id="rId18"/>
-    <p:sldId id="277" r:id="rId19"/>
-    <p:sldId id="269" r:id="rId20"/>
-    <p:sldId id="281" r:id="rId21"/>
-    <p:sldId id="280" r:id="rId22"/>
-    <p:sldId id="282" r:id="rId23"/>
-    <p:sldId id="270" r:id="rId24"/>
-    <p:sldId id="271" r:id="rId25"/>
-    <p:sldId id="272" r:id="rId26"/>
-    <p:sldId id="273" r:id="rId27"/>
-    <p:sldId id="274" r:id="rId28"/>
-    <p:sldId id="275" r:id="rId29"/>
-    <p:sldId id="276" r:id="rId30"/>
+    <p:sldId id="283" r:id="rId16"/>
+    <p:sldId id="284" r:id="rId17"/>
+    <p:sldId id="279" r:id="rId18"/>
+    <p:sldId id="278" r:id="rId19"/>
+    <p:sldId id="268" r:id="rId20"/>
+    <p:sldId id="277" r:id="rId21"/>
+    <p:sldId id="269" r:id="rId22"/>
+    <p:sldId id="281" r:id="rId23"/>
+    <p:sldId id="280" r:id="rId24"/>
+    <p:sldId id="282" r:id="rId25"/>
+    <p:sldId id="270" r:id="rId26"/>
+    <p:sldId id="271" r:id="rId27"/>
+    <p:sldId id="272" r:id="rId28"/>
+    <p:sldId id="273" r:id="rId29"/>
+    <p:sldId id="274" r:id="rId30"/>
+    <p:sldId id="275" r:id="rId31"/>
+    <p:sldId id="276" r:id="rId32"/>
   </p:sldIdLst>
   <p:sldSz cx="9144000" cy="5143500" type="screen16x9"/>
   <p:notesSz cx="6858000" cy="9144000"/>
@@ -137,7 +139,7 @@
   </p:defaultTextStyle>
   <p:extLst>
     <p:ext uri="{EFAFB233-063F-42B5-8137-9DF3F51BA10A}">
-      <p15:sldGuideLst xmlns:p15="http://schemas.microsoft.com/office/powerpoint/2012/main"/>
+      <p15:sldGuideLst xmlns:p15="http://schemas.microsoft.com/office/powerpoint/2012/main" xmlns=""/>
     </p:ext>
   </p:extLst>
 </p:presentation>
@@ -3301,7 +3303,7 @@
   <p:timing>
     <p:tnLst>
       <p:par>
-        <p:cTn id="1" dur="indefinite" restart="never" nodeType="tmRoot"/>
+        <p:cTn xmlns:p14="http://schemas.microsoft.com/office/powerpoint/2010/main" id="1" dur="indefinite" restart="never" nodeType="tmRoot"/>
       </p:par>
     </p:tnLst>
   </p:timing>
@@ -6834,7 +6836,7 @@
   <p:timing>
     <p:tnLst>
       <p:par>
-        <p:cTn id="1" dur="indefinite" restart="never" nodeType="tmRoot"/>
+        <p:cTn xmlns:p14="http://schemas.microsoft.com/office/powerpoint/2010/main" id="1" dur="indefinite" restart="never" nodeType="tmRoot"/>
       </p:par>
     </p:tnLst>
   </p:timing>
@@ -10487,7 +10489,7 @@
               </a:spcBef>
             </a:pPr>
             <a:r>
-              <a:rPr lang="en-US" sz="3600" b="0" strike="noStrike" spc="-1">
+              <a:rPr lang="en-US" sz="3600" b="0" strike="noStrike" spc="-1" dirty="0">
                 <a:solidFill>
                   <a:srgbClr val="FFFFFF"/>
                 </a:solidFill>
@@ -10495,7 +10497,7 @@
               </a:rPr>
               <a:t>Kubernetes</a:t>
             </a:r>
-            <a:endParaRPr lang="en-US" sz="3600" b="0" strike="noStrike" spc="-1">
+            <a:endParaRPr lang="en-US" sz="3600" b="0" strike="noStrike" spc="-1" dirty="0">
               <a:solidFill>
                 <a:srgbClr val="50B3CF"/>
               </a:solidFill>
@@ -10542,7 +10544,7 @@
                 </a:solidFill>
                 <a:latin typeface="Arial"/>
               </a:rPr>
-              <a:t>21</a:t>
+              <a:t>11</a:t>
             </a:r>
             <a:r>
               <a:rPr lang="en-US" sz="2000" spc="-1" baseline="30000" dirty="0" smtClean="0">
@@ -10551,7 +10553,7 @@
                 </a:solidFill>
                 <a:latin typeface="Arial"/>
               </a:rPr>
-              <a:t>st</a:t>
+              <a:t>th</a:t>
             </a:r>
             <a:r>
               <a:rPr lang="en-US" sz="2000" spc="-1" dirty="0" smtClean="0">
@@ -10560,7 +10562,7 @@
                 </a:solidFill>
                 <a:latin typeface="Arial"/>
               </a:rPr>
-              <a:t> </a:t>
+              <a:t> October</a:t>
             </a:r>
             <a:r>
               <a:rPr lang="en-US" sz="2000" b="0" strike="noStrike" spc="-1" dirty="0" smtClean="0">
@@ -10569,16 +10571,7 @@
                 </a:solidFill>
                 <a:latin typeface="Arial"/>
               </a:rPr>
-              <a:t> </a:t>
-            </a:r>
-            <a:r>
-              <a:rPr lang="en-US" sz="2000" b="0" strike="noStrike" spc="-1" dirty="0">
-                <a:solidFill>
-                  <a:srgbClr val="A4DB9A"/>
-                </a:solidFill>
-                <a:latin typeface="Arial"/>
-              </a:rPr>
-              <a:t>September 2018</a:t>
+              <a:t>2018</a:t>
             </a:r>
             <a:endParaRPr lang="en-US" sz="2000" b="0" strike="noStrike" spc="-1" dirty="0">
               <a:solidFill>
@@ -10817,15 +10810,24 @@
               </a:lnSpc>
             </a:pPr>
             <a:r>
-              <a:rPr lang="en-US" sz="2200" b="0" strike="noStrike" spc="-1">
+              <a:rPr lang="en-US" sz="2200" b="0" strike="noStrike" spc="-1" dirty="0">
                 <a:solidFill>
                   <a:srgbClr val="23D2FF"/>
                 </a:solidFill>
                 <a:latin typeface="Arial"/>
               </a:rPr>
-              <a:t>Understanding Kubernetes Internals Contd</a:t>
-            </a:r>
-            <a:endParaRPr lang="en-US" sz="2200" b="0" strike="noStrike" spc="-1">
+              <a:t>Understanding Kubernetes Internals </a:t>
+            </a:r>
+            <a:r>
+              <a:rPr lang="en-US" sz="2200" b="0" strike="noStrike" spc="-1" dirty="0" err="1">
+                <a:solidFill>
+                  <a:srgbClr val="23D2FF"/>
+                </a:solidFill>
+                <a:latin typeface="Arial"/>
+              </a:rPr>
+              <a:t>Contd</a:t>
+            </a:r>
+            <a:endParaRPr lang="en-US" sz="2200" b="0" strike="noStrike" spc="-1" dirty="0">
               <a:solidFill>
                 <a:srgbClr val="50B3CF"/>
               </a:solidFill>
@@ -10954,7 +10956,7 @@
               </a:lnSpc>
             </a:pPr>
             <a:r>
-              <a:rPr lang="en-US" sz="2200" b="0" strike="noStrike" spc="-1">
+              <a:rPr lang="en-US" sz="2200" b="0" strike="noStrike" spc="-1" dirty="0">
                 <a:solidFill>
                   <a:srgbClr val="23D2FF"/>
                 </a:solidFill>
@@ -10962,7 +10964,7 @@
               </a:rPr>
               <a:t>Kubernetes Objects</a:t>
             </a:r>
-            <a:endParaRPr lang="en-US" sz="2200" b="0" strike="noStrike" spc="-1">
+            <a:endParaRPr lang="en-US" sz="2200" b="0" strike="noStrike" spc="-1" dirty="0">
               <a:solidFill>
                 <a:srgbClr val="50B3CF"/>
               </a:solidFill>
@@ -11157,6 +11159,13 @@
   <p:clrMapOvr>
     <a:masterClrMapping/>
   </p:clrMapOvr>
+  <p:timing>
+    <p:tnLst>
+      <p:par>
+        <p:cTn xmlns:p14="http://schemas.microsoft.com/office/powerpoint/2010/main" id="1" dur="indefinite" restart="never" nodeType="tmRoot"/>
+      </p:par>
+    </p:tnLst>
+  </p:timing>
 </p:sld>
 </file>
 
@@ -11179,592 +11188,439 @@
       </p:grpSpPr>
       <p:sp>
         <p:nvSpPr>
-          <p:cNvPr id="2" name="Slide Number Placeholder 1"/>
-          <p:cNvSpPr>
-            <a:spLocks noGrp="1"/>
-          </p:cNvSpPr>
-          <p:nvPr>
-            <p:ph type="sldNum" sz="quarter" idx="12"/>
-          </p:nvPr>
-        </p:nvSpPr>
-        <p:spPr/>
-        <p:txBody>
-          <a:bodyPr/>
-          <a:lstStyle/>
-          <a:p>
-            <a:fld id="{B32AB80A-78BA-6B42-BA0D-B44ACF890F5A}" type="slidenum">
-              <a:rPr lang="en-US" smtClean="0"/>
+          <p:cNvPr id="231" name="TextShape 1"/>
+          <p:cNvSpPr txBox="1"/>
+          <p:nvPr/>
+        </p:nvSpPr>
+        <p:spPr>
+          <a:xfrm>
+            <a:off x="-155160" y="4743360"/>
+            <a:ext cx="538920" cy="375480"/>
+          </a:xfrm>
+          <a:prstGeom prst="rect">
+            <a:avLst/>
+          </a:prstGeom>
+          <a:noFill/>
+          <a:ln>
+            <a:noFill/>
+          </a:ln>
+        </p:spPr>
+        <p:txBody>
+          <a:bodyPr anchor="ctr"/>
+          <a:lstStyle/>
+          <a:p>
+            <a:pPr algn="r">
+              <a:lnSpc>
+                <a:spcPct val="100000"/>
+              </a:lnSpc>
+            </a:pPr>
+            <a:fld id="{7A13DADD-3EB9-489F-AC67-712445F46DC3}" type="slidenum">
+              <a:rPr lang="en-US" sz="1050" b="1" strike="noStrike" spc="-1">
+                <a:solidFill>
+                  <a:srgbClr val="FFFFFF"/>
+                </a:solidFill>
+                <a:latin typeface="Arial"/>
+              </a:rPr>
               <a:t>12</a:t>
             </a:fld>
-            <a:endParaRPr lang="en-US" dirty="0"/>
-          </a:p>
-        </p:txBody>
-      </p:sp>
-      <p:sp>
-        <p:nvSpPr>
-          <p:cNvPr id="4" name="Title 3"/>
-          <p:cNvSpPr>
-            <a:spLocks noGrp="1"/>
-          </p:cNvSpPr>
-          <p:nvPr>
-            <p:ph type="title"/>
-          </p:nvPr>
-        </p:nvSpPr>
-        <p:spPr/>
-        <p:txBody>
-          <a:bodyPr/>
-          <a:lstStyle/>
-          <a:p>
-            <a:r>
-              <a:rPr lang="en-US" sz="2400" dirty="0" smtClean="0"/>
-              <a:t>Kubernetes Objects - Service</a:t>
-            </a:r>
-            <a:endParaRPr lang="en-US" sz="2400" dirty="0"/>
-          </a:p>
-        </p:txBody>
-      </p:sp>
-      <p:sp>
-        <p:nvSpPr>
-          <p:cNvPr id="7" name="Text Placeholder 2"/>
-          <p:cNvSpPr txBox="1">
-            <a:spLocks/>
-          </p:cNvSpPr>
+            <a:endParaRPr lang="en-US" sz="1050" b="0" strike="noStrike" spc="-1">
+              <a:latin typeface="Times New Roman"/>
+            </a:endParaRPr>
+          </a:p>
+        </p:txBody>
+      </p:sp>
+      <p:sp>
+        <p:nvSpPr>
+          <p:cNvPr id="232" name="TextShape 2"/>
+          <p:cNvSpPr txBox="1"/>
           <p:nvPr/>
         </p:nvSpPr>
         <p:spPr>
           <a:xfrm>
-            <a:off x="45720" y="541902"/>
-            <a:ext cx="9098279" cy="4265440"/>
-          </a:xfrm>
-          <a:prstGeom prst="rect">
-            <a:avLst/>
-          </a:prstGeom>
-        </p:spPr>
-        <p:txBody>
-          <a:bodyPr vert="horz">
+            <a:off x="114480" y="100080"/>
+            <a:ext cx="8915040" cy="297000"/>
+          </a:xfrm>
+          <a:prstGeom prst="rect">
+            <a:avLst/>
+          </a:prstGeom>
+          <a:noFill/>
+          <a:ln>
+            <a:noFill/>
+          </a:ln>
+        </p:spPr>
+        <p:txBody>
+          <a:bodyPr lIns="0" anchor="ctr"/>
+          <a:lstStyle/>
+          <a:p>
+            <a:pPr>
+              <a:lnSpc>
+                <a:spcPct val="100000"/>
+              </a:lnSpc>
+            </a:pPr>
+            <a:r>
+              <a:rPr lang="en-US" sz="2200" b="0" strike="noStrike" spc="-1" dirty="0" smtClean="0">
+                <a:solidFill>
+                  <a:srgbClr val="23D2FF"/>
+                </a:solidFill>
+                <a:latin typeface="Arial"/>
+              </a:rPr>
+              <a:t>Kubernetes GKE </a:t>
+            </a:r>
+            <a:r>
+              <a:rPr lang="mr-IN" sz="2200" b="0" strike="noStrike" spc="-1" dirty="0" smtClean="0">
+                <a:solidFill>
+                  <a:srgbClr val="23D2FF"/>
+                </a:solidFill>
+                <a:latin typeface="Arial"/>
+              </a:rPr>
+              <a:t>–</a:t>
+            </a:r>
+            <a:r>
+              <a:rPr lang="en-US" sz="2200" b="0" strike="noStrike" spc="-1" dirty="0" smtClean="0">
+                <a:solidFill>
+                  <a:srgbClr val="23D2FF"/>
+                </a:solidFill>
+                <a:latin typeface="Arial"/>
+              </a:rPr>
+              <a:t> Cluster Creation</a:t>
+            </a:r>
+            <a:endParaRPr lang="en-US" sz="2200" b="0" strike="noStrike" spc="-1" dirty="0">
+              <a:solidFill>
+                <a:srgbClr val="50B3CF"/>
+              </a:solidFill>
+              <a:latin typeface="Arial"/>
+            </a:endParaRPr>
+          </a:p>
+        </p:txBody>
+      </p:sp>
+      <p:sp>
+        <p:nvSpPr>
+          <p:cNvPr id="233" name="CustomShape 3"/>
+          <p:cNvSpPr/>
+          <p:nvPr/>
+        </p:nvSpPr>
+        <p:spPr>
+          <a:xfrm>
+            <a:off x="0" y="478440"/>
+            <a:ext cx="8915040" cy="4264920"/>
+          </a:xfrm>
+          <a:prstGeom prst="rect">
+            <a:avLst/>
+          </a:prstGeom>
+          <a:noFill/>
+          <a:ln>
+            <a:noFill/>
+          </a:ln>
+        </p:spPr>
+        <p:style>
+          <a:lnRef idx="0">
+            <a:scrgbClr r="0" g="0" b="0"/>
+          </a:lnRef>
+          <a:fillRef idx="0">
+            <a:scrgbClr r="0" g="0" b="0"/>
+          </a:fillRef>
+          <a:effectRef idx="0">
+            <a:scrgbClr r="0" g="0" b="0"/>
+          </a:effectRef>
+          <a:fontRef idx="minor"/>
+        </p:style>
+        <p:txBody>
+          <a:bodyPr lIns="90000" tIns="45000" rIns="90000" bIns="45000">
             <a:normAutofit/>
           </a:bodyPr>
-          <a:lstStyle>
-            <a:lvl1pPr marL="0" indent="0" algn="l" defTabSz="457200" rtl="0" eaLnBrk="1" latinLnBrk="0" hangingPunct="1">
-              <a:spcBef>
-                <a:spcPct val="20000"/>
-              </a:spcBef>
-              <a:buFont typeface="Arial"/>
-              <a:buNone/>
-              <a:defRPr sz="2400" kern="1200">
-                <a:solidFill>
-                  <a:schemeClr val="tx2"/>
-                </a:solidFill>
-                <a:latin typeface="+mn-lt"/>
-                <a:ea typeface="+mn-ea"/>
-                <a:cs typeface="+mn-cs"/>
-              </a:defRPr>
-            </a:lvl1pPr>
-            <a:lvl2pPr marL="396875" marR="0" indent="-171450" algn="l" defTabSz="457200" rtl="0" eaLnBrk="1" fontAlgn="auto" latinLnBrk="0" hangingPunct="1">
-              <a:lnSpc>
-                <a:spcPct val="100000"/>
-              </a:lnSpc>
-              <a:spcBef>
-                <a:spcPct val="20000"/>
-              </a:spcBef>
-              <a:spcAft>
-                <a:spcPts val="0"/>
-              </a:spcAft>
+          <a:lstStyle/>
+          <a:p>
+            <a:pPr marL="286110" indent="-285750" algn="just">
+              <a:lnSpc>
+                <a:spcPct val="100000"/>
+              </a:lnSpc>
+              <a:spcBef>
+                <a:spcPts val="281"/>
+              </a:spcBef>
               <a:buClr>
-                <a:srgbClr val="5E9A36"/>
+                <a:srgbClr val="141414"/>
               </a:buClr>
-              <a:buSzTx/>
-              <a:buFont typeface="Wingdings" panose="05000000000000000000" pitchFamily="2" charset="2"/>
-              <a:buChar char="§"/>
-              <a:tabLst/>
-              <a:defRPr sz="2000" kern="1200">
-                <a:solidFill>
-                  <a:schemeClr val="tx2"/>
-                </a:solidFill>
-                <a:latin typeface="+mn-lt"/>
-                <a:ea typeface="+mn-ea"/>
-                <a:cs typeface="+mn-cs"/>
-              </a:defRPr>
-            </a:lvl2pPr>
-            <a:lvl3pPr marL="628650" marR="0" indent="-176213" algn="l" defTabSz="457200" rtl="0" eaLnBrk="1" fontAlgn="auto" latinLnBrk="0" hangingPunct="1">
-              <a:lnSpc>
-                <a:spcPct val="100000"/>
-              </a:lnSpc>
-              <a:spcBef>
-                <a:spcPct val="20000"/>
-              </a:spcBef>
-              <a:spcAft>
-                <a:spcPts val="0"/>
-              </a:spcAft>
+              <a:buFont typeface="Wingdings" charset="2"/>
+              <a:buChar char="q"/>
+            </a:pPr>
+            <a:r>
+              <a:rPr lang="en-US" sz="1400" b="0" strike="noStrike" spc="-1" dirty="0" smtClean="0">
+                <a:solidFill>
+                  <a:srgbClr val="141414"/>
+                </a:solidFill>
+                <a:latin typeface="Arial"/>
+              </a:rPr>
+              <a:t>We will use Google Cloud Platform - Kubernetes Engine </a:t>
+            </a:r>
+          </a:p>
+          <a:p>
+            <a:pPr marL="286110" indent="-285750" algn="just">
+              <a:lnSpc>
+                <a:spcPct val="100000"/>
+              </a:lnSpc>
+              <a:spcBef>
+                <a:spcPts val="281"/>
+              </a:spcBef>
               <a:buClr>
-                <a:srgbClr val="5E9A36"/>
+                <a:srgbClr val="141414"/>
               </a:buClr>
-              <a:buSzTx/>
-              <a:buFont typeface="Arial" panose="020B0604020202020204" pitchFamily="34" charset="0"/>
-              <a:buChar char="–"/>
-              <a:tabLst/>
-              <a:defRPr sz="1800" kern="1200">
-                <a:solidFill>
-                  <a:schemeClr val="tx2"/>
-                </a:solidFill>
-                <a:latin typeface="+mn-lt"/>
-                <a:ea typeface="+mn-ea"/>
-                <a:cs typeface="+mn-cs"/>
-              </a:defRPr>
-            </a:lvl3pPr>
-            <a:lvl4pPr marL="858838" marR="0" indent="-115888" algn="l" defTabSz="457200" rtl="0" eaLnBrk="1" fontAlgn="auto" latinLnBrk="0" hangingPunct="1">
-              <a:lnSpc>
-                <a:spcPct val="100000"/>
-              </a:lnSpc>
-              <a:spcBef>
-                <a:spcPct val="20000"/>
-              </a:spcBef>
-              <a:spcAft>
-                <a:spcPts val="0"/>
-              </a:spcAft>
+              <a:buFont typeface="Wingdings" charset="2"/>
+              <a:buChar char="q"/>
+            </a:pPr>
+            <a:r>
+              <a:rPr lang="en-US" sz="1400" spc="-1" dirty="0" smtClean="0">
+                <a:solidFill>
+                  <a:srgbClr val="141414"/>
+                </a:solidFill>
+                <a:latin typeface="Arial"/>
+              </a:rPr>
+              <a:t>We will need Google Cloud SDK and </a:t>
+            </a:r>
+            <a:r>
+              <a:rPr lang="en-US" sz="1400" spc="-1" dirty="0" err="1" smtClean="0">
+                <a:solidFill>
+                  <a:srgbClr val="141414"/>
+                </a:solidFill>
+                <a:latin typeface="Arial"/>
+              </a:rPr>
+              <a:t>Kubectl</a:t>
+            </a:r>
+            <a:r>
+              <a:rPr lang="en-US" sz="1400" spc="-1" dirty="0" smtClean="0">
+                <a:solidFill>
+                  <a:srgbClr val="141414"/>
+                </a:solidFill>
+                <a:latin typeface="Arial"/>
+              </a:rPr>
+              <a:t> (Client) to talk with the cloud cluster</a:t>
+            </a:r>
+          </a:p>
+          <a:p>
+            <a:pPr marL="286110" indent="-285750" algn="just">
+              <a:lnSpc>
+                <a:spcPct val="100000"/>
+              </a:lnSpc>
+              <a:spcBef>
+                <a:spcPts val="281"/>
+              </a:spcBef>
               <a:buClr>
-                <a:srgbClr val="5E9A36"/>
+                <a:srgbClr val="141414"/>
               </a:buClr>
-              <a:buSzTx/>
-              <a:buFont typeface="Arial" panose="020B0604020202020204" pitchFamily="34" charset="0"/>
-              <a:buChar char="•"/>
-              <a:tabLst/>
-              <a:defRPr sz="1600" kern="1200">
-                <a:solidFill>
-                  <a:schemeClr val="tx2"/>
-                </a:solidFill>
-                <a:latin typeface="+mn-lt"/>
-                <a:ea typeface="+mn-ea"/>
-                <a:cs typeface="+mn-cs"/>
-              </a:defRPr>
-            </a:lvl4pPr>
-            <a:lvl5pPr marL="1144588" marR="0" indent="-176213" algn="l" defTabSz="457200" rtl="0" eaLnBrk="1" fontAlgn="auto" latinLnBrk="0" hangingPunct="1">
-              <a:lnSpc>
-                <a:spcPct val="100000"/>
-              </a:lnSpc>
-              <a:spcBef>
-                <a:spcPct val="20000"/>
-              </a:spcBef>
-              <a:spcAft>
-                <a:spcPts val="0"/>
-              </a:spcAft>
+              <a:buFont typeface="Wingdings" charset="2"/>
+              <a:buChar char="q"/>
+            </a:pPr>
+            <a:r>
+              <a:rPr lang="en-US" sz="1400" b="0" strike="noStrike" spc="-1" dirty="0" smtClean="0">
+                <a:solidFill>
+                  <a:srgbClr val="141414"/>
+                </a:solidFill>
+                <a:latin typeface="Arial"/>
+              </a:rPr>
+              <a:t>Login to Cloud Platform and </a:t>
+            </a:r>
+            <a:r>
+              <a:rPr lang="en-US" sz="1400" spc="-1" dirty="0" smtClean="0">
+                <a:solidFill>
+                  <a:srgbClr val="141414"/>
+                </a:solidFill>
+                <a:latin typeface="Arial"/>
+              </a:rPr>
+              <a:t>Create a Cluster with 3 Node</a:t>
+            </a:r>
+            <a:endParaRPr lang="en-US" sz="1400" u="sng" dirty="0" smtClean="0"/>
+          </a:p>
+          <a:p>
+            <a:pPr marL="360" algn="just">
+              <a:lnSpc>
+                <a:spcPct val="100000"/>
+              </a:lnSpc>
+              <a:spcBef>
+                <a:spcPts val="281"/>
+              </a:spcBef>
               <a:buClr>
-                <a:srgbClr val="5E9A36"/>
+                <a:srgbClr val="141414"/>
               </a:buClr>
-              <a:buSzTx/>
-              <a:buFont typeface="Arial"/>
-              <a:buChar char="»"/>
-              <a:tabLst/>
-              <a:defRPr sz="1600" kern="1200">
-                <a:solidFill>
-                  <a:schemeClr val="tx2"/>
-                </a:solidFill>
-                <a:latin typeface="+mn-lt"/>
-                <a:ea typeface="+mn-ea"/>
-                <a:cs typeface="+mn-cs"/>
-              </a:defRPr>
-            </a:lvl5pPr>
-            <a:lvl6pPr marL="2514600" indent="-228600" algn="l" defTabSz="457200" rtl="0" eaLnBrk="1" latinLnBrk="0" hangingPunct="1">
-              <a:spcBef>
-                <a:spcPct val="20000"/>
-              </a:spcBef>
+            </a:pPr>
+            <a:endParaRPr lang="en-US" sz="1400" dirty="0" smtClean="0"/>
+          </a:p>
+          <a:p>
+            <a:pPr marL="457560" lvl="1" algn="just">
+              <a:spcBef>
+                <a:spcPts val="281"/>
+              </a:spcBef>
+              <a:buClr>
+                <a:srgbClr val="141414"/>
+              </a:buClr>
+            </a:pPr>
+            <a:r>
+              <a:rPr lang="en-US" sz="1400" dirty="0" err="1" smtClean="0"/>
+              <a:t>gcloud</a:t>
+            </a:r>
+            <a:r>
+              <a:rPr lang="en-US" sz="1400" dirty="0" smtClean="0"/>
+              <a:t> </a:t>
+            </a:r>
+            <a:r>
+              <a:rPr lang="en-US" sz="1400" dirty="0"/>
+              <a:t>container clusters create </a:t>
+            </a:r>
+            <a:r>
+              <a:rPr lang="en-US" sz="1400" dirty="0" err="1" smtClean="0"/>
+              <a:t>spbootcls</a:t>
+            </a:r>
+            <a:r>
+              <a:rPr lang="en-US" sz="1400" dirty="0" smtClean="0"/>
+              <a:t> -</a:t>
+            </a:r>
+            <a:r>
+              <a:rPr lang="en-US" sz="1400" dirty="0"/>
+              <a:t>-</a:t>
+            </a:r>
+            <a:r>
+              <a:rPr lang="en-US" sz="1400" dirty="0" err="1"/>
+              <a:t>num</a:t>
+            </a:r>
+            <a:r>
+              <a:rPr lang="en-US" sz="1400" dirty="0"/>
+              <a:t>-nodes 3 --machine-type n1-standard-1</a:t>
+            </a:r>
+            <a:endParaRPr lang="en-US" sz="1400" b="0" strike="noStrike" spc="-1" dirty="0" smtClean="0">
+              <a:solidFill>
+                <a:srgbClr val="141414"/>
+              </a:solidFill>
+              <a:latin typeface="Arial"/>
+            </a:endParaRPr>
+          </a:p>
+          <a:p>
+            <a:pPr marL="285840" indent="-285480" algn="just">
+              <a:lnSpc>
+                <a:spcPct val="100000"/>
+              </a:lnSpc>
+              <a:spcBef>
+                <a:spcPts val="281"/>
+              </a:spcBef>
+              <a:buClr>
+                <a:srgbClr val="141414"/>
+              </a:buClr>
               <a:buFont typeface="Arial"/>
               <a:buChar char="•"/>
-              <a:defRPr sz="2000" kern="1200">
-                <a:solidFill>
-                  <a:schemeClr val="tx1"/>
-                </a:solidFill>
-                <a:latin typeface="+mn-lt"/>
-                <a:ea typeface="+mn-ea"/>
-                <a:cs typeface="+mn-cs"/>
-              </a:defRPr>
-            </a:lvl6pPr>
-            <a:lvl7pPr marL="2971800" indent="-228600" algn="l" defTabSz="457200" rtl="0" eaLnBrk="1" latinLnBrk="0" hangingPunct="1">
-              <a:spcBef>
-                <a:spcPct val="20000"/>
-              </a:spcBef>
-              <a:buFont typeface="Arial"/>
-              <a:buChar char="•"/>
-              <a:defRPr sz="2000" kern="1200">
-                <a:solidFill>
-                  <a:schemeClr val="tx1"/>
-                </a:solidFill>
-                <a:latin typeface="+mn-lt"/>
-                <a:ea typeface="+mn-ea"/>
-                <a:cs typeface="+mn-cs"/>
-              </a:defRPr>
-            </a:lvl7pPr>
-            <a:lvl8pPr marL="3429000" indent="-228600" algn="l" defTabSz="457200" rtl="0" eaLnBrk="1" latinLnBrk="0" hangingPunct="1">
-              <a:spcBef>
-                <a:spcPct val="20000"/>
-              </a:spcBef>
-              <a:buFont typeface="Arial"/>
-              <a:buChar char="•"/>
-              <a:defRPr sz="2000" kern="1200">
-                <a:solidFill>
-                  <a:schemeClr val="tx1"/>
-                </a:solidFill>
-                <a:latin typeface="+mn-lt"/>
-                <a:ea typeface="+mn-ea"/>
-                <a:cs typeface="+mn-cs"/>
-              </a:defRPr>
-            </a:lvl8pPr>
-            <a:lvl9pPr marL="3886200" indent="-228600" algn="l" defTabSz="457200" rtl="0" eaLnBrk="1" latinLnBrk="0" hangingPunct="1">
-              <a:spcBef>
-                <a:spcPct val="20000"/>
-              </a:spcBef>
-              <a:buFont typeface="Arial"/>
-              <a:buChar char="•"/>
-              <a:defRPr sz="2000" kern="1200">
-                <a:solidFill>
-                  <a:schemeClr val="tx1"/>
-                </a:solidFill>
-                <a:latin typeface="+mn-lt"/>
-                <a:ea typeface="+mn-ea"/>
-                <a:cs typeface="+mn-cs"/>
-              </a:defRPr>
-            </a:lvl9pPr>
-          </a:lstStyle>
-          <a:p>
-            <a:pPr marL="285750" indent="-285750" algn="just">
-              <a:buFont typeface="Arial" panose="020B0604020202020204" pitchFamily="34" charset="0"/>
-              <a:buChar char="•"/>
-            </a:pPr>
-            <a:r>
-              <a:rPr lang="en-US" sz="1400" dirty="0" smtClean="0"/>
-              <a:t>External gateway to connect to the cluster</a:t>
-            </a:r>
-          </a:p>
-          <a:p>
-            <a:pPr marL="285750" indent="-285750" algn="just">
-              <a:buFont typeface="Arial" panose="020B0604020202020204" pitchFamily="34" charset="0"/>
-              <a:buChar char="•"/>
-            </a:pPr>
-            <a:r>
-              <a:rPr lang="en-US" sz="1400" dirty="0"/>
-              <a:t>When a service is created, it gets a static IP, which never changes during the lifetime of the </a:t>
-            </a:r>
-            <a:r>
-              <a:rPr lang="en-US" sz="1400" dirty="0" smtClean="0"/>
-              <a:t>service</a:t>
-            </a:r>
-          </a:p>
-          <a:p>
-            <a:pPr marL="285750" indent="-285750" algn="just">
-              <a:buFont typeface="Arial" panose="020B0604020202020204" pitchFamily="34" charset="0"/>
-              <a:buChar char="•"/>
-            </a:pPr>
-            <a:r>
-              <a:rPr lang="en-US" sz="1400" dirty="0"/>
-              <a:t>The service makes sure one of the pods receives the connection, regardless of where the pod is currently </a:t>
-            </a:r>
-            <a:r>
-              <a:rPr lang="en-US" sz="1400" dirty="0" smtClean="0"/>
-              <a:t>running</a:t>
-            </a:r>
-          </a:p>
-          <a:p>
-            <a:pPr algn="just"/>
-            <a:endParaRPr lang="en-US" sz="1400" dirty="0" smtClean="0"/>
-          </a:p>
-          <a:p>
-            <a:pPr algn="just"/>
-            <a:r>
-              <a:rPr lang="en-US" sz="1400" dirty="0" smtClean="0"/>
-              <a:t>Here are a template for a service</a:t>
-            </a:r>
-          </a:p>
-          <a:p>
-            <a:pPr algn="just"/>
-            <a:endParaRPr lang="en-US" sz="1400" dirty="0"/>
-          </a:p>
-          <a:p>
-            <a:pPr algn="just"/>
-            <a:endParaRPr lang="en-US" sz="1400" dirty="0" smtClean="0"/>
-          </a:p>
-          <a:p>
-            <a:pPr marL="285750" indent="-285750" algn="just">
-              <a:buFont typeface="Arial" panose="020B0604020202020204" pitchFamily="34" charset="0"/>
-              <a:buChar char="•"/>
-            </a:pPr>
-            <a:endParaRPr lang="en-US" sz="1400" dirty="0"/>
+            </a:pPr>
+            <a:endParaRPr lang="en-US" sz="1400" b="0" strike="noStrike" spc="-1" dirty="0">
+              <a:latin typeface="Arial"/>
+            </a:endParaRPr>
+          </a:p>
+          <a:p>
+            <a:pPr algn="just">
+              <a:lnSpc>
+                <a:spcPct val="100000"/>
+              </a:lnSpc>
+              <a:spcBef>
+                <a:spcPts val="281"/>
+              </a:spcBef>
+            </a:pPr>
+            <a:endParaRPr lang="en-US" sz="1400" b="0" strike="noStrike" spc="-1" dirty="0">
+              <a:latin typeface="Arial"/>
+            </a:endParaRPr>
+          </a:p>
+          <a:p>
+            <a:pPr algn="just">
+              <a:lnSpc>
+                <a:spcPct val="100000"/>
+              </a:lnSpc>
+              <a:spcBef>
+                <a:spcPts val="281"/>
+              </a:spcBef>
+            </a:pPr>
+            <a:endParaRPr lang="en-US" sz="1400" b="0" strike="noStrike" spc="-1" dirty="0">
+              <a:latin typeface="Arial"/>
+            </a:endParaRPr>
+          </a:p>
+          <a:p>
+            <a:pPr algn="just">
+              <a:lnSpc>
+                <a:spcPct val="100000"/>
+              </a:lnSpc>
+              <a:spcBef>
+                <a:spcPts val="281"/>
+              </a:spcBef>
+            </a:pPr>
+            <a:endParaRPr lang="en-US" sz="1400" b="0" strike="noStrike" spc="-1" dirty="0">
+              <a:latin typeface="Arial"/>
+            </a:endParaRPr>
+          </a:p>
+          <a:p>
+            <a:pPr algn="just">
+              <a:lnSpc>
+                <a:spcPct val="100000"/>
+              </a:lnSpc>
+              <a:spcBef>
+                <a:spcPts val="281"/>
+              </a:spcBef>
+            </a:pPr>
+            <a:endParaRPr lang="en-US" sz="1400" b="0" strike="noStrike" spc="-1" dirty="0">
+              <a:latin typeface="Arial"/>
+            </a:endParaRPr>
           </a:p>
         </p:txBody>
       </p:sp>
       <p:pic>
         <p:nvPicPr>
-          <p:cNvPr id="3" name="Picture 2"/>
+          <p:cNvPr id="2" name="Picture 1" descr="Screen Shot 2018-10-10 at 11.14.37 PM.png"/>
           <p:cNvPicPr>
             <a:picLocks noChangeAspect="1"/>
           </p:cNvPicPr>
           <p:nvPr/>
         </p:nvPicPr>
         <p:blipFill>
-          <a:blip r:embed="rId2"/>
+          <a:blip r:embed="rId2">
+            <a:extLst>
+              <a:ext uri="{28A0092B-C50C-407E-A947-70E740481C1C}">
+                <a14:useLocalDpi xmlns:a14="http://schemas.microsoft.com/office/drawing/2010/main" val="0"/>
+              </a:ext>
+            </a:extLst>
+          </a:blip>
           <a:stretch>
             <a:fillRect/>
           </a:stretch>
         </p:blipFill>
         <p:spPr>
           <a:xfrm>
-            <a:off x="181871" y="2121604"/>
-            <a:ext cx="4321550" cy="2685738"/>
+            <a:off x="0" y="2667000"/>
+            <a:ext cx="9144000" cy="2476500"/>
           </a:xfrm>
           <a:prstGeom prst="rect">
             <a:avLst/>
           </a:prstGeom>
         </p:spPr>
       </p:pic>
-      <p:cxnSp>
-        <p:nvCxnSpPr>
-          <p:cNvPr id="6" name="Straight Connector 5"/>
-          <p:cNvCxnSpPr/>
+      <p:pic>
+        <p:nvPicPr>
+          <p:cNvPr id="11" name="Picture 10"/>
+          <p:cNvPicPr>
+            <a:picLocks noChangeAspect="1"/>
+          </p:cNvPicPr>
           <p:nvPr/>
-        </p:nvCxnSpPr>
-        <p:spPr>
-          <a:xfrm flipV="1">
-            <a:off x="2750820" y="2306270"/>
-            <a:ext cx="3189980" cy="520750"/>
-          </a:xfrm>
-          <a:prstGeom prst="line">
-            <a:avLst/>
-          </a:prstGeom>
-        </p:spPr>
-        <p:style>
-          <a:lnRef idx="2">
-            <a:schemeClr val="accent1"/>
-          </a:lnRef>
-          <a:fillRef idx="0">
-            <a:schemeClr val="accent1"/>
-          </a:fillRef>
-          <a:effectRef idx="1">
-            <a:schemeClr val="accent1"/>
-          </a:effectRef>
-          <a:fontRef idx="minor">
-            <a:schemeClr val="tx1"/>
-          </a:fontRef>
-        </p:style>
-      </p:cxnSp>
-      <p:sp>
-        <p:nvSpPr>
-          <p:cNvPr id="8" name="TextBox 7"/>
-          <p:cNvSpPr txBox="1"/>
-          <p:nvPr/>
-        </p:nvSpPr>
-        <p:spPr>
-          <a:xfrm>
-            <a:off x="5940800" y="2121604"/>
-            <a:ext cx="2263140" cy="369332"/>
-          </a:xfrm>
-          <a:prstGeom prst="rect">
-            <a:avLst/>
-          </a:prstGeom>
-          <a:noFill/>
-        </p:spPr>
-        <p:txBody>
-          <a:bodyPr wrap="square" rtlCol="0">
-            <a:spAutoFit/>
-          </a:bodyPr>
-          <a:lstStyle/>
-          <a:p>
-            <a:r>
-              <a:rPr lang="en-US" dirty="0" smtClean="0"/>
-              <a:t>Service Name</a:t>
-            </a:r>
-            <a:endParaRPr lang="en-US" dirty="0"/>
-          </a:p>
-        </p:txBody>
-      </p:sp>
-      <p:cxnSp>
-        <p:nvCxnSpPr>
-          <p:cNvPr id="10" name="Straight Arrow Connector 9"/>
-          <p:cNvCxnSpPr/>
-          <p:nvPr/>
-        </p:nvCxnSpPr>
-        <p:spPr>
-          <a:xfrm flipV="1">
-            <a:off x="2202180" y="2766060"/>
-            <a:ext cx="4030980" cy="812602"/>
-          </a:xfrm>
-          <a:prstGeom prst="straightConnector1">
-            <a:avLst/>
-          </a:prstGeom>
-          <a:ln>
-            <a:tailEnd type="triangle"/>
-          </a:ln>
-        </p:spPr>
-        <p:style>
-          <a:lnRef idx="2">
-            <a:schemeClr val="accent1"/>
-          </a:lnRef>
-          <a:fillRef idx="0">
-            <a:schemeClr val="accent1"/>
-          </a:fillRef>
-          <a:effectRef idx="1">
-            <a:schemeClr val="accent1"/>
-          </a:effectRef>
-          <a:fontRef idx="minor">
-            <a:schemeClr val="tx1"/>
-          </a:fontRef>
-        </p:style>
-      </p:cxnSp>
-      <p:sp>
-        <p:nvSpPr>
-          <p:cNvPr id="11" name="TextBox 10"/>
-          <p:cNvSpPr txBox="1"/>
-          <p:nvPr/>
-        </p:nvSpPr>
-        <p:spPr>
-          <a:xfrm>
-            <a:off x="6366510" y="2566645"/>
-            <a:ext cx="2435599" cy="369332"/>
-          </a:xfrm>
-          <a:prstGeom prst="rect">
-            <a:avLst/>
-          </a:prstGeom>
-          <a:noFill/>
-        </p:spPr>
-        <p:txBody>
-          <a:bodyPr wrap="square" rtlCol="0">
-            <a:spAutoFit/>
-          </a:bodyPr>
-          <a:lstStyle/>
-          <a:p>
-            <a:r>
-              <a:rPr lang="en-US" dirty="0" smtClean="0"/>
-              <a:t>Load Balancer Type</a:t>
-            </a:r>
-            <a:endParaRPr lang="en-US" dirty="0"/>
-          </a:p>
-        </p:txBody>
-      </p:sp>
-      <p:cxnSp>
-        <p:nvCxnSpPr>
-          <p:cNvPr id="16" name="Straight Arrow Connector 15"/>
-          <p:cNvCxnSpPr/>
-          <p:nvPr/>
-        </p:nvCxnSpPr>
-        <p:spPr>
-          <a:xfrm flipV="1">
-            <a:off x="2057400" y="3261360"/>
-            <a:ext cx="4175760" cy="632460"/>
-          </a:xfrm>
-          <a:prstGeom prst="straightConnector1">
-            <a:avLst/>
-          </a:prstGeom>
-          <a:ln>
-            <a:tailEnd type="triangle"/>
-          </a:ln>
-        </p:spPr>
-        <p:style>
-          <a:lnRef idx="2">
-            <a:schemeClr val="accent1"/>
-          </a:lnRef>
-          <a:fillRef idx="0">
-            <a:schemeClr val="accent1"/>
-          </a:fillRef>
-          <a:effectRef idx="1">
-            <a:schemeClr val="accent1"/>
-          </a:effectRef>
-          <a:fontRef idx="minor">
-            <a:schemeClr val="tx1"/>
-          </a:fontRef>
-        </p:style>
-      </p:cxnSp>
-      <p:sp>
-        <p:nvSpPr>
-          <p:cNvPr id="17" name="TextBox 16"/>
-          <p:cNvSpPr txBox="1"/>
-          <p:nvPr/>
-        </p:nvSpPr>
-        <p:spPr>
-          <a:xfrm>
-            <a:off x="6366510" y="3172361"/>
-            <a:ext cx="2076450" cy="923330"/>
-          </a:xfrm>
-          <a:prstGeom prst="rect">
-            <a:avLst/>
-          </a:prstGeom>
-          <a:noFill/>
-        </p:spPr>
-        <p:txBody>
-          <a:bodyPr wrap="square" rtlCol="0">
-            <a:spAutoFit/>
-          </a:bodyPr>
-          <a:lstStyle/>
-          <a:p>
-            <a:r>
-              <a:rPr lang="en-US" dirty="0" smtClean="0"/>
-              <a:t>Pick up pods with meta data app as ( spboot-v1)</a:t>
-            </a:r>
-            <a:endParaRPr lang="en-US" dirty="0"/>
-          </a:p>
-        </p:txBody>
-      </p:sp>
-      <p:cxnSp>
-        <p:nvCxnSpPr>
-          <p:cNvPr id="19" name="Straight Connector 18"/>
-          <p:cNvCxnSpPr/>
-          <p:nvPr/>
-        </p:nvCxnSpPr>
-        <p:spPr>
-          <a:xfrm>
-            <a:off x="2342646" y="4366260"/>
-            <a:ext cx="2800854" cy="7620"/>
-          </a:xfrm>
-          <a:prstGeom prst="line">
-            <a:avLst/>
-          </a:prstGeom>
-        </p:spPr>
-        <p:style>
-          <a:lnRef idx="2">
-            <a:schemeClr val="accent1"/>
-          </a:lnRef>
-          <a:fillRef idx="0">
-            <a:schemeClr val="accent1"/>
-          </a:fillRef>
-          <a:effectRef idx="1">
-            <a:schemeClr val="accent1"/>
-          </a:effectRef>
-          <a:fontRef idx="minor">
-            <a:schemeClr val="tx1"/>
-          </a:fontRef>
-        </p:style>
-      </p:cxnSp>
-      <p:sp>
-        <p:nvSpPr>
-          <p:cNvPr id="20" name="TextBox 19"/>
-          <p:cNvSpPr txBox="1"/>
-          <p:nvPr/>
-        </p:nvSpPr>
-        <p:spPr>
-          <a:xfrm>
-            <a:off x="5248211" y="4223118"/>
-            <a:ext cx="2953760" cy="369332"/>
-          </a:xfrm>
-          <a:prstGeom prst="rect">
-            <a:avLst/>
-          </a:prstGeom>
-          <a:noFill/>
-        </p:spPr>
-        <p:txBody>
-          <a:bodyPr wrap="square" rtlCol="0">
-            <a:spAutoFit/>
-          </a:bodyPr>
-          <a:lstStyle/>
-          <a:p>
-            <a:r>
-              <a:rPr lang="en-US" dirty="0" smtClean="0"/>
-              <a:t>Talk to pod at port 9080</a:t>
-            </a:r>
-            <a:endParaRPr lang="en-US" dirty="0"/>
-          </a:p>
-        </p:txBody>
-      </p:sp>
+        </p:nvPicPr>
+        <p:blipFill>
+          <a:blip r:embed="rId3"/>
+          <a:stretch>
+            <a:fillRect/>
+          </a:stretch>
+        </p:blipFill>
+        <p:spPr>
+          <a:xfrm>
+            <a:off x="495300" y="1854200"/>
+            <a:ext cx="8648700" cy="585304"/>
+          </a:xfrm>
+          <a:prstGeom prst="rect">
+            <a:avLst/>
+          </a:prstGeom>
+        </p:spPr>
+      </p:pic>
     </p:spTree>
     <p:extLst>
       <p:ext uri="{BB962C8B-B14F-4D97-AF65-F5344CB8AC3E}">
-        <p14:creationId xmlns:p14="http://schemas.microsoft.com/office/powerpoint/2010/main" val="3603868038"/>
+        <p14:creationId xmlns:p14="http://schemas.microsoft.com/office/powerpoint/2010/main" val="345159679"/>
       </p:ext>
     </p:extLst>
   </p:cSld>
@@ -11774,7 +11630,7 @@
   <p:timing>
     <p:tnLst>
       <p:par>
-        <p:cTn id="1" dur="indefinite" restart="never" nodeType="tmRoot"/>
+        <p:cTn xmlns:p14="http://schemas.microsoft.com/office/powerpoint/2010/main" id="1" dur="indefinite" restart="never" nodeType="tmRoot"/>
       </p:par>
     </p:tnLst>
   </p:timing>
@@ -11800,416 +11656,528 @@
       </p:grpSpPr>
       <p:sp>
         <p:nvSpPr>
-          <p:cNvPr id="2" name="Slide Number Placeholder 1"/>
-          <p:cNvSpPr>
-            <a:spLocks noGrp="1"/>
-          </p:cNvSpPr>
-          <p:nvPr>
-            <p:ph type="sldNum" sz="quarter" idx="12"/>
-          </p:nvPr>
-        </p:nvSpPr>
-        <p:spPr/>
-        <p:txBody>
-          <a:bodyPr/>
-          <a:lstStyle/>
-          <a:p>
-            <a:fld id="{B32AB80A-78BA-6B42-BA0D-B44ACF890F5A}" type="slidenum">
-              <a:rPr lang="en-US" smtClean="0"/>
+          <p:cNvPr id="231" name="TextShape 1"/>
+          <p:cNvSpPr txBox="1"/>
+          <p:nvPr/>
+        </p:nvSpPr>
+        <p:spPr>
+          <a:xfrm>
+            <a:off x="-155160" y="4743360"/>
+            <a:ext cx="538920" cy="375480"/>
+          </a:xfrm>
+          <a:prstGeom prst="rect">
+            <a:avLst/>
+          </a:prstGeom>
+          <a:noFill/>
+          <a:ln>
+            <a:noFill/>
+          </a:ln>
+        </p:spPr>
+        <p:txBody>
+          <a:bodyPr anchor="ctr"/>
+          <a:lstStyle/>
+          <a:p>
+            <a:pPr algn="r">
+              <a:lnSpc>
+                <a:spcPct val="100000"/>
+              </a:lnSpc>
+            </a:pPr>
+            <a:fld id="{7A13DADD-3EB9-489F-AC67-712445F46DC3}" type="slidenum">
+              <a:rPr lang="en-US" sz="1050" b="1" strike="noStrike" spc="-1">
+                <a:solidFill>
+                  <a:srgbClr val="FFFFFF"/>
+                </a:solidFill>
+                <a:latin typeface="Arial"/>
+              </a:rPr>
               <a:t>13</a:t>
             </a:fld>
-            <a:endParaRPr lang="en-US" dirty="0"/>
-          </a:p>
-        </p:txBody>
-      </p:sp>
-      <p:sp>
-        <p:nvSpPr>
-          <p:cNvPr id="4" name="Title 3"/>
-          <p:cNvSpPr>
-            <a:spLocks noGrp="1"/>
-          </p:cNvSpPr>
-          <p:nvPr>
-            <p:ph type="title"/>
-          </p:nvPr>
-        </p:nvSpPr>
-        <p:spPr/>
-        <p:txBody>
-          <a:bodyPr/>
-          <a:lstStyle/>
-          <a:p>
-            <a:r>
-              <a:rPr lang="en-US" sz="2000" dirty="0" smtClean="0"/>
-              <a:t>Kubernetes Objects – Service Continued</a:t>
-            </a:r>
-            <a:endParaRPr lang="en-US" sz="2000" dirty="0"/>
-          </a:p>
-        </p:txBody>
-      </p:sp>
-      <p:sp>
-        <p:nvSpPr>
-          <p:cNvPr id="7" name="Text Placeholder 2"/>
-          <p:cNvSpPr txBox="1">
-            <a:spLocks/>
-          </p:cNvSpPr>
+            <a:endParaRPr lang="en-US" sz="1050" b="0" strike="noStrike" spc="-1">
+              <a:latin typeface="Times New Roman"/>
+            </a:endParaRPr>
+          </a:p>
+        </p:txBody>
+      </p:sp>
+      <p:sp>
+        <p:nvSpPr>
+          <p:cNvPr id="232" name="TextShape 2"/>
+          <p:cNvSpPr txBox="1"/>
           <p:nvPr/>
         </p:nvSpPr>
         <p:spPr>
           <a:xfrm>
-            <a:off x="44761" y="541901"/>
-            <a:ext cx="8915400" cy="4265440"/>
-          </a:xfrm>
-          <a:prstGeom prst="rect">
-            <a:avLst/>
-          </a:prstGeom>
-        </p:spPr>
-        <p:txBody>
-          <a:bodyPr vert="horz">
+            <a:off x="114480" y="100080"/>
+            <a:ext cx="8915040" cy="297000"/>
+          </a:xfrm>
+          <a:prstGeom prst="rect">
+            <a:avLst/>
+          </a:prstGeom>
+          <a:noFill/>
+          <a:ln>
+            <a:noFill/>
+          </a:ln>
+        </p:spPr>
+        <p:txBody>
+          <a:bodyPr lIns="0" anchor="ctr"/>
+          <a:lstStyle/>
+          <a:p>
+            <a:pPr>
+              <a:lnSpc>
+                <a:spcPct val="100000"/>
+              </a:lnSpc>
+            </a:pPr>
+            <a:r>
+              <a:rPr lang="en-US" sz="2200" b="0" strike="noStrike" spc="-1" dirty="0" smtClean="0">
+                <a:solidFill>
+                  <a:srgbClr val="23D2FF"/>
+                </a:solidFill>
+                <a:latin typeface="Arial"/>
+              </a:rPr>
+              <a:t>Kubernetes GKE </a:t>
+            </a:r>
+            <a:r>
+              <a:rPr lang="mr-IN" sz="2200" b="0" strike="noStrike" spc="-1" dirty="0" smtClean="0">
+                <a:solidFill>
+                  <a:srgbClr val="23D2FF"/>
+                </a:solidFill>
+                <a:latin typeface="Arial"/>
+              </a:rPr>
+              <a:t>–</a:t>
+            </a:r>
+            <a:r>
+              <a:rPr lang="en-US" sz="2200" b="0" strike="noStrike" spc="-1" dirty="0" smtClean="0">
+                <a:solidFill>
+                  <a:srgbClr val="23D2FF"/>
+                </a:solidFill>
+                <a:latin typeface="Arial"/>
+              </a:rPr>
+              <a:t> Cluster Creation (Validation)</a:t>
+            </a:r>
+            <a:endParaRPr lang="en-US" sz="2200" b="0" strike="noStrike" spc="-1" dirty="0">
+              <a:solidFill>
+                <a:srgbClr val="50B3CF"/>
+              </a:solidFill>
+              <a:latin typeface="Arial"/>
+            </a:endParaRPr>
+          </a:p>
+        </p:txBody>
+      </p:sp>
+      <p:sp>
+        <p:nvSpPr>
+          <p:cNvPr id="233" name="CustomShape 3"/>
+          <p:cNvSpPr/>
+          <p:nvPr/>
+        </p:nvSpPr>
+        <p:spPr>
+          <a:xfrm>
+            <a:off x="0" y="478440"/>
+            <a:ext cx="9042400" cy="4264920"/>
+          </a:xfrm>
+          <a:prstGeom prst="rect">
+            <a:avLst/>
+          </a:prstGeom>
+          <a:noFill/>
+          <a:ln>
+            <a:noFill/>
+          </a:ln>
+        </p:spPr>
+        <p:style>
+          <a:lnRef idx="0">
+            <a:scrgbClr r="0" g="0" b="0"/>
+          </a:lnRef>
+          <a:fillRef idx="0">
+            <a:scrgbClr r="0" g="0" b="0"/>
+          </a:fillRef>
+          <a:effectRef idx="0">
+            <a:scrgbClr r="0" g="0" b="0"/>
+          </a:effectRef>
+          <a:fontRef idx="minor"/>
+        </p:style>
+        <p:txBody>
+          <a:bodyPr lIns="90000" tIns="45000" rIns="90000" bIns="45000">
             <a:normAutofit/>
           </a:bodyPr>
-          <a:lstStyle>
-            <a:lvl1pPr marL="0" indent="0" algn="l" defTabSz="457200" rtl="0" eaLnBrk="1" latinLnBrk="0" hangingPunct="1">
-              <a:spcBef>
-                <a:spcPct val="20000"/>
-              </a:spcBef>
-              <a:buFont typeface="Arial"/>
-              <a:buNone/>
-              <a:defRPr sz="2400" kern="1200">
-                <a:solidFill>
-                  <a:schemeClr val="tx2"/>
-                </a:solidFill>
-                <a:latin typeface="+mn-lt"/>
-                <a:ea typeface="+mn-ea"/>
-                <a:cs typeface="+mn-cs"/>
-              </a:defRPr>
-            </a:lvl1pPr>
-            <a:lvl2pPr marL="396875" marR="0" indent="-171450" algn="l" defTabSz="457200" rtl="0" eaLnBrk="1" fontAlgn="auto" latinLnBrk="0" hangingPunct="1">
-              <a:lnSpc>
-                <a:spcPct val="100000"/>
-              </a:lnSpc>
-              <a:spcBef>
-                <a:spcPct val="20000"/>
-              </a:spcBef>
-              <a:spcAft>
-                <a:spcPts val="0"/>
-              </a:spcAft>
+          <a:lstStyle/>
+          <a:p>
+            <a:pPr marL="286110" indent="-285750" algn="just">
+              <a:lnSpc>
+                <a:spcPct val="100000"/>
+              </a:lnSpc>
+              <a:spcBef>
+                <a:spcPts val="281"/>
+              </a:spcBef>
               <a:buClr>
-                <a:srgbClr val="5E9A36"/>
+                <a:srgbClr val="141414"/>
               </a:buClr>
-              <a:buSzTx/>
-              <a:buFont typeface="Wingdings" panose="05000000000000000000" pitchFamily="2" charset="2"/>
-              <a:buChar char="§"/>
-              <a:tabLst/>
-              <a:defRPr sz="2000" kern="1200">
-                <a:solidFill>
-                  <a:schemeClr val="tx2"/>
-                </a:solidFill>
-                <a:latin typeface="+mn-lt"/>
-                <a:ea typeface="+mn-ea"/>
-                <a:cs typeface="+mn-cs"/>
-              </a:defRPr>
-            </a:lvl2pPr>
-            <a:lvl3pPr marL="628650" marR="0" indent="-176213" algn="l" defTabSz="457200" rtl="0" eaLnBrk="1" fontAlgn="auto" latinLnBrk="0" hangingPunct="1">
-              <a:lnSpc>
-                <a:spcPct val="100000"/>
-              </a:lnSpc>
-              <a:spcBef>
-                <a:spcPct val="20000"/>
-              </a:spcBef>
-              <a:spcAft>
-                <a:spcPts val="0"/>
-              </a:spcAft>
+              <a:buFont typeface="Wingdings" charset="2"/>
+              <a:buChar char="q"/>
+            </a:pPr>
+            <a:r>
+              <a:rPr lang="en-US" sz="1400" b="0" strike="noStrike" spc="-1" dirty="0" smtClean="0">
+                <a:solidFill>
+                  <a:srgbClr val="141414"/>
+                </a:solidFill>
+                <a:latin typeface="Arial"/>
+              </a:rPr>
+              <a:t>Validate the nodes</a:t>
+            </a:r>
+          </a:p>
+          <a:p>
+            <a:pPr marL="286110" indent="-285750" algn="just">
+              <a:lnSpc>
+                <a:spcPct val="100000"/>
+              </a:lnSpc>
+              <a:spcBef>
+                <a:spcPts val="281"/>
+              </a:spcBef>
               <a:buClr>
-                <a:srgbClr val="5E9A36"/>
+                <a:srgbClr val="141414"/>
               </a:buClr>
-              <a:buSzTx/>
-              <a:buFont typeface="Arial" panose="020B0604020202020204" pitchFamily="34" charset="0"/>
-              <a:buChar char="–"/>
-              <a:tabLst/>
-              <a:defRPr sz="1800" kern="1200">
-                <a:solidFill>
-                  <a:schemeClr val="tx2"/>
-                </a:solidFill>
-                <a:latin typeface="+mn-lt"/>
-                <a:ea typeface="+mn-ea"/>
-                <a:cs typeface="+mn-cs"/>
-              </a:defRPr>
-            </a:lvl3pPr>
-            <a:lvl4pPr marL="858838" marR="0" indent="-115888" algn="l" defTabSz="457200" rtl="0" eaLnBrk="1" fontAlgn="auto" latinLnBrk="0" hangingPunct="1">
-              <a:lnSpc>
-                <a:spcPct val="100000"/>
-              </a:lnSpc>
-              <a:spcBef>
-                <a:spcPct val="20000"/>
-              </a:spcBef>
-              <a:spcAft>
-                <a:spcPts val="0"/>
-              </a:spcAft>
+              <a:buFont typeface="Wingdings" charset="2"/>
+              <a:buChar char="q"/>
+            </a:pPr>
+            <a:endParaRPr lang="en-US" sz="1400" spc="-1" dirty="0">
+              <a:solidFill>
+                <a:srgbClr val="141414"/>
+              </a:solidFill>
+              <a:latin typeface="Arial"/>
+            </a:endParaRPr>
+          </a:p>
+          <a:p>
+            <a:pPr marL="286110" indent="-285750" algn="just">
+              <a:lnSpc>
+                <a:spcPct val="100000"/>
+              </a:lnSpc>
+              <a:spcBef>
+                <a:spcPts val="281"/>
+              </a:spcBef>
               <a:buClr>
-                <a:srgbClr val="5E9A36"/>
+                <a:srgbClr val="141414"/>
               </a:buClr>
-              <a:buSzTx/>
-              <a:buFont typeface="Arial" panose="020B0604020202020204" pitchFamily="34" charset="0"/>
-              <a:buChar char="•"/>
-              <a:tabLst/>
-              <a:defRPr sz="1600" kern="1200">
-                <a:solidFill>
-                  <a:schemeClr val="tx2"/>
-                </a:solidFill>
-                <a:latin typeface="+mn-lt"/>
-                <a:ea typeface="+mn-ea"/>
-                <a:cs typeface="+mn-cs"/>
-              </a:defRPr>
-            </a:lvl4pPr>
-            <a:lvl5pPr marL="1144588" marR="0" indent="-176213" algn="l" defTabSz="457200" rtl="0" eaLnBrk="1" fontAlgn="auto" latinLnBrk="0" hangingPunct="1">
-              <a:lnSpc>
-                <a:spcPct val="100000"/>
-              </a:lnSpc>
-              <a:spcBef>
-                <a:spcPct val="20000"/>
-              </a:spcBef>
-              <a:spcAft>
-                <a:spcPts val="0"/>
-              </a:spcAft>
+              <a:buFont typeface="Wingdings" charset="2"/>
+              <a:buChar char="q"/>
+            </a:pPr>
+            <a:endParaRPr lang="en-US" sz="1400" b="0" strike="noStrike" spc="-1" dirty="0" smtClean="0">
+              <a:solidFill>
+                <a:srgbClr val="141414"/>
+              </a:solidFill>
+              <a:latin typeface="Arial"/>
+            </a:endParaRPr>
+          </a:p>
+          <a:p>
+            <a:pPr marL="286110" indent="-285750" algn="just">
+              <a:lnSpc>
+                <a:spcPct val="100000"/>
+              </a:lnSpc>
+              <a:spcBef>
+                <a:spcPts val="281"/>
+              </a:spcBef>
               <a:buClr>
-                <a:srgbClr val="5E9A36"/>
+                <a:srgbClr val="141414"/>
               </a:buClr>
-              <a:buSzTx/>
-              <a:buFont typeface="Arial"/>
-              <a:buChar char="»"/>
-              <a:tabLst/>
-              <a:defRPr sz="1600" kern="1200">
-                <a:solidFill>
-                  <a:schemeClr val="tx2"/>
-                </a:solidFill>
-                <a:latin typeface="+mn-lt"/>
-                <a:ea typeface="+mn-ea"/>
-                <a:cs typeface="+mn-cs"/>
-              </a:defRPr>
-            </a:lvl5pPr>
-            <a:lvl6pPr marL="2514600" indent="-228600" algn="l" defTabSz="457200" rtl="0" eaLnBrk="1" latinLnBrk="0" hangingPunct="1">
-              <a:spcBef>
-                <a:spcPct val="20000"/>
-              </a:spcBef>
-              <a:buFont typeface="Arial"/>
-              <a:buChar char="•"/>
-              <a:defRPr sz="2000" kern="1200">
-                <a:solidFill>
-                  <a:schemeClr val="tx1"/>
-                </a:solidFill>
-                <a:latin typeface="+mn-lt"/>
-                <a:ea typeface="+mn-ea"/>
-                <a:cs typeface="+mn-cs"/>
-              </a:defRPr>
-            </a:lvl6pPr>
-            <a:lvl7pPr marL="2971800" indent="-228600" algn="l" defTabSz="457200" rtl="0" eaLnBrk="1" latinLnBrk="0" hangingPunct="1">
-              <a:spcBef>
-                <a:spcPct val="20000"/>
-              </a:spcBef>
-              <a:buFont typeface="Arial"/>
-              <a:buChar char="•"/>
-              <a:defRPr sz="2000" kern="1200">
-                <a:solidFill>
-                  <a:schemeClr val="tx1"/>
-                </a:solidFill>
-                <a:latin typeface="+mn-lt"/>
-                <a:ea typeface="+mn-ea"/>
-                <a:cs typeface="+mn-cs"/>
-              </a:defRPr>
-            </a:lvl7pPr>
-            <a:lvl8pPr marL="3429000" indent="-228600" algn="l" defTabSz="457200" rtl="0" eaLnBrk="1" latinLnBrk="0" hangingPunct="1">
-              <a:spcBef>
-                <a:spcPct val="20000"/>
-              </a:spcBef>
-              <a:buFont typeface="Arial"/>
-              <a:buChar char="•"/>
-              <a:defRPr sz="2000" kern="1200">
-                <a:solidFill>
-                  <a:schemeClr val="tx1"/>
-                </a:solidFill>
-                <a:latin typeface="+mn-lt"/>
-                <a:ea typeface="+mn-ea"/>
-                <a:cs typeface="+mn-cs"/>
-              </a:defRPr>
-            </a:lvl8pPr>
-            <a:lvl9pPr marL="3886200" indent="-228600" algn="l" defTabSz="457200" rtl="0" eaLnBrk="1" latinLnBrk="0" hangingPunct="1">
-              <a:spcBef>
-                <a:spcPct val="20000"/>
-              </a:spcBef>
-              <a:buFont typeface="Arial"/>
-              <a:buChar char="•"/>
-              <a:defRPr sz="2000" kern="1200">
-                <a:solidFill>
-                  <a:schemeClr val="tx1"/>
-                </a:solidFill>
-                <a:latin typeface="+mn-lt"/>
-                <a:ea typeface="+mn-ea"/>
-                <a:cs typeface="+mn-cs"/>
-              </a:defRPr>
-            </a:lvl9pPr>
-          </a:lstStyle>
-          <a:p>
-            <a:pPr marL="285750" indent="-285750" algn="just">
-              <a:buFont typeface="Arial" panose="020B0604020202020204" pitchFamily="34" charset="0"/>
-              <a:buChar char="•"/>
-            </a:pPr>
+              <a:buFont typeface="Wingdings" charset="2"/>
+              <a:buChar char="q"/>
+            </a:pPr>
+            <a:endParaRPr lang="en-US" sz="1400" spc="-1" dirty="0">
+              <a:solidFill>
+                <a:srgbClr val="141414"/>
+              </a:solidFill>
+              <a:latin typeface="Arial"/>
+            </a:endParaRPr>
+          </a:p>
+          <a:p>
+            <a:pPr marL="286110" indent="-285750" algn="just">
+              <a:lnSpc>
+                <a:spcPct val="100000"/>
+              </a:lnSpc>
+              <a:spcBef>
+                <a:spcPts val="281"/>
+              </a:spcBef>
+              <a:buClr>
+                <a:srgbClr val="141414"/>
+              </a:buClr>
+              <a:buFont typeface="Wingdings" charset="2"/>
+              <a:buChar char="q"/>
+            </a:pPr>
+            <a:endParaRPr lang="en-US" sz="1400" b="0" strike="noStrike" spc="-1" dirty="0" smtClean="0">
+              <a:solidFill>
+                <a:srgbClr val="141414"/>
+              </a:solidFill>
+              <a:latin typeface="Arial"/>
+            </a:endParaRPr>
+          </a:p>
+          <a:p>
+            <a:pPr marL="286110" indent="-285750" algn="just">
+              <a:lnSpc>
+                <a:spcPct val="100000"/>
+              </a:lnSpc>
+              <a:spcBef>
+                <a:spcPts val="281"/>
+              </a:spcBef>
+              <a:buClr>
+                <a:srgbClr val="141414"/>
+              </a:buClr>
+              <a:buFont typeface="Wingdings" charset="2"/>
+              <a:buChar char="q"/>
+            </a:pPr>
+            <a:endParaRPr lang="en-US" sz="1400" spc="-1" dirty="0">
+              <a:solidFill>
+                <a:srgbClr val="141414"/>
+              </a:solidFill>
+              <a:latin typeface="Arial"/>
+            </a:endParaRPr>
+          </a:p>
+          <a:p>
+            <a:pPr marL="286110" indent="-285750" algn="just">
+              <a:lnSpc>
+                <a:spcPct val="100000"/>
+              </a:lnSpc>
+              <a:spcBef>
+                <a:spcPts val="281"/>
+              </a:spcBef>
+              <a:buClr>
+                <a:srgbClr val="141414"/>
+              </a:buClr>
+              <a:buFont typeface="Wingdings" charset="2"/>
+              <a:buChar char="q"/>
+            </a:pPr>
+            <a:endParaRPr lang="en-US" sz="1400" b="0" strike="noStrike" spc="-1" dirty="0" smtClean="0">
+              <a:solidFill>
+                <a:srgbClr val="141414"/>
+              </a:solidFill>
+              <a:latin typeface="Arial"/>
+            </a:endParaRPr>
+          </a:p>
+          <a:p>
+            <a:pPr marL="286110" indent="-285750" algn="just">
+              <a:lnSpc>
+                <a:spcPct val="100000"/>
+              </a:lnSpc>
+              <a:spcBef>
+                <a:spcPts val="281"/>
+              </a:spcBef>
+              <a:buClr>
+                <a:srgbClr val="141414"/>
+              </a:buClr>
+              <a:buFont typeface="Wingdings" charset="2"/>
+              <a:buChar char="q"/>
+            </a:pPr>
+            <a:r>
+              <a:rPr lang="en-US" sz="1400" spc="-1" dirty="0" smtClean="0">
+                <a:solidFill>
+                  <a:srgbClr val="141414"/>
+                </a:solidFill>
+                <a:latin typeface="Arial"/>
+              </a:rPr>
+              <a:t>Get the OS/ Other Information about the node</a:t>
+            </a:r>
+          </a:p>
+          <a:p>
+            <a:pPr marL="286110" indent="-285750" algn="just">
+              <a:lnSpc>
+                <a:spcPct val="100000"/>
+              </a:lnSpc>
+              <a:spcBef>
+                <a:spcPts val="281"/>
+              </a:spcBef>
+              <a:buClr>
+                <a:srgbClr val="141414"/>
+              </a:buClr>
+              <a:buFont typeface="Wingdings" charset="2"/>
+              <a:buChar char="q"/>
+            </a:pPr>
+            <a:endParaRPr lang="en-US" sz="1400" b="0" strike="noStrike" spc="-1" dirty="0">
+              <a:solidFill>
+                <a:srgbClr val="141414"/>
+              </a:solidFill>
+              <a:latin typeface="Arial"/>
+            </a:endParaRPr>
+          </a:p>
+          <a:p>
+            <a:pPr marL="457560" lvl="1" algn="just">
+              <a:spcBef>
+                <a:spcPts val="281"/>
+              </a:spcBef>
+              <a:buClr>
+                <a:srgbClr val="141414"/>
+              </a:buClr>
+            </a:pPr>
+            <a:r>
+              <a:rPr lang="en-US" sz="1400" dirty="0" err="1" smtClean="0"/>
+              <a:t>kubectl</a:t>
+            </a:r>
             <a:r>
               <a:rPr lang="en-US" sz="1400" dirty="0" smtClean="0"/>
-              <a:t>Create </a:t>
+              <a:t> </a:t>
             </a:r>
             <a:r>
               <a:rPr lang="en-US" sz="1400" dirty="0"/>
-              <a:t>the Service </a:t>
-            </a:r>
-            <a:r>
-              <a:rPr lang="en-US" sz="1400" b="1" dirty="0" smtClean="0"/>
-              <a:t>prod-</a:t>
-            </a:r>
-            <a:r>
-              <a:rPr lang="en-US" sz="1400" b="1" dirty="0" err="1" smtClean="0"/>
-              <a:t>spboot</a:t>
-            </a:r>
-            <a:r>
-              <a:rPr lang="en-US" sz="1400" b="1" dirty="0" smtClean="0"/>
-              <a:t>-</a:t>
-            </a:r>
-            <a:r>
-              <a:rPr lang="en-US" sz="1400" b="1" dirty="0" err="1" smtClean="0"/>
-              <a:t>service.yaml</a:t>
-            </a:r>
-            <a:r>
-              <a:rPr lang="en-US" sz="1400" b="1" dirty="0" smtClean="0"/>
-              <a:t> </a:t>
-            </a:r>
-          </a:p>
-          <a:p>
-            <a:pPr marL="285750" indent="-285750" algn="just">
-              <a:buFont typeface="Arial" panose="020B0604020202020204" pitchFamily="34" charset="0"/>
-              <a:buChar char="•"/>
-            </a:pPr>
+              <a:t>describe node gke-spbootcls-default-pool-3abca70c-</a:t>
+            </a:r>
             <a:r>
               <a:rPr lang="en-US" sz="1400" dirty="0" smtClean="0"/>
-              <a:t>Get all services in Kubernetes cluster</a:t>
-            </a:r>
-          </a:p>
-          <a:p>
-            <a:pPr marL="285750" indent="-285750" algn="just">
-              <a:buFont typeface="Arial" panose="020B0604020202020204" pitchFamily="34" charset="0"/>
-              <a:buChar char="•"/>
-            </a:pPr>
-            <a:endParaRPr lang="en-US" sz="1400" b="1" dirty="0" smtClean="0"/>
-          </a:p>
-          <a:p>
-            <a:pPr marL="285750" indent="-285750" algn="just">
-              <a:buFont typeface="Arial" panose="020B0604020202020204" pitchFamily="34" charset="0"/>
-              <a:buChar char="•"/>
-            </a:pPr>
-            <a:endParaRPr lang="en-US" sz="1400" b="1" dirty="0"/>
-          </a:p>
-          <a:p>
-            <a:pPr marL="285750" indent="-285750" algn="just">
-              <a:buFont typeface="Arial" panose="020B0604020202020204" pitchFamily="34" charset="0"/>
-              <a:buChar char="•"/>
-            </a:pPr>
-            <a:endParaRPr lang="en-US" sz="1400" b="1" dirty="0" smtClean="0"/>
-          </a:p>
-          <a:p>
-            <a:pPr marL="285750" indent="-285750" algn="just">
-              <a:buFont typeface="Arial" panose="020B0604020202020204" pitchFamily="34" charset="0"/>
-              <a:buChar char="•"/>
-            </a:pPr>
-            <a:endParaRPr lang="en-US" sz="1400" b="1" dirty="0"/>
-          </a:p>
-          <a:p>
-            <a:pPr marL="285750" indent="-285750" algn="just">
-              <a:buFont typeface="Arial" panose="020B0604020202020204" pitchFamily="34" charset="0"/>
-              <a:buChar char="•"/>
-            </a:pPr>
-            <a:endParaRPr lang="en-US" sz="1400" b="1" dirty="0" smtClean="0"/>
-          </a:p>
-          <a:p>
-            <a:pPr marL="285750" indent="-285750" algn="just">
-              <a:buFont typeface="Arial" panose="020B0604020202020204" pitchFamily="34" charset="0"/>
-              <a:buChar char="•"/>
-            </a:pPr>
-            <a:endParaRPr lang="en-US" sz="1400" b="1" dirty="0"/>
-          </a:p>
-          <a:p>
-            <a:pPr marL="285750" indent="-285750" algn="just">
-              <a:buFont typeface="Arial" panose="020B0604020202020204" pitchFamily="34" charset="0"/>
-              <a:buChar char="•"/>
-            </a:pPr>
-            <a:endParaRPr lang="en-US" sz="1400" b="1" dirty="0" smtClean="0"/>
-          </a:p>
-          <a:p>
-            <a:pPr marL="285750" indent="-285750" algn="just">
-              <a:buFont typeface="Arial" panose="020B0604020202020204" pitchFamily="34" charset="0"/>
-              <a:buChar char="•"/>
-            </a:pPr>
-            <a:endParaRPr lang="en-US" sz="1400" b="1" dirty="0"/>
-          </a:p>
-          <a:p>
-            <a:pPr marL="285750" indent="-285750" algn="just">
-              <a:buFont typeface="Arial" panose="020B0604020202020204" pitchFamily="34" charset="0"/>
-              <a:buChar char="•"/>
-            </a:pPr>
-            <a:r>
-              <a:rPr lang="en-US" sz="1400" dirty="0" smtClean="0"/>
-              <a:t>To get the Node IP and Port for the service use</a:t>
-            </a:r>
-          </a:p>
-          <a:p>
-            <a:pPr marL="682625" lvl="1" indent="-285750" algn="just">
-              <a:buFont typeface="Arial" panose="020B0604020202020204" pitchFamily="34" charset="0"/>
-              <a:buChar char="•"/>
-            </a:pPr>
-            <a:r>
-              <a:rPr lang="en-US" sz="1200" dirty="0" err="1" smtClean="0"/>
-              <a:t>minikube</a:t>
-            </a:r>
-            <a:r>
-              <a:rPr lang="en-US" sz="1200" dirty="0" smtClean="0"/>
-              <a:t> service prod-</a:t>
-            </a:r>
-            <a:r>
-              <a:rPr lang="en-US" sz="1200" dirty="0" err="1" smtClean="0"/>
-              <a:t>spboot</a:t>
-            </a:r>
-            <a:r>
-              <a:rPr lang="en-US" sz="1200" dirty="0" smtClean="0"/>
-              <a:t>-service --</a:t>
-            </a:r>
-            <a:r>
-              <a:rPr lang="en-US" sz="1200" dirty="0" err="1" smtClean="0"/>
-              <a:t>url</a:t>
-            </a:r>
-            <a:endParaRPr lang="en-US" sz="1200" b="1" dirty="0" smtClean="0"/>
-          </a:p>
-          <a:p>
-            <a:pPr algn="just"/>
-            <a:r>
-              <a:rPr lang="en-US" sz="1400" dirty="0" smtClean="0"/>
-              <a:t>  </a:t>
-            </a:r>
-          </a:p>
-          <a:p>
-            <a:pPr algn="just"/>
-            <a:endParaRPr lang="en-US" sz="1400" dirty="0"/>
-          </a:p>
-          <a:p>
-            <a:pPr algn="just"/>
-            <a:endParaRPr lang="en-US" sz="1400" dirty="0" smtClean="0"/>
-          </a:p>
-          <a:p>
-            <a:pPr marL="285750" indent="-285750" algn="just">
-              <a:buFont typeface="Arial" panose="020B0604020202020204" pitchFamily="34" charset="0"/>
-              <a:buChar char="•"/>
-            </a:pPr>
-            <a:endParaRPr lang="en-US" sz="1400" dirty="0"/>
+              <a:t>tl48</a:t>
+            </a:r>
+          </a:p>
+          <a:p>
+            <a:pPr marL="457560" lvl="1" algn="just">
+              <a:spcBef>
+                <a:spcPts val="281"/>
+              </a:spcBef>
+              <a:buClr>
+                <a:srgbClr val="141414"/>
+              </a:buClr>
+            </a:pPr>
+            <a:endParaRPr lang="en-US" sz="1400" spc="-1" dirty="0">
+              <a:solidFill>
+                <a:srgbClr val="141414"/>
+              </a:solidFill>
+            </a:endParaRPr>
+          </a:p>
+          <a:p>
+            <a:pPr marL="286110" indent="-285750" algn="just">
+              <a:spcBef>
+                <a:spcPts val="281"/>
+              </a:spcBef>
+              <a:buClr>
+                <a:srgbClr val="141414"/>
+              </a:buClr>
+              <a:buFont typeface="Wingdings" charset="2"/>
+              <a:buChar char="q"/>
+            </a:pPr>
+            <a:r>
+              <a:rPr lang="en-US" sz="1400" spc="-1" dirty="0" smtClean="0">
+                <a:solidFill>
+                  <a:srgbClr val="141414"/>
+                </a:solidFill>
+              </a:rPr>
+              <a:t>SSH to the remote node</a:t>
+            </a:r>
+          </a:p>
+          <a:p>
+            <a:pPr marL="286110" indent="-285750" algn="just">
+              <a:spcBef>
+                <a:spcPts val="281"/>
+              </a:spcBef>
+              <a:buClr>
+                <a:srgbClr val="141414"/>
+              </a:buClr>
+              <a:buFont typeface="Wingdings" charset="2"/>
+              <a:buChar char="q"/>
+            </a:pPr>
+            <a:endParaRPr lang="en-US" sz="1400" spc="-1" dirty="0">
+              <a:solidFill>
+                <a:srgbClr val="141414"/>
+              </a:solidFill>
+            </a:endParaRPr>
+          </a:p>
+          <a:p>
+            <a:pPr marL="457560" lvl="1" algn="just">
+              <a:spcBef>
+                <a:spcPts val="281"/>
+              </a:spcBef>
+              <a:buClr>
+                <a:srgbClr val="141414"/>
+              </a:buClr>
+            </a:pPr>
+            <a:r>
+              <a:rPr lang="en-US" sz="1400" dirty="0" err="1"/>
+              <a:t>gcloud</a:t>
+            </a:r>
+            <a:r>
+              <a:rPr lang="en-US" sz="1400" dirty="0"/>
+              <a:t> compute </a:t>
+            </a:r>
+            <a:r>
+              <a:rPr lang="en-US" sz="1400" dirty="0" err="1"/>
+              <a:t>ssh</a:t>
+            </a:r>
+            <a:r>
+              <a:rPr lang="en-US" sz="1400" dirty="0"/>
+              <a:t> gke-spbootcls-default-pool-3abca70c-tl48</a:t>
+            </a:r>
+            <a:endParaRPr lang="en-US" sz="1400" spc="-1" dirty="0" smtClean="0">
+              <a:solidFill>
+                <a:srgbClr val="141414"/>
+              </a:solidFill>
+            </a:endParaRPr>
+          </a:p>
+          <a:p>
+            <a:pPr marL="360" algn="just">
+              <a:spcBef>
+                <a:spcPts val="281"/>
+              </a:spcBef>
+              <a:buClr>
+                <a:srgbClr val="141414"/>
+              </a:buClr>
+            </a:pPr>
+            <a:endParaRPr lang="en-US" sz="1400" spc="-1" dirty="0">
+              <a:solidFill>
+                <a:srgbClr val="141414"/>
+              </a:solidFill>
+            </a:endParaRPr>
+          </a:p>
+          <a:p>
+            <a:pPr marL="360" algn="just">
+              <a:spcBef>
+                <a:spcPts val="281"/>
+              </a:spcBef>
+              <a:buClr>
+                <a:srgbClr val="141414"/>
+              </a:buClr>
+            </a:pPr>
+            <a:endParaRPr lang="en-US" sz="1400" spc="-1" dirty="0">
+              <a:solidFill>
+                <a:srgbClr val="141414"/>
+              </a:solidFill>
+            </a:endParaRPr>
+          </a:p>
+          <a:p>
+            <a:pPr marL="457560" lvl="1" algn="just">
+              <a:spcBef>
+                <a:spcPts val="281"/>
+              </a:spcBef>
+              <a:buClr>
+                <a:srgbClr val="141414"/>
+              </a:buClr>
+            </a:pPr>
+            <a:endParaRPr lang="en-US" sz="1400" b="0" strike="noStrike" spc="-1" dirty="0" smtClean="0">
+              <a:solidFill>
+                <a:srgbClr val="141414"/>
+              </a:solidFill>
+              <a:latin typeface="Arial"/>
+            </a:endParaRPr>
+          </a:p>
+          <a:p>
+            <a:pPr algn="just">
+              <a:lnSpc>
+                <a:spcPct val="100000"/>
+              </a:lnSpc>
+              <a:spcBef>
+                <a:spcPts val="281"/>
+              </a:spcBef>
+            </a:pPr>
+            <a:endParaRPr lang="en-US" sz="1400" b="0" strike="noStrike" spc="-1" dirty="0">
+              <a:latin typeface="Arial"/>
+            </a:endParaRPr>
+          </a:p>
+          <a:p>
+            <a:pPr algn="just">
+              <a:lnSpc>
+                <a:spcPct val="100000"/>
+              </a:lnSpc>
+              <a:spcBef>
+                <a:spcPts val="281"/>
+              </a:spcBef>
+            </a:pPr>
+            <a:endParaRPr lang="en-US" sz="1400" b="0" strike="noStrike" spc="-1" dirty="0">
+              <a:latin typeface="Arial"/>
+            </a:endParaRPr>
           </a:p>
         </p:txBody>
       </p:sp>
       <p:pic>
         <p:nvPicPr>
-          <p:cNvPr id="5" name="Picture 4"/>
+          <p:cNvPr id="3" name="Picture 2"/>
           <p:cNvPicPr>
             <a:picLocks noChangeAspect="1"/>
           </p:cNvPicPr>
@@ -12223,8 +12191,32 @@
         </p:blipFill>
         <p:spPr>
           <a:xfrm>
-            <a:off x="175260" y="1310640"/>
-            <a:ext cx="8854440" cy="1531620"/>
+            <a:off x="139700" y="876300"/>
+            <a:ext cx="8890000" cy="1181100"/>
+          </a:xfrm>
+          <a:prstGeom prst="rect">
+            <a:avLst/>
+          </a:prstGeom>
+        </p:spPr>
+      </p:pic>
+      <p:pic>
+        <p:nvPicPr>
+          <p:cNvPr id="8" name="Picture 7"/>
+          <p:cNvPicPr>
+            <a:picLocks noChangeAspect="1"/>
+          </p:cNvPicPr>
+          <p:nvPr/>
+        </p:nvPicPr>
+        <p:blipFill>
+          <a:blip r:embed="rId3"/>
+          <a:stretch>
+            <a:fillRect/>
+          </a:stretch>
+        </p:blipFill>
+        <p:spPr>
+          <a:xfrm>
+            <a:off x="0" y="4279900"/>
+            <a:ext cx="9144000" cy="812800"/>
           </a:xfrm>
           <a:prstGeom prst="rect">
             <a:avLst/>
@@ -12234,7 +12226,7 @@
     </p:spTree>
     <p:extLst>
       <p:ext uri="{BB962C8B-B14F-4D97-AF65-F5344CB8AC3E}">
-        <p14:creationId xmlns:p14="http://schemas.microsoft.com/office/powerpoint/2010/main" val="3972900828"/>
+        <p14:creationId xmlns:p14="http://schemas.microsoft.com/office/powerpoint/2010/main" val="2385284014"/>
       </p:ext>
     </p:extLst>
   </p:cSld>
@@ -12244,7 +12236,7 @@
   <p:timing>
     <p:tnLst>
       <p:par>
-        <p:cTn id="1" dur="indefinite" restart="never" nodeType="tmRoot"/>
+        <p:cTn xmlns:p14="http://schemas.microsoft.com/office/powerpoint/2010/main" id="1" dur="indefinite" restart="never" nodeType="tmRoot"/>
       </p:par>
     </p:tnLst>
   </p:timing>
@@ -12270,471 +12262,605 @@
       </p:grpSpPr>
       <p:sp>
         <p:nvSpPr>
-          <p:cNvPr id="227" name="TextShape 1"/>
-          <p:cNvSpPr txBox="1"/>
-          <p:nvPr/>
-        </p:nvSpPr>
-        <p:spPr>
-          <a:xfrm>
-            <a:off x="-155160" y="4743360"/>
-            <a:ext cx="538920" cy="375480"/>
-          </a:xfrm>
-          <a:prstGeom prst="rect">
-            <a:avLst/>
-          </a:prstGeom>
-          <a:noFill/>
-          <a:ln>
-            <a:noFill/>
-          </a:ln>
-        </p:spPr>
-        <p:txBody>
-          <a:bodyPr anchor="ctr"/>
-          <a:lstStyle/>
-          <a:p>
-            <a:pPr algn="r">
-              <a:lnSpc>
-                <a:spcPct val="100000"/>
-              </a:lnSpc>
-            </a:pPr>
-            <a:fld id="{BE76E13D-2797-4758-B9BE-E96D5D427863}" type="slidenum">
-              <a:rPr lang="en-US" sz="1050" b="1" strike="noStrike" spc="-1">
-                <a:solidFill>
-                  <a:srgbClr val="FFFFFF"/>
-                </a:solidFill>
-                <a:latin typeface="Arial"/>
-              </a:rPr>
+          <p:cNvPr id="2" name="Slide Number Placeholder 1"/>
+          <p:cNvSpPr>
+            <a:spLocks noGrp="1"/>
+          </p:cNvSpPr>
+          <p:nvPr>
+            <p:ph type="sldNum" sz="quarter" idx="12"/>
+          </p:nvPr>
+        </p:nvSpPr>
+        <p:spPr/>
+        <p:txBody>
+          <a:bodyPr/>
+          <a:lstStyle/>
+          <a:p>
+            <a:fld id="{B32AB80A-78BA-6B42-BA0D-B44ACF890F5A}" type="slidenum">
+              <a:rPr lang="en-US" smtClean="0"/>
               <a:t>14</a:t>
             </a:fld>
-            <a:endParaRPr lang="en-US" sz="1050" b="0" strike="noStrike" spc="-1">
-              <a:latin typeface="Times New Roman"/>
-            </a:endParaRPr>
-          </a:p>
-        </p:txBody>
-      </p:sp>
-      <p:sp>
-        <p:nvSpPr>
-          <p:cNvPr id="228" name="TextShape 2"/>
-          <p:cNvSpPr txBox="1"/>
+            <a:endParaRPr lang="en-US" dirty="0"/>
+          </a:p>
+        </p:txBody>
+      </p:sp>
+      <p:sp>
+        <p:nvSpPr>
+          <p:cNvPr id="4" name="Title 3"/>
+          <p:cNvSpPr>
+            <a:spLocks noGrp="1"/>
+          </p:cNvSpPr>
+          <p:nvPr>
+            <p:ph type="title"/>
+          </p:nvPr>
+        </p:nvSpPr>
+        <p:spPr/>
+        <p:txBody>
+          <a:bodyPr/>
+          <a:lstStyle/>
+          <a:p>
+            <a:r>
+              <a:rPr lang="en-US" sz="2400" dirty="0" smtClean="0"/>
+              <a:t>Kubernetes Objects - Service</a:t>
+            </a:r>
+            <a:endParaRPr lang="en-US" sz="2400" dirty="0"/>
+          </a:p>
+        </p:txBody>
+      </p:sp>
+      <p:sp>
+        <p:nvSpPr>
+          <p:cNvPr id="7" name="Text Placeholder 2"/>
+          <p:cNvSpPr txBox="1">
+            <a:spLocks/>
+          </p:cNvSpPr>
           <p:nvPr/>
         </p:nvSpPr>
         <p:spPr>
           <a:xfrm>
-            <a:off x="114480" y="100080"/>
-            <a:ext cx="8915040" cy="297000"/>
-          </a:xfrm>
-          <a:prstGeom prst="rect">
-            <a:avLst/>
-          </a:prstGeom>
-          <a:noFill/>
-          <a:ln>
-            <a:noFill/>
-          </a:ln>
-        </p:spPr>
-        <p:txBody>
-          <a:bodyPr lIns="0" anchor="ctr"/>
-          <a:lstStyle/>
-          <a:p>
-            <a:pPr>
-              <a:lnSpc>
-                <a:spcPct val="100000"/>
-              </a:lnSpc>
-            </a:pPr>
-            <a:r>
-              <a:rPr lang="en-US" sz="2200" b="0" strike="noStrike" spc="-1">
-                <a:solidFill>
-                  <a:srgbClr val="23D2FF"/>
-                </a:solidFill>
-                <a:latin typeface="Arial"/>
-              </a:rPr>
-              <a:t>Kubernetes Deploying First Application</a:t>
-            </a:r>
-            <a:endParaRPr lang="en-US" sz="2200" b="0" strike="noStrike" spc="-1">
-              <a:solidFill>
-                <a:srgbClr val="50B3CF"/>
-              </a:solidFill>
-              <a:latin typeface="Arial"/>
-            </a:endParaRPr>
-          </a:p>
-        </p:txBody>
-      </p:sp>
-      <p:sp>
-        <p:nvSpPr>
-          <p:cNvPr id="229" name="CustomShape 3"/>
-          <p:cNvSpPr/>
-          <p:nvPr/>
-        </p:nvSpPr>
-        <p:spPr>
-          <a:xfrm>
-            <a:off x="44640" y="541800"/>
-            <a:ext cx="8915040" cy="4264920"/>
-          </a:xfrm>
-          <a:prstGeom prst="rect">
-            <a:avLst/>
-          </a:prstGeom>
-          <a:noFill/>
-          <a:ln>
-            <a:noFill/>
-          </a:ln>
-        </p:spPr>
-        <p:style>
-          <a:lnRef idx="0">
-            <a:scrgbClr r="0" g="0" b="0"/>
-          </a:lnRef>
-          <a:fillRef idx="0">
-            <a:scrgbClr r="0" g="0" b="0"/>
-          </a:fillRef>
-          <a:effectRef idx="0">
-            <a:scrgbClr r="0" g="0" b="0"/>
-          </a:effectRef>
-          <a:fontRef idx="minor"/>
-        </p:style>
-        <p:txBody>
-          <a:bodyPr lIns="90000" tIns="45000" rIns="90000" bIns="45000">
+            <a:off x="45720" y="541902"/>
+            <a:ext cx="9098279" cy="4265440"/>
+          </a:xfrm>
+          <a:prstGeom prst="rect">
+            <a:avLst/>
+          </a:prstGeom>
+        </p:spPr>
+        <p:txBody>
+          <a:bodyPr vert="horz">
             <a:normAutofit/>
           </a:bodyPr>
-          <a:lstStyle/>
-          <a:p>
-            <a:pPr marL="285840" indent="-285480" algn="just">
-              <a:lnSpc>
-                <a:spcPct val="100000"/>
-              </a:lnSpc>
-              <a:spcBef>
-                <a:spcPts val="281"/>
-              </a:spcBef>
+          <a:lstStyle>
+            <a:lvl1pPr marL="0" indent="0" algn="l" defTabSz="457200" rtl="0" eaLnBrk="1" latinLnBrk="0" hangingPunct="1">
+              <a:spcBef>
+                <a:spcPct val="20000"/>
+              </a:spcBef>
+              <a:buFont typeface="Arial"/>
+              <a:buNone/>
+              <a:defRPr sz="2400" kern="1200">
+                <a:solidFill>
+                  <a:schemeClr val="tx2"/>
+                </a:solidFill>
+                <a:latin typeface="+mn-lt"/>
+                <a:ea typeface="+mn-ea"/>
+                <a:cs typeface="+mn-cs"/>
+              </a:defRPr>
+            </a:lvl1pPr>
+            <a:lvl2pPr marL="396875" marR="0" indent="-171450" algn="l" defTabSz="457200" rtl="0" eaLnBrk="1" fontAlgn="auto" latinLnBrk="0" hangingPunct="1">
+              <a:lnSpc>
+                <a:spcPct val="100000"/>
+              </a:lnSpc>
+              <a:spcBef>
+                <a:spcPct val="20000"/>
+              </a:spcBef>
+              <a:spcAft>
+                <a:spcPts val="0"/>
+              </a:spcAft>
               <a:buClr>
-                <a:srgbClr val="141414"/>
+                <a:srgbClr val="5E9A36"/>
               </a:buClr>
+              <a:buSzTx/>
+              <a:buFont typeface="Wingdings" panose="05000000000000000000" pitchFamily="2" charset="2"/>
+              <a:buChar char="§"/>
+              <a:tabLst/>
+              <a:defRPr sz="2000" kern="1200">
+                <a:solidFill>
+                  <a:schemeClr val="tx2"/>
+                </a:solidFill>
+                <a:latin typeface="+mn-lt"/>
+                <a:ea typeface="+mn-ea"/>
+                <a:cs typeface="+mn-cs"/>
+              </a:defRPr>
+            </a:lvl2pPr>
+            <a:lvl3pPr marL="628650" marR="0" indent="-176213" algn="l" defTabSz="457200" rtl="0" eaLnBrk="1" fontAlgn="auto" latinLnBrk="0" hangingPunct="1">
+              <a:lnSpc>
+                <a:spcPct val="100000"/>
+              </a:lnSpc>
+              <a:spcBef>
+                <a:spcPct val="20000"/>
+              </a:spcBef>
+              <a:spcAft>
+                <a:spcPts val="0"/>
+              </a:spcAft>
+              <a:buClr>
+                <a:srgbClr val="5E9A36"/>
+              </a:buClr>
+              <a:buSzTx/>
+              <a:buFont typeface="Arial" panose="020B0604020202020204" pitchFamily="34" charset="0"/>
+              <a:buChar char="–"/>
+              <a:tabLst/>
+              <a:defRPr sz="1800" kern="1200">
+                <a:solidFill>
+                  <a:schemeClr val="tx2"/>
+                </a:solidFill>
+                <a:latin typeface="+mn-lt"/>
+                <a:ea typeface="+mn-ea"/>
+                <a:cs typeface="+mn-cs"/>
+              </a:defRPr>
+            </a:lvl3pPr>
+            <a:lvl4pPr marL="858838" marR="0" indent="-115888" algn="l" defTabSz="457200" rtl="0" eaLnBrk="1" fontAlgn="auto" latinLnBrk="0" hangingPunct="1">
+              <a:lnSpc>
+                <a:spcPct val="100000"/>
+              </a:lnSpc>
+              <a:spcBef>
+                <a:spcPct val="20000"/>
+              </a:spcBef>
+              <a:spcAft>
+                <a:spcPts val="0"/>
+              </a:spcAft>
+              <a:buClr>
+                <a:srgbClr val="5E9A36"/>
+              </a:buClr>
+              <a:buSzTx/>
+              <a:buFont typeface="Arial" panose="020B0604020202020204" pitchFamily="34" charset="0"/>
+              <a:buChar char="•"/>
+              <a:tabLst/>
+              <a:defRPr sz="1600" kern="1200">
+                <a:solidFill>
+                  <a:schemeClr val="tx2"/>
+                </a:solidFill>
+                <a:latin typeface="+mn-lt"/>
+                <a:ea typeface="+mn-ea"/>
+                <a:cs typeface="+mn-cs"/>
+              </a:defRPr>
+            </a:lvl4pPr>
+            <a:lvl5pPr marL="1144588" marR="0" indent="-176213" algn="l" defTabSz="457200" rtl="0" eaLnBrk="1" fontAlgn="auto" latinLnBrk="0" hangingPunct="1">
+              <a:lnSpc>
+                <a:spcPct val="100000"/>
+              </a:lnSpc>
+              <a:spcBef>
+                <a:spcPct val="20000"/>
+              </a:spcBef>
+              <a:spcAft>
+                <a:spcPts val="0"/>
+              </a:spcAft>
+              <a:buClr>
+                <a:srgbClr val="5E9A36"/>
+              </a:buClr>
+              <a:buSzTx/>
+              <a:buFont typeface="Arial"/>
+              <a:buChar char="»"/>
+              <a:tabLst/>
+              <a:defRPr sz="1600" kern="1200">
+                <a:solidFill>
+                  <a:schemeClr val="tx2"/>
+                </a:solidFill>
+                <a:latin typeface="+mn-lt"/>
+                <a:ea typeface="+mn-ea"/>
+                <a:cs typeface="+mn-cs"/>
+              </a:defRPr>
+            </a:lvl5pPr>
+            <a:lvl6pPr marL="2514600" indent="-228600" algn="l" defTabSz="457200" rtl="0" eaLnBrk="1" latinLnBrk="0" hangingPunct="1">
+              <a:spcBef>
+                <a:spcPct val="20000"/>
+              </a:spcBef>
               <a:buFont typeface="Arial"/>
               <a:buChar char="•"/>
-            </a:pPr>
-            <a:r>
-              <a:rPr lang="en-US" sz="1400" b="0" strike="noStrike" spc="-1">
-                <a:solidFill>
-                  <a:srgbClr val="141414"/>
-                </a:solidFill>
-                <a:latin typeface="Arial"/>
-              </a:rPr>
-              <a:t>Spring Boot Application with the following response</a:t>
-            </a:r>
-            <a:endParaRPr lang="en-US" sz="1400" b="0" strike="noStrike" spc="-1">
-              <a:latin typeface="Arial"/>
-            </a:endParaRPr>
-          </a:p>
-          <a:p>
-            <a:pPr marL="285840" indent="-285480" algn="just">
-              <a:lnSpc>
-                <a:spcPct val="100000"/>
-              </a:lnSpc>
-              <a:spcBef>
-                <a:spcPts val="281"/>
-              </a:spcBef>
-              <a:buClr>
-                <a:srgbClr val="141414"/>
-              </a:buClr>
+              <a:defRPr sz="2000" kern="1200">
+                <a:solidFill>
+                  <a:schemeClr val="tx1"/>
+                </a:solidFill>
+                <a:latin typeface="+mn-lt"/>
+                <a:ea typeface="+mn-ea"/>
+                <a:cs typeface="+mn-cs"/>
+              </a:defRPr>
+            </a:lvl6pPr>
+            <a:lvl7pPr marL="2971800" indent="-228600" algn="l" defTabSz="457200" rtl="0" eaLnBrk="1" latinLnBrk="0" hangingPunct="1">
+              <a:spcBef>
+                <a:spcPct val="20000"/>
+              </a:spcBef>
               <a:buFont typeface="Arial"/>
               <a:buChar char="•"/>
-            </a:pPr>
-            <a:endParaRPr lang="en-US" sz="1400" b="0" strike="noStrike" spc="-1">
-              <a:latin typeface="Arial"/>
-            </a:endParaRPr>
-          </a:p>
-          <a:p>
-            <a:pPr marL="285840" indent="-285480" algn="just">
-              <a:lnSpc>
-                <a:spcPct val="100000"/>
-              </a:lnSpc>
-              <a:spcBef>
-                <a:spcPts val="281"/>
-              </a:spcBef>
-              <a:buClr>
-                <a:srgbClr val="141414"/>
-              </a:buClr>
+              <a:defRPr sz="2000" kern="1200">
+                <a:solidFill>
+                  <a:schemeClr val="tx1"/>
+                </a:solidFill>
+                <a:latin typeface="+mn-lt"/>
+                <a:ea typeface="+mn-ea"/>
+                <a:cs typeface="+mn-cs"/>
+              </a:defRPr>
+            </a:lvl7pPr>
+            <a:lvl8pPr marL="3429000" indent="-228600" algn="l" defTabSz="457200" rtl="0" eaLnBrk="1" latinLnBrk="0" hangingPunct="1">
+              <a:spcBef>
+                <a:spcPct val="20000"/>
+              </a:spcBef>
               <a:buFont typeface="Arial"/>
               <a:buChar char="•"/>
-            </a:pPr>
-            <a:endParaRPr lang="en-US" sz="1400" b="0" strike="noStrike" spc="-1">
-              <a:latin typeface="Arial"/>
-            </a:endParaRPr>
-          </a:p>
-          <a:p>
-            <a:pPr marL="285840" indent="-285480" algn="just">
-              <a:lnSpc>
-                <a:spcPct val="100000"/>
-              </a:lnSpc>
-              <a:spcBef>
-                <a:spcPts val="281"/>
-              </a:spcBef>
-              <a:buClr>
-                <a:srgbClr val="141414"/>
-              </a:buClr>
+              <a:defRPr sz="2000" kern="1200">
+                <a:solidFill>
+                  <a:schemeClr val="tx1"/>
+                </a:solidFill>
+                <a:latin typeface="+mn-lt"/>
+                <a:ea typeface="+mn-ea"/>
+                <a:cs typeface="+mn-cs"/>
+              </a:defRPr>
+            </a:lvl8pPr>
+            <a:lvl9pPr marL="3886200" indent="-228600" algn="l" defTabSz="457200" rtl="0" eaLnBrk="1" latinLnBrk="0" hangingPunct="1">
+              <a:spcBef>
+                <a:spcPct val="20000"/>
+              </a:spcBef>
               <a:buFont typeface="Arial"/>
               <a:buChar char="•"/>
-            </a:pPr>
-            <a:endParaRPr lang="en-US" sz="1400" b="0" strike="noStrike" spc="-1">
-              <a:latin typeface="Arial"/>
-            </a:endParaRPr>
-          </a:p>
-          <a:p>
-            <a:pPr marL="285840" indent="-285480" algn="just">
-              <a:lnSpc>
-                <a:spcPct val="100000"/>
-              </a:lnSpc>
-              <a:spcBef>
-                <a:spcPts val="281"/>
-              </a:spcBef>
-              <a:buClr>
-                <a:srgbClr val="141414"/>
-              </a:buClr>
-              <a:buFont typeface="Arial"/>
+              <a:defRPr sz="2000" kern="1200">
+                <a:solidFill>
+                  <a:schemeClr val="tx1"/>
+                </a:solidFill>
+                <a:latin typeface="+mn-lt"/>
+                <a:ea typeface="+mn-ea"/>
+                <a:cs typeface="+mn-cs"/>
+              </a:defRPr>
+            </a:lvl9pPr>
+          </a:lstStyle>
+          <a:p>
+            <a:pPr marL="285750" indent="-285750" algn="just">
+              <a:buFont typeface="Arial" panose="020B0604020202020204" pitchFamily="34" charset="0"/>
               <a:buChar char="•"/>
             </a:pPr>
-            <a:endParaRPr lang="en-US" sz="1400" b="0" strike="noStrike" spc="-1">
-              <a:latin typeface="Arial"/>
-            </a:endParaRPr>
-          </a:p>
-          <a:p>
-            <a:pPr marL="285840" indent="-285480" algn="just">
-              <a:lnSpc>
-                <a:spcPct val="100000"/>
-              </a:lnSpc>
-              <a:spcBef>
-                <a:spcPts val="281"/>
-              </a:spcBef>
-              <a:buClr>
-                <a:srgbClr val="141414"/>
-              </a:buClr>
-              <a:buFont typeface="Arial"/>
+            <a:r>
+              <a:rPr lang="en-US" sz="1400" dirty="0" smtClean="0"/>
+              <a:t>External gateway to connect to the cluster</a:t>
+            </a:r>
+          </a:p>
+          <a:p>
+            <a:pPr marL="285750" indent="-285750" algn="just">
+              <a:buFont typeface="Arial" panose="020B0604020202020204" pitchFamily="34" charset="0"/>
               <a:buChar char="•"/>
             </a:pPr>
-            <a:endParaRPr lang="en-US" sz="1400" b="0" strike="noStrike" spc="-1">
-              <a:latin typeface="Arial"/>
-            </a:endParaRPr>
-          </a:p>
-          <a:p>
-            <a:pPr marL="285840" indent="-285480" algn="just">
-              <a:lnSpc>
-                <a:spcPct val="100000"/>
-              </a:lnSpc>
-              <a:spcBef>
-                <a:spcPts val="281"/>
-              </a:spcBef>
-              <a:buClr>
-                <a:srgbClr val="141414"/>
-              </a:buClr>
-              <a:buFont typeface="Arial"/>
+            <a:r>
+              <a:rPr lang="en-US" sz="1400" dirty="0"/>
+              <a:t>When a service is created, it gets a static IP, which never changes during the lifetime of the </a:t>
+            </a:r>
+            <a:r>
+              <a:rPr lang="en-US" sz="1400" dirty="0" smtClean="0"/>
+              <a:t>service</a:t>
+            </a:r>
+          </a:p>
+          <a:p>
+            <a:pPr marL="285750" indent="-285750" algn="just">
+              <a:buFont typeface="Arial" panose="020B0604020202020204" pitchFamily="34" charset="0"/>
               <a:buChar char="•"/>
             </a:pPr>
-            <a:endParaRPr lang="en-US" sz="1400" b="0" strike="noStrike" spc="-1">
-              <a:latin typeface="Arial"/>
-            </a:endParaRPr>
-          </a:p>
-          <a:p>
-            <a:pPr marL="285840" indent="-285480" algn="just">
-              <a:lnSpc>
-                <a:spcPct val="100000"/>
-              </a:lnSpc>
-              <a:spcBef>
-                <a:spcPts val="281"/>
-              </a:spcBef>
-              <a:buClr>
-                <a:srgbClr val="141414"/>
-              </a:buClr>
-              <a:buFont typeface="Arial"/>
+            <a:r>
+              <a:rPr lang="en-US" sz="1400" dirty="0"/>
+              <a:t>The service makes sure one of the pods receives the connection, regardless of where the pod is currently </a:t>
+            </a:r>
+            <a:r>
+              <a:rPr lang="en-US" sz="1400" dirty="0" smtClean="0"/>
+              <a:t>running</a:t>
+            </a:r>
+          </a:p>
+          <a:p>
+            <a:pPr algn="just"/>
+            <a:endParaRPr lang="en-US" sz="1400" dirty="0" smtClean="0"/>
+          </a:p>
+          <a:p>
+            <a:pPr algn="just"/>
+            <a:r>
+              <a:rPr lang="en-US" sz="1400" dirty="0" smtClean="0"/>
+              <a:t>Here are a template for a service</a:t>
+            </a:r>
+          </a:p>
+          <a:p>
+            <a:pPr algn="just"/>
+            <a:endParaRPr lang="en-US" sz="1400" dirty="0"/>
+          </a:p>
+          <a:p>
+            <a:pPr algn="just"/>
+            <a:endParaRPr lang="en-US" sz="1400" dirty="0" smtClean="0"/>
+          </a:p>
+          <a:p>
+            <a:pPr marL="285750" indent="-285750" algn="just">
+              <a:buFont typeface="Arial" panose="020B0604020202020204" pitchFamily="34" charset="0"/>
               <a:buChar char="•"/>
             </a:pPr>
-            <a:endParaRPr lang="en-US" sz="1400" b="0" strike="noStrike" spc="-1">
-              <a:latin typeface="Arial"/>
-            </a:endParaRPr>
-          </a:p>
-          <a:p>
-            <a:pPr algn="just">
-              <a:lnSpc>
-                <a:spcPct val="100000"/>
-              </a:lnSpc>
-              <a:spcBef>
-                <a:spcPts val="281"/>
-              </a:spcBef>
-            </a:pPr>
-            <a:endParaRPr lang="en-US" sz="1400" b="0" strike="noStrike" spc="-1">
-              <a:latin typeface="Arial"/>
-            </a:endParaRPr>
-          </a:p>
-          <a:p>
-            <a:pPr marL="285840" indent="-285480" algn="just">
-              <a:lnSpc>
-                <a:spcPct val="100000"/>
-              </a:lnSpc>
-              <a:spcBef>
-                <a:spcPts val="281"/>
-              </a:spcBef>
-              <a:buClr>
-                <a:srgbClr val="141414"/>
-              </a:buClr>
-              <a:buFont typeface="Arial"/>
-              <a:buChar char="•"/>
-            </a:pPr>
-            <a:endParaRPr lang="en-US" sz="1400" b="0" strike="noStrike" spc="-1">
-              <a:latin typeface="Arial"/>
-            </a:endParaRPr>
-          </a:p>
-          <a:p>
-            <a:pPr marL="285840" indent="-285480" algn="just">
-              <a:lnSpc>
-                <a:spcPct val="100000"/>
-              </a:lnSpc>
-              <a:spcBef>
-                <a:spcPts val="281"/>
-              </a:spcBef>
-              <a:buClr>
-                <a:srgbClr val="141414"/>
-              </a:buClr>
-              <a:buFont typeface="Arial"/>
-              <a:buChar char="•"/>
-            </a:pPr>
-            <a:endParaRPr lang="en-US" sz="1400" b="0" strike="noStrike" spc="-1">
-              <a:latin typeface="Arial"/>
-            </a:endParaRPr>
-          </a:p>
-          <a:p>
-            <a:pPr marL="285840" indent="-285480" algn="just">
-              <a:lnSpc>
-                <a:spcPct val="100000"/>
-              </a:lnSpc>
-              <a:spcBef>
-                <a:spcPts val="281"/>
-              </a:spcBef>
-              <a:buClr>
-                <a:srgbClr val="141414"/>
-              </a:buClr>
-              <a:buFont typeface="Arial"/>
-              <a:buChar char="•"/>
-            </a:pPr>
-            <a:endParaRPr lang="en-US" sz="1400" b="0" strike="noStrike" spc="-1">
-              <a:latin typeface="Arial"/>
-            </a:endParaRPr>
-          </a:p>
-          <a:p>
-            <a:pPr marL="285840" indent="-285480" algn="just">
-              <a:lnSpc>
-                <a:spcPct val="100000"/>
-              </a:lnSpc>
-              <a:spcBef>
-                <a:spcPts val="281"/>
-              </a:spcBef>
-              <a:buClr>
-                <a:srgbClr val="141414"/>
-              </a:buClr>
-              <a:buFont typeface="Arial"/>
-              <a:buChar char="•"/>
-            </a:pPr>
-            <a:r>
-              <a:rPr lang="en-US" sz="1400" b="0" strike="noStrike" spc="-1">
-                <a:solidFill>
-                  <a:srgbClr val="141414"/>
-                </a:solidFill>
-                <a:latin typeface="Arial"/>
-              </a:rPr>
-              <a:t>MiniKube as development cluster ( Single Node Virtual System )</a:t>
-            </a:r>
-            <a:endParaRPr lang="en-US" sz="1400" b="0" strike="noStrike" spc="-1">
-              <a:latin typeface="Arial"/>
-            </a:endParaRPr>
-          </a:p>
-          <a:p>
-            <a:pPr algn="just">
-              <a:lnSpc>
-                <a:spcPct val="100000"/>
-              </a:lnSpc>
-              <a:spcBef>
-                <a:spcPts val="281"/>
-              </a:spcBef>
-            </a:pPr>
-            <a:endParaRPr lang="en-US" sz="1400" b="0" strike="noStrike" spc="-1">
-              <a:latin typeface="Arial"/>
-            </a:endParaRPr>
-          </a:p>
-          <a:p>
-            <a:pPr algn="just">
-              <a:lnSpc>
-                <a:spcPct val="100000"/>
-              </a:lnSpc>
-              <a:spcBef>
-                <a:spcPts val="281"/>
-              </a:spcBef>
-            </a:pPr>
-            <a:endParaRPr lang="en-US" sz="1400" b="0" strike="noStrike" spc="-1">
-              <a:latin typeface="Arial"/>
-            </a:endParaRPr>
-          </a:p>
-          <a:p>
-            <a:pPr algn="just">
-              <a:lnSpc>
-                <a:spcPct val="100000"/>
-              </a:lnSpc>
-              <a:spcBef>
-                <a:spcPts val="281"/>
-              </a:spcBef>
-            </a:pPr>
-            <a:endParaRPr lang="en-US" sz="1400" b="0" strike="noStrike" spc="-1">
-              <a:latin typeface="Arial"/>
-            </a:endParaRPr>
-          </a:p>
-          <a:p>
-            <a:pPr algn="just">
-              <a:lnSpc>
-                <a:spcPct val="100000"/>
-              </a:lnSpc>
-              <a:spcBef>
-                <a:spcPts val="281"/>
-              </a:spcBef>
-            </a:pPr>
-            <a:endParaRPr lang="en-US" sz="1400" b="0" strike="noStrike" spc="-1">
-              <a:latin typeface="Arial"/>
-            </a:endParaRPr>
-          </a:p>
-          <a:p>
-            <a:pPr algn="just">
-              <a:lnSpc>
-                <a:spcPct val="100000"/>
-              </a:lnSpc>
-              <a:spcBef>
-                <a:spcPts val="281"/>
-              </a:spcBef>
-            </a:pPr>
-            <a:endParaRPr lang="en-US" sz="1400" b="0" strike="noStrike" spc="-1">
-              <a:latin typeface="Arial"/>
-            </a:endParaRPr>
+            <a:endParaRPr lang="en-US" sz="1400" dirty="0"/>
           </a:p>
         </p:txBody>
       </p:sp>
       <p:pic>
         <p:nvPicPr>
-          <p:cNvPr id="230" name="Picture 229"/>
-          <p:cNvPicPr/>
+          <p:cNvPr id="3" name="Picture 2"/>
+          <p:cNvPicPr>
+            <a:picLocks noChangeAspect="1"/>
+          </p:cNvPicPr>
           <p:nvPr/>
         </p:nvPicPr>
         <p:blipFill>
           <a:blip r:embed="rId2"/>
-          <a:stretch/>
+          <a:stretch>
+            <a:fillRect/>
+          </a:stretch>
         </p:blipFill>
         <p:spPr>
           <a:xfrm>
-            <a:off x="274680" y="1103400"/>
-            <a:ext cx="7781400" cy="2011320"/>
-          </a:xfrm>
-          <a:prstGeom prst="rect">
+            <a:off x="181871" y="2121604"/>
+            <a:ext cx="4321550" cy="2685738"/>
+          </a:xfrm>
+          <a:prstGeom prst="rect">
+            <a:avLst/>
+          </a:prstGeom>
+        </p:spPr>
+      </p:pic>
+      <p:cxnSp>
+        <p:nvCxnSpPr>
+          <p:cNvPr id="6" name="Straight Connector 5"/>
+          <p:cNvCxnSpPr/>
+          <p:nvPr/>
+        </p:nvCxnSpPr>
+        <p:spPr>
+          <a:xfrm flipV="1">
+            <a:off x="2750820" y="2306270"/>
+            <a:ext cx="3189980" cy="520750"/>
+          </a:xfrm>
+          <a:prstGeom prst="line">
+            <a:avLst/>
+          </a:prstGeom>
+        </p:spPr>
+        <p:style>
+          <a:lnRef idx="2">
+            <a:schemeClr val="accent1"/>
+          </a:lnRef>
+          <a:fillRef idx="0">
+            <a:schemeClr val="accent1"/>
+          </a:fillRef>
+          <a:effectRef idx="1">
+            <a:schemeClr val="accent1"/>
+          </a:effectRef>
+          <a:fontRef idx="minor">
+            <a:schemeClr val="tx1"/>
+          </a:fontRef>
+        </p:style>
+      </p:cxnSp>
+      <p:sp>
+        <p:nvSpPr>
+          <p:cNvPr id="8" name="TextBox 7"/>
+          <p:cNvSpPr txBox="1"/>
+          <p:nvPr/>
+        </p:nvSpPr>
+        <p:spPr>
+          <a:xfrm>
+            <a:off x="5940800" y="2121604"/>
+            <a:ext cx="2263140" cy="369332"/>
+          </a:xfrm>
+          <a:prstGeom prst="rect">
+            <a:avLst/>
+          </a:prstGeom>
+          <a:noFill/>
+        </p:spPr>
+        <p:txBody>
+          <a:bodyPr wrap="square" rtlCol="0">
+            <a:spAutoFit/>
+          </a:bodyPr>
+          <a:lstStyle/>
+          <a:p>
+            <a:r>
+              <a:rPr lang="en-US" dirty="0" smtClean="0"/>
+              <a:t>Service Name</a:t>
+            </a:r>
+            <a:endParaRPr lang="en-US" dirty="0"/>
+          </a:p>
+        </p:txBody>
+      </p:sp>
+      <p:cxnSp>
+        <p:nvCxnSpPr>
+          <p:cNvPr id="10" name="Straight Arrow Connector 9"/>
+          <p:cNvCxnSpPr/>
+          <p:nvPr/>
+        </p:nvCxnSpPr>
+        <p:spPr>
+          <a:xfrm flipV="1">
+            <a:off x="2202180" y="2766060"/>
+            <a:ext cx="4030980" cy="812602"/>
+          </a:xfrm>
+          <a:prstGeom prst="straightConnector1">
             <a:avLst/>
           </a:prstGeom>
           <a:ln>
-            <a:noFill/>
+            <a:tailEnd type="triangle"/>
           </a:ln>
         </p:spPr>
-      </p:pic>
+        <p:style>
+          <a:lnRef idx="2">
+            <a:schemeClr val="accent1"/>
+          </a:lnRef>
+          <a:fillRef idx="0">
+            <a:schemeClr val="accent1"/>
+          </a:fillRef>
+          <a:effectRef idx="1">
+            <a:schemeClr val="accent1"/>
+          </a:effectRef>
+          <a:fontRef idx="minor">
+            <a:schemeClr val="tx1"/>
+          </a:fontRef>
+        </p:style>
+      </p:cxnSp>
+      <p:sp>
+        <p:nvSpPr>
+          <p:cNvPr id="11" name="TextBox 10"/>
+          <p:cNvSpPr txBox="1"/>
+          <p:nvPr/>
+        </p:nvSpPr>
+        <p:spPr>
+          <a:xfrm>
+            <a:off x="6366510" y="2566645"/>
+            <a:ext cx="2435599" cy="369332"/>
+          </a:xfrm>
+          <a:prstGeom prst="rect">
+            <a:avLst/>
+          </a:prstGeom>
+          <a:noFill/>
+        </p:spPr>
+        <p:txBody>
+          <a:bodyPr wrap="square" rtlCol="0">
+            <a:spAutoFit/>
+          </a:bodyPr>
+          <a:lstStyle/>
+          <a:p>
+            <a:r>
+              <a:rPr lang="en-US" dirty="0" smtClean="0"/>
+              <a:t>Load Balancer Type</a:t>
+            </a:r>
+            <a:endParaRPr lang="en-US" dirty="0"/>
+          </a:p>
+        </p:txBody>
+      </p:sp>
+      <p:cxnSp>
+        <p:nvCxnSpPr>
+          <p:cNvPr id="16" name="Straight Arrow Connector 15"/>
+          <p:cNvCxnSpPr/>
+          <p:nvPr/>
+        </p:nvCxnSpPr>
+        <p:spPr>
+          <a:xfrm flipV="1">
+            <a:off x="2057400" y="3261360"/>
+            <a:ext cx="4175760" cy="632460"/>
+          </a:xfrm>
+          <a:prstGeom prst="straightConnector1">
+            <a:avLst/>
+          </a:prstGeom>
+          <a:ln>
+            <a:tailEnd type="triangle"/>
+          </a:ln>
+        </p:spPr>
+        <p:style>
+          <a:lnRef idx="2">
+            <a:schemeClr val="accent1"/>
+          </a:lnRef>
+          <a:fillRef idx="0">
+            <a:schemeClr val="accent1"/>
+          </a:fillRef>
+          <a:effectRef idx="1">
+            <a:schemeClr val="accent1"/>
+          </a:effectRef>
+          <a:fontRef idx="minor">
+            <a:schemeClr val="tx1"/>
+          </a:fontRef>
+        </p:style>
+      </p:cxnSp>
+      <p:sp>
+        <p:nvSpPr>
+          <p:cNvPr id="17" name="TextBox 16"/>
+          <p:cNvSpPr txBox="1"/>
+          <p:nvPr/>
+        </p:nvSpPr>
+        <p:spPr>
+          <a:xfrm>
+            <a:off x="6366510" y="3172361"/>
+            <a:ext cx="2076450" cy="923330"/>
+          </a:xfrm>
+          <a:prstGeom prst="rect">
+            <a:avLst/>
+          </a:prstGeom>
+          <a:noFill/>
+        </p:spPr>
+        <p:txBody>
+          <a:bodyPr wrap="square" rtlCol="0">
+            <a:spAutoFit/>
+          </a:bodyPr>
+          <a:lstStyle/>
+          <a:p>
+            <a:r>
+              <a:rPr lang="en-US" dirty="0" smtClean="0"/>
+              <a:t>Pick up pods with meta data app as ( spboot-v1)</a:t>
+            </a:r>
+            <a:endParaRPr lang="en-US" dirty="0"/>
+          </a:p>
+        </p:txBody>
+      </p:sp>
+      <p:cxnSp>
+        <p:nvCxnSpPr>
+          <p:cNvPr id="19" name="Straight Connector 18"/>
+          <p:cNvCxnSpPr/>
+          <p:nvPr/>
+        </p:nvCxnSpPr>
+        <p:spPr>
+          <a:xfrm>
+            <a:off x="2342646" y="4366260"/>
+            <a:ext cx="2800854" cy="7620"/>
+          </a:xfrm>
+          <a:prstGeom prst="line">
+            <a:avLst/>
+          </a:prstGeom>
+        </p:spPr>
+        <p:style>
+          <a:lnRef idx="2">
+            <a:schemeClr val="accent1"/>
+          </a:lnRef>
+          <a:fillRef idx="0">
+            <a:schemeClr val="accent1"/>
+          </a:fillRef>
+          <a:effectRef idx="1">
+            <a:schemeClr val="accent1"/>
+          </a:effectRef>
+          <a:fontRef idx="minor">
+            <a:schemeClr val="tx1"/>
+          </a:fontRef>
+        </p:style>
+      </p:cxnSp>
+      <p:sp>
+        <p:nvSpPr>
+          <p:cNvPr id="20" name="TextBox 19"/>
+          <p:cNvSpPr txBox="1"/>
+          <p:nvPr/>
+        </p:nvSpPr>
+        <p:spPr>
+          <a:xfrm>
+            <a:off x="5248211" y="4223118"/>
+            <a:ext cx="2953760" cy="369332"/>
+          </a:xfrm>
+          <a:prstGeom prst="rect">
+            <a:avLst/>
+          </a:prstGeom>
+          <a:noFill/>
+        </p:spPr>
+        <p:txBody>
+          <a:bodyPr wrap="square" rtlCol="0">
+            <a:spAutoFit/>
+          </a:bodyPr>
+          <a:lstStyle/>
+          <a:p>
+            <a:r>
+              <a:rPr lang="en-US" dirty="0" smtClean="0"/>
+              <a:t>Talk to pod at port 9080</a:t>
+            </a:r>
+            <a:endParaRPr lang="en-US" dirty="0"/>
+          </a:p>
+        </p:txBody>
+      </p:sp>
     </p:spTree>
+    <p:extLst>
+      <p:ext uri="{BB962C8B-B14F-4D97-AF65-F5344CB8AC3E}">
+        <p14:creationId xmlns:p14="http://schemas.microsoft.com/office/powerpoint/2010/main" val="3603868038"/>
+      </p:ext>
+    </p:extLst>
   </p:cSld>
   <p:clrMapOvr>
     <a:masterClrMapping/>
   </p:clrMapOvr>
+  <p:timing>
+    <p:tnLst>
+      <p:par>
+        <p:cTn xmlns:p14="http://schemas.microsoft.com/office/powerpoint/2010/main" id="1" dur="indefinite" restart="never" nodeType="tmRoot"/>
+      </p:par>
+    </p:tnLst>
+  </p:timing>
 </p:sld>
 </file>
 
@@ -12788,21 +12914,16 @@
             <p:ph type="title"/>
           </p:nvPr>
         </p:nvSpPr>
-        <p:spPr>
-          <a:xfrm>
-            <a:off x="114299" y="-71184"/>
-            <a:ext cx="8915400" cy="624815"/>
-          </a:xfrm>
-        </p:spPr>
+        <p:spPr/>
         <p:txBody>
           <a:bodyPr/>
           <a:lstStyle/>
           <a:p>
             <a:r>
-              <a:rPr lang="en-US" sz="2400" dirty="0" smtClean="0"/>
-              <a:t>Kubernetes Deploying First Application</a:t>
-            </a:r>
-            <a:endParaRPr lang="en-US" sz="2400" dirty="0"/>
+              <a:rPr lang="en-US" sz="2000" dirty="0" smtClean="0"/>
+              <a:t>Kubernetes Objects – Service Continued</a:t>
+            </a:r>
+            <a:endParaRPr lang="en-US" sz="2000" dirty="0"/>
           </a:p>
         </p:txBody>
       </p:sp>
@@ -13013,27 +13134,165 @@
               <a:buFont typeface="Arial" panose="020B0604020202020204" pitchFamily="34" charset="0"/>
               <a:buChar char="•"/>
             </a:pPr>
-            <a:endParaRPr lang="en-US" sz="1400" dirty="0"/>
+            <a:r>
+              <a:rPr lang="en-US" sz="1400" dirty="0" smtClean="0"/>
+              <a:t>Create </a:t>
+            </a:r>
+            <a:r>
+              <a:rPr lang="en-US" sz="1400" dirty="0"/>
+              <a:t>the Service </a:t>
+            </a:r>
+            <a:r>
+              <a:rPr lang="en-US" sz="1400" b="1" dirty="0" smtClean="0"/>
+              <a:t>prod-</a:t>
+            </a:r>
+            <a:r>
+              <a:rPr lang="en-US" sz="1400" b="1" dirty="0" err="1" smtClean="0"/>
+              <a:t>spboot</a:t>
+            </a:r>
+            <a:r>
+              <a:rPr lang="en-US" sz="1400" b="1" dirty="0" smtClean="0"/>
+              <a:t>-</a:t>
+            </a:r>
+            <a:r>
+              <a:rPr lang="en-US" sz="1400" b="1" dirty="0" err="1" smtClean="0"/>
+              <a:t>service.yaml</a:t>
+            </a:r>
+            <a:r>
+              <a:rPr lang="en-US" sz="1400" b="1" dirty="0"/>
+              <a:t> &amp; </a:t>
+            </a:r>
+            <a:r>
+              <a:rPr lang="en-US" sz="1400" b="1" dirty="0" err="1" smtClean="0"/>
+              <a:t>preprod</a:t>
+            </a:r>
+            <a:r>
+              <a:rPr lang="en-US" sz="1400" b="1" dirty="0" err="1"/>
+              <a:t>-spboot-</a:t>
+            </a:r>
+            <a:r>
+              <a:rPr lang="en-US" sz="1400" b="1" dirty="0" err="1" smtClean="0"/>
+              <a:t>service.yaml</a:t>
+            </a:r>
+            <a:endParaRPr lang="en-US" sz="1400" b="1" dirty="0" smtClean="0"/>
           </a:p>
           <a:p>
             <a:pPr marL="285750" indent="-285750" algn="just">
               <a:buFont typeface="Arial" panose="020B0604020202020204" pitchFamily="34" charset="0"/>
               <a:buChar char="•"/>
             </a:pPr>
-            <a:endParaRPr lang="en-US" sz="1400" dirty="0" smtClean="0"/>
+            <a:endParaRPr lang="en-US" sz="1400" b="1" dirty="0"/>
           </a:p>
           <a:p>
             <a:pPr marL="285750" indent="-285750" algn="just">
               <a:buFont typeface="Arial" panose="020B0604020202020204" pitchFamily="34" charset="0"/>
               <a:buChar char="•"/>
             </a:pPr>
+            <a:endParaRPr lang="en-US" sz="1400" b="1" dirty="0" smtClean="0"/>
+          </a:p>
+          <a:p>
+            <a:pPr marL="285750" indent="-285750" algn="just">
+              <a:buFont typeface="Arial" panose="020B0604020202020204" pitchFamily="34" charset="0"/>
+              <a:buChar char="•"/>
+            </a:pPr>
+            <a:endParaRPr lang="en-US" sz="1400" b="1" dirty="0"/>
+          </a:p>
+          <a:p>
+            <a:pPr marL="285750" indent="-285750" algn="just">
+              <a:buFont typeface="Arial" panose="020B0604020202020204" pitchFamily="34" charset="0"/>
+              <a:buChar char="•"/>
+            </a:pPr>
+            <a:endParaRPr lang="en-US" sz="1400" b="1" dirty="0" smtClean="0"/>
+          </a:p>
+          <a:p>
+            <a:pPr marL="285750" indent="-285750" algn="just">
+              <a:buFont typeface="Arial" panose="020B0604020202020204" pitchFamily="34" charset="0"/>
+              <a:buChar char="•"/>
+            </a:pPr>
+            <a:endParaRPr lang="en-US" sz="1400" b="1" dirty="0"/>
+          </a:p>
+          <a:p>
+            <a:pPr marL="285750" indent="-285750" algn="just">
+              <a:buFont typeface="Arial" panose="020B0604020202020204" pitchFamily="34" charset="0"/>
+              <a:buChar char="•"/>
+            </a:pPr>
+            <a:endParaRPr lang="en-US" sz="1400" b="1" dirty="0" smtClean="0"/>
+          </a:p>
+          <a:p>
+            <a:pPr marL="285750" indent="-285750" algn="just">
+              <a:buFont typeface="Arial" panose="020B0604020202020204" pitchFamily="34" charset="0"/>
+              <a:buChar char="•"/>
+            </a:pPr>
+            <a:endParaRPr lang="en-US" sz="1400" b="1" dirty="0"/>
+          </a:p>
+          <a:p>
+            <a:pPr marL="285750" indent="-285750" algn="just">
+              <a:buFont typeface="Arial" panose="020B0604020202020204" pitchFamily="34" charset="0"/>
+              <a:buChar char="•"/>
+            </a:pPr>
+            <a:endParaRPr lang="en-US" sz="1400" b="1" dirty="0" smtClean="0"/>
+          </a:p>
+          <a:p>
+            <a:pPr marL="285750" indent="-285750" algn="just">
+              <a:buFont typeface="Arial" panose="020B0604020202020204" pitchFamily="34" charset="0"/>
+              <a:buChar char="•"/>
+            </a:pPr>
+            <a:endParaRPr lang="en-US" sz="1400" b="1" dirty="0"/>
+          </a:p>
+          <a:p>
+            <a:pPr algn="just"/>
+            <a:r>
+              <a:rPr lang="en-US" sz="1400" b="1" dirty="0" smtClean="0"/>
+              <a:t> </a:t>
+            </a:r>
+            <a:endParaRPr lang="en-US" sz="1400" b="1" dirty="0" smtClean="0"/>
+          </a:p>
+          <a:p>
+            <a:pPr marL="285750" indent="-285750" algn="just">
+              <a:buFont typeface="Wingdings" charset="2"/>
+              <a:buChar char="q"/>
+            </a:pPr>
+            <a:r>
+              <a:rPr lang="en-US" sz="1400" b="1" dirty="0" smtClean="0"/>
+              <a:t>GKE Services </a:t>
+            </a:r>
+            <a:endParaRPr lang="en-US" sz="1400" b="1" dirty="0" smtClean="0"/>
+          </a:p>
+          <a:p>
+            <a:pPr marL="285750" indent="-285750" algn="just">
+              <a:buFont typeface="Arial" panose="020B0604020202020204" pitchFamily="34" charset="0"/>
+              <a:buChar char="•"/>
+            </a:pPr>
+            <a:endParaRPr lang="en-US" sz="1400" b="1" dirty="0" smtClean="0"/>
+          </a:p>
+          <a:p>
+            <a:pPr algn="just"/>
+            <a:r>
+              <a:rPr lang="en-US" sz="1400" dirty="0" smtClean="0"/>
+              <a:t>  </a:t>
+            </a:r>
+            <a:endParaRPr lang="en-US" sz="1400" dirty="0" smtClean="0"/>
+          </a:p>
+          <a:p>
+            <a:pPr algn="just"/>
+            <a:endParaRPr lang="en-US" sz="1400" dirty="0"/>
+          </a:p>
+          <a:p>
+            <a:pPr algn="just"/>
+            <a:endParaRPr lang="en-US" sz="1400" dirty="0" smtClean="0"/>
+          </a:p>
+          <a:p>
+            <a:pPr marL="285750" indent="-285750" algn="just">
+              <a:buFont typeface="Arial" panose="020B0604020202020204" pitchFamily="34" charset="0"/>
+              <a:buChar char="•"/>
+            </a:pPr>
             <a:endParaRPr lang="en-US" sz="1400" dirty="0"/>
           </a:p>
         </p:txBody>
       </p:sp>
       <p:pic>
         <p:nvPicPr>
-          <p:cNvPr id="5" name="Picture 4"/>
+          <p:cNvPr id="6" name="Picture 5"/>
           <p:cNvPicPr>
             <a:picLocks noChangeAspect="1"/>
           </p:cNvPicPr>
@@ -13047,8 +13306,32 @@
         </p:blipFill>
         <p:spPr>
           <a:xfrm>
-            <a:off x="114299" y="470315"/>
-            <a:ext cx="9029701" cy="4273135"/>
+            <a:off x="152400" y="889000"/>
+            <a:ext cx="8991600" cy="2286000"/>
+          </a:xfrm>
+          <a:prstGeom prst="rect">
+            <a:avLst/>
+          </a:prstGeom>
+        </p:spPr>
+      </p:pic>
+      <p:pic>
+        <p:nvPicPr>
+          <p:cNvPr id="9" name="Picture 8"/>
+          <p:cNvPicPr>
+            <a:picLocks noChangeAspect="1"/>
+          </p:cNvPicPr>
+          <p:nvPr/>
+        </p:nvPicPr>
+        <p:blipFill>
+          <a:blip r:embed="rId3"/>
+          <a:stretch>
+            <a:fillRect/>
+          </a:stretch>
+        </p:blipFill>
+        <p:spPr>
+          <a:xfrm>
+            <a:off x="0" y="3670300"/>
+            <a:ext cx="9144000" cy="1130300"/>
           </a:xfrm>
           <a:prstGeom prst="rect">
             <a:avLst/>
@@ -13058,7 +13341,7 @@
     </p:spTree>
     <p:extLst>
       <p:ext uri="{BB962C8B-B14F-4D97-AF65-F5344CB8AC3E}">
-        <p14:creationId xmlns:p14="http://schemas.microsoft.com/office/powerpoint/2010/main" val="4272567955"/>
+        <p14:creationId xmlns:p14="http://schemas.microsoft.com/office/powerpoint/2010/main" val="3972900828"/>
       </p:ext>
     </p:extLst>
   </p:cSld>
@@ -13068,7 +13351,7 @@
   <p:timing>
     <p:tnLst>
       <p:par>
-        <p:cTn id="1" dur="indefinite" restart="never" nodeType="tmRoot"/>
+        <p:cTn xmlns:p14="http://schemas.microsoft.com/office/powerpoint/2010/main" id="1" dur="indefinite" restart="never" nodeType="tmRoot"/>
       </p:par>
     </p:tnLst>
   </p:timing>
@@ -13094,7 +13377,7 @@
       </p:grpSpPr>
       <p:sp>
         <p:nvSpPr>
-          <p:cNvPr id="231" name="TextShape 1"/>
+          <p:cNvPr id="227" name="TextShape 1"/>
           <p:cNvSpPr txBox="1"/>
           <p:nvPr/>
         </p:nvSpPr>
@@ -13120,7 +13403,7 @@
                 <a:spcPct val="100000"/>
               </a:lnSpc>
             </a:pPr>
-            <a:fld id="{7A13DADD-3EB9-489F-AC67-712445F46DC3}" type="slidenum">
+            <a:fld id="{BE76E13D-2797-4758-B9BE-E96D5D427863}" type="slidenum">
               <a:rPr lang="en-US" sz="1050" b="1" strike="noStrike" spc="-1">
                 <a:solidFill>
                   <a:srgbClr val="FFFFFF"/>
@@ -13137,7 +13420,7 @@
       </p:sp>
       <p:sp>
         <p:nvSpPr>
-          <p:cNvPr id="232" name="TextShape 2"/>
+          <p:cNvPr id="228" name="TextShape 2"/>
           <p:cNvSpPr txBox="1"/>
           <p:nvPr/>
         </p:nvSpPr>
@@ -13164,32 +13447,32 @@
               </a:lnSpc>
             </a:pPr>
             <a:r>
-              <a:rPr lang="en-US" sz="2200" b="0" strike="noStrike" spc="-1">
+              <a:rPr lang="en-US" sz="2200" b="0" strike="noStrike" spc="-1" dirty="0">
                 <a:solidFill>
                   <a:srgbClr val="23D2FF"/>
                 </a:solidFill>
                 <a:latin typeface="Arial"/>
               </a:rPr>
-              <a:t>Kubernetes Deploying First Application Contd</a:t>
-            </a:r>
-            <a:endParaRPr lang="en-US" sz="2200" b="0" strike="noStrike" spc="-1">
-              <a:solidFill>
-                <a:srgbClr val="50B3CF"/>
-              </a:solidFill>
-              <a:latin typeface="Arial"/>
-            </a:endParaRPr>
-          </a:p>
-        </p:txBody>
-      </p:sp>
-      <p:sp>
-        <p:nvSpPr>
-          <p:cNvPr id="233" name="CustomShape 3"/>
+              <a:t>Kubernetes Deploying First Application</a:t>
+            </a:r>
+            <a:endParaRPr lang="en-US" sz="2200" b="0" strike="noStrike" spc="-1" dirty="0">
+              <a:solidFill>
+                <a:srgbClr val="50B3CF"/>
+              </a:solidFill>
+              <a:latin typeface="Arial"/>
+            </a:endParaRPr>
+          </a:p>
+        </p:txBody>
+      </p:sp>
+      <p:sp>
+        <p:nvSpPr>
+          <p:cNvPr id="229" name="CustomShape 3"/>
           <p:cNvSpPr/>
           <p:nvPr/>
         </p:nvSpPr>
         <p:spPr>
           <a:xfrm>
-            <a:off x="0" y="478440"/>
+            <a:off x="44640" y="541800"/>
             <a:ext cx="8915040" cy="4264920"/>
           </a:xfrm>
           <a:prstGeom prst="rect">
@@ -13232,15 +13515,141 @@
               <a:buChar char="•"/>
             </a:pPr>
             <a:r>
-              <a:rPr lang="en-US" sz="1400" b="0" strike="noStrike" spc="-1">
+              <a:rPr lang="en-US" sz="1400" b="0" strike="noStrike" spc="-1" dirty="0">
                 <a:solidFill>
                   <a:srgbClr val="141414"/>
                 </a:solidFill>
                 <a:latin typeface="Arial"/>
               </a:rPr>
-              <a:t>Example of Deployment Descriptor to Install an application</a:t>
-            </a:r>
-            <a:endParaRPr lang="en-US" sz="1400" b="0" strike="noStrike" spc="-1">
+              <a:t>Spring Boot Application with the following response</a:t>
+            </a:r>
+            <a:endParaRPr lang="en-US" sz="1400" b="0" strike="noStrike" spc="-1" dirty="0">
+              <a:latin typeface="Arial"/>
+            </a:endParaRPr>
+          </a:p>
+          <a:p>
+            <a:pPr marL="285840" indent="-285480" algn="just">
+              <a:lnSpc>
+                <a:spcPct val="100000"/>
+              </a:lnSpc>
+              <a:spcBef>
+                <a:spcPts val="281"/>
+              </a:spcBef>
+              <a:buClr>
+                <a:srgbClr val="141414"/>
+              </a:buClr>
+              <a:buFont typeface="Arial"/>
+              <a:buChar char="•"/>
+            </a:pPr>
+            <a:endParaRPr lang="en-US" sz="1400" b="0" strike="noStrike" spc="-1" dirty="0">
+              <a:latin typeface="Arial"/>
+            </a:endParaRPr>
+          </a:p>
+          <a:p>
+            <a:pPr marL="285840" indent="-285480" algn="just">
+              <a:lnSpc>
+                <a:spcPct val="100000"/>
+              </a:lnSpc>
+              <a:spcBef>
+                <a:spcPts val="281"/>
+              </a:spcBef>
+              <a:buClr>
+                <a:srgbClr val="141414"/>
+              </a:buClr>
+              <a:buFont typeface="Arial"/>
+              <a:buChar char="•"/>
+            </a:pPr>
+            <a:endParaRPr lang="en-US" sz="1400" b="0" strike="noStrike" spc="-1" dirty="0">
+              <a:latin typeface="Arial"/>
+            </a:endParaRPr>
+          </a:p>
+          <a:p>
+            <a:pPr marL="285840" indent="-285480" algn="just">
+              <a:lnSpc>
+                <a:spcPct val="100000"/>
+              </a:lnSpc>
+              <a:spcBef>
+                <a:spcPts val="281"/>
+              </a:spcBef>
+              <a:buClr>
+                <a:srgbClr val="141414"/>
+              </a:buClr>
+              <a:buFont typeface="Arial"/>
+              <a:buChar char="•"/>
+            </a:pPr>
+            <a:endParaRPr lang="en-US" sz="1400" b="0" strike="noStrike" spc="-1" dirty="0">
+              <a:latin typeface="Arial"/>
+            </a:endParaRPr>
+          </a:p>
+          <a:p>
+            <a:pPr marL="285840" indent="-285480" algn="just">
+              <a:lnSpc>
+                <a:spcPct val="100000"/>
+              </a:lnSpc>
+              <a:spcBef>
+                <a:spcPts val="281"/>
+              </a:spcBef>
+              <a:buClr>
+                <a:srgbClr val="141414"/>
+              </a:buClr>
+              <a:buFont typeface="Arial"/>
+              <a:buChar char="•"/>
+            </a:pPr>
+            <a:endParaRPr lang="en-US" sz="1400" b="0" strike="noStrike" spc="-1" dirty="0">
+              <a:latin typeface="Arial"/>
+            </a:endParaRPr>
+          </a:p>
+          <a:p>
+            <a:pPr marL="285840" indent="-285480" algn="just">
+              <a:lnSpc>
+                <a:spcPct val="100000"/>
+              </a:lnSpc>
+              <a:spcBef>
+                <a:spcPts val="281"/>
+              </a:spcBef>
+              <a:buClr>
+                <a:srgbClr val="141414"/>
+              </a:buClr>
+              <a:buFont typeface="Arial"/>
+              <a:buChar char="•"/>
+            </a:pPr>
+            <a:endParaRPr lang="en-US" sz="1400" b="0" strike="noStrike" spc="-1" dirty="0">
+              <a:latin typeface="Arial"/>
+            </a:endParaRPr>
+          </a:p>
+          <a:p>
+            <a:pPr marL="285840" indent="-285480" algn="just">
+              <a:lnSpc>
+                <a:spcPct val="100000"/>
+              </a:lnSpc>
+              <a:spcBef>
+                <a:spcPts val="281"/>
+              </a:spcBef>
+              <a:buClr>
+                <a:srgbClr val="141414"/>
+              </a:buClr>
+              <a:buFont typeface="Arial"/>
+              <a:buChar char="•"/>
+            </a:pPr>
+            <a:endParaRPr lang="en-US" sz="1400" b="0" strike="noStrike" spc="-1" dirty="0">
+              <a:latin typeface="Arial"/>
+            </a:endParaRPr>
+          </a:p>
+          <a:p>
+            <a:pPr marL="285840" indent="-285480" algn="just">
+              <a:lnSpc>
+                <a:spcPct val="100000"/>
+              </a:lnSpc>
+              <a:spcBef>
+                <a:spcPts val="281"/>
+              </a:spcBef>
+              <a:buClr>
+                <a:srgbClr val="141414"/>
+              </a:buClr>
+              <a:buFont typeface="Arial"/>
+              <a:buChar char="•"/>
+            </a:pPr>
+            <a:endParaRPr lang="en-US" sz="1400" b="0" strike="noStrike" spc="-1" dirty="0">
               <a:latin typeface="Arial"/>
             </a:endParaRPr>
           </a:p>
@@ -13253,7 +13662,77 @@
                 <a:spcPts val="281"/>
               </a:spcBef>
             </a:pPr>
-            <a:endParaRPr lang="en-US" sz="1400" b="0" strike="noStrike" spc="-1">
+            <a:endParaRPr lang="en-US" sz="1400" b="0" strike="noStrike" spc="-1" dirty="0">
+              <a:latin typeface="Arial"/>
+            </a:endParaRPr>
+          </a:p>
+          <a:p>
+            <a:pPr marL="285840" indent="-285480" algn="just">
+              <a:lnSpc>
+                <a:spcPct val="100000"/>
+              </a:lnSpc>
+              <a:spcBef>
+                <a:spcPts val="281"/>
+              </a:spcBef>
+              <a:buClr>
+                <a:srgbClr val="141414"/>
+              </a:buClr>
+              <a:buFont typeface="Arial"/>
+              <a:buChar char="•"/>
+            </a:pPr>
+            <a:endParaRPr lang="en-US" sz="1400" b="0" strike="noStrike" spc="-1" dirty="0">
+              <a:latin typeface="Arial"/>
+            </a:endParaRPr>
+          </a:p>
+          <a:p>
+            <a:pPr marL="285840" indent="-285480" algn="just">
+              <a:lnSpc>
+                <a:spcPct val="100000"/>
+              </a:lnSpc>
+              <a:spcBef>
+                <a:spcPts val="281"/>
+              </a:spcBef>
+              <a:buClr>
+                <a:srgbClr val="141414"/>
+              </a:buClr>
+              <a:buFont typeface="Arial"/>
+              <a:buChar char="•"/>
+            </a:pPr>
+            <a:endParaRPr lang="en-US" sz="1400" b="0" strike="noStrike" spc="-1" dirty="0">
+              <a:latin typeface="Arial"/>
+            </a:endParaRPr>
+          </a:p>
+          <a:p>
+            <a:pPr marL="285840" indent="-285480" algn="just">
+              <a:lnSpc>
+                <a:spcPct val="100000"/>
+              </a:lnSpc>
+              <a:spcBef>
+                <a:spcPts val="281"/>
+              </a:spcBef>
+              <a:buClr>
+                <a:srgbClr val="141414"/>
+              </a:buClr>
+              <a:buFont typeface="Arial"/>
+              <a:buChar char="•"/>
+            </a:pPr>
+            <a:endParaRPr lang="en-US" sz="1400" b="0" strike="noStrike" spc="-1" dirty="0">
+              <a:latin typeface="Arial"/>
+            </a:endParaRPr>
+          </a:p>
+          <a:p>
+            <a:pPr marL="360" algn="just">
+              <a:lnSpc>
+                <a:spcPct val="100000"/>
+              </a:lnSpc>
+              <a:spcBef>
+                <a:spcPts val="281"/>
+              </a:spcBef>
+              <a:buClr>
+                <a:srgbClr val="141414"/>
+              </a:buClr>
+            </a:pPr>
+            <a:endParaRPr lang="en-US" sz="1400" b="0" strike="noStrike" spc="-1" dirty="0">
               <a:latin typeface="Arial"/>
             </a:endParaRPr>
           </a:p>
@@ -13266,7 +13745,7 @@
                 <a:spcPts val="281"/>
               </a:spcBef>
             </a:pPr>
-            <a:endParaRPr lang="en-US" sz="1400" b="0" strike="noStrike" spc="-1">
+            <a:endParaRPr lang="en-US" sz="1400" b="0" strike="noStrike" spc="-1" dirty="0">
               <a:latin typeface="Arial"/>
             </a:endParaRPr>
           </a:p>
@@ -13279,7 +13758,7 @@
                 <a:spcPts val="281"/>
               </a:spcBef>
             </a:pPr>
-            <a:endParaRPr lang="en-US" sz="1400" b="0" strike="noStrike" spc="-1">
+            <a:endParaRPr lang="en-US" sz="1400" b="0" strike="noStrike" spc="-1" dirty="0">
               <a:latin typeface="Arial"/>
             </a:endParaRPr>
           </a:p>
@@ -13292,7 +13771,33 @@
                 <a:spcPts val="281"/>
               </a:spcBef>
             </a:pPr>
-            <a:endParaRPr lang="en-US" sz="1400" b="0" strike="noStrike" spc="-1">
+            <a:endParaRPr lang="en-US" sz="1400" b="0" strike="noStrike" spc="-1" dirty="0">
+              <a:latin typeface="Arial"/>
+            </a:endParaRPr>
+          </a:p>
+          <a:p>
+            <a:pPr algn="just">
+              <a:lnSpc>
+                <a:spcPct val="100000"/>
+              </a:lnSpc>
+              <a:spcBef>
+                <a:spcPts val="281"/>
+              </a:spcBef>
+            </a:pPr>
+            <a:endParaRPr lang="en-US" sz="1400" b="0" strike="noStrike" spc="-1" dirty="0">
+              <a:latin typeface="Arial"/>
+            </a:endParaRPr>
+          </a:p>
+          <a:p>
+            <a:pPr algn="just">
+              <a:lnSpc>
+                <a:spcPct val="100000"/>
+              </a:lnSpc>
+              <a:spcBef>
+                <a:spcPts val="281"/>
+              </a:spcBef>
+            </a:pPr>
+            <a:endParaRPr lang="en-US" sz="1400" b="0" strike="noStrike" spc="-1" dirty="0">
               <a:latin typeface="Arial"/>
             </a:endParaRPr>
           </a:p>
@@ -13300,7 +13805,7 @@
       </p:sp>
       <p:pic>
         <p:nvPicPr>
-          <p:cNvPr id="234" name="Picture 233"/>
+          <p:cNvPr id="230" name="Picture 229"/>
           <p:cNvPicPr/>
           <p:nvPr/>
         </p:nvPicPr>
@@ -13310,8 +13815,8 @@
         </p:blipFill>
         <p:spPr>
           <a:xfrm>
-            <a:off x="365760" y="914400"/>
-            <a:ext cx="4819320" cy="3910320"/>
+            <a:off x="274680" y="1103400"/>
+            <a:ext cx="7781400" cy="2011320"/>
           </a:xfrm>
           <a:prstGeom prst="rect">
             <a:avLst/>
@@ -13321,263 +13826,18 @@
           </a:ln>
         </p:spPr>
       </p:pic>
-      <p:cxnSp>
-        <p:nvCxnSpPr>
-          <p:cNvPr id="6" name="Straight Arrow Connector 5"/>
-          <p:cNvCxnSpPr/>
-          <p:nvPr/>
-        </p:nvCxnSpPr>
-        <p:spPr>
-          <a:xfrm>
-            <a:off x="1828800" y="1865376"/>
-            <a:ext cx="4045306" cy="36576"/>
-          </a:xfrm>
-          <a:prstGeom prst="straightConnector1">
-            <a:avLst/>
-          </a:prstGeom>
-          <a:ln>
-            <a:tailEnd type="triangle"/>
-          </a:ln>
-        </p:spPr>
-        <p:style>
-          <a:lnRef idx="1">
-            <a:schemeClr val="accent1"/>
-          </a:lnRef>
-          <a:fillRef idx="0">
-            <a:schemeClr val="accent1"/>
-          </a:fillRef>
-          <a:effectRef idx="0">
-            <a:schemeClr val="accent1"/>
-          </a:effectRef>
-          <a:fontRef idx="minor">
-            <a:schemeClr val="tx1"/>
-          </a:fontRef>
-        </p:style>
-      </p:cxnSp>
-      <p:sp>
-        <p:nvSpPr>
-          <p:cNvPr id="7" name="TextBox 6"/>
-          <p:cNvSpPr txBox="1"/>
-          <p:nvPr/>
-        </p:nvSpPr>
-        <p:spPr>
-          <a:xfrm>
-            <a:off x="5942109" y="1752538"/>
-            <a:ext cx="2070202" cy="338554"/>
-          </a:xfrm>
-          <a:prstGeom prst="rect">
-            <a:avLst/>
-          </a:prstGeom>
-          <a:noFill/>
-        </p:spPr>
-        <p:txBody>
-          <a:bodyPr wrap="square" rtlCol="0">
-            <a:spAutoFit/>
-          </a:bodyPr>
-          <a:lstStyle/>
-          <a:p>
-            <a:r>
-              <a:rPr lang="en-US" sz="1600" dirty="0" smtClean="0"/>
-              <a:t>Replicas as pods</a:t>
-            </a:r>
-            <a:endParaRPr lang="en-US" sz="1600" dirty="0"/>
-          </a:p>
-        </p:txBody>
-      </p:sp>
-      <p:cxnSp>
-        <p:nvCxnSpPr>
-          <p:cNvPr id="9" name="Straight Arrow Connector 8"/>
-          <p:cNvCxnSpPr/>
-          <p:nvPr/>
-        </p:nvCxnSpPr>
-        <p:spPr>
-          <a:xfrm>
-            <a:off x="2523744" y="2443277"/>
-            <a:ext cx="3621024" cy="226771"/>
-          </a:xfrm>
-          <a:prstGeom prst="straightConnector1">
-            <a:avLst/>
-          </a:prstGeom>
-          <a:ln>
-            <a:tailEnd type="triangle"/>
-          </a:ln>
-        </p:spPr>
-        <p:style>
-          <a:lnRef idx="1">
-            <a:schemeClr val="accent1"/>
-          </a:lnRef>
-          <a:fillRef idx="0">
-            <a:schemeClr val="accent1"/>
-          </a:fillRef>
-          <a:effectRef idx="0">
-            <a:schemeClr val="accent1"/>
-          </a:effectRef>
-          <a:fontRef idx="minor">
-            <a:schemeClr val="tx1"/>
-          </a:fontRef>
-        </p:style>
-      </p:cxnSp>
-      <p:sp>
-        <p:nvSpPr>
-          <p:cNvPr id="10" name="TextBox 9"/>
-          <p:cNvSpPr txBox="1"/>
-          <p:nvPr/>
-        </p:nvSpPr>
-        <p:spPr>
-          <a:xfrm>
-            <a:off x="6245784" y="2487081"/>
-            <a:ext cx="2194560" cy="584775"/>
-          </a:xfrm>
-          <a:prstGeom prst="rect">
-            <a:avLst/>
-          </a:prstGeom>
-          <a:noFill/>
-        </p:spPr>
-        <p:txBody>
-          <a:bodyPr wrap="square" rtlCol="0">
-            <a:spAutoFit/>
-          </a:bodyPr>
-          <a:lstStyle/>
-          <a:p>
-            <a:r>
-              <a:rPr lang="en-US" sz="1600" dirty="0" smtClean="0"/>
-              <a:t>Pod meta data to be picked up by service</a:t>
-            </a:r>
-            <a:endParaRPr lang="en-US" sz="1600" dirty="0"/>
-          </a:p>
-        </p:txBody>
-      </p:sp>
-      <p:cxnSp>
-        <p:nvCxnSpPr>
-          <p:cNvPr id="12" name="Straight Arrow Connector 11"/>
-          <p:cNvCxnSpPr/>
-          <p:nvPr/>
-        </p:nvCxnSpPr>
-        <p:spPr>
-          <a:xfrm>
-            <a:off x="3430829" y="2949053"/>
-            <a:ext cx="2814955" cy="416137"/>
-          </a:xfrm>
-          <a:prstGeom prst="straightConnector1">
-            <a:avLst/>
-          </a:prstGeom>
-          <a:ln>
-            <a:tailEnd type="triangle"/>
-          </a:ln>
-        </p:spPr>
-        <p:style>
-          <a:lnRef idx="1">
-            <a:schemeClr val="accent1"/>
-          </a:lnRef>
-          <a:fillRef idx="0">
-            <a:schemeClr val="accent1"/>
-          </a:fillRef>
-          <a:effectRef idx="0">
-            <a:schemeClr val="accent1"/>
-          </a:effectRef>
-          <a:fontRef idx="minor">
-            <a:schemeClr val="tx1"/>
-          </a:fontRef>
-        </p:style>
-      </p:cxnSp>
-      <p:sp>
-        <p:nvSpPr>
-          <p:cNvPr id="13" name="TextBox 12"/>
-          <p:cNvSpPr txBox="1"/>
-          <p:nvPr/>
-        </p:nvSpPr>
-        <p:spPr>
-          <a:xfrm>
-            <a:off x="6278609" y="3223684"/>
-            <a:ext cx="1865376" cy="338554"/>
-          </a:xfrm>
-          <a:prstGeom prst="rect">
-            <a:avLst/>
-          </a:prstGeom>
-          <a:noFill/>
-        </p:spPr>
-        <p:txBody>
-          <a:bodyPr wrap="square" rtlCol="0">
-            <a:spAutoFit/>
-          </a:bodyPr>
-          <a:lstStyle/>
-          <a:p>
-            <a:r>
-              <a:rPr lang="en-US" sz="1600" dirty="0" smtClean="0"/>
-              <a:t>Docker Image</a:t>
-            </a:r>
-            <a:endParaRPr lang="en-US" sz="1600" dirty="0"/>
-          </a:p>
-        </p:txBody>
-      </p:sp>
-      <p:cxnSp>
-        <p:nvCxnSpPr>
-          <p:cNvPr id="15" name="Straight Arrow Connector 14"/>
-          <p:cNvCxnSpPr/>
-          <p:nvPr/>
-        </p:nvCxnSpPr>
-        <p:spPr>
-          <a:xfrm>
-            <a:off x="2004365" y="4030675"/>
-            <a:ext cx="3503981" cy="212141"/>
-          </a:xfrm>
-          <a:prstGeom prst="straightConnector1">
-            <a:avLst/>
-          </a:prstGeom>
-          <a:ln>
-            <a:tailEnd type="triangle"/>
-          </a:ln>
-        </p:spPr>
-        <p:style>
-          <a:lnRef idx="1">
-            <a:schemeClr val="accent1"/>
-          </a:lnRef>
-          <a:fillRef idx="0">
-            <a:schemeClr val="accent1"/>
-          </a:fillRef>
-          <a:effectRef idx="0">
-            <a:schemeClr val="accent1"/>
-          </a:effectRef>
-          <a:fontRef idx="minor">
-            <a:schemeClr val="tx1"/>
-          </a:fontRef>
-        </p:style>
-      </p:cxnSp>
-      <p:sp>
-        <p:nvSpPr>
-          <p:cNvPr id="16" name="TextBox 15"/>
-          <p:cNvSpPr txBox="1"/>
-          <p:nvPr/>
-        </p:nvSpPr>
-        <p:spPr>
-          <a:xfrm>
-            <a:off x="5689829" y="4052621"/>
-            <a:ext cx="2934792" cy="338554"/>
-          </a:xfrm>
-          <a:prstGeom prst="rect">
-            <a:avLst/>
-          </a:prstGeom>
-          <a:noFill/>
-        </p:spPr>
-        <p:txBody>
-          <a:bodyPr wrap="square" rtlCol="0">
-            <a:spAutoFit/>
-          </a:bodyPr>
-          <a:lstStyle/>
-          <a:p>
-            <a:r>
-              <a:rPr lang="en-US" sz="1600" dirty="0" smtClean="0"/>
-              <a:t>Volume mounted in Host</a:t>
-            </a:r>
-            <a:endParaRPr lang="en-US" sz="1600" dirty="0"/>
-          </a:p>
-        </p:txBody>
-      </p:sp>
     </p:spTree>
   </p:cSld>
   <p:clrMapOvr>
     <a:masterClrMapping/>
   </p:clrMapOvr>
+  <p:timing>
+    <p:tnLst>
+      <p:par>
+        <p:cTn xmlns:p14="http://schemas.microsoft.com/office/powerpoint/2010/main" id="1" dur="indefinite" restart="never" nodeType="tmRoot"/>
+      </p:par>
+    </p:tnLst>
+  </p:timing>
 </p:sld>
 </file>
 
@@ -13600,249 +13860,283 @@
       </p:grpSpPr>
       <p:sp>
         <p:nvSpPr>
-          <p:cNvPr id="231" name="TextShape 1"/>
-          <p:cNvSpPr txBox="1"/>
-          <p:nvPr/>
-        </p:nvSpPr>
-        <p:spPr>
-          <a:xfrm>
-            <a:off x="-155160" y="4743360"/>
-            <a:ext cx="538920" cy="375480"/>
-          </a:xfrm>
-          <a:prstGeom prst="rect">
-            <a:avLst/>
-          </a:prstGeom>
-          <a:noFill/>
-          <a:ln>
-            <a:noFill/>
-          </a:ln>
-        </p:spPr>
-        <p:txBody>
-          <a:bodyPr anchor="ctr"/>
-          <a:lstStyle/>
-          <a:p>
-            <a:pPr algn="r">
-              <a:lnSpc>
-                <a:spcPct val="100000"/>
-              </a:lnSpc>
-            </a:pPr>
-            <a:fld id="{7A13DADD-3EB9-489F-AC67-712445F46DC3}" type="slidenum">
-              <a:rPr lang="en-US" sz="1050" b="1" strike="noStrike" spc="-1">
-                <a:solidFill>
-                  <a:srgbClr val="FFFFFF"/>
-                </a:solidFill>
-                <a:latin typeface="Arial"/>
-              </a:rPr>
+          <p:cNvPr id="2" name="Slide Number Placeholder 1"/>
+          <p:cNvSpPr>
+            <a:spLocks noGrp="1"/>
+          </p:cNvSpPr>
+          <p:nvPr>
+            <p:ph type="sldNum" sz="quarter" idx="12"/>
+          </p:nvPr>
+        </p:nvSpPr>
+        <p:spPr/>
+        <p:txBody>
+          <a:bodyPr/>
+          <a:lstStyle/>
+          <a:p>
+            <a:fld id="{B32AB80A-78BA-6B42-BA0D-B44ACF890F5A}" type="slidenum">
+              <a:rPr lang="en-US" smtClean="0"/>
               <a:t>17</a:t>
             </a:fld>
-            <a:endParaRPr lang="en-US" sz="1050" b="0" strike="noStrike" spc="-1">
-              <a:latin typeface="Times New Roman"/>
-            </a:endParaRPr>
-          </a:p>
-        </p:txBody>
-      </p:sp>
-      <p:sp>
-        <p:nvSpPr>
-          <p:cNvPr id="232" name="TextShape 2"/>
-          <p:cNvSpPr txBox="1"/>
+            <a:endParaRPr lang="en-US" dirty="0"/>
+          </a:p>
+        </p:txBody>
+      </p:sp>
+      <p:sp>
+        <p:nvSpPr>
+          <p:cNvPr id="4" name="Title 3"/>
+          <p:cNvSpPr>
+            <a:spLocks noGrp="1"/>
+          </p:cNvSpPr>
+          <p:nvPr>
+            <p:ph type="title"/>
+          </p:nvPr>
+        </p:nvSpPr>
+        <p:spPr>
+          <a:xfrm>
+            <a:off x="114299" y="-71184"/>
+            <a:ext cx="8915400" cy="624815"/>
+          </a:xfrm>
+        </p:spPr>
+        <p:txBody>
+          <a:bodyPr/>
+          <a:lstStyle/>
+          <a:p>
+            <a:r>
+              <a:rPr lang="en-US" sz="2400" dirty="0" smtClean="0"/>
+              <a:t>Kubernetes Deploying First Application</a:t>
+            </a:r>
+            <a:endParaRPr lang="en-US" sz="2400" dirty="0"/>
+          </a:p>
+        </p:txBody>
+      </p:sp>
+      <p:sp>
+        <p:nvSpPr>
+          <p:cNvPr id="7" name="Text Placeholder 2"/>
+          <p:cNvSpPr txBox="1">
+            <a:spLocks/>
+          </p:cNvSpPr>
           <p:nvPr/>
         </p:nvSpPr>
         <p:spPr>
           <a:xfrm>
-            <a:off x="114480" y="100080"/>
-            <a:ext cx="8915040" cy="297000"/>
-          </a:xfrm>
-          <a:prstGeom prst="rect">
-            <a:avLst/>
-          </a:prstGeom>
-          <a:noFill/>
-          <a:ln>
-            <a:noFill/>
-          </a:ln>
-        </p:spPr>
-        <p:txBody>
-          <a:bodyPr lIns="0" anchor="ctr"/>
-          <a:lstStyle/>
-          <a:p>
-            <a:pPr>
-              <a:lnSpc>
-                <a:spcPct val="100000"/>
-              </a:lnSpc>
-            </a:pPr>
-            <a:r>
-              <a:rPr lang="en-US" sz="2200" b="0" strike="noStrike" spc="-1">
-                <a:solidFill>
-                  <a:srgbClr val="23D2FF"/>
-                </a:solidFill>
-                <a:latin typeface="Arial"/>
-              </a:rPr>
-              <a:t>Kubernetes Deploying First Application Contd</a:t>
-            </a:r>
-            <a:endParaRPr lang="en-US" sz="2200" b="0" strike="noStrike" spc="-1">
-              <a:solidFill>
-                <a:srgbClr val="50B3CF"/>
-              </a:solidFill>
-              <a:latin typeface="Arial"/>
-            </a:endParaRPr>
-          </a:p>
-        </p:txBody>
-      </p:sp>
-      <p:sp>
-        <p:nvSpPr>
-          <p:cNvPr id="233" name="CustomShape 3"/>
-          <p:cNvSpPr/>
-          <p:nvPr/>
-        </p:nvSpPr>
-        <p:spPr>
-          <a:xfrm>
-            <a:off x="0" y="478440"/>
-            <a:ext cx="8915040" cy="4264920"/>
-          </a:xfrm>
-          <a:prstGeom prst="rect">
-            <a:avLst/>
-          </a:prstGeom>
-          <a:noFill/>
-          <a:ln>
-            <a:noFill/>
-          </a:ln>
-        </p:spPr>
-        <p:style>
-          <a:lnRef idx="0">
-            <a:scrgbClr r="0" g="0" b="0"/>
-          </a:lnRef>
-          <a:fillRef idx="0">
-            <a:scrgbClr r="0" g="0" b="0"/>
-          </a:fillRef>
-          <a:effectRef idx="0">
-            <a:scrgbClr r="0" g="0" b="0"/>
-          </a:effectRef>
-          <a:fontRef idx="minor"/>
-        </p:style>
-        <p:txBody>
-          <a:bodyPr lIns="90000" tIns="45000" rIns="90000" bIns="45000">
+            <a:off x="44761" y="541901"/>
+            <a:ext cx="8915400" cy="4265440"/>
+          </a:xfrm>
+          <a:prstGeom prst="rect">
+            <a:avLst/>
+          </a:prstGeom>
+        </p:spPr>
+        <p:txBody>
+          <a:bodyPr vert="horz">
             <a:normAutofit/>
           </a:bodyPr>
-          <a:lstStyle/>
-          <a:p>
-            <a:pPr marL="285840" indent="-285480" algn="just">
-              <a:lnSpc>
-                <a:spcPct val="100000"/>
-              </a:lnSpc>
-              <a:spcBef>
-                <a:spcPts val="281"/>
-              </a:spcBef>
+          <a:lstStyle>
+            <a:lvl1pPr marL="0" indent="0" algn="l" defTabSz="457200" rtl="0" eaLnBrk="1" latinLnBrk="0" hangingPunct="1">
+              <a:spcBef>
+                <a:spcPct val="20000"/>
+              </a:spcBef>
+              <a:buFont typeface="Arial"/>
+              <a:buNone/>
+              <a:defRPr sz="2400" kern="1200">
+                <a:solidFill>
+                  <a:schemeClr val="tx2"/>
+                </a:solidFill>
+                <a:latin typeface="+mn-lt"/>
+                <a:ea typeface="+mn-ea"/>
+                <a:cs typeface="+mn-cs"/>
+              </a:defRPr>
+            </a:lvl1pPr>
+            <a:lvl2pPr marL="396875" marR="0" indent="-171450" algn="l" defTabSz="457200" rtl="0" eaLnBrk="1" fontAlgn="auto" latinLnBrk="0" hangingPunct="1">
+              <a:lnSpc>
+                <a:spcPct val="100000"/>
+              </a:lnSpc>
+              <a:spcBef>
+                <a:spcPct val="20000"/>
+              </a:spcBef>
+              <a:spcAft>
+                <a:spcPts val="0"/>
+              </a:spcAft>
               <a:buClr>
-                <a:srgbClr val="141414"/>
+                <a:srgbClr val="5E9A36"/>
               </a:buClr>
+              <a:buSzTx/>
+              <a:buFont typeface="Wingdings" panose="05000000000000000000" pitchFamily="2" charset="2"/>
+              <a:buChar char="§"/>
+              <a:tabLst/>
+              <a:defRPr sz="2000" kern="1200">
+                <a:solidFill>
+                  <a:schemeClr val="tx2"/>
+                </a:solidFill>
+                <a:latin typeface="+mn-lt"/>
+                <a:ea typeface="+mn-ea"/>
+                <a:cs typeface="+mn-cs"/>
+              </a:defRPr>
+            </a:lvl2pPr>
+            <a:lvl3pPr marL="628650" marR="0" indent="-176213" algn="l" defTabSz="457200" rtl="0" eaLnBrk="1" fontAlgn="auto" latinLnBrk="0" hangingPunct="1">
+              <a:lnSpc>
+                <a:spcPct val="100000"/>
+              </a:lnSpc>
+              <a:spcBef>
+                <a:spcPct val="20000"/>
+              </a:spcBef>
+              <a:spcAft>
+                <a:spcPts val="0"/>
+              </a:spcAft>
+              <a:buClr>
+                <a:srgbClr val="5E9A36"/>
+              </a:buClr>
+              <a:buSzTx/>
+              <a:buFont typeface="Arial" panose="020B0604020202020204" pitchFamily="34" charset="0"/>
+              <a:buChar char="–"/>
+              <a:tabLst/>
+              <a:defRPr sz="1800" kern="1200">
+                <a:solidFill>
+                  <a:schemeClr val="tx2"/>
+                </a:solidFill>
+                <a:latin typeface="+mn-lt"/>
+                <a:ea typeface="+mn-ea"/>
+                <a:cs typeface="+mn-cs"/>
+              </a:defRPr>
+            </a:lvl3pPr>
+            <a:lvl4pPr marL="858838" marR="0" indent="-115888" algn="l" defTabSz="457200" rtl="0" eaLnBrk="1" fontAlgn="auto" latinLnBrk="0" hangingPunct="1">
+              <a:lnSpc>
+                <a:spcPct val="100000"/>
+              </a:lnSpc>
+              <a:spcBef>
+                <a:spcPct val="20000"/>
+              </a:spcBef>
+              <a:spcAft>
+                <a:spcPts val="0"/>
+              </a:spcAft>
+              <a:buClr>
+                <a:srgbClr val="5E9A36"/>
+              </a:buClr>
+              <a:buSzTx/>
+              <a:buFont typeface="Arial" panose="020B0604020202020204" pitchFamily="34" charset="0"/>
+              <a:buChar char="•"/>
+              <a:tabLst/>
+              <a:defRPr sz="1600" kern="1200">
+                <a:solidFill>
+                  <a:schemeClr val="tx2"/>
+                </a:solidFill>
+                <a:latin typeface="+mn-lt"/>
+                <a:ea typeface="+mn-ea"/>
+                <a:cs typeface="+mn-cs"/>
+              </a:defRPr>
+            </a:lvl4pPr>
+            <a:lvl5pPr marL="1144588" marR="0" indent="-176213" algn="l" defTabSz="457200" rtl="0" eaLnBrk="1" fontAlgn="auto" latinLnBrk="0" hangingPunct="1">
+              <a:lnSpc>
+                <a:spcPct val="100000"/>
+              </a:lnSpc>
+              <a:spcBef>
+                <a:spcPct val="20000"/>
+              </a:spcBef>
+              <a:spcAft>
+                <a:spcPts val="0"/>
+              </a:spcAft>
+              <a:buClr>
+                <a:srgbClr val="5E9A36"/>
+              </a:buClr>
+              <a:buSzTx/>
+              <a:buFont typeface="Arial"/>
+              <a:buChar char="»"/>
+              <a:tabLst/>
+              <a:defRPr sz="1600" kern="1200">
+                <a:solidFill>
+                  <a:schemeClr val="tx2"/>
+                </a:solidFill>
+                <a:latin typeface="+mn-lt"/>
+                <a:ea typeface="+mn-ea"/>
+                <a:cs typeface="+mn-cs"/>
+              </a:defRPr>
+            </a:lvl5pPr>
+            <a:lvl6pPr marL="2514600" indent="-228600" algn="l" defTabSz="457200" rtl="0" eaLnBrk="1" latinLnBrk="0" hangingPunct="1">
+              <a:spcBef>
+                <a:spcPct val="20000"/>
+              </a:spcBef>
               <a:buFont typeface="Arial"/>
               <a:buChar char="•"/>
-            </a:pPr>
-            <a:r>
-              <a:rPr lang="en-US" sz="1400" spc="-1" dirty="0" smtClean="0">
-                <a:solidFill>
-                  <a:srgbClr val="141414"/>
-                </a:solidFill>
-                <a:latin typeface="Arial"/>
-              </a:rPr>
-              <a:t>Validate the PODS and the Internal Cluster IP</a:t>
-            </a:r>
-          </a:p>
-          <a:p>
-            <a:pPr marL="285840" indent="-285480" algn="just">
-              <a:lnSpc>
-                <a:spcPct val="100000"/>
-              </a:lnSpc>
-              <a:spcBef>
-                <a:spcPts val="281"/>
-              </a:spcBef>
-              <a:buClr>
-                <a:srgbClr val="141414"/>
-              </a:buClr>
+              <a:defRPr sz="2000" kern="1200">
+                <a:solidFill>
+                  <a:schemeClr val="tx1"/>
+                </a:solidFill>
+                <a:latin typeface="+mn-lt"/>
+                <a:ea typeface="+mn-ea"/>
+                <a:cs typeface="+mn-cs"/>
+              </a:defRPr>
+            </a:lvl6pPr>
+            <a:lvl7pPr marL="2971800" indent="-228600" algn="l" defTabSz="457200" rtl="0" eaLnBrk="1" latinLnBrk="0" hangingPunct="1">
+              <a:spcBef>
+                <a:spcPct val="20000"/>
+              </a:spcBef>
               <a:buFont typeface="Arial"/>
               <a:buChar char="•"/>
-            </a:pPr>
-            <a:endParaRPr lang="en-US" sz="1400" b="0" strike="noStrike" spc="-1" dirty="0">
-              <a:solidFill>
-                <a:srgbClr val="141414"/>
-              </a:solidFill>
-              <a:latin typeface="Arial"/>
-            </a:endParaRPr>
-          </a:p>
-          <a:p>
-            <a:pPr marL="285840" indent="-285480" algn="just">
-              <a:lnSpc>
-                <a:spcPct val="100000"/>
-              </a:lnSpc>
-              <a:spcBef>
-                <a:spcPts val="281"/>
-              </a:spcBef>
-              <a:buClr>
-                <a:srgbClr val="141414"/>
-              </a:buClr>
+              <a:defRPr sz="2000" kern="1200">
+                <a:solidFill>
+                  <a:schemeClr val="tx1"/>
+                </a:solidFill>
+                <a:latin typeface="+mn-lt"/>
+                <a:ea typeface="+mn-ea"/>
+                <a:cs typeface="+mn-cs"/>
+              </a:defRPr>
+            </a:lvl7pPr>
+            <a:lvl8pPr marL="3429000" indent="-228600" algn="l" defTabSz="457200" rtl="0" eaLnBrk="1" latinLnBrk="0" hangingPunct="1">
+              <a:spcBef>
+                <a:spcPct val="20000"/>
+              </a:spcBef>
               <a:buFont typeface="Arial"/>
               <a:buChar char="•"/>
-            </a:pPr>
-            <a:endParaRPr lang="en-US" sz="1400" b="0" strike="noStrike" spc="-1" dirty="0">
-              <a:latin typeface="Arial"/>
-            </a:endParaRPr>
-          </a:p>
-          <a:p>
-            <a:pPr algn="just">
-              <a:lnSpc>
-                <a:spcPct val="100000"/>
-              </a:lnSpc>
-              <a:spcBef>
-                <a:spcPts val="281"/>
-              </a:spcBef>
-            </a:pPr>
-            <a:endParaRPr lang="en-US" sz="1400" b="0" strike="noStrike" spc="-1" dirty="0">
-              <a:latin typeface="Arial"/>
-            </a:endParaRPr>
-          </a:p>
-          <a:p>
-            <a:pPr algn="just">
-              <a:lnSpc>
-                <a:spcPct val="100000"/>
-              </a:lnSpc>
-              <a:spcBef>
-                <a:spcPts val="281"/>
-              </a:spcBef>
-            </a:pPr>
-            <a:endParaRPr lang="en-US" sz="1400" b="0" strike="noStrike" spc="-1" dirty="0">
-              <a:latin typeface="Arial"/>
-            </a:endParaRPr>
-          </a:p>
-          <a:p>
-            <a:pPr algn="just">
-              <a:lnSpc>
-                <a:spcPct val="100000"/>
-              </a:lnSpc>
-              <a:spcBef>
-                <a:spcPts val="281"/>
-              </a:spcBef>
-            </a:pPr>
-            <a:endParaRPr lang="en-US" sz="1400" b="0" strike="noStrike" spc="-1" dirty="0">
-              <a:latin typeface="Arial"/>
-            </a:endParaRPr>
-          </a:p>
-          <a:p>
-            <a:pPr algn="just">
-              <a:lnSpc>
-                <a:spcPct val="100000"/>
-              </a:lnSpc>
-              <a:spcBef>
-                <a:spcPts val="281"/>
-              </a:spcBef>
-            </a:pPr>
-            <a:endParaRPr lang="en-US" sz="1400" b="0" strike="noStrike" spc="-1" dirty="0">
-              <a:latin typeface="Arial"/>
-            </a:endParaRPr>
+              <a:defRPr sz="2000" kern="1200">
+                <a:solidFill>
+                  <a:schemeClr val="tx1"/>
+                </a:solidFill>
+                <a:latin typeface="+mn-lt"/>
+                <a:ea typeface="+mn-ea"/>
+                <a:cs typeface="+mn-cs"/>
+              </a:defRPr>
+            </a:lvl8pPr>
+            <a:lvl9pPr marL="3886200" indent="-228600" algn="l" defTabSz="457200" rtl="0" eaLnBrk="1" latinLnBrk="0" hangingPunct="1">
+              <a:spcBef>
+                <a:spcPct val="20000"/>
+              </a:spcBef>
+              <a:buFont typeface="Arial"/>
+              <a:buChar char="•"/>
+              <a:defRPr sz="2000" kern="1200">
+                <a:solidFill>
+                  <a:schemeClr val="tx1"/>
+                </a:solidFill>
+                <a:latin typeface="+mn-lt"/>
+                <a:ea typeface="+mn-ea"/>
+                <a:cs typeface="+mn-cs"/>
+              </a:defRPr>
+            </a:lvl9pPr>
+          </a:lstStyle>
+          <a:p>
+            <a:pPr marL="285750" indent="-285750" algn="just">
+              <a:buFont typeface="Arial" panose="020B0604020202020204" pitchFamily="34" charset="0"/>
+              <a:buChar char="•"/>
+            </a:pPr>
+            <a:endParaRPr lang="en-US" sz="1400" dirty="0"/>
+          </a:p>
+          <a:p>
+            <a:pPr marL="285750" indent="-285750" algn="just">
+              <a:buFont typeface="Arial" panose="020B0604020202020204" pitchFamily="34" charset="0"/>
+              <a:buChar char="•"/>
+            </a:pPr>
+            <a:endParaRPr lang="en-US" sz="1400" dirty="0" smtClean="0"/>
+          </a:p>
+          <a:p>
+            <a:pPr marL="285750" indent="-285750" algn="just">
+              <a:buFont typeface="Arial" panose="020B0604020202020204" pitchFamily="34" charset="0"/>
+              <a:buChar char="•"/>
+            </a:pPr>
+            <a:endParaRPr lang="en-US" sz="1400" dirty="0"/>
           </a:p>
         </p:txBody>
       </p:sp>
       <p:pic>
         <p:nvPicPr>
-          <p:cNvPr id="2" name="Picture 1"/>
+          <p:cNvPr id="5" name="Picture 4"/>
           <p:cNvPicPr>
             <a:picLocks noChangeAspect="1"/>
           </p:cNvPicPr>
@@ -13856,8 +14150,8 @@
         </p:blipFill>
         <p:spPr>
           <a:xfrm>
-            <a:off x="0" y="1004409"/>
-            <a:ext cx="9144000" cy="1525338"/>
+            <a:off x="114299" y="470315"/>
+            <a:ext cx="9029701" cy="4273135"/>
           </a:xfrm>
           <a:prstGeom prst="rect">
             <a:avLst/>
@@ -13867,13 +14161,20 @@
     </p:spTree>
     <p:extLst>
       <p:ext uri="{BB962C8B-B14F-4D97-AF65-F5344CB8AC3E}">
-        <p14:creationId xmlns:p14="http://schemas.microsoft.com/office/powerpoint/2010/main" val="1190926767"/>
+        <p14:creationId xmlns:p14="http://schemas.microsoft.com/office/powerpoint/2010/main" val="4272567955"/>
       </p:ext>
     </p:extLst>
   </p:cSld>
   <p:clrMapOvr>
     <a:masterClrMapping/>
   </p:clrMapOvr>
+  <p:timing>
+    <p:tnLst>
+      <p:par>
+        <p:cTn xmlns:p14="http://schemas.microsoft.com/office/powerpoint/2010/main" id="1" dur="indefinite" restart="never" nodeType="tmRoot"/>
+      </p:par>
+    </p:tnLst>
+  </p:timing>
 </p:sld>
 </file>
 
@@ -13966,15 +14267,24 @@
               </a:lnSpc>
             </a:pPr>
             <a:r>
-              <a:rPr lang="en-US" sz="2200" b="0" strike="noStrike" spc="-1">
+              <a:rPr lang="en-US" sz="2200" b="0" strike="noStrike" spc="-1" dirty="0">
                 <a:solidFill>
                   <a:srgbClr val="23D2FF"/>
                 </a:solidFill>
                 <a:latin typeface="Arial"/>
               </a:rPr>
-              <a:t>Kubernetes Deploying First Application Contd</a:t>
-            </a:r>
-            <a:endParaRPr lang="en-US" sz="2200" b="0" strike="noStrike" spc="-1">
+              <a:t>Kubernetes Deploying First Application </a:t>
+            </a:r>
+            <a:r>
+              <a:rPr lang="en-US" sz="2200" b="0" strike="noStrike" spc="-1" dirty="0" err="1">
+                <a:solidFill>
+                  <a:srgbClr val="23D2FF"/>
+                </a:solidFill>
+                <a:latin typeface="Arial"/>
+              </a:rPr>
+              <a:t>Contd</a:t>
+            </a:r>
+            <a:endParaRPr lang="en-US" sz="2200" b="0" strike="noStrike" spc="-1" dirty="0">
               <a:solidFill>
                 <a:srgbClr val="50B3CF"/>
               </a:solidFill>
@@ -14034,15 +14344,15 @@
               <a:buChar char="•"/>
             </a:pPr>
             <a:r>
-              <a:rPr lang="en-US" sz="1400" b="0" strike="noStrike" spc="-1" dirty="0" smtClean="0">
+              <a:rPr lang="en-US" sz="1400" b="0" strike="noStrike" spc="-1">
                 <a:solidFill>
                   <a:srgbClr val="141414"/>
                 </a:solidFill>
                 <a:latin typeface="Arial"/>
               </a:rPr>
-              <a:t>Dashboard Reflecting status of Pods</a:t>
-            </a:r>
-            <a:endParaRPr lang="en-US" sz="1400" b="0" strike="noStrike" spc="-1" dirty="0">
+              <a:t>Example of Deployment Descriptor to Install an application</a:t>
+            </a:r>
+            <a:endParaRPr lang="en-US" sz="1400" b="0" strike="noStrike" spc="-1">
               <a:latin typeface="Arial"/>
             </a:endParaRPr>
           </a:p>
@@ -14055,7 +14365,7 @@
                 <a:spcPts val="281"/>
               </a:spcBef>
             </a:pPr>
-            <a:endParaRPr lang="en-US" sz="1400" b="0" strike="noStrike" spc="-1" dirty="0">
+            <a:endParaRPr lang="en-US" sz="1400" b="0" strike="noStrike" spc="-1">
               <a:latin typeface="Arial"/>
             </a:endParaRPr>
           </a:p>
@@ -14068,7 +14378,7 @@
                 <a:spcPts val="281"/>
               </a:spcBef>
             </a:pPr>
-            <a:endParaRPr lang="en-US" sz="1400" b="0" strike="noStrike" spc="-1" dirty="0">
+            <a:endParaRPr lang="en-US" sz="1400" b="0" strike="noStrike" spc="-1">
               <a:latin typeface="Arial"/>
             </a:endParaRPr>
           </a:p>
@@ -14081,7 +14391,7 @@
                 <a:spcPts val="281"/>
               </a:spcBef>
             </a:pPr>
-            <a:endParaRPr lang="en-US" sz="1400" b="0" strike="noStrike" spc="-1" dirty="0">
+            <a:endParaRPr lang="en-US" sz="1400" b="0" strike="noStrike" spc="-1">
               <a:latin typeface="Arial"/>
             </a:endParaRPr>
           </a:p>
@@ -14094,7 +14404,7 @@
                 <a:spcPts val="281"/>
               </a:spcBef>
             </a:pPr>
-            <a:endParaRPr lang="en-US" sz="1400" b="0" strike="noStrike" spc="-1" dirty="0">
+            <a:endParaRPr lang="en-US" sz="1400" b="0" strike="noStrike" spc="-1">
               <a:latin typeface="Arial"/>
             </a:endParaRPr>
           </a:p>
@@ -14102,38 +14412,291 @@
       </p:sp>
       <p:pic>
         <p:nvPicPr>
-          <p:cNvPr id="2" name="Picture 1"/>
-          <p:cNvPicPr>
-            <a:picLocks noChangeAspect="1"/>
-          </p:cNvPicPr>
+          <p:cNvPr id="234" name="Picture 233"/>
+          <p:cNvPicPr/>
           <p:nvPr/>
         </p:nvPicPr>
         <p:blipFill>
           <a:blip r:embed="rId2"/>
-          <a:stretch>
-            <a:fillRect/>
-          </a:stretch>
+          <a:stretch/>
         </p:blipFill>
         <p:spPr>
           <a:xfrm>
-            <a:off x="0" y="823863"/>
-            <a:ext cx="9144000" cy="3574075"/>
-          </a:xfrm>
-          <a:prstGeom prst="rect">
-            <a:avLst/>
-          </a:prstGeom>
+            <a:off x="365760" y="914400"/>
+            <a:ext cx="4819320" cy="3910320"/>
+          </a:xfrm>
+          <a:prstGeom prst="rect">
+            <a:avLst/>
+          </a:prstGeom>
+          <a:ln>
+            <a:noFill/>
+          </a:ln>
         </p:spPr>
       </p:pic>
+      <p:cxnSp>
+        <p:nvCxnSpPr>
+          <p:cNvPr id="6" name="Straight Arrow Connector 5"/>
+          <p:cNvCxnSpPr/>
+          <p:nvPr/>
+        </p:nvCxnSpPr>
+        <p:spPr>
+          <a:xfrm>
+            <a:off x="1828800" y="1865376"/>
+            <a:ext cx="4045306" cy="36576"/>
+          </a:xfrm>
+          <a:prstGeom prst="straightConnector1">
+            <a:avLst/>
+          </a:prstGeom>
+          <a:ln>
+            <a:tailEnd type="triangle"/>
+          </a:ln>
+        </p:spPr>
+        <p:style>
+          <a:lnRef idx="1">
+            <a:schemeClr val="accent1"/>
+          </a:lnRef>
+          <a:fillRef idx="0">
+            <a:schemeClr val="accent1"/>
+          </a:fillRef>
+          <a:effectRef idx="0">
+            <a:schemeClr val="accent1"/>
+          </a:effectRef>
+          <a:fontRef idx="minor">
+            <a:schemeClr val="tx1"/>
+          </a:fontRef>
+        </p:style>
+      </p:cxnSp>
+      <p:sp>
+        <p:nvSpPr>
+          <p:cNvPr id="7" name="TextBox 6"/>
+          <p:cNvSpPr txBox="1"/>
+          <p:nvPr/>
+        </p:nvSpPr>
+        <p:spPr>
+          <a:xfrm>
+            <a:off x="5942109" y="1752538"/>
+            <a:ext cx="2070202" cy="338554"/>
+          </a:xfrm>
+          <a:prstGeom prst="rect">
+            <a:avLst/>
+          </a:prstGeom>
+          <a:noFill/>
+        </p:spPr>
+        <p:txBody>
+          <a:bodyPr wrap="square" rtlCol="0">
+            <a:spAutoFit/>
+          </a:bodyPr>
+          <a:lstStyle/>
+          <a:p>
+            <a:r>
+              <a:rPr lang="en-US" sz="1600" dirty="0" smtClean="0"/>
+              <a:t>Replicas as pods</a:t>
+            </a:r>
+            <a:endParaRPr lang="en-US" sz="1600" dirty="0"/>
+          </a:p>
+        </p:txBody>
+      </p:sp>
+      <p:cxnSp>
+        <p:nvCxnSpPr>
+          <p:cNvPr id="9" name="Straight Arrow Connector 8"/>
+          <p:cNvCxnSpPr/>
+          <p:nvPr/>
+        </p:nvCxnSpPr>
+        <p:spPr>
+          <a:xfrm>
+            <a:off x="2523744" y="2443277"/>
+            <a:ext cx="3621024" cy="226771"/>
+          </a:xfrm>
+          <a:prstGeom prst="straightConnector1">
+            <a:avLst/>
+          </a:prstGeom>
+          <a:ln>
+            <a:tailEnd type="triangle"/>
+          </a:ln>
+        </p:spPr>
+        <p:style>
+          <a:lnRef idx="1">
+            <a:schemeClr val="accent1"/>
+          </a:lnRef>
+          <a:fillRef idx="0">
+            <a:schemeClr val="accent1"/>
+          </a:fillRef>
+          <a:effectRef idx="0">
+            <a:schemeClr val="accent1"/>
+          </a:effectRef>
+          <a:fontRef idx="minor">
+            <a:schemeClr val="tx1"/>
+          </a:fontRef>
+        </p:style>
+      </p:cxnSp>
+      <p:sp>
+        <p:nvSpPr>
+          <p:cNvPr id="10" name="TextBox 9"/>
+          <p:cNvSpPr txBox="1"/>
+          <p:nvPr/>
+        </p:nvSpPr>
+        <p:spPr>
+          <a:xfrm>
+            <a:off x="6245784" y="2487081"/>
+            <a:ext cx="2194560" cy="584775"/>
+          </a:xfrm>
+          <a:prstGeom prst="rect">
+            <a:avLst/>
+          </a:prstGeom>
+          <a:noFill/>
+        </p:spPr>
+        <p:txBody>
+          <a:bodyPr wrap="square" rtlCol="0">
+            <a:spAutoFit/>
+          </a:bodyPr>
+          <a:lstStyle/>
+          <a:p>
+            <a:r>
+              <a:rPr lang="en-US" sz="1600" dirty="0" smtClean="0"/>
+              <a:t>Pod meta data to be picked up by service</a:t>
+            </a:r>
+            <a:endParaRPr lang="en-US" sz="1600" dirty="0"/>
+          </a:p>
+        </p:txBody>
+      </p:sp>
+      <p:cxnSp>
+        <p:nvCxnSpPr>
+          <p:cNvPr id="12" name="Straight Arrow Connector 11"/>
+          <p:cNvCxnSpPr/>
+          <p:nvPr/>
+        </p:nvCxnSpPr>
+        <p:spPr>
+          <a:xfrm>
+            <a:off x="3430829" y="2949053"/>
+            <a:ext cx="2814955" cy="416137"/>
+          </a:xfrm>
+          <a:prstGeom prst="straightConnector1">
+            <a:avLst/>
+          </a:prstGeom>
+          <a:ln>
+            <a:tailEnd type="triangle"/>
+          </a:ln>
+        </p:spPr>
+        <p:style>
+          <a:lnRef idx="1">
+            <a:schemeClr val="accent1"/>
+          </a:lnRef>
+          <a:fillRef idx="0">
+            <a:schemeClr val="accent1"/>
+          </a:fillRef>
+          <a:effectRef idx="0">
+            <a:schemeClr val="accent1"/>
+          </a:effectRef>
+          <a:fontRef idx="minor">
+            <a:schemeClr val="tx1"/>
+          </a:fontRef>
+        </p:style>
+      </p:cxnSp>
+      <p:sp>
+        <p:nvSpPr>
+          <p:cNvPr id="13" name="TextBox 12"/>
+          <p:cNvSpPr txBox="1"/>
+          <p:nvPr/>
+        </p:nvSpPr>
+        <p:spPr>
+          <a:xfrm>
+            <a:off x="6278609" y="3223684"/>
+            <a:ext cx="1865376" cy="338554"/>
+          </a:xfrm>
+          <a:prstGeom prst="rect">
+            <a:avLst/>
+          </a:prstGeom>
+          <a:noFill/>
+        </p:spPr>
+        <p:txBody>
+          <a:bodyPr wrap="square" rtlCol="0">
+            <a:spAutoFit/>
+          </a:bodyPr>
+          <a:lstStyle/>
+          <a:p>
+            <a:r>
+              <a:rPr lang="en-US" sz="1600" dirty="0" smtClean="0"/>
+              <a:t>Docker Image</a:t>
+            </a:r>
+            <a:endParaRPr lang="en-US" sz="1600" dirty="0"/>
+          </a:p>
+        </p:txBody>
+      </p:sp>
+      <p:cxnSp>
+        <p:nvCxnSpPr>
+          <p:cNvPr id="15" name="Straight Arrow Connector 14"/>
+          <p:cNvCxnSpPr/>
+          <p:nvPr/>
+        </p:nvCxnSpPr>
+        <p:spPr>
+          <a:xfrm>
+            <a:off x="2004365" y="4030675"/>
+            <a:ext cx="3503981" cy="212141"/>
+          </a:xfrm>
+          <a:prstGeom prst="straightConnector1">
+            <a:avLst/>
+          </a:prstGeom>
+          <a:ln>
+            <a:tailEnd type="triangle"/>
+          </a:ln>
+        </p:spPr>
+        <p:style>
+          <a:lnRef idx="1">
+            <a:schemeClr val="accent1"/>
+          </a:lnRef>
+          <a:fillRef idx="0">
+            <a:schemeClr val="accent1"/>
+          </a:fillRef>
+          <a:effectRef idx="0">
+            <a:schemeClr val="accent1"/>
+          </a:effectRef>
+          <a:fontRef idx="minor">
+            <a:schemeClr val="tx1"/>
+          </a:fontRef>
+        </p:style>
+      </p:cxnSp>
+      <p:sp>
+        <p:nvSpPr>
+          <p:cNvPr id="16" name="TextBox 15"/>
+          <p:cNvSpPr txBox="1"/>
+          <p:nvPr/>
+        </p:nvSpPr>
+        <p:spPr>
+          <a:xfrm>
+            <a:off x="5689829" y="4052621"/>
+            <a:ext cx="2934792" cy="338554"/>
+          </a:xfrm>
+          <a:prstGeom prst="rect">
+            <a:avLst/>
+          </a:prstGeom>
+          <a:noFill/>
+        </p:spPr>
+        <p:txBody>
+          <a:bodyPr wrap="square" rtlCol="0">
+            <a:spAutoFit/>
+          </a:bodyPr>
+          <a:lstStyle/>
+          <a:p>
+            <a:r>
+              <a:rPr lang="en-US" sz="1600" dirty="0" smtClean="0"/>
+              <a:t>Volume mounted in Host</a:t>
+            </a:r>
+            <a:endParaRPr lang="en-US" sz="1600" dirty="0"/>
+          </a:p>
+        </p:txBody>
+      </p:sp>
     </p:spTree>
-    <p:extLst>
-      <p:ext uri="{BB962C8B-B14F-4D97-AF65-F5344CB8AC3E}">
-        <p14:creationId xmlns:p14="http://schemas.microsoft.com/office/powerpoint/2010/main" val="1119286947"/>
-      </p:ext>
-    </p:extLst>
   </p:cSld>
   <p:clrMapOvr>
     <a:masterClrMapping/>
   </p:clrMapOvr>
+  <p:timing>
+    <p:tnLst>
+      <p:par>
+        <p:cTn xmlns:p14="http://schemas.microsoft.com/office/powerpoint/2010/main" id="1" dur="indefinite" restart="never" nodeType="tmRoot"/>
+      </p:par>
+    </p:tnLst>
+  </p:timing>
 </p:sld>
 </file>
 
@@ -14205,7 +14768,7 @@
         </p:nvSpPr>
         <p:spPr>
           <a:xfrm>
-            <a:off x="114480" y="102960"/>
+            <a:off x="114480" y="100080"/>
             <a:ext cx="8915040" cy="297000"/>
           </a:xfrm>
           <a:prstGeom prst="rect">
@@ -14232,16 +14795,16 @@
                 </a:solidFill>
                 <a:latin typeface="Arial"/>
               </a:rPr>
-              <a:t>Kubernetes </a:t>
-            </a:r>
-            <a:r>
-              <a:rPr lang="en-US" sz="2200" b="0" strike="noStrike" spc="-1" dirty="0" smtClean="0">
+              <a:t>Kubernetes Deploying First Application </a:t>
+            </a:r>
+            <a:r>
+              <a:rPr lang="en-US" sz="2200" b="0" strike="noStrike" spc="-1" dirty="0" err="1">
                 <a:solidFill>
                   <a:srgbClr val="23D2FF"/>
                 </a:solidFill>
                 <a:latin typeface="Arial"/>
               </a:rPr>
-              <a:t>Scaling up Deployment</a:t>
+              <a:t>Contd</a:t>
             </a:r>
             <a:endParaRPr lang="en-US" sz="2200" b="0" strike="noStrike" spc="-1" dirty="0">
               <a:solidFill>
@@ -14309,7 +14872,7 @@
                 </a:solidFill>
                 <a:latin typeface="Arial"/>
               </a:rPr>
-              <a:t>Increase Replica from 3 to 5</a:t>
+              <a:t>Validate the PODS and the Internal Cluster IP</a:t>
             </a:r>
           </a:p>
           <a:p>
@@ -14326,7 +14889,7 @@
               <a:buFont typeface="Arial"/>
               <a:buChar char="•"/>
             </a:pPr>
-            <a:endParaRPr lang="en-US" sz="1400" spc="-1" dirty="0">
+            <a:endParaRPr lang="en-US" sz="1400" b="0" strike="noStrike" spc="-1" dirty="0">
               <a:solidFill>
                 <a:srgbClr val="141414"/>
               </a:solidFill>
@@ -14347,48 +14910,6 @@
               <a:buFont typeface="Arial"/>
               <a:buChar char="•"/>
             </a:pPr>
-            <a:endParaRPr lang="en-US" sz="1400" spc="-1" dirty="0" smtClean="0">
-              <a:solidFill>
-                <a:srgbClr val="141414"/>
-              </a:solidFill>
-              <a:latin typeface="Arial"/>
-            </a:endParaRPr>
-          </a:p>
-          <a:p>
-            <a:pPr marL="285840" indent="-285480" algn="just">
-              <a:lnSpc>
-                <a:spcPct val="100000"/>
-              </a:lnSpc>
-              <a:spcBef>
-                <a:spcPts val="281"/>
-              </a:spcBef>
-              <a:buClr>
-                <a:srgbClr val="141414"/>
-              </a:buClr>
-              <a:buFont typeface="Arial"/>
-              <a:buChar char="•"/>
-            </a:pPr>
-            <a:endParaRPr lang="en-US" sz="1400" b="0" strike="noStrike" spc="-1" dirty="0">
-              <a:solidFill>
-                <a:srgbClr val="141414"/>
-              </a:solidFill>
-              <a:latin typeface="Arial"/>
-            </a:endParaRPr>
-          </a:p>
-          <a:p>
-            <a:pPr marL="285840" indent="-285480" algn="just">
-              <a:lnSpc>
-                <a:spcPct val="100000"/>
-              </a:lnSpc>
-              <a:spcBef>
-                <a:spcPts val="281"/>
-              </a:spcBef>
-              <a:buClr>
-                <a:srgbClr val="141414"/>
-              </a:buClr>
-              <a:buFont typeface="Arial"/>
-              <a:buChar char="•"/>
-            </a:pPr>
             <a:endParaRPr lang="en-US" sz="1400" b="0" strike="noStrike" spc="-1" dirty="0">
               <a:latin typeface="Arial"/>
             </a:endParaRPr>
@@ -14449,7 +14970,7 @@
       </p:sp>
       <p:pic>
         <p:nvPicPr>
-          <p:cNvPr id="3" name="Picture 2"/>
+          <p:cNvPr id="2" name="Picture 1"/>
           <p:cNvPicPr>
             <a:picLocks noChangeAspect="1"/>
           </p:cNvPicPr>
@@ -14463,117 +14984,31 @@
         </p:blipFill>
         <p:spPr>
           <a:xfrm>
-            <a:off x="0" y="969395"/>
-            <a:ext cx="9144000" cy="3204710"/>
+            <a:off x="0" y="1004409"/>
+            <a:ext cx="9144000" cy="1525338"/>
           </a:xfrm>
           <a:prstGeom prst="rect">
             <a:avLst/>
           </a:prstGeom>
         </p:spPr>
       </p:pic>
-      <p:cxnSp>
-        <p:nvCxnSpPr>
-          <p:cNvPr id="5" name="Straight Connector 4"/>
-          <p:cNvCxnSpPr/>
-          <p:nvPr/>
-        </p:nvCxnSpPr>
-        <p:spPr>
-          <a:xfrm>
-            <a:off x="3942893" y="1748333"/>
-            <a:ext cx="2538374" cy="2619547"/>
-          </a:xfrm>
-          <a:prstGeom prst="line">
-            <a:avLst/>
-          </a:prstGeom>
-        </p:spPr>
-        <p:style>
-          <a:lnRef idx="1">
-            <a:schemeClr val="accent1"/>
-          </a:lnRef>
-          <a:fillRef idx="0">
-            <a:schemeClr val="accent1"/>
-          </a:fillRef>
-          <a:effectRef idx="0">
-            <a:schemeClr val="accent1"/>
-          </a:effectRef>
-          <a:fontRef idx="minor">
-            <a:schemeClr val="tx1"/>
-          </a:fontRef>
-        </p:style>
-      </p:cxnSp>
-      <p:sp>
-        <p:nvSpPr>
-          <p:cNvPr id="6" name="TextBox 5"/>
-          <p:cNvSpPr txBox="1"/>
-          <p:nvPr/>
-        </p:nvSpPr>
-        <p:spPr>
-          <a:xfrm>
-            <a:off x="6547104" y="4308901"/>
-            <a:ext cx="2194560" cy="369332"/>
-          </a:xfrm>
-          <a:prstGeom prst="rect">
-            <a:avLst/>
-          </a:prstGeom>
-          <a:noFill/>
-        </p:spPr>
-        <p:txBody>
-          <a:bodyPr wrap="square" rtlCol="0">
-            <a:spAutoFit/>
-          </a:bodyPr>
-          <a:lstStyle/>
-          <a:p>
-            <a:r>
-              <a:rPr lang="en-US" dirty="0" smtClean="0"/>
-              <a:t>Creating new pods</a:t>
-            </a:r>
-            <a:endParaRPr lang="en-US" dirty="0"/>
-          </a:p>
-        </p:txBody>
-      </p:sp>
-      <p:cxnSp>
-        <p:nvCxnSpPr>
-          <p:cNvPr id="8" name="Straight Arrow Connector 7"/>
-          <p:cNvCxnSpPr/>
-          <p:nvPr/>
-        </p:nvCxnSpPr>
-        <p:spPr>
-          <a:xfrm>
-            <a:off x="3877056" y="2296973"/>
-            <a:ext cx="2604211" cy="2070907"/>
-          </a:xfrm>
-          <a:prstGeom prst="straightConnector1">
-            <a:avLst/>
-          </a:prstGeom>
-          <a:ln>
-            <a:tailEnd type="triangle"/>
-          </a:ln>
-        </p:spPr>
-        <p:style>
-          <a:lnRef idx="1">
-            <a:schemeClr val="accent1"/>
-          </a:lnRef>
-          <a:fillRef idx="0">
-            <a:schemeClr val="accent1"/>
-          </a:fillRef>
-          <a:effectRef idx="0">
-            <a:schemeClr val="accent1"/>
-          </a:effectRef>
-          <a:fontRef idx="minor">
-            <a:schemeClr val="tx1"/>
-          </a:fontRef>
-        </p:style>
-      </p:cxnSp>
     </p:spTree>
     <p:extLst>
       <p:ext uri="{BB962C8B-B14F-4D97-AF65-F5344CB8AC3E}">
-        <p14:creationId xmlns:p14="http://schemas.microsoft.com/office/powerpoint/2010/main" val="3888819319"/>
+        <p14:creationId xmlns:p14="http://schemas.microsoft.com/office/powerpoint/2010/main" val="1190926767"/>
       </p:ext>
     </p:extLst>
   </p:cSld>
   <p:clrMapOvr>
     <a:masterClrMapping/>
   </p:clrMapOvr>
+  <p:timing>
+    <p:tnLst>
+      <p:par>
+        <p:cTn xmlns:p14="http://schemas.microsoft.com/office/powerpoint/2010/main" id="1" dur="indefinite" restart="never" nodeType="tmRoot"/>
+      </p:par>
+    </p:tnLst>
+  </p:timing>
 </p:sld>
 </file>
 
@@ -15069,7 +15504,7 @@
       </p:grpSpPr>
       <p:sp>
         <p:nvSpPr>
-          <p:cNvPr id="235" name="TextShape 1"/>
+          <p:cNvPr id="231" name="TextShape 1"/>
           <p:cNvSpPr txBox="1"/>
           <p:nvPr/>
         </p:nvSpPr>
@@ -15095,7 +15530,7 @@
                 <a:spcPct val="100000"/>
               </a:lnSpc>
             </a:pPr>
-            <a:fld id="{ADC29B24-62E0-4078-B1CF-65B27D6573BF}" type="slidenum">
+            <a:fld id="{7A13DADD-3EB9-489F-AC67-712445F46DC3}" type="slidenum">
               <a:rPr lang="en-US" sz="1050" b="1" strike="noStrike" spc="-1">
                 <a:solidFill>
                   <a:srgbClr val="FFFFFF"/>
@@ -15112,7 +15547,7 @@
       </p:sp>
       <p:sp>
         <p:nvSpPr>
-          <p:cNvPr id="236" name="TextShape 2"/>
+          <p:cNvPr id="232" name="TextShape 2"/>
           <p:cNvSpPr txBox="1"/>
           <p:nvPr/>
         </p:nvSpPr>
@@ -15139,32 +15574,41 @@
               </a:lnSpc>
             </a:pPr>
             <a:r>
-              <a:rPr lang="en-US" sz="2200" b="0" strike="noStrike" spc="-1">
+              <a:rPr lang="en-US" sz="2200" b="0" strike="noStrike" spc="-1" dirty="0">
                 <a:solidFill>
                   <a:srgbClr val="23D2FF"/>
                 </a:solidFill>
                 <a:latin typeface="Arial"/>
               </a:rPr>
-              <a:t>Kubernetes Volumes </a:t>
-            </a:r>
-            <a:endParaRPr lang="en-US" sz="2200" b="0" strike="noStrike" spc="-1">
-              <a:solidFill>
-                <a:srgbClr val="50B3CF"/>
-              </a:solidFill>
-              <a:latin typeface="Arial"/>
-            </a:endParaRPr>
-          </a:p>
-        </p:txBody>
-      </p:sp>
-      <p:sp>
-        <p:nvSpPr>
-          <p:cNvPr id="237" name="CustomShape 3"/>
+              <a:t>Kubernetes Deploying First Application </a:t>
+            </a:r>
+            <a:r>
+              <a:rPr lang="en-US" sz="2200" b="0" strike="noStrike" spc="-1" dirty="0" err="1">
+                <a:solidFill>
+                  <a:srgbClr val="23D2FF"/>
+                </a:solidFill>
+                <a:latin typeface="Arial"/>
+              </a:rPr>
+              <a:t>Contd</a:t>
+            </a:r>
+            <a:endParaRPr lang="en-US" sz="2200" b="0" strike="noStrike" spc="-1" dirty="0">
+              <a:solidFill>
+                <a:srgbClr val="50B3CF"/>
+              </a:solidFill>
+              <a:latin typeface="Arial"/>
+            </a:endParaRPr>
+          </a:p>
+        </p:txBody>
+      </p:sp>
+      <p:sp>
+        <p:nvSpPr>
+          <p:cNvPr id="233" name="CustomShape 3"/>
           <p:cNvSpPr/>
           <p:nvPr/>
         </p:nvSpPr>
         <p:spPr>
           <a:xfrm>
-            <a:off x="44640" y="541800"/>
+            <a:off x="0" y="478440"/>
             <a:ext cx="8915040" cy="4264920"/>
           </a:xfrm>
           <a:prstGeom prst="rect">
@@ -15194,218 +15638,80 @@
           <a:lstStyle/>
           <a:p>
             <a:pPr marL="285840" indent="-285480" algn="just">
+              <a:lnSpc>
+                <a:spcPct val="100000"/>
+              </a:lnSpc>
               <a:spcBef>
                 <a:spcPts val="281"/>
               </a:spcBef>
               <a:buClr>
                 <a:srgbClr val="141414"/>
               </a:buClr>
-              <a:buSzPct val="45000"/>
-              <a:buFont typeface="Symbol" charset="2"/>
-              <a:buChar char=""/>
-            </a:pPr>
-            <a:r>
-              <a:rPr lang="en-US" sz="1400" b="0" strike="noStrike" spc="-1">
-                <a:solidFill>
-                  <a:srgbClr val="141414"/>
-                </a:solidFill>
-                <a:latin typeface="Arial"/>
-                <a:ea typeface="Noto Sans CJK SC Regular"/>
-              </a:rPr>
-              <a:t>Kubernetes volumes are a component of a pod and are thus defined in the pod’s specification—much like containers. </a:t>
-            </a:r>
-            <a:endParaRPr lang="en-US" sz="1400" b="0" strike="noStrike" spc="-1">
-              <a:latin typeface="Arial"/>
-            </a:endParaRPr>
-          </a:p>
-          <a:p>
-            <a:pPr marL="285840" indent="-285480" algn="just">
-              <a:spcBef>
-                <a:spcPts val="281"/>
-              </a:spcBef>
-              <a:buClr>
-                <a:srgbClr val="141414"/>
-              </a:buClr>
-              <a:buSzPct val="45000"/>
-              <a:buFont typeface="Symbol" charset="2"/>
-              <a:buChar char=""/>
-            </a:pPr>
-            <a:r>
-              <a:rPr lang="en-US" sz="1400" b="0" strike="noStrike" spc="-1">
+              <a:buFont typeface="Arial"/>
+              <a:buChar char="•"/>
+            </a:pPr>
+            <a:r>
+              <a:rPr lang="en-US" sz="1400" b="0" strike="noStrike" spc="-1" dirty="0" smtClean="0">
                 <a:solidFill>
                   <a:srgbClr val="141414"/>
                 </a:solidFill>
                 <a:latin typeface="Arial"/>
               </a:rPr>
-              <a:t>A volume is available to all containers in the pod, but it must be mounted in each container that needs to access it.</a:t>
-            </a:r>
-            <a:endParaRPr lang="en-US" sz="1400" b="0" strike="noStrike" spc="-1">
-              <a:latin typeface="Arial"/>
-            </a:endParaRPr>
-          </a:p>
-          <a:p>
-            <a:pPr marL="285840" indent="-285480" algn="just">
+              <a:t>Dashboard Reflecting status of Pods</a:t>
+            </a:r>
+            <a:endParaRPr lang="en-US" sz="1400" b="0" strike="noStrike" spc="-1" dirty="0">
+              <a:latin typeface="Arial"/>
+            </a:endParaRPr>
+          </a:p>
+          <a:p>
+            <a:pPr algn="just">
+              <a:lnSpc>
+                <a:spcPct val="100000"/>
+              </a:lnSpc>
               <a:spcBef>
                 <a:spcPts val="281"/>
               </a:spcBef>
-              <a:buClr>
-                <a:srgbClr val="141414"/>
-              </a:buClr>
-              <a:buSzPct val="45000"/>
-              <a:buFont typeface="Symbol" charset="2"/>
-              <a:buChar char=""/>
-            </a:pPr>
-            <a:r>
-              <a:rPr lang="en-US" sz="1400" b="0" strike="noStrike" spc="-1">
-                <a:solidFill>
-                  <a:srgbClr val="141414"/>
-                </a:solidFill>
-                <a:latin typeface="Arial"/>
-              </a:rPr>
-              <a:t>A hostPath volume points to a specific file or directory on the node’s file system</a:t>
-            </a:r>
-            <a:endParaRPr lang="en-US" sz="1400" b="0" strike="noStrike" spc="-1">
-              <a:latin typeface="Arial"/>
-            </a:endParaRPr>
-          </a:p>
-          <a:p>
-            <a:pPr marL="285840" indent="-285480" algn="just">
+            </a:pPr>
+            <a:endParaRPr lang="en-US" sz="1400" b="0" strike="noStrike" spc="-1" dirty="0">
+              <a:latin typeface="Arial"/>
+            </a:endParaRPr>
+          </a:p>
+          <a:p>
+            <a:pPr algn="just">
+              <a:lnSpc>
+                <a:spcPct val="100000"/>
+              </a:lnSpc>
               <a:spcBef>
                 <a:spcPts val="281"/>
               </a:spcBef>
-              <a:buClr>
-                <a:srgbClr val="141414"/>
-              </a:buClr>
-              <a:buSzPct val="45000"/>
-              <a:buFont typeface="Symbol" charset="2"/>
-              <a:buChar char=""/>
-            </a:pPr>
-            <a:r>
-              <a:rPr lang="en-US" sz="1400" b="0" strike="noStrike" spc="-1">
-                <a:solidFill>
-                  <a:srgbClr val="141414"/>
-                </a:solidFill>
-                <a:latin typeface="Arial"/>
-              </a:rPr>
-              <a:t>Pods running on the same node and using the same path in their host - Path volume see the same files</a:t>
-            </a:r>
-            <a:endParaRPr lang="en-US" sz="1400" b="0" strike="noStrike" spc="-1">
-              <a:latin typeface="Arial"/>
-            </a:endParaRPr>
-          </a:p>
-          <a:p>
-            <a:pPr marL="285840" indent="-285480" algn="just">
+            </a:pPr>
+            <a:endParaRPr lang="en-US" sz="1400" b="0" strike="noStrike" spc="-1" dirty="0">
+              <a:latin typeface="Arial"/>
+            </a:endParaRPr>
+          </a:p>
+          <a:p>
+            <a:pPr algn="just">
+              <a:lnSpc>
+                <a:spcPct val="100000"/>
+              </a:lnSpc>
               <a:spcBef>
                 <a:spcPts val="281"/>
               </a:spcBef>
-              <a:buClr>
-                <a:srgbClr val="141414"/>
-              </a:buClr>
-              <a:buSzPct val="45000"/>
-              <a:buFont typeface="Symbol" charset="2"/>
-              <a:buChar char=""/>
-            </a:pPr>
-            <a:endParaRPr lang="en-US" sz="1400" b="0" strike="noStrike" spc="-1">
-              <a:latin typeface="Arial"/>
-            </a:endParaRPr>
-          </a:p>
-          <a:p>
-            <a:pPr marL="285840" indent="-285480" algn="just">
+            </a:pPr>
+            <a:endParaRPr lang="en-US" sz="1400" b="0" strike="noStrike" spc="-1" dirty="0">
+              <a:latin typeface="Arial"/>
+            </a:endParaRPr>
+          </a:p>
+          <a:p>
+            <a:pPr algn="just">
+              <a:lnSpc>
+                <a:spcPct val="100000"/>
+              </a:lnSpc>
               <a:spcBef>
                 <a:spcPts val="281"/>
               </a:spcBef>
-              <a:buClr>
-                <a:srgbClr val="141414"/>
-              </a:buClr>
-              <a:buSzPct val="45000"/>
-              <a:buFont typeface="Symbol" charset="2"/>
-              <a:buChar char=""/>
-            </a:pPr>
-            <a:endParaRPr lang="en-US" sz="1400" b="0" strike="noStrike" spc="-1">
-              <a:latin typeface="Arial"/>
-            </a:endParaRPr>
-          </a:p>
-          <a:p>
-            <a:pPr algn="just">
-              <a:spcBef>
-                <a:spcPts val="281"/>
-              </a:spcBef>
-            </a:pPr>
-            <a:r>
-              <a:rPr lang="en-US" sz="1400" b="0" strike="noStrike" spc="-1">
-                <a:solidFill>
-                  <a:srgbClr val="141414"/>
-                </a:solidFill>
-                <a:latin typeface="Arial"/>
-              </a:rPr>
-              <a:t>	</a:t>
-            </a:r>
-            <a:endParaRPr lang="en-US" sz="1400" b="0" strike="noStrike" spc="-1">
-              <a:latin typeface="Arial"/>
-            </a:endParaRPr>
-          </a:p>
-          <a:p>
-            <a:pPr algn="just">
-              <a:lnSpc>
-                <a:spcPct val="100000"/>
-              </a:lnSpc>
-              <a:spcBef>
-                <a:spcPts val="281"/>
-              </a:spcBef>
-            </a:pPr>
-            <a:endParaRPr lang="en-US" sz="1400" b="0" strike="noStrike" spc="-1">
-              <a:latin typeface="Arial"/>
-            </a:endParaRPr>
-          </a:p>
-          <a:p>
-            <a:pPr algn="just">
-              <a:lnSpc>
-                <a:spcPct val="100000"/>
-              </a:lnSpc>
-              <a:spcBef>
-                <a:spcPts val="281"/>
-              </a:spcBef>
-            </a:pPr>
-            <a:endParaRPr lang="en-US" sz="1400" b="0" strike="noStrike" spc="-1">
-              <a:latin typeface="Arial"/>
-            </a:endParaRPr>
-          </a:p>
-          <a:p>
-            <a:pPr algn="just">
-              <a:lnSpc>
-                <a:spcPct val="100000"/>
-              </a:lnSpc>
-              <a:spcBef>
-                <a:spcPts val="281"/>
-              </a:spcBef>
-            </a:pPr>
-            <a:endParaRPr lang="en-US" sz="1400" b="0" strike="noStrike" spc="-1">
-              <a:latin typeface="Arial"/>
-            </a:endParaRPr>
-          </a:p>
-          <a:p>
-            <a:pPr algn="just">
-              <a:lnSpc>
-                <a:spcPct val="100000"/>
-              </a:lnSpc>
-              <a:spcBef>
-                <a:spcPts val="281"/>
-              </a:spcBef>
-            </a:pPr>
-            <a:endParaRPr lang="en-US" sz="1400" b="0" strike="noStrike" spc="-1">
-              <a:latin typeface="Arial"/>
-            </a:endParaRPr>
-          </a:p>
-          <a:p>
-            <a:pPr algn="just">
-              <a:lnSpc>
-                <a:spcPct val="100000"/>
-              </a:lnSpc>
-              <a:spcBef>
-                <a:spcPts val="281"/>
-              </a:spcBef>
-            </a:pPr>
-            <a:endParaRPr lang="en-US" sz="1400" b="0" strike="noStrike" spc="-1">
+            </a:pPr>
+            <a:endParaRPr lang="en-US" sz="1400" b="0" strike="noStrike" spc="-1" dirty="0">
               <a:latin typeface="Arial"/>
             </a:endParaRPr>
           </a:p>
@@ -15413,32 +15719,45 @@
       </p:sp>
       <p:pic>
         <p:nvPicPr>
-          <p:cNvPr id="238" name="Picture 237"/>
-          <p:cNvPicPr/>
+          <p:cNvPr id="2" name="Picture 1"/>
+          <p:cNvPicPr>
+            <a:picLocks noChangeAspect="1"/>
+          </p:cNvPicPr>
           <p:nvPr/>
         </p:nvPicPr>
         <p:blipFill>
           <a:blip r:embed="rId2"/>
-          <a:stretch/>
+          <a:stretch>
+            <a:fillRect/>
+          </a:stretch>
         </p:blipFill>
         <p:spPr>
           <a:xfrm>
-            <a:off x="711000" y="2011680"/>
-            <a:ext cx="7152840" cy="2733480"/>
-          </a:xfrm>
-          <a:prstGeom prst="rect">
-            <a:avLst/>
-          </a:prstGeom>
-          <a:ln>
-            <a:noFill/>
-          </a:ln>
+            <a:off x="0" y="823863"/>
+            <a:ext cx="9144000" cy="3574075"/>
+          </a:xfrm>
+          <a:prstGeom prst="rect">
+            <a:avLst/>
+          </a:prstGeom>
         </p:spPr>
       </p:pic>
     </p:spTree>
+    <p:extLst>
+      <p:ext uri="{BB962C8B-B14F-4D97-AF65-F5344CB8AC3E}">
+        <p14:creationId xmlns:p14="http://schemas.microsoft.com/office/powerpoint/2010/main" val="1119286947"/>
+      </p:ext>
+    </p:extLst>
   </p:cSld>
   <p:clrMapOvr>
     <a:masterClrMapping/>
   </p:clrMapOvr>
+  <p:timing>
+    <p:tnLst>
+      <p:par>
+        <p:cTn xmlns:p14="http://schemas.microsoft.com/office/powerpoint/2010/main" id="1" dur="indefinite" restart="never" nodeType="tmRoot"/>
+      </p:par>
+    </p:tnLst>
+  </p:timing>
 </p:sld>
 </file>
 
@@ -15461,7 +15780,7 @@
       </p:grpSpPr>
       <p:sp>
         <p:nvSpPr>
-          <p:cNvPr id="239" name="TextShape 1"/>
+          <p:cNvPr id="231" name="TextShape 1"/>
           <p:cNvSpPr txBox="1"/>
           <p:nvPr/>
         </p:nvSpPr>
@@ -15487,7 +15806,7 @@
                 <a:spcPct val="100000"/>
               </a:lnSpc>
             </a:pPr>
-            <a:fld id="{F24E0619-CAAA-445B-9D78-0A8F29A6C0F3}" type="slidenum">
+            <a:fld id="{7A13DADD-3EB9-489F-AC67-712445F46DC3}" type="slidenum">
               <a:rPr lang="en-US" sz="1050" b="1" strike="noStrike" spc="-1">
                 <a:solidFill>
                   <a:srgbClr val="FFFFFF"/>
@@ -15504,13 +15823,13 @@
       </p:sp>
       <p:sp>
         <p:nvSpPr>
-          <p:cNvPr id="240" name="TextShape 2"/>
+          <p:cNvPr id="232" name="TextShape 2"/>
           <p:cNvSpPr txBox="1"/>
           <p:nvPr/>
         </p:nvSpPr>
         <p:spPr>
           <a:xfrm>
-            <a:off x="114480" y="100080"/>
+            <a:off x="114480" y="102960"/>
             <a:ext cx="8915040" cy="297000"/>
           </a:xfrm>
           <a:prstGeom prst="rect">
@@ -15531,32 +15850,41 @@
               </a:lnSpc>
             </a:pPr>
             <a:r>
-              <a:rPr lang="en-US" sz="2200" b="0" strike="noStrike" spc="-1">
+              <a:rPr lang="en-US" sz="2200" b="0" strike="noStrike" spc="-1" dirty="0">
                 <a:solidFill>
                   <a:srgbClr val="23D2FF"/>
                 </a:solidFill>
                 <a:latin typeface="Arial"/>
               </a:rPr>
-              <a:t>Kubernetes Logging </a:t>
-            </a:r>
-            <a:endParaRPr lang="en-US" sz="2200" b="0" strike="noStrike" spc="-1">
-              <a:solidFill>
-                <a:srgbClr val="50B3CF"/>
-              </a:solidFill>
-              <a:latin typeface="Arial"/>
-            </a:endParaRPr>
-          </a:p>
-        </p:txBody>
-      </p:sp>
-      <p:sp>
-        <p:nvSpPr>
-          <p:cNvPr id="241" name="CustomShape 3"/>
+              <a:t>Kubernetes </a:t>
+            </a:r>
+            <a:r>
+              <a:rPr lang="en-US" sz="2200" b="0" strike="noStrike" spc="-1" dirty="0" smtClean="0">
+                <a:solidFill>
+                  <a:srgbClr val="23D2FF"/>
+                </a:solidFill>
+                <a:latin typeface="Arial"/>
+              </a:rPr>
+              <a:t>Scaling up Deployment</a:t>
+            </a:r>
+            <a:endParaRPr lang="en-US" sz="2200" b="0" strike="noStrike" spc="-1" dirty="0">
+              <a:solidFill>
+                <a:srgbClr val="50B3CF"/>
+              </a:solidFill>
+              <a:latin typeface="Arial"/>
+            </a:endParaRPr>
+          </a:p>
+        </p:txBody>
+      </p:sp>
+      <p:sp>
+        <p:nvSpPr>
+          <p:cNvPr id="233" name="CustomShape 3"/>
           <p:cNvSpPr/>
           <p:nvPr/>
         </p:nvSpPr>
         <p:spPr>
           <a:xfrm>
-            <a:off x="44640" y="541800"/>
+            <a:off x="0" y="478440"/>
             <a:ext cx="8915040" cy="4264920"/>
           </a:xfrm>
           <a:prstGeom prst="rect">
@@ -15586,238 +15914,104 @@
           <a:lstStyle/>
           <a:p>
             <a:pPr marL="285840" indent="-285480" algn="just">
+              <a:lnSpc>
+                <a:spcPct val="100000"/>
+              </a:lnSpc>
               <a:spcBef>
                 <a:spcPts val="281"/>
               </a:spcBef>
               <a:buClr>
                 <a:srgbClr val="141414"/>
               </a:buClr>
-              <a:buSzPct val="45000"/>
-              <a:buFont typeface="Symbol" charset="2"/>
-              <a:buChar char=""/>
-            </a:pPr>
-            <a:r>
-              <a:rPr lang="en-US" sz="1400" b="0" strike="noStrike" spc="-1" dirty="0">
+              <a:buFont typeface="Arial"/>
+              <a:buChar char="•"/>
+            </a:pPr>
+            <a:r>
+              <a:rPr lang="en-US" sz="1400" spc="-1" dirty="0" smtClean="0">
                 <a:solidFill>
                   <a:srgbClr val="141414"/>
                 </a:solidFill>
                 <a:latin typeface="Arial"/>
               </a:rPr>
-              <a:t>Application and systems logs can help you understand what is happening inside your cluster</a:t>
-            </a:r>
-            <a:endParaRPr lang="en-US" sz="1400" b="0" strike="noStrike" spc="-1" dirty="0">
-              <a:latin typeface="Arial"/>
-            </a:endParaRPr>
+              <a:t>Increase Replica from 3 to 5</a:t>
+            </a:r>
           </a:p>
           <a:p>
             <a:pPr marL="285840" indent="-285480" algn="just">
+              <a:lnSpc>
+                <a:spcPct val="100000"/>
+              </a:lnSpc>
               <a:spcBef>
                 <a:spcPts val="281"/>
               </a:spcBef>
               <a:buClr>
                 <a:srgbClr val="141414"/>
               </a:buClr>
-              <a:buSzPct val="45000"/>
-              <a:buFont typeface="Symbol" charset="2"/>
-              <a:buChar char=""/>
-            </a:pPr>
-            <a:r>
-              <a:rPr lang="en-US" sz="1400" b="0" strike="noStrike" spc="-1" dirty="0">
-                <a:solidFill>
-                  <a:srgbClr val="141414"/>
-                </a:solidFill>
-                <a:latin typeface="Arial"/>
-              </a:rPr>
-              <a:t>The native functionality provided by a container engine or run time is usually not enough for a complete logging solution</a:t>
-            </a:r>
-            <a:endParaRPr lang="en-US" sz="1400" b="0" strike="noStrike" spc="-1" dirty="0">
+              <a:buFont typeface="Arial"/>
+              <a:buChar char="•"/>
+            </a:pPr>
+            <a:endParaRPr lang="en-US" sz="1400" spc="-1" dirty="0">
+              <a:solidFill>
+                <a:srgbClr val="141414"/>
+              </a:solidFill>
               <a:latin typeface="Arial"/>
             </a:endParaRPr>
           </a:p>
           <a:p>
             <a:pPr marL="285840" indent="-285480" algn="just">
+              <a:lnSpc>
+                <a:spcPct val="100000"/>
+              </a:lnSpc>
               <a:spcBef>
                 <a:spcPts val="281"/>
               </a:spcBef>
               <a:buClr>
                 <a:srgbClr val="141414"/>
               </a:buClr>
-              <a:buSzPct val="45000"/>
-              <a:buFont typeface="Symbol" charset="2"/>
-              <a:buChar char=""/>
-            </a:pPr>
-            <a:r>
-              <a:rPr lang="en-US" sz="1400" spc="-1" dirty="0">
-                <a:solidFill>
-                  <a:srgbClr val="141414"/>
-                </a:solidFill>
-                <a:latin typeface="Arial"/>
-              </a:rPr>
-              <a:t>I</a:t>
-            </a:r>
-            <a:r>
-              <a:rPr lang="en-US" sz="1400" b="0" strike="noStrike" spc="-1" dirty="0" smtClean="0">
-                <a:solidFill>
-                  <a:srgbClr val="141414"/>
-                </a:solidFill>
-                <a:latin typeface="Arial"/>
-              </a:rPr>
-              <a:t>f </a:t>
-            </a:r>
-            <a:r>
-              <a:rPr lang="en-US" sz="1400" b="0" strike="noStrike" spc="-1" dirty="0">
-                <a:solidFill>
-                  <a:srgbClr val="141414"/>
-                </a:solidFill>
-                <a:latin typeface="Arial"/>
-              </a:rPr>
-              <a:t>a container crashes, a pod is evicted, or a node dies, We still want to access your application’s logs. </a:t>
-            </a:r>
-            <a:endParaRPr lang="en-US" sz="1400" b="0" strike="noStrike" spc="-1" dirty="0">
+              <a:buFont typeface="Arial"/>
+              <a:buChar char="•"/>
+            </a:pPr>
+            <a:endParaRPr lang="en-US" sz="1400" spc="-1" dirty="0" smtClean="0">
+              <a:solidFill>
+                <a:srgbClr val="141414"/>
+              </a:solidFill>
               <a:latin typeface="Arial"/>
             </a:endParaRPr>
           </a:p>
           <a:p>
             <a:pPr marL="285840" indent="-285480" algn="just">
+              <a:lnSpc>
+                <a:spcPct val="100000"/>
+              </a:lnSpc>
               <a:spcBef>
                 <a:spcPts val="281"/>
               </a:spcBef>
               <a:buClr>
                 <a:srgbClr val="141414"/>
               </a:buClr>
-              <a:buSzPct val="45000"/>
-              <a:buFont typeface="Symbol" charset="2"/>
-              <a:buChar char=""/>
-            </a:pPr>
-            <a:r>
-              <a:rPr lang="en-US" sz="1400" b="0" strike="noStrike" spc="-1" dirty="0">
-                <a:solidFill>
-                  <a:srgbClr val="141414"/>
-                </a:solidFill>
-                <a:latin typeface="Arial"/>
-              </a:rPr>
-              <a:t>As such, logs should have a separate storage and life cycle independent of nodes, pods, or containers</a:t>
-            </a:r>
+              <a:buFont typeface="Arial"/>
+              <a:buChar char="•"/>
+            </a:pPr>
             <a:endParaRPr lang="en-US" sz="1400" b="0" strike="noStrike" spc="-1" dirty="0">
+              <a:solidFill>
+                <a:srgbClr val="141414"/>
+              </a:solidFill>
               <a:latin typeface="Arial"/>
             </a:endParaRPr>
           </a:p>
           <a:p>
             <a:pPr marL="285840" indent="-285480" algn="just">
+              <a:lnSpc>
+                <a:spcPct val="100000"/>
+              </a:lnSpc>
               <a:spcBef>
                 <a:spcPts val="281"/>
               </a:spcBef>
               <a:buClr>
                 <a:srgbClr val="141414"/>
               </a:buClr>
-              <a:buSzPct val="45000"/>
-              <a:buFont typeface="Symbol" charset="2"/>
-              <a:buChar char=""/>
-            </a:pPr>
-            <a:r>
-              <a:rPr lang="en-US" sz="1400" b="0" strike="noStrike" spc="-1" dirty="0">
-                <a:solidFill>
-                  <a:srgbClr val="141414"/>
-                </a:solidFill>
-                <a:latin typeface="Arial"/>
-              </a:rPr>
-              <a:t>Kubernetes provides no native storage solution for log data, but we can integrate many existing logging solutions into your Kubernetes cluster.</a:t>
-            </a:r>
-            <a:endParaRPr lang="en-US" sz="1400" b="0" strike="noStrike" spc="-1" dirty="0">
-              <a:latin typeface="Arial"/>
-            </a:endParaRPr>
-          </a:p>
-          <a:p>
-            <a:pPr marL="285840" indent="-285480" algn="just">
-              <a:spcBef>
-                <a:spcPts val="281"/>
-              </a:spcBef>
-              <a:buClr>
-                <a:srgbClr val="141414"/>
-              </a:buClr>
-              <a:buSzPct val="45000"/>
-              <a:buFont typeface="Symbol" charset="2"/>
-              <a:buChar char=""/>
-            </a:pPr>
-            <a:endParaRPr lang="en-US" sz="1400" b="0" strike="noStrike" spc="-1" dirty="0">
-              <a:latin typeface="Arial"/>
-            </a:endParaRPr>
-          </a:p>
-          <a:p>
-            <a:pPr marL="285840" indent="-285480" algn="just">
-              <a:spcBef>
-                <a:spcPts val="281"/>
-              </a:spcBef>
-              <a:buClr>
-                <a:srgbClr val="141414"/>
-              </a:buClr>
-              <a:buSzPct val="45000"/>
-              <a:buFont typeface="Symbol" charset="2"/>
-              <a:buChar char=""/>
-            </a:pPr>
-            <a:endParaRPr lang="en-US" sz="1400" b="0" strike="noStrike" spc="-1" dirty="0">
-              <a:latin typeface="Arial"/>
-            </a:endParaRPr>
-          </a:p>
-          <a:p>
-            <a:pPr marL="285840" indent="-285480" algn="just">
-              <a:spcBef>
-                <a:spcPts val="281"/>
-              </a:spcBef>
-              <a:buClr>
-                <a:srgbClr val="141414"/>
-              </a:buClr>
-              <a:buSzPct val="45000"/>
-              <a:buFont typeface="Symbol" charset="2"/>
-              <a:buChar char=""/>
-            </a:pPr>
-            <a:endParaRPr lang="en-US" sz="1400" b="0" strike="noStrike" spc="-1" dirty="0">
-              <a:latin typeface="Arial"/>
-            </a:endParaRPr>
-          </a:p>
-          <a:p>
-            <a:pPr marL="285840" indent="-285480" algn="just">
-              <a:spcBef>
-                <a:spcPts val="281"/>
-              </a:spcBef>
-              <a:buClr>
-                <a:srgbClr val="141414"/>
-              </a:buClr>
-              <a:buSzPct val="45000"/>
-              <a:buFont typeface="Symbol" charset="2"/>
-              <a:buChar char=""/>
-            </a:pPr>
-            <a:endParaRPr lang="en-US" sz="1400" b="0" strike="noStrike" spc="-1" dirty="0">
-              <a:latin typeface="Arial"/>
-            </a:endParaRPr>
-          </a:p>
-          <a:p>
-            <a:pPr algn="just">
-              <a:spcBef>
-                <a:spcPts val="281"/>
-              </a:spcBef>
-            </a:pPr>
-            <a:r>
-              <a:rPr lang="en-US" sz="1400" b="0" strike="noStrike" spc="-1" dirty="0">
-                <a:solidFill>
-                  <a:srgbClr val="141414"/>
-                </a:solidFill>
-                <a:latin typeface="Arial"/>
-              </a:rPr>
-              <a:t>	</a:t>
-            </a:r>
-            <a:endParaRPr lang="en-US" sz="1400" b="0" strike="noStrike" spc="-1" dirty="0">
-              <a:latin typeface="Arial"/>
-            </a:endParaRPr>
-          </a:p>
-          <a:p>
-            <a:pPr algn="just">
-              <a:lnSpc>
-                <a:spcPct val="100000"/>
-              </a:lnSpc>
-              <a:spcBef>
-                <a:spcPts val="281"/>
-              </a:spcBef>
+              <a:buFont typeface="Arial"/>
+              <a:buChar char="•"/>
             </a:pPr>
             <a:endParaRPr lang="en-US" sz="1400" b="0" strike="noStrike" spc="-1" dirty="0">
               <a:latin typeface="Arial"/>
@@ -15879,32 +16073,138 @@
       </p:sp>
       <p:pic>
         <p:nvPicPr>
-          <p:cNvPr id="242" name="Picture 241"/>
-          <p:cNvPicPr/>
+          <p:cNvPr id="3" name="Picture 2"/>
+          <p:cNvPicPr>
+            <a:picLocks noChangeAspect="1"/>
+          </p:cNvPicPr>
           <p:nvPr/>
         </p:nvPicPr>
         <p:blipFill>
           <a:blip r:embed="rId2"/>
-          <a:stretch/>
+          <a:stretch>
+            <a:fillRect/>
+          </a:stretch>
         </p:blipFill>
         <p:spPr>
           <a:xfrm>
-            <a:off x="1090440" y="2286000"/>
-            <a:ext cx="7029000" cy="2403000"/>
-          </a:xfrm>
-          <a:prstGeom prst="rect">
+            <a:off x="0" y="969395"/>
+            <a:ext cx="9144000" cy="3204710"/>
+          </a:xfrm>
+          <a:prstGeom prst="rect">
+            <a:avLst/>
+          </a:prstGeom>
+        </p:spPr>
+      </p:pic>
+      <p:cxnSp>
+        <p:nvCxnSpPr>
+          <p:cNvPr id="5" name="Straight Connector 4"/>
+          <p:cNvCxnSpPr/>
+          <p:nvPr/>
+        </p:nvCxnSpPr>
+        <p:spPr>
+          <a:xfrm>
+            <a:off x="3942893" y="1748333"/>
+            <a:ext cx="2538374" cy="2619547"/>
+          </a:xfrm>
+          <a:prstGeom prst="line">
+            <a:avLst/>
+          </a:prstGeom>
+        </p:spPr>
+        <p:style>
+          <a:lnRef idx="1">
+            <a:schemeClr val="accent1"/>
+          </a:lnRef>
+          <a:fillRef idx="0">
+            <a:schemeClr val="accent1"/>
+          </a:fillRef>
+          <a:effectRef idx="0">
+            <a:schemeClr val="accent1"/>
+          </a:effectRef>
+          <a:fontRef idx="minor">
+            <a:schemeClr val="tx1"/>
+          </a:fontRef>
+        </p:style>
+      </p:cxnSp>
+      <p:sp>
+        <p:nvSpPr>
+          <p:cNvPr id="6" name="TextBox 5"/>
+          <p:cNvSpPr txBox="1"/>
+          <p:nvPr/>
+        </p:nvSpPr>
+        <p:spPr>
+          <a:xfrm>
+            <a:off x="6547104" y="4308901"/>
+            <a:ext cx="2194560" cy="369332"/>
+          </a:xfrm>
+          <a:prstGeom prst="rect">
+            <a:avLst/>
+          </a:prstGeom>
+          <a:noFill/>
+        </p:spPr>
+        <p:txBody>
+          <a:bodyPr wrap="square" rtlCol="0">
+            <a:spAutoFit/>
+          </a:bodyPr>
+          <a:lstStyle/>
+          <a:p>
+            <a:r>
+              <a:rPr lang="en-US" dirty="0" smtClean="0"/>
+              <a:t>Creating new pods</a:t>
+            </a:r>
+            <a:endParaRPr lang="en-US" dirty="0"/>
+          </a:p>
+        </p:txBody>
+      </p:sp>
+      <p:cxnSp>
+        <p:nvCxnSpPr>
+          <p:cNvPr id="8" name="Straight Arrow Connector 7"/>
+          <p:cNvCxnSpPr/>
+          <p:nvPr/>
+        </p:nvCxnSpPr>
+        <p:spPr>
+          <a:xfrm>
+            <a:off x="3877056" y="2296973"/>
+            <a:ext cx="2604211" cy="2070907"/>
+          </a:xfrm>
+          <a:prstGeom prst="straightConnector1">
             <a:avLst/>
           </a:prstGeom>
           <a:ln>
-            <a:noFill/>
+            <a:tailEnd type="triangle"/>
           </a:ln>
         </p:spPr>
-      </p:pic>
+        <p:style>
+          <a:lnRef idx="1">
+            <a:schemeClr val="accent1"/>
+          </a:lnRef>
+          <a:fillRef idx="0">
+            <a:schemeClr val="accent1"/>
+          </a:fillRef>
+          <a:effectRef idx="0">
+            <a:schemeClr val="accent1"/>
+          </a:effectRef>
+          <a:fontRef idx="minor">
+            <a:schemeClr val="tx1"/>
+          </a:fontRef>
+        </p:style>
+      </p:cxnSp>
     </p:spTree>
+    <p:extLst>
+      <p:ext uri="{BB962C8B-B14F-4D97-AF65-F5344CB8AC3E}">
+        <p14:creationId xmlns:p14="http://schemas.microsoft.com/office/powerpoint/2010/main" val="3888819319"/>
+      </p:ext>
+    </p:extLst>
   </p:cSld>
   <p:clrMapOvr>
     <a:masterClrMapping/>
   </p:clrMapOvr>
+  <p:timing>
+    <p:tnLst>
+      <p:par>
+        <p:cTn xmlns:p14="http://schemas.microsoft.com/office/powerpoint/2010/main" id="1" dur="indefinite" restart="never" nodeType="tmRoot"/>
+      </p:par>
+    </p:tnLst>
+  </p:timing>
 </p:sld>
 </file>
 
@@ -15927,7 +16227,7 @@
       </p:grpSpPr>
       <p:sp>
         <p:nvSpPr>
-          <p:cNvPr id="243" name="TextShape 1"/>
+          <p:cNvPr id="235" name="TextShape 1"/>
           <p:cNvSpPr txBox="1"/>
           <p:nvPr/>
         </p:nvSpPr>
@@ -15953,7 +16253,7 @@
                 <a:spcPct val="100000"/>
               </a:lnSpc>
             </a:pPr>
-            <a:fld id="{E670FD5C-43CE-444F-97C7-491B5336255D}" type="slidenum">
+            <a:fld id="{ADC29B24-62E0-4078-B1CF-65B27D6573BF}" type="slidenum">
               <a:rPr lang="en-US" sz="1050" b="1" strike="noStrike" spc="-1">
                 <a:solidFill>
                   <a:srgbClr val="FFFFFF"/>
@@ -15970,7 +16270,7 @@
       </p:sp>
       <p:sp>
         <p:nvSpPr>
-          <p:cNvPr id="244" name="TextShape 2"/>
+          <p:cNvPr id="236" name="TextShape 2"/>
           <p:cNvSpPr txBox="1"/>
           <p:nvPr/>
         </p:nvSpPr>
@@ -15997,26 +16297,26 @@
               </a:lnSpc>
             </a:pPr>
             <a:r>
-              <a:rPr lang="en-US" sz="2200" b="0" strike="noStrike" spc="-1">
+              <a:rPr lang="en-US" sz="2200" b="0" strike="noStrike" spc="-1" dirty="0">
                 <a:solidFill>
                   <a:srgbClr val="23D2FF"/>
                 </a:solidFill>
                 <a:latin typeface="Arial"/>
               </a:rPr>
-              <a:t>Kubernetes Blue/ Green Deployment</a:t>
-            </a:r>
-            <a:endParaRPr lang="en-US" sz="2200" b="0" strike="noStrike" spc="-1">
-              <a:solidFill>
-                <a:srgbClr val="50B3CF"/>
-              </a:solidFill>
-              <a:latin typeface="Arial"/>
-            </a:endParaRPr>
-          </a:p>
-        </p:txBody>
-      </p:sp>
-      <p:sp>
-        <p:nvSpPr>
-          <p:cNvPr id="245" name="CustomShape 3"/>
+              <a:t>Kubernetes Volumes </a:t>
+            </a:r>
+            <a:endParaRPr lang="en-US" sz="2200" b="0" strike="noStrike" spc="-1" dirty="0">
+              <a:solidFill>
+                <a:srgbClr val="50B3CF"/>
+              </a:solidFill>
+              <a:latin typeface="Arial"/>
+            </a:endParaRPr>
+          </a:p>
+        </p:txBody>
+      </p:sp>
+      <p:sp>
+        <p:nvSpPr>
+          <p:cNvPr id="237" name="CustomShape 3"/>
           <p:cNvSpPr/>
           <p:nvPr/>
         </p:nvSpPr>
@@ -16051,69 +16351,172 @@
           </a:bodyPr>
           <a:lstStyle/>
           <a:p>
-            <a:pPr algn="just">
-              <a:lnSpc>
-                <a:spcPct val="100000"/>
-              </a:lnSpc>
+            <a:pPr marL="285840" indent="-285480" algn="just">
               <a:spcBef>
                 <a:spcPts val="281"/>
               </a:spcBef>
-            </a:pPr>
-            <a:r>
-              <a:rPr lang="en-US" sz="1400" b="0" strike="noStrike" spc="-1">
+              <a:buClr>
+                <a:srgbClr val="141414"/>
+              </a:buClr>
+              <a:buSzPct val="45000"/>
+              <a:buFont typeface="Symbol" charset="2"/>
+              <a:buChar char=""/>
+            </a:pPr>
+            <a:r>
+              <a:rPr lang="en-US" sz="1400" b="0" strike="noStrike" spc="-1" dirty="0">
+                <a:solidFill>
+                  <a:srgbClr val="141414"/>
+                </a:solidFill>
+                <a:latin typeface="Arial"/>
+                <a:ea typeface="Noto Sans CJK SC Regular"/>
+              </a:rPr>
+              <a:t>Kubernetes volumes are a component of a pod and are thus defined in the pod’s specification—much like containers. </a:t>
+            </a:r>
+            <a:endParaRPr lang="en-US" sz="1400" b="0" strike="noStrike" spc="-1" dirty="0">
+              <a:latin typeface="Arial"/>
+            </a:endParaRPr>
+          </a:p>
+          <a:p>
+            <a:pPr marL="285840" indent="-285480" algn="just">
+              <a:spcBef>
+                <a:spcPts val="281"/>
+              </a:spcBef>
+              <a:buClr>
+                <a:srgbClr val="141414"/>
+              </a:buClr>
+              <a:buSzPct val="45000"/>
+              <a:buFont typeface="Symbol" charset="2"/>
+              <a:buChar char=""/>
+            </a:pPr>
+            <a:r>
+              <a:rPr lang="en-US" sz="1400" b="0" strike="noStrike" spc="-1" dirty="0">
                 <a:solidFill>
                   <a:srgbClr val="141414"/>
                 </a:solidFill>
                 <a:latin typeface="Arial"/>
               </a:rPr>
-              <a:t>A blue/green deployment is a change management strategy for releasing software code. Blue/green deployments require two identical hardware environments that are configured exactly the same way. While one environment is active and serving end users, the other environment remains idle</a:t>
-            </a:r>
-            <a:endParaRPr lang="en-US" sz="1400" b="0" strike="noStrike" spc="-1">
-              <a:latin typeface="Arial"/>
-            </a:endParaRPr>
-          </a:p>
-          <a:p>
-            <a:pPr algn="just">
-              <a:lnSpc>
-                <a:spcPct val="100000"/>
-              </a:lnSpc>
+              <a:t>A volume is available to all containers in the pod, but it must be mounted in each container that needs to access it.</a:t>
+            </a:r>
+            <a:endParaRPr lang="en-US" sz="1400" b="0" strike="noStrike" spc="-1" dirty="0">
+              <a:latin typeface="Arial"/>
+            </a:endParaRPr>
+          </a:p>
+          <a:p>
+            <a:pPr marL="285840" indent="-285480" algn="just">
               <a:spcBef>
                 <a:spcPts val="281"/>
               </a:spcBef>
-            </a:pPr>
-            <a:endParaRPr lang="en-US" sz="1400" b="0" strike="noStrike" spc="-1">
-              <a:latin typeface="Arial"/>
-            </a:endParaRPr>
-          </a:p>
-          <a:p>
-            <a:pPr algn="just">
-              <a:spcBef>
-                <a:spcPts val="281"/>
-              </a:spcBef>
-            </a:pPr>
-            <a:r>
-              <a:rPr lang="en-US" sz="1400" b="0" strike="noStrike" spc="-1">
+              <a:buClr>
+                <a:srgbClr val="141414"/>
+              </a:buClr>
+              <a:buSzPct val="45000"/>
+              <a:buFont typeface="Symbol" charset="2"/>
+              <a:buChar char=""/>
+            </a:pPr>
+            <a:r>
+              <a:rPr lang="en-US" sz="1400" b="0" strike="noStrike" spc="-1" dirty="0">
                 <a:solidFill>
                   <a:srgbClr val="141414"/>
                 </a:solidFill>
                 <a:latin typeface="Arial"/>
               </a:rPr>
-              <a:t>Container technology offers a stand-alone environment to run the desired service, which makes it super easy to create identical environments as required in the blue/green deployment</a:t>
-            </a:r>
-            <a:endParaRPr lang="en-US" sz="1400" b="0" strike="noStrike" spc="-1">
+              <a:t>A </a:t>
+            </a:r>
+            <a:r>
+              <a:rPr lang="en-US" sz="1400" b="0" strike="noStrike" spc="-1" dirty="0" err="1">
+                <a:solidFill>
+                  <a:srgbClr val="141414"/>
+                </a:solidFill>
+                <a:latin typeface="Arial"/>
+              </a:rPr>
+              <a:t>hostPath</a:t>
+            </a:r>
+            <a:r>
+              <a:rPr lang="en-US" sz="1400" b="0" strike="noStrike" spc="-1" dirty="0">
+                <a:solidFill>
+                  <a:srgbClr val="141414"/>
+                </a:solidFill>
+                <a:latin typeface="Arial"/>
+              </a:rPr>
+              <a:t> volume points to a specific file or directory on the node’s file system</a:t>
+            </a:r>
+            <a:endParaRPr lang="en-US" sz="1400" b="0" strike="noStrike" spc="-1" dirty="0">
+              <a:latin typeface="Arial"/>
+            </a:endParaRPr>
+          </a:p>
+          <a:p>
+            <a:pPr marL="285840" indent="-285480" algn="just">
+              <a:spcBef>
+                <a:spcPts val="281"/>
+              </a:spcBef>
+              <a:buClr>
+                <a:srgbClr val="141414"/>
+              </a:buClr>
+              <a:buSzPct val="45000"/>
+              <a:buFont typeface="Symbol" charset="2"/>
+              <a:buChar char=""/>
+            </a:pPr>
+            <a:r>
+              <a:rPr lang="en-US" sz="1400" b="0" strike="noStrike" spc="-1" dirty="0">
+                <a:solidFill>
+                  <a:srgbClr val="141414"/>
+                </a:solidFill>
+                <a:latin typeface="Arial"/>
+              </a:rPr>
+              <a:t>Pods running on the same node and using the same path in their host - Path volume see the same files</a:t>
+            </a:r>
+            <a:endParaRPr lang="en-US" sz="1400" b="0" strike="noStrike" spc="-1" dirty="0">
+              <a:latin typeface="Arial"/>
+            </a:endParaRPr>
+          </a:p>
+          <a:p>
+            <a:pPr marL="285840" indent="-285480" algn="just">
+              <a:spcBef>
+                <a:spcPts val="281"/>
+              </a:spcBef>
+              <a:buClr>
+                <a:srgbClr val="141414"/>
+              </a:buClr>
+              <a:buSzPct val="45000"/>
+              <a:buFont typeface="Symbol" charset="2"/>
+              <a:buChar char=""/>
+            </a:pPr>
+            <a:endParaRPr lang="en-US" sz="1400" b="0" strike="noStrike" spc="-1" dirty="0">
+              <a:latin typeface="Arial"/>
+            </a:endParaRPr>
+          </a:p>
+          <a:p>
+            <a:pPr marL="285840" indent="-285480" algn="just">
+              <a:spcBef>
+                <a:spcPts val="281"/>
+              </a:spcBef>
+              <a:buClr>
+                <a:srgbClr val="141414"/>
+              </a:buClr>
+              <a:buSzPct val="45000"/>
+              <a:buFont typeface="Symbol" charset="2"/>
+              <a:buChar char=""/>
+            </a:pPr>
+            <a:endParaRPr lang="en-US" sz="1400" b="0" strike="noStrike" spc="-1" dirty="0">
               <a:latin typeface="Arial"/>
             </a:endParaRPr>
           </a:p>
           <a:p>
             <a:pPr algn="just">
-              <a:lnSpc>
-                <a:spcPct val="100000"/>
-              </a:lnSpc>
               <a:spcBef>
                 <a:spcPts val="281"/>
               </a:spcBef>
             </a:pPr>
-            <a:endParaRPr lang="en-US" sz="1400" b="0" strike="noStrike" spc="-1">
+            <a:r>
+              <a:rPr lang="en-US" sz="1400" b="0" strike="noStrike" spc="-1" dirty="0">
+                <a:solidFill>
+                  <a:srgbClr val="141414"/>
+                </a:solidFill>
+                <a:latin typeface="Arial"/>
+              </a:rPr>
+              <a:t>	</a:t>
+            </a:r>
+            <a:endParaRPr lang="en-US" sz="1400" b="0" strike="noStrike" spc="-1" dirty="0">
               <a:latin typeface="Arial"/>
             </a:endParaRPr>
           </a:p>
@@ -16126,7 +16529,7 @@
                 <a:spcPts val="281"/>
               </a:spcBef>
             </a:pPr>
-            <a:endParaRPr lang="en-US" sz="1400" b="0" strike="noStrike" spc="-1">
+            <a:endParaRPr lang="en-US" sz="1400" b="0" strike="noStrike" spc="-1" dirty="0">
               <a:latin typeface="Arial"/>
             </a:endParaRPr>
           </a:p>
@@ -16139,7 +16542,7 @@
                 <a:spcPts val="281"/>
               </a:spcBef>
             </a:pPr>
-            <a:endParaRPr lang="en-US" sz="1400" b="0" strike="noStrike" spc="-1">
+            <a:endParaRPr lang="en-US" sz="1400" b="0" strike="noStrike" spc="-1" dirty="0">
               <a:latin typeface="Arial"/>
             </a:endParaRPr>
           </a:p>
@@ -16152,7 +16555,7 @@
                 <a:spcPts val="281"/>
               </a:spcBef>
             </a:pPr>
-            <a:endParaRPr lang="en-US" sz="1400" b="0" strike="noStrike" spc="-1">
+            <a:endParaRPr lang="en-US" sz="1400" b="0" strike="noStrike" spc="-1" dirty="0">
               <a:latin typeface="Arial"/>
             </a:endParaRPr>
           </a:p>
@@ -16165,7 +16568,20 @@
                 <a:spcPts val="281"/>
               </a:spcBef>
             </a:pPr>
-            <a:endParaRPr lang="en-US" sz="1400" b="0" strike="noStrike" spc="-1">
+            <a:endParaRPr lang="en-US" sz="1400" b="0" strike="noStrike" spc="-1" dirty="0">
+              <a:latin typeface="Arial"/>
+            </a:endParaRPr>
+          </a:p>
+          <a:p>
+            <a:pPr algn="just">
+              <a:lnSpc>
+                <a:spcPct val="100000"/>
+              </a:lnSpc>
+              <a:spcBef>
+                <a:spcPts val="281"/>
+              </a:spcBef>
+            </a:pPr>
+            <a:endParaRPr lang="en-US" sz="1400" b="0" strike="noStrike" spc="-1" dirty="0">
               <a:latin typeface="Arial"/>
             </a:endParaRPr>
           </a:p>
@@ -16173,7 +16589,7 @@
       </p:sp>
       <p:pic>
         <p:nvPicPr>
-          <p:cNvPr id="246" name="Picture 245"/>
+          <p:cNvPr id="238" name="Picture 237"/>
           <p:cNvPicPr/>
           <p:nvPr/>
         </p:nvPicPr>
@@ -16183,8 +16599,8 @@
         </p:blipFill>
         <p:spPr>
           <a:xfrm>
-            <a:off x="95760" y="2103120"/>
-            <a:ext cx="9019800" cy="2747520"/>
+            <a:off x="711000" y="2011680"/>
+            <a:ext cx="7152840" cy="2733480"/>
           </a:xfrm>
           <a:prstGeom prst="rect">
             <a:avLst/>
@@ -16199,6 +16615,13 @@
   <p:clrMapOvr>
     <a:masterClrMapping/>
   </p:clrMapOvr>
+  <p:timing>
+    <p:tnLst>
+      <p:par>
+        <p:cTn xmlns:p14="http://schemas.microsoft.com/office/powerpoint/2010/main" id="1" dur="indefinite" restart="never" nodeType="tmRoot"/>
+      </p:par>
+    </p:tnLst>
+  </p:timing>
 </p:sld>
 </file>
 
@@ -16221,7 +16644,7 @@
       </p:grpSpPr>
       <p:sp>
         <p:nvSpPr>
-          <p:cNvPr id="247" name="TextShape 1"/>
+          <p:cNvPr id="239" name="TextShape 1"/>
           <p:cNvSpPr txBox="1"/>
           <p:nvPr/>
         </p:nvSpPr>
@@ -16247,7 +16670,7 @@
                 <a:spcPct val="100000"/>
               </a:lnSpc>
             </a:pPr>
-            <a:fld id="{D569C93D-E44B-4A72-ACFF-C28167A1485D}" type="slidenum">
+            <a:fld id="{F24E0619-CAAA-445B-9D78-0A8F29A6C0F3}" type="slidenum">
               <a:rPr lang="en-US" sz="1050" b="1" strike="noStrike" spc="-1">
                 <a:solidFill>
                   <a:srgbClr val="FFFFFF"/>
@@ -16264,7 +16687,7 @@
       </p:sp>
       <p:sp>
         <p:nvSpPr>
-          <p:cNvPr id="248" name="TextShape 2"/>
+          <p:cNvPr id="240" name="TextShape 2"/>
           <p:cNvSpPr txBox="1"/>
           <p:nvPr/>
         </p:nvSpPr>
@@ -16291,26 +16714,26 @@
               </a:lnSpc>
             </a:pPr>
             <a:r>
-              <a:rPr lang="en-US" sz="2200" b="0" strike="noStrike" spc="-1">
+              <a:rPr lang="en-US" sz="2200" b="0" strike="noStrike" spc="-1" dirty="0">
                 <a:solidFill>
                   <a:srgbClr val="23D2FF"/>
                 </a:solidFill>
                 <a:latin typeface="Arial"/>
               </a:rPr>
-              <a:t>Kubernetes Advanced Topics</a:t>
-            </a:r>
-            <a:endParaRPr lang="en-US" sz="2200" b="0" strike="noStrike" spc="-1">
-              <a:solidFill>
-                <a:srgbClr val="50B3CF"/>
-              </a:solidFill>
-              <a:latin typeface="Arial"/>
-            </a:endParaRPr>
-          </a:p>
-        </p:txBody>
-      </p:sp>
-      <p:sp>
-        <p:nvSpPr>
-          <p:cNvPr id="249" name="CustomShape 3"/>
+              <a:t>Kubernetes Logging </a:t>
+            </a:r>
+            <a:endParaRPr lang="en-US" sz="2200" b="0" strike="noStrike" spc="-1" dirty="0">
+              <a:solidFill>
+                <a:srgbClr val="50B3CF"/>
+              </a:solidFill>
+              <a:latin typeface="Arial"/>
+            </a:endParaRPr>
+          </a:p>
+        </p:txBody>
+      </p:sp>
+      <p:sp>
+        <p:nvSpPr>
+          <p:cNvPr id="241" name="CustomShape 3"/>
           <p:cNvSpPr/>
           <p:nvPr/>
         </p:nvSpPr>
@@ -16346,122 +16769,227 @@
           <a:lstStyle/>
           <a:p>
             <a:pPr marL="285840" indent="-285480" algn="just">
-              <a:lnSpc>
-                <a:spcPct val="100000"/>
-              </a:lnSpc>
               <a:spcBef>
                 <a:spcPts val="281"/>
               </a:spcBef>
               <a:buClr>
                 <a:srgbClr val="141414"/>
               </a:buClr>
-              <a:buFont typeface="Arial"/>
-              <a:buChar char="•"/>
-            </a:pPr>
-            <a:r>
-              <a:rPr lang="en-US" sz="1400" b="0" strike="noStrike" spc="-1">
+              <a:buSzPct val="45000"/>
+              <a:buFont typeface="Symbol" charset="2"/>
+              <a:buChar char=""/>
+            </a:pPr>
+            <a:r>
+              <a:rPr lang="en-US" sz="1400" b="0" strike="noStrike" spc="-1" dirty="0">
                 <a:solidFill>
                   <a:srgbClr val="141414"/>
                 </a:solidFill>
                 <a:latin typeface="Arial"/>
               </a:rPr>
-              <a:t>Auto scaling</a:t>
-            </a:r>
-            <a:endParaRPr lang="en-US" sz="1400" b="0" strike="noStrike" spc="-1">
+              <a:t>Application and systems logs can help you understand what is happening inside your cluster</a:t>
+            </a:r>
+            <a:endParaRPr lang="en-US" sz="1400" b="0" strike="noStrike" spc="-1" dirty="0">
               <a:latin typeface="Arial"/>
             </a:endParaRPr>
           </a:p>
           <a:p>
             <a:pPr marL="285840" indent="-285480" algn="just">
-              <a:lnSpc>
-                <a:spcPct val="100000"/>
-              </a:lnSpc>
               <a:spcBef>
                 <a:spcPts val="281"/>
               </a:spcBef>
               <a:buClr>
                 <a:srgbClr val="141414"/>
               </a:buClr>
-              <a:buFont typeface="Arial"/>
-              <a:buChar char="•"/>
-            </a:pPr>
-            <a:r>
-              <a:rPr lang="en-US" sz="1400" b="0" strike="noStrike" spc="-1">
+              <a:buSzPct val="45000"/>
+              <a:buFont typeface="Symbol" charset="2"/>
+              <a:buChar char=""/>
+            </a:pPr>
+            <a:r>
+              <a:rPr lang="en-US" sz="1400" b="0" strike="noStrike" spc="-1" dirty="0">
                 <a:solidFill>
                   <a:srgbClr val="141414"/>
                 </a:solidFill>
                 <a:latin typeface="Arial"/>
               </a:rPr>
-              <a:t>Persistent Volumes</a:t>
-            </a:r>
-            <a:endParaRPr lang="en-US" sz="1400" b="0" strike="noStrike" spc="-1">
+              <a:t>The native functionality provided by a container engine or run time is usually not enough for a complete logging solution</a:t>
+            </a:r>
+            <a:endParaRPr lang="en-US" sz="1400" b="0" strike="noStrike" spc="-1" dirty="0">
               <a:latin typeface="Arial"/>
             </a:endParaRPr>
           </a:p>
           <a:p>
             <a:pPr marL="285840" indent="-285480" algn="just">
-              <a:lnSpc>
-                <a:spcPct val="100000"/>
-              </a:lnSpc>
               <a:spcBef>
                 <a:spcPts val="281"/>
               </a:spcBef>
               <a:buClr>
                 <a:srgbClr val="141414"/>
               </a:buClr>
-              <a:buFont typeface="Arial"/>
-              <a:buChar char="•"/>
-            </a:pPr>
-            <a:r>
-              <a:rPr lang="en-US" sz="1400" b="0" strike="noStrike" spc="-1">
+              <a:buSzPct val="45000"/>
+              <a:buFont typeface="Symbol" charset="2"/>
+              <a:buChar char=""/>
+            </a:pPr>
+            <a:r>
+              <a:rPr lang="en-US" sz="1400" spc="-1" dirty="0">
                 <a:solidFill>
                   <a:srgbClr val="141414"/>
                 </a:solidFill>
                 <a:latin typeface="Arial"/>
               </a:rPr>
-              <a:t>Stateful Replica Sets</a:t>
-            </a:r>
-            <a:endParaRPr lang="en-US" sz="1400" b="0" strike="noStrike" spc="-1">
+              <a:t>I</a:t>
+            </a:r>
+            <a:r>
+              <a:rPr lang="en-US" sz="1400" b="0" strike="noStrike" spc="-1" dirty="0" smtClean="0">
+                <a:solidFill>
+                  <a:srgbClr val="141414"/>
+                </a:solidFill>
+                <a:latin typeface="Arial"/>
+              </a:rPr>
+              <a:t>f </a:t>
+            </a:r>
+            <a:r>
+              <a:rPr lang="en-US" sz="1400" b="0" strike="noStrike" spc="-1" dirty="0">
+                <a:solidFill>
+                  <a:srgbClr val="141414"/>
+                </a:solidFill>
+                <a:latin typeface="Arial"/>
+              </a:rPr>
+              <a:t>a container crashes, a pod is evicted, or a node dies, We still want to access your application’s logs. </a:t>
+            </a:r>
+            <a:endParaRPr lang="en-US" sz="1400" b="0" strike="noStrike" spc="-1" dirty="0">
               <a:latin typeface="Arial"/>
             </a:endParaRPr>
           </a:p>
           <a:p>
             <a:pPr marL="285840" indent="-285480" algn="just">
-              <a:lnSpc>
-                <a:spcPct val="100000"/>
-              </a:lnSpc>
               <a:spcBef>
                 <a:spcPts val="281"/>
               </a:spcBef>
               <a:buClr>
                 <a:srgbClr val="141414"/>
               </a:buClr>
-              <a:buFont typeface="Arial"/>
-              <a:buChar char="•"/>
-            </a:pPr>
-            <a:r>
-              <a:rPr lang="en-US" sz="1400" b="0" strike="noStrike" spc="-1">
+              <a:buSzPct val="45000"/>
+              <a:buFont typeface="Symbol" charset="2"/>
+              <a:buChar char=""/>
+            </a:pPr>
+            <a:r>
+              <a:rPr lang="en-US" sz="1400" b="0" strike="noStrike" spc="-1" dirty="0">
                 <a:solidFill>
                   <a:srgbClr val="141414"/>
                 </a:solidFill>
                 <a:latin typeface="Arial"/>
               </a:rPr>
-              <a:t>Secrets</a:t>
-            </a:r>
-            <a:endParaRPr lang="en-US" sz="1400" b="0" strike="noStrike" spc="-1">
+              <a:t>As such, logs should have a separate storage and life cycle independent of nodes, pods, or containers</a:t>
+            </a:r>
+            <a:endParaRPr lang="en-US" sz="1400" b="0" strike="noStrike" spc="-1" dirty="0">
+              <a:latin typeface="Arial"/>
+            </a:endParaRPr>
+          </a:p>
+          <a:p>
+            <a:pPr marL="285840" indent="-285480" algn="just">
+              <a:spcBef>
+                <a:spcPts val="281"/>
+              </a:spcBef>
+              <a:buClr>
+                <a:srgbClr val="141414"/>
+              </a:buClr>
+              <a:buSzPct val="45000"/>
+              <a:buFont typeface="Symbol" charset="2"/>
+              <a:buChar char=""/>
+            </a:pPr>
+            <a:r>
+              <a:rPr lang="en-US" sz="1400" b="0" strike="noStrike" spc="-1" dirty="0">
+                <a:solidFill>
+                  <a:srgbClr val="141414"/>
+                </a:solidFill>
+                <a:latin typeface="Arial"/>
+              </a:rPr>
+              <a:t>Kubernetes provides no native storage solution for log data, but we can integrate many existing logging solutions into your Kubernetes cluster.</a:t>
+            </a:r>
+            <a:endParaRPr lang="en-US" sz="1400" b="0" strike="noStrike" spc="-1" dirty="0">
+              <a:latin typeface="Arial"/>
+            </a:endParaRPr>
+          </a:p>
+          <a:p>
+            <a:pPr marL="285840" indent="-285480" algn="just">
+              <a:spcBef>
+                <a:spcPts val="281"/>
+              </a:spcBef>
+              <a:buClr>
+                <a:srgbClr val="141414"/>
+              </a:buClr>
+              <a:buSzPct val="45000"/>
+              <a:buFont typeface="Symbol" charset="2"/>
+              <a:buChar char=""/>
+            </a:pPr>
+            <a:endParaRPr lang="en-US" sz="1400" b="0" strike="noStrike" spc="-1" dirty="0">
+              <a:latin typeface="Arial"/>
+            </a:endParaRPr>
+          </a:p>
+          <a:p>
+            <a:pPr marL="285840" indent="-285480" algn="just">
+              <a:spcBef>
+                <a:spcPts val="281"/>
+              </a:spcBef>
+              <a:buClr>
+                <a:srgbClr val="141414"/>
+              </a:buClr>
+              <a:buSzPct val="45000"/>
+              <a:buFont typeface="Symbol" charset="2"/>
+              <a:buChar char=""/>
+            </a:pPr>
+            <a:endParaRPr lang="en-US" sz="1400" b="0" strike="noStrike" spc="-1" dirty="0">
+              <a:latin typeface="Arial"/>
+            </a:endParaRPr>
+          </a:p>
+          <a:p>
+            <a:pPr marL="285840" indent="-285480" algn="just">
+              <a:spcBef>
+                <a:spcPts val="281"/>
+              </a:spcBef>
+              <a:buClr>
+                <a:srgbClr val="141414"/>
+              </a:buClr>
+              <a:buSzPct val="45000"/>
+              <a:buFont typeface="Symbol" charset="2"/>
+              <a:buChar char=""/>
+            </a:pPr>
+            <a:endParaRPr lang="en-US" sz="1400" b="0" strike="noStrike" spc="-1" dirty="0">
+              <a:latin typeface="Arial"/>
+            </a:endParaRPr>
+          </a:p>
+          <a:p>
+            <a:pPr marL="285840" indent="-285480" algn="just">
+              <a:spcBef>
+                <a:spcPts val="281"/>
+              </a:spcBef>
+              <a:buClr>
+                <a:srgbClr val="141414"/>
+              </a:buClr>
+              <a:buSzPct val="45000"/>
+              <a:buFont typeface="Symbol" charset="2"/>
+              <a:buChar char=""/>
+            </a:pPr>
+            <a:endParaRPr lang="en-US" sz="1400" b="0" strike="noStrike" spc="-1" dirty="0">
               <a:latin typeface="Arial"/>
             </a:endParaRPr>
           </a:p>
           <a:p>
             <a:pPr algn="just">
-              <a:lnSpc>
-                <a:spcPct val="100000"/>
-              </a:lnSpc>
               <a:spcBef>
                 <a:spcPts val="281"/>
               </a:spcBef>
             </a:pPr>
-            <a:endParaRPr lang="en-US" sz="1400" b="0" strike="noStrike" spc="-1">
+            <a:r>
+              <a:rPr lang="en-US" sz="1400" b="0" strike="noStrike" spc="-1" dirty="0">
+                <a:solidFill>
+                  <a:srgbClr val="141414"/>
+                </a:solidFill>
+                <a:latin typeface="Arial"/>
+              </a:rPr>
+              <a:t>	</a:t>
+            </a:r>
+            <a:endParaRPr lang="en-US" sz="1400" b="0" strike="noStrike" spc="-1" dirty="0">
               <a:latin typeface="Arial"/>
             </a:endParaRPr>
           </a:p>
@@ -16474,7 +17002,7 @@
                 <a:spcPts val="281"/>
               </a:spcBef>
             </a:pPr>
-            <a:endParaRPr lang="en-US" sz="1400" b="0" strike="noStrike" spc="-1">
+            <a:endParaRPr lang="en-US" sz="1400" b="0" strike="noStrike" spc="-1" dirty="0">
               <a:latin typeface="Arial"/>
             </a:endParaRPr>
           </a:p>
@@ -16487,7 +17015,7 @@
                 <a:spcPts val="281"/>
               </a:spcBef>
             </a:pPr>
-            <a:endParaRPr lang="en-US" sz="1400" b="0" strike="noStrike" spc="-1">
+            <a:endParaRPr lang="en-US" sz="1400" b="0" strike="noStrike" spc="-1" dirty="0">
               <a:latin typeface="Arial"/>
             </a:endParaRPr>
           </a:p>
@@ -16500,7 +17028,7 @@
                 <a:spcPts val="281"/>
               </a:spcBef>
             </a:pPr>
-            <a:endParaRPr lang="en-US" sz="1400" b="0" strike="noStrike" spc="-1">
+            <a:endParaRPr lang="en-US" sz="1400" b="0" strike="noStrike" spc="-1" dirty="0">
               <a:latin typeface="Arial"/>
             </a:endParaRPr>
           </a:p>
@@ -16513,12 +17041,48 @@
                 <a:spcPts val="281"/>
               </a:spcBef>
             </a:pPr>
-            <a:endParaRPr lang="en-US" sz="1400" b="0" strike="noStrike" spc="-1">
-              <a:latin typeface="Arial"/>
-            </a:endParaRPr>
-          </a:p>
-        </p:txBody>
-      </p:sp>
+            <a:endParaRPr lang="en-US" sz="1400" b="0" strike="noStrike" spc="-1" dirty="0">
+              <a:latin typeface="Arial"/>
+            </a:endParaRPr>
+          </a:p>
+          <a:p>
+            <a:pPr algn="just">
+              <a:lnSpc>
+                <a:spcPct val="100000"/>
+              </a:lnSpc>
+              <a:spcBef>
+                <a:spcPts val="281"/>
+              </a:spcBef>
+            </a:pPr>
+            <a:endParaRPr lang="en-US" sz="1400" b="0" strike="noStrike" spc="-1" dirty="0">
+              <a:latin typeface="Arial"/>
+            </a:endParaRPr>
+          </a:p>
+        </p:txBody>
+      </p:sp>
+      <p:pic>
+        <p:nvPicPr>
+          <p:cNvPr id="242" name="Picture 241"/>
+          <p:cNvPicPr/>
+          <p:nvPr/>
+        </p:nvPicPr>
+        <p:blipFill>
+          <a:blip r:embed="rId2"/>
+          <a:stretch/>
+        </p:blipFill>
+        <p:spPr>
+          <a:xfrm>
+            <a:off x="1090440" y="2286000"/>
+            <a:ext cx="7029000" cy="2403000"/>
+          </a:xfrm>
+          <a:prstGeom prst="rect">
+            <a:avLst/>
+          </a:prstGeom>
+          <a:ln>
+            <a:noFill/>
+          </a:ln>
+        </p:spPr>
+      </p:pic>
     </p:spTree>
   </p:cSld>
   <p:clrMapOvr>
@@ -16546,7 +17110,7 @@
       </p:grpSpPr>
       <p:sp>
         <p:nvSpPr>
-          <p:cNvPr id="250" name="TextShape 1"/>
+          <p:cNvPr id="243" name="TextShape 1"/>
           <p:cNvSpPr txBox="1"/>
           <p:nvPr/>
         </p:nvSpPr>
@@ -16572,7 +17136,7 @@
                 <a:spcPct val="100000"/>
               </a:lnSpc>
             </a:pPr>
-            <a:fld id="{DB86DB81-2B6F-4CEF-9207-F3B97FE855D2}" type="slidenum">
+            <a:fld id="{E670FD5C-43CE-444F-97C7-491B5336255D}" type="slidenum">
               <a:rPr lang="en-US" sz="1050" b="1" strike="noStrike" spc="-1">
                 <a:solidFill>
                   <a:srgbClr val="FFFFFF"/>
@@ -16589,7 +17153,7 @@
       </p:sp>
       <p:sp>
         <p:nvSpPr>
-          <p:cNvPr id="251" name="TextShape 2"/>
+          <p:cNvPr id="244" name="TextShape 2"/>
           <p:cNvSpPr txBox="1"/>
           <p:nvPr/>
         </p:nvSpPr>
@@ -16616,26 +17180,26 @@
               </a:lnSpc>
             </a:pPr>
             <a:r>
-              <a:rPr lang="en-US" sz="2200" b="0" strike="noStrike" spc="-1">
+              <a:rPr lang="en-US" sz="2200" b="0" strike="noStrike" spc="-1" dirty="0">
                 <a:solidFill>
                   <a:srgbClr val="23D2FF"/>
                 </a:solidFill>
                 <a:latin typeface="Arial"/>
               </a:rPr>
-              <a:t>Commercial Kubernetes</a:t>
-            </a:r>
-            <a:endParaRPr lang="en-US" sz="2200" b="0" strike="noStrike" spc="-1">
-              <a:solidFill>
-                <a:srgbClr val="50B3CF"/>
-              </a:solidFill>
-              <a:latin typeface="Arial"/>
-            </a:endParaRPr>
-          </a:p>
-        </p:txBody>
-      </p:sp>
-      <p:sp>
-        <p:nvSpPr>
-          <p:cNvPr id="252" name="CustomShape 3"/>
+              <a:t>Kubernetes Blue/ Green Deployment</a:t>
+            </a:r>
+            <a:endParaRPr lang="en-US" sz="2200" b="0" strike="noStrike" spc="-1" dirty="0">
+              <a:solidFill>
+                <a:srgbClr val="50B3CF"/>
+              </a:solidFill>
+              <a:latin typeface="Arial"/>
+            </a:endParaRPr>
+          </a:p>
+        </p:txBody>
+      </p:sp>
+      <p:sp>
+        <p:nvSpPr>
+          <p:cNvPr id="245" name="CustomShape 3"/>
           <p:cNvSpPr/>
           <p:nvPr/>
         </p:nvSpPr>
@@ -16670,18 +17234,13 @@
           </a:bodyPr>
           <a:lstStyle/>
           <a:p>
-            <a:pPr marL="285840" indent="-285480" algn="just">
+            <a:pPr algn="just">
               <a:lnSpc>
                 <a:spcPct val="100000"/>
               </a:lnSpc>
               <a:spcBef>
                 <a:spcPts val="281"/>
               </a:spcBef>
-              <a:buClr>
-                <a:srgbClr val="141414"/>
-              </a:buClr>
-              <a:buFont typeface="Arial"/>
-              <a:buChar char="•"/>
             </a:pPr>
             <a:r>
               <a:rPr lang="en-US" sz="1400" b="0" strike="noStrike" spc="-1">
@@ -16690,25 +17249,30 @@
                 </a:solidFill>
                 <a:latin typeface="Arial"/>
               </a:rPr>
-              <a:t>Open Shift ( Red Hat ) – Used in Heritage World Pay</a:t>
+              <a:t>A blue/green deployment is a change management strategy for releasing software code. Blue/green deployments require two identical hardware environments that are configured exactly the same way. While one environment is active and serving end users, the other environment remains idle</a:t>
             </a:r>
             <a:endParaRPr lang="en-US" sz="1400" b="0" strike="noStrike" spc="-1">
               <a:latin typeface="Arial"/>
             </a:endParaRPr>
           </a:p>
           <a:p>
-            <a:pPr marL="285840" indent="-285480" algn="just">
+            <a:pPr algn="just">
               <a:lnSpc>
                 <a:spcPct val="100000"/>
               </a:lnSpc>
               <a:spcBef>
                 <a:spcPts val="281"/>
               </a:spcBef>
-              <a:buClr>
-                <a:srgbClr val="141414"/>
-              </a:buClr>
-              <a:buFont typeface="Arial"/>
-              <a:buChar char="•"/>
+            </a:pPr>
+            <a:endParaRPr lang="en-US" sz="1400" b="0" strike="noStrike" spc="-1">
+              <a:latin typeface="Arial"/>
+            </a:endParaRPr>
+          </a:p>
+          <a:p>
+            <a:pPr algn="just">
+              <a:spcBef>
+                <a:spcPts val="281"/>
+              </a:spcBef>
             </a:pPr>
             <a:r>
               <a:rPr lang="en-US" sz="1400" b="0" strike="noStrike" spc="-1">
@@ -16717,68 +17281,43 @@
                 </a:solidFill>
                 <a:latin typeface="Arial"/>
               </a:rPr>
-              <a:t>EKS (Amazon Elastic Container Service for Kubernetes)</a:t>
+              <a:t>Container technology offers a stand-alone environment to run the desired service, which makes it super easy to create identical environments as required in the blue/green deployment</a:t>
             </a:r>
             <a:endParaRPr lang="en-US" sz="1400" b="0" strike="noStrike" spc="-1">
               <a:latin typeface="Arial"/>
             </a:endParaRPr>
           </a:p>
           <a:p>
-            <a:pPr marL="285840" indent="-285480" algn="just">
+            <a:pPr algn="just">
               <a:lnSpc>
                 <a:spcPct val="100000"/>
               </a:lnSpc>
               <a:spcBef>
                 <a:spcPts val="281"/>
               </a:spcBef>
-              <a:buClr>
-                <a:srgbClr val="141414"/>
-              </a:buClr>
-              <a:buFont typeface="Arial"/>
-              <a:buChar char="•"/>
-            </a:pPr>
-            <a:r>
-              <a:rPr lang="en-US" sz="1400" b="0" strike="noStrike" spc="-1">
-                <a:solidFill>
-                  <a:srgbClr val="141414"/>
-                </a:solidFill>
-                <a:latin typeface="Arial"/>
-              </a:rPr>
-              <a:t>GKE (Google Kubernetes Engine)</a:t>
-            </a:r>
+            </a:pPr>
             <a:endParaRPr lang="en-US" sz="1400" b="0" strike="noStrike" spc="-1">
               <a:latin typeface="Arial"/>
             </a:endParaRPr>
           </a:p>
           <a:p>
-            <a:pPr marL="285840" indent="-285480" algn="just">
+            <a:pPr algn="just">
               <a:lnSpc>
                 <a:spcPct val="100000"/>
               </a:lnSpc>
               <a:spcBef>
                 <a:spcPts val="281"/>
               </a:spcBef>
-              <a:buClr>
-                <a:srgbClr val="141414"/>
-              </a:buClr>
-              <a:buFont typeface="Arial"/>
-              <a:buChar char="•"/>
-            </a:pPr>
-            <a:r>
-              <a:rPr lang="en-US" sz="1400" b="0" strike="noStrike" spc="-1">
-                <a:solidFill>
-                  <a:srgbClr val="141414"/>
-                </a:solidFill>
-                <a:latin typeface="Arial"/>
-              </a:rPr>
-              <a:t>AKS - Azure Kubernetes Service</a:t>
-            </a:r>
+            </a:pPr>
             <a:endParaRPr lang="en-US" sz="1400" b="0" strike="noStrike" spc="-1">
               <a:latin typeface="Arial"/>
             </a:endParaRPr>
           </a:p>
           <a:p>
             <a:pPr algn="just">
+              <a:lnSpc>
+                <a:spcPct val="100000"/>
+              </a:lnSpc>
               <a:spcBef>
                 <a:spcPts val="281"/>
               </a:spcBef>
@@ -16813,47 +17352,31 @@
               <a:latin typeface="Arial"/>
             </a:endParaRPr>
           </a:p>
-          <a:p>
-            <a:pPr algn="just">
-              <a:lnSpc>
-                <a:spcPct val="100000"/>
-              </a:lnSpc>
-              <a:spcBef>
-                <a:spcPts val="281"/>
-              </a:spcBef>
-            </a:pPr>
-            <a:endParaRPr lang="en-US" sz="1400" b="0" strike="noStrike" spc="-1">
-              <a:latin typeface="Arial"/>
-            </a:endParaRPr>
-          </a:p>
-          <a:p>
-            <a:pPr algn="just">
-              <a:lnSpc>
-                <a:spcPct val="100000"/>
-              </a:lnSpc>
-              <a:spcBef>
-                <a:spcPts val="281"/>
-              </a:spcBef>
-            </a:pPr>
-            <a:endParaRPr lang="en-US" sz="1400" b="0" strike="noStrike" spc="-1">
-              <a:latin typeface="Arial"/>
-            </a:endParaRPr>
-          </a:p>
-          <a:p>
-            <a:pPr algn="just">
-              <a:lnSpc>
-                <a:spcPct val="100000"/>
-              </a:lnSpc>
-              <a:spcBef>
-                <a:spcPts val="281"/>
-              </a:spcBef>
-            </a:pPr>
-            <a:endParaRPr lang="en-US" sz="1400" b="0" strike="noStrike" spc="-1">
-              <a:latin typeface="Arial"/>
-            </a:endParaRPr>
-          </a:p>
-        </p:txBody>
-      </p:sp>
+        </p:txBody>
+      </p:sp>
+      <p:pic>
+        <p:nvPicPr>
+          <p:cNvPr id="246" name="Picture 245"/>
+          <p:cNvPicPr/>
+          <p:nvPr/>
+        </p:nvPicPr>
+        <p:blipFill>
+          <a:blip r:embed="rId2"/>
+          <a:stretch/>
+        </p:blipFill>
+        <p:spPr>
+          <a:xfrm>
+            <a:off x="95760" y="2103120"/>
+            <a:ext cx="9019800" cy="2747520"/>
+          </a:xfrm>
+          <a:prstGeom prst="rect">
+            <a:avLst/>
+          </a:prstGeom>
+          <a:ln>
+            <a:noFill/>
+          </a:ln>
+        </p:spPr>
+      </p:pic>
     </p:spTree>
   </p:cSld>
   <p:clrMapOvr>
@@ -16881,7 +17404,7 @@
       </p:grpSpPr>
       <p:sp>
         <p:nvSpPr>
-          <p:cNvPr id="253" name="TextShape 1"/>
+          <p:cNvPr id="247" name="TextShape 1"/>
           <p:cNvSpPr txBox="1"/>
           <p:nvPr/>
         </p:nvSpPr>
@@ -16907,7 +17430,7 @@
                 <a:spcPct val="100000"/>
               </a:lnSpc>
             </a:pPr>
-            <a:fld id="{072B23BC-C43A-4D58-A567-5EA551F197E3}" type="slidenum">
+            <a:fld id="{D569C93D-E44B-4A72-ACFF-C28167A1485D}" type="slidenum">
               <a:rPr lang="en-US" sz="1050" b="1" strike="noStrike" spc="-1">
                 <a:solidFill>
                   <a:srgbClr val="FFFFFF"/>
@@ -16924,336 +17447,7 @@
       </p:sp>
       <p:sp>
         <p:nvSpPr>
-          <p:cNvPr id="254" name="TextShape 2"/>
-          <p:cNvSpPr txBox="1"/>
-          <p:nvPr/>
-        </p:nvSpPr>
-        <p:spPr>
-          <a:xfrm>
-            <a:off x="114480" y="552600"/>
-            <a:ext cx="8915040" cy="4152600"/>
-          </a:xfrm>
-          <a:prstGeom prst="rect">
-            <a:avLst/>
-          </a:prstGeom>
-          <a:noFill/>
-          <a:ln w="9360">
-            <a:noFill/>
-          </a:ln>
-        </p:spPr>
-        <p:txBody>
-          <a:bodyPr lIns="90000" tIns="45000" rIns="90000" bIns="45000">
-            <a:normAutofit/>
-          </a:bodyPr>
-          <a:lstStyle/>
-          <a:p>
-            <a:pPr marL="285840" indent="-285480">
-              <a:lnSpc>
-                <a:spcPct val="100000"/>
-              </a:lnSpc>
-              <a:spcBef>
-                <a:spcPts val="360"/>
-              </a:spcBef>
-              <a:buClr>
-                <a:srgbClr val="50B3CF"/>
-              </a:buClr>
-              <a:buFont typeface="Wingdings" charset="2"/>
-              <a:buChar char=""/>
-            </a:pPr>
-            <a:r>
-              <a:rPr lang="en-US" sz="1800" b="0" strike="noStrike" spc="-1" dirty="0">
-                <a:solidFill>
-                  <a:srgbClr val="141414"/>
-                </a:solidFill>
-                <a:latin typeface="Arial"/>
-                <a:hlinkClick r:id="rId2"/>
-              </a:rPr>
-              <a:t>https://kubernetes.io/</a:t>
-            </a:r>
-            <a:endParaRPr lang="en-US" sz="1800" b="0" strike="noStrike" spc="-1" dirty="0">
-              <a:solidFill>
-                <a:srgbClr val="50B3CF"/>
-              </a:solidFill>
-              <a:latin typeface="Arial"/>
-            </a:endParaRPr>
-          </a:p>
-          <a:p>
-            <a:pPr marL="285840" indent="-285480">
-              <a:lnSpc>
-                <a:spcPct val="100000"/>
-              </a:lnSpc>
-              <a:spcBef>
-                <a:spcPts val="360"/>
-              </a:spcBef>
-              <a:buClr>
-                <a:srgbClr val="50B3CF"/>
-              </a:buClr>
-              <a:buFont typeface="Wingdings" charset="2"/>
-              <a:buChar char=""/>
-            </a:pPr>
-            <a:r>
-              <a:rPr lang="en-US" sz="1800" b="0" strike="noStrike" spc="-1" dirty="0">
-                <a:solidFill>
-                  <a:srgbClr val="141414"/>
-                </a:solidFill>
-                <a:latin typeface="Arial"/>
-                <a:hlinkClick r:id="rId3"/>
-              </a:rPr>
-              <a:t>https://kubernetes.io/blog/2018/04/30/zero-downtime-deployment-kubernetes-jenkins</a:t>
-            </a:r>
-            <a:r>
-              <a:rPr lang="en-US" sz="1800" b="0" strike="noStrike" spc="-1" dirty="0" smtClean="0">
-                <a:solidFill>
-                  <a:srgbClr val="141414"/>
-                </a:solidFill>
-                <a:latin typeface="Arial"/>
-                <a:hlinkClick r:id="rId3"/>
-              </a:rPr>
-              <a:t>/</a:t>
-            </a:r>
-            <a:endParaRPr lang="en-US" sz="1800" b="0" strike="noStrike" spc="-1" dirty="0" smtClean="0">
-              <a:solidFill>
-                <a:srgbClr val="141414"/>
-              </a:solidFill>
-              <a:latin typeface="Arial"/>
-            </a:endParaRPr>
-          </a:p>
-          <a:p>
-            <a:pPr marL="285840" indent="-285480">
-              <a:lnSpc>
-                <a:spcPct val="100000"/>
-              </a:lnSpc>
-              <a:spcBef>
-                <a:spcPts val="360"/>
-              </a:spcBef>
-              <a:buClr>
-                <a:srgbClr val="50B3CF"/>
-              </a:buClr>
-              <a:buFont typeface="Wingdings" charset="2"/>
-              <a:buChar char=""/>
-            </a:pPr>
-            <a:r>
-              <a:rPr lang="en-US" spc="-1" dirty="0">
-                <a:solidFill>
-                  <a:srgbClr val="141414"/>
-                </a:solidFill>
-              </a:rPr>
-              <a:t>GIT Hub Code base</a:t>
-            </a:r>
-          </a:p>
-          <a:p>
-            <a:pPr marL="360">
-              <a:lnSpc>
-                <a:spcPct val="100000"/>
-              </a:lnSpc>
-              <a:spcBef>
-                <a:spcPts val="360"/>
-              </a:spcBef>
-              <a:buClr>
-                <a:srgbClr val="50B3CF"/>
-              </a:buClr>
-            </a:pPr>
-            <a:r>
-              <a:rPr lang="en-US" spc="-1" dirty="0">
-                <a:solidFill>
-                  <a:srgbClr val="50B3CF"/>
-                </a:solidFill>
-              </a:rPr>
-              <a:t>     </a:t>
-            </a:r>
-            <a:r>
-              <a:rPr lang="en-US" spc="-1" dirty="0">
-                <a:solidFill>
-                  <a:srgbClr val="50B3CF"/>
-                </a:solidFill>
-                <a:hlinkClick r:id="rId4"/>
-              </a:rPr>
-              <a:t>https://github.com/nilaybose/mkdemo</a:t>
-            </a:r>
-            <a:endParaRPr lang="en-US" spc="-1" dirty="0">
-              <a:solidFill>
-                <a:srgbClr val="50B3CF"/>
-              </a:solidFill>
-            </a:endParaRPr>
-          </a:p>
-          <a:p>
-            <a:pPr marL="285840" indent="-285480">
-              <a:lnSpc>
-                <a:spcPct val="100000"/>
-              </a:lnSpc>
-              <a:spcBef>
-                <a:spcPts val="360"/>
-              </a:spcBef>
-              <a:buClr>
-                <a:srgbClr val="50B3CF"/>
-              </a:buClr>
-              <a:buFont typeface="Wingdings" charset="2"/>
-              <a:buChar char=""/>
-            </a:pPr>
-            <a:r>
-              <a:rPr lang="en-US" spc="-1" dirty="0" smtClean="0">
-                <a:solidFill>
-                  <a:srgbClr val="141414"/>
-                </a:solidFill>
-                <a:latin typeface="Arial"/>
-              </a:rPr>
-              <a:t>Docker Image Path</a:t>
-            </a:r>
-          </a:p>
-          <a:p>
-            <a:pPr marL="360">
-              <a:lnSpc>
-                <a:spcPct val="100000"/>
-              </a:lnSpc>
-              <a:spcBef>
-                <a:spcPts val="360"/>
-              </a:spcBef>
-              <a:buClr>
-                <a:srgbClr val="50B3CF"/>
-              </a:buClr>
-            </a:pPr>
-            <a:r>
-              <a:rPr lang="en-US" spc="-1" dirty="0">
-                <a:solidFill>
-                  <a:srgbClr val="141414"/>
-                </a:solidFill>
-                <a:latin typeface="Arial"/>
-              </a:rPr>
-              <a:t> </a:t>
-            </a:r>
-            <a:r>
-              <a:rPr lang="en-US" spc="-1" dirty="0">
-                <a:solidFill>
-                  <a:srgbClr val="141414"/>
-                </a:solidFill>
-              </a:rPr>
-              <a:t>    </a:t>
-            </a:r>
-            <a:r>
-              <a:rPr lang="en-US" spc="-1" dirty="0" err="1">
-                <a:solidFill>
-                  <a:srgbClr val="141414"/>
-                </a:solidFill>
-              </a:rPr>
-              <a:t>docker</a:t>
-            </a:r>
-            <a:r>
-              <a:rPr lang="en-US" spc="-1" dirty="0">
-                <a:solidFill>
-                  <a:srgbClr val="141414"/>
-                </a:solidFill>
-              </a:rPr>
-              <a:t> pull </a:t>
-            </a:r>
-            <a:r>
-              <a:rPr lang="en-US" spc="-1" dirty="0" err="1">
-                <a:solidFill>
-                  <a:srgbClr val="141414"/>
-                </a:solidFill>
-              </a:rPr>
-              <a:t>nilaybose</a:t>
-            </a:r>
-            <a:r>
-              <a:rPr lang="en-US" spc="-1" dirty="0">
-                <a:solidFill>
-                  <a:srgbClr val="141414"/>
-                </a:solidFill>
-              </a:rPr>
-              <a:t>/</a:t>
-            </a:r>
-            <a:r>
-              <a:rPr lang="en-US" spc="-1" dirty="0" err="1">
-                <a:solidFill>
-                  <a:srgbClr val="141414"/>
-                </a:solidFill>
-              </a:rPr>
-              <a:t>mkubedemo</a:t>
-            </a:r>
-            <a:endParaRPr lang="en-US" sz="1800" b="0" strike="noStrike" spc="-1" dirty="0">
-              <a:solidFill>
-                <a:srgbClr val="141414"/>
-              </a:solidFill>
-              <a:latin typeface="Arial"/>
-            </a:endParaRPr>
-          </a:p>
-          <a:p>
-            <a:pPr marL="360">
-              <a:lnSpc>
-                <a:spcPct val="100000"/>
-              </a:lnSpc>
-              <a:spcBef>
-                <a:spcPts val="360"/>
-              </a:spcBef>
-              <a:buClr>
-                <a:srgbClr val="50B3CF"/>
-              </a:buClr>
-            </a:pPr>
-            <a:endParaRPr lang="en-US" sz="1800" b="0" strike="noStrike" spc="-1" dirty="0" smtClean="0">
-              <a:solidFill>
-                <a:srgbClr val="141414"/>
-              </a:solidFill>
-              <a:latin typeface="Arial"/>
-            </a:endParaRPr>
-          </a:p>
-          <a:p>
-            <a:pPr marL="360">
-              <a:lnSpc>
-                <a:spcPct val="100000"/>
-              </a:lnSpc>
-              <a:spcBef>
-                <a:spcPts val="360"/>
-              </a:spcBef>
-              <a:buClr>
-                <a:srgbClr val="50B3CF"/>
-              </a:buClr>
-            </a:pPr>
-            <a:endParaRPr lang="en-US" sz="1800" b="0" strike="noStrike" spc="-1" dirty="0">
-              <a:solidFill>
-                <a:srgbClr val="50B3CF"/>
-              </a:solidFill>
-              <a:latin typeface="Arial"/>
-            </a:endParaRPr>
-          </a:p>
-          <a:p>
-            <a:pPr marL="360">
-              <a:lnSpc>
-                <a:spcPct val="100000"/>
-              </a:lnSpc>
-              <a:spcBef>
-                <a:spcPts val="360"/>
-              </a:spcBef>
-              <a:buClr>
-                <a:srgbClr val="50B3CF"/>
-              </a:buClr>
-            </a:pPr>
-            <a:endParaRPr lang="en-US" sz="1800" b="0" strike="noStrike" spc="-1" dirty="0">
-              <a:solidFill>
-                <a:srgbClr val="50B3CF"/>
-              </a:solidFill>
-              <a:latin typeface="Arial"/>
-            </a:endParaRPr>
-          </a:p>
-          <a:p>
-            <a:pPr>
-              <a:lnSpc>
-                <a:spcPct val="100000"/>
-              </a:lnSpc>
-              <a:spcBef>
-                <a:spcPts val="360"/>
-              </a:spcBef>
-            </a:pPr>
-            <a:endParaRPr lang="en-US" sz="1800" b="0" strike="noStrike" spc="-1" dirty="0">
-              <a:solidFill>
-                <a:srgbClr val="50B3CF"/>
-              </a:solidFill>
-              <a:latin typeface="Arial"/>
-            </a:endParaRPr>
-          </a:p>
-        </p:txBody>
-      </p:sp>
-      <p:sp>
-        <p:nvSpPr>
-          <p:cNvPr id="255" name="TextShape 3"/>
+          <p:cNvPr id="248" name="TextShape 2"/>
           <p:cNvSpPr txBox="1"/>
           <p:nvPr/>
         </p:nvSpPr>
@@ -17280,18 +17474,229 @@
               </a:lnSpc>
             </a:pPr>
             <a:r>
-              <a:rPr lang="en-US" sz="2200" b="0" strike="noStrike" spc="-1">
+              <a:rPr lang="en-US" sz="2200" b="0" strike="noStrike" spc="-1" dirty="0">
                 <a:solidFill>
                   <a:srgbClr val="23D2FF"/>
                 </a:solidFill>
                 <a:latin typeface="Arial"/>
               </a:rPr>
-              <a:t>Reference &amp; Links</a:t>
-            </a:r>
-            <a:endParaRPr lang="en-US" sz="2200" b="0" strike="noStrike" spc="-1">
-              <a:solidFill>
-                <a:srgbClr val="50B3CF"/>
-              </a:solidFill>
+              <a:t>Kubernetes Advanced Topics</a:t>
+            </a:r>
+            <a:endParaRPr lang="en-US" sz="2200" b="0" strike="noStrike" spc="-1" dirty="0">
+              <a:solidFill>
+                <a:srgbClr val="50B3CF"/>
+              </a:solidFill>
+              <a:latin typeface="Arial"/>
+            </a:endParaRPr>
+          </a:p>
+        </p:txBody>
+      </p:sp>
+      <p:sp>
+        <p:nvSpPr>
+          <p:cNvPr id="249" name="CustomShape 3"/>
+          <p:cNvSpPr/>
+          <p:nvPr/>
+        </p:nvSpPr>
+        <p:spPr>
+          <a:xfrm>
+            <a:off x="44640" y="541800"/>
+            <a:ext cx="8915040" cy="4264920"/>
+          </a:xfrm>
+          <a:prstGeom prst="rect">
+            <a:avLst/>
+          </a:prstGeom>
+          <a:noFill/>
+          <a:ln>
+            <a:noFill/>
+          </a:ln>
+        </p:spPr>
+        <p:style>
+          <a:lnRef idx="0">
+            <a:scrgbClr r="0" g="0" b="0"/>
+          </a:lnRef>
+          <a:fillRef idx="0">
+            <a:scrgbClr r="0" g="0" b="0"/>
+          </a:fillRef>
+          <a:effectRef idx="0">
+            <a:scrgbClr r="0" g="0" b="0"/>
+          </a:effectRef>
+          <a:fontRef idx="minor"/>
+        </p:style>
+        <p:txBody>
+          <a:bodyPr lIns="90000" tIns="45000" rIns="90000" bIns="45000">
+            <a:normAutofit/>
+          </a:bodyPr>
+          <a:lstStyle/>
+          <a:p>
+            <a:pPr marL="285840" indent="-285480" algn="just">
+              <a:lnSpc>
+                <a:spcPct val="100000"/>
+              </a:lnSpc>
+              <a:spcBef>
+                <a:spcPts val="281"/>
+              </a:spcBef>
+              <a:buClr>
+                <a:srgbClr val="141414"/>
+              </a:buClr>
+              <a:buFont typeface="Arial"/>
+              <a:buChar char="•"/>
+            </a:pPr>
+            <a:r>
+              <a:rPr lang="en-US" sz="1400" b="0" strike="noStrike" spc="-1">
+                <a:solidFill>
+                  <a:srgbClr val="141414"/>
+                </a:solidFill>
+                <a:latin typeface="Arial"/>
+              </a:rPr>
+              <a:t>Auto scaling</a:t>
+            </a:r>
+            <a:endParaRPr lang="en-US" sz="1400" b="0" strike="noStrike" spc="-1">
+              <a:latin typeface="Arial"/>
+            </a:endParaRPr>
+          </a:p>
+          <a:p>
+            <a:pPr marL="285840" indent="-285480" algn="just">
+              <a:lnSpc>
+                <a:spcPct val="100000"/>
+              </a:lnSpc>
+              <a:spcBef>
+                <a:spcPts val="281"/>
+              </a:spcBef>
+              <a:buClr>
+                <a:srgbClr val="141414"/>
+              </a:buClr>
+              <a:buFont typeface="Arial"/>
+              <a:buChar char="•"/>
+            </a:pPr>
+            <a:r>
+              <a:rPr lang="en-US" sz="1400" b="0" strike="noStrike" spc="-1">
+                <a:solidFill>
+                  <a:srgbClr val="141414"/>
+                </a:solidFill>
+                <a:latin typeface="Arial"/>
+              </a:rPr>
+              <a:t>Persistent Volumes</a:t>
+            </a:r>
+            <a:endParaRPr lang="en-US" sz="1400" b="0" strike="noStrike" spc="-1">
+              <a:latin typeface="Arial"/>
+            </a:endParaRPr>
+          </a:p>
+          <a:p>
+            <a:pPr marL="285840" indent="-285480" algn="just">
+              <a:lnSpc>
+                <a:spcPct val="100000"/>
+              </a:lnSpc>
+              <a:spcBef>
+                <a:spcPts val="281"/>
+              </a:spcBef>
+              <a:buClr>
+                <a:srgbClr val="141414"/>
+              </a:buClr>
+              <a:buFont typeface="Arial"/>
+              <a:buChar char="•"/>
+            </a:pPr>
+            <a:r>
+              <a:rPr lang="en-US" sz="1400" b="0" strike="noStrike" spc="-1">
+                <a:solidFill>
+                  <a:srgbClr val="141414"/>
+                </a:solidFill>
+                <a:latin typeface="Arial"/>
+              </a:rPr>
+              <a:t>Stateful Replica Sets</a:t>
+            </a:r>
+            <a:endParaRPr lang="en-US" sz="1400" b="0" strike="noStrike" spc="-1">
+              <a:latin typeface="Arial"/>
+            </a:endParaRPr>
+          </a:p>
+          <a:p>
+            <a:pPr marL="285840" indent="-285480" algn="just">
+              <a:lnSpc>
+                <a:spcPct val="100000"/>
+              </a:lnSpc>
+              <a:spcBef>
+                <a:spcPts val="281"/>
+              </a:spcBef>
+              <a:buClr>
+                <a:srgbClr val="141414"/>
+              </a:buClr>
+              <a:buFont typeface="Arial"/>
+              <a:buChar char="•"/>
+            </a:pPr>
+            <a:r>
+              <a:rPr lang="en-US" sz="1400" b="0" strike="noStrike" spc="-1">
+                <a:solidFill>
+                  <a:srgbClr val="141414"/>
+                </a:solidFill>
+                <a:latin typeface="Arial"/>
+              </a:rPr>
+              <a:t>Secrets</a:t>
+            </a:r>
+            <a:endParaRPr lang="en-US" sz="1400" b="0" strike="noStrike" spc="-1">
+              <a:latin typeface="Arial"/>
+            </a:endParaRPr>
+          </a:p>
+          <a:p>
+            <a:pPr algn="just">
+              <a:lnSpc>
+                <a:spcPct val="100000"/>
+              </a:lnSpc>
+              <a:spcBef>
+                <a:spcPts val="281"/>
+              </a:spcBef>
+            </a:pPr>
+            <a:endParaRPr lang="en-US" sz="1400" b="0" strike="noStrike" spc="-1">
+              <a:latin typeface="Arial"/>
+            </a:endParaRPr>
+          </a:p>
+          <a:p>
+            <a:pPr algn="just">
+              <a:lnSpc>
+                <a:spcPct val="100000"/>
+              </a:lnSpc>
+              <a:spcBef>
+                <a:spcPts val="281"/>
+              </a:spcBef>
+            </a:pPr>
+            <a:endParaRPr lang="en-US" sz="1400" b="0" strike="noStrike" spc="-1">
+              <a:latin typeface="Arial"/>
+            </a:endParaRPr>
+          </a:p>
+          <a:p>
+            <a:pPr algn="just">
+              <a:lnSpc>
+                <a:spcPct val="100000"/>
+              </a:lnSpc>
+              <a:spcBef>
+                <a:spcPts val="281"/>
+              </a:spcBef>
+            </a:pPr>
+            <a:endParaRPr lang="en-US" sz="1400" b="0" strike="noStrike" spc="-1">
+              <a:latin typeface="Arial"/>
+            </a:endParaRPr>
+          </a:p>
+          <a:p>
+            <a:pPr algn="just">
+              <a:lnSpc>
+                <a:spcPct val="100000"/>
+              </a:lnSpc>
+              <a:spcBef>
+                <a:spcPts val="281"/>
+              </a:spcBef>
+            </a:pPr>
+            <a:endParaRPr lang="en-US" sz="1400" b="0" strike="noStrike" spc="-1">
+              <a:latin typeface="Arial"/>
+            </a:endParaRPr>
+          </a:p>
+          <a:p>
+            <a:pPr algn="just">
+              <a:lnSpc>
+                <a:spcPct val="100000"/>
+              </a:lnSpc>
+              <a:spcBef>
+                <a:spcPts val="281"/>
+              </a:spcBef>
+            </a:pPr>
+            <a:endParaRPr lang="en-US" sz="1400" b="0" strike="noStrike" spc="-1">
               <a:latin typeface="Arial"/>
             </a:endParaRPr>
           </a:p>
@@ -17324,14 +17729,14 @@
       </p:grpSpPr>
       <p:sp>
         <p:nvSpPr>
-          <p:cNvPr id="256" name="TextShape 1"/>
+          <p:cNvPr id="250" name="TextShape 1"/>
           <p:cNvSpPr txBox="1"/>
           <p:nvPr/>
         </p:nvSpPr>
         <p:spPr>
           <a:xfrm>
-            <a:off x="0" y="4830840"/>
-            <a:ext cx="456840" cy="342720"/>
+            <a:off x="-155160" y="4743360"/>
+            <a:ext cx="538920" cy="375480"/>
           </a:xfrm>
           <a:prstGeom prst="rect">
             <a:avLst/>
@@ -17350,7 +17755,7 @@
                 <a:spcPct val="100000"/>
               </a:lnSpc>
             </a:pPr>
-            <a:fld id="{E142D481-1E04-41FC-9359-C1CC6138C014}" type="slidenum">
+            <a:fld id="{DB86DB81-2B6F-4CEF-9207-F3B97FE855D2}" type="slidenum">
               <a:rPr lang="en-US" sz="1050" b="1" strike="noStrike" spc="-1">
                 <a:solidFill>
                   <a:srgbClr val="FFFFFF"/>
@@ -17358,6 +17763,784 @@
                 <a:latin typeface="Arial"/>
               </a:rPr>
               <a:t>26</a:t>
+            </a:fld>
+            <a:endParaRPr lang="en-US" sz="1050" b="0" strike="noStrike" spc="-1">
+              <a:latin typeface="Times New Roman"/>
+            </a:endParaRPr>
+          </a:p>
+        </p:txBody>
+      </p:sp>
+      <p:sp>
+        <p:nvSpPr>
+          <p:cNvPr id="251" name="TextShape 2"/>
+          <p:cNvSpPr txBox="1"/>
+          <p:nvPr/>
+        </p:nvSpPr>
+        <p:spPr>
+          <a:xfrm>
+            <a:off x="114480" y="100080"/>
+            <a:ext cx="8915040" cy="297000"/>
+          </a:xfrm>
+          <a:prstGeom prst="rect">
+            <a:avLst/>
+          </a:prstGeom>
+          <a:noFill/>
+          <a:ln>
+            <a:noFill/>
+          </a:ln>
+        </p:spPr>
+        <p:txBody>
+          <a:bodyPr lIns="0" anchor="ctr"/>
+          <a:lstStyle/>
+          <a:p>
+            <a:pPr>
+              <a:lnSpc>
+                <a:spcPct val="100000"/>
+              </a:lnSpc>
+            </a:pPr>
+            <a:r>
+              <a:rPr lang="en-US" sz="2200" b="0" strike="noStrike" spc="-1" dirty="0">
+                <a:solidFill>
+                  <a:srgbClr val="23D2FF"/>
+                </a:solidFill>
+                <a:latin typeface="Arial"/>
+              </a:rPr>
+              <a:t>Commercial Kubernetes</a:t>
+            </a:r>
+            <a:endParaRPr lang="en-US" sz="2200" b="0" strike="noStrike" spc="-1" dirty="0">
+              <a:solidFill>
+                <a:srgbClr val="50B3CF"/>
+              </a:solidFill>
+              <a:latin typeface="Arial"/>
+            </a:endParaRPr>
+          </a:p>
+        </p:txBody>
+      </p:sp>
+      <p:sp>
+        <p:nvSpPr>
+          <p:cNvPr id="252" name="CustomShape 3"/>
+          <p:cNvSpPr/>
+          <p:nvPr/>
+        </p:nvSpPr>
+        <p:spPr>
+          <a:xfrm>
+            <a:off x="44640" y="541800"/>
+            <a:ext cx="8915040" cy="4264920"/>
+          </a:xfrm>
+          <a:prstGeom prst="rect">
+            <a:avLst/>
+          </a:prstGeom>
+          <a:noFill/>
+          <a:ln>
+            <a:noFill/>
+          </a:ln>
+        </p:spPr>
+        <p:style>
+          <a:lnRef idx="0">
+            <a:scrgbClr r="0" g="0" b="0"/>
+          </a:lnRef>
+          <a:fillRef idx="0">
+            <a:scrgbClr r="0" g="0" b="0"/>
+          </a:fillRef>
+          <a:effectRef idx="0">
+            <a:scrgbClr r="0" g="0" b="0"/>
+          </a:effectRef>
+          <a:fontRef idx="minor"/>
+        </p:style>
+        <p:txBody>
+          <a:bodyPr lIns="90000" tIns="45000" rIns="90000" bIns="45000">
+            <a:normAutofit/>
+          </a:bodyPr>
+          <a:lstStyle/>
+          <a:p>
+            <a:pPr marL="285840" indent="-285480" algn="just">
+              <a:lnSpc>
+                <a:spcPct val="100000"/>
+              </a:lnSpc>
+              <a:spcBef>
+                <a:spcPts val="281"/>
+              </a:spcBef>
+              <a:buClr>
+                <a:srgbClr val="141414"/>
+              </a:buClr>
+              <a:buFont typeface="Arial"/>
+              <a:buChar char="•"/>
+            </a:pPr>
+            <a:r>
+              <a:rPr lang="en-US" sz="1400" b="0" strike="noStrike" spc="-1" dirty="0">
+                <a:solidFill>
+                  <a:srgbClr val="141414"/>
+                </a:solidFill>
+                <a:latin typeface="Arial"/>
+              </a:rPr>
+              <a:t>Open Shift ( Red Hat ) – Used in Heritage World Pay</a:t>
+            </a:r>
+            <a:endParaRPr lang="en-US" sz="1400" b="0" strike="noStrike" spc="-1" dirty="0">
+              <a:latin typeface="Arial"/>
+            </a:endParaRPr>
+          </a:p>
+          <a:p>
+            <a:pPr marL="285840" indent="-285480" algn="just">
+              <a:lnSpc>
+                <a:spcPct val="100000"/>
+              </a:lnSpc>
+              <a:spcBef>
+                <a:spcPts val="281"/>
+              </a:spcBef>
+              <a:buClr>
+                <a:srgbClr val="141414"/>
+              </a:buClr>
+              <a:buFont typeface="Arial"/>
+              <a:buChar char="•"/>
+            </a:pPr>
+            <a:r>
+              <a:rPr lang="en-US" sz="1400" b="0" strike="noStrike" spc="-1" dirty="0">
+                <a:solidFill>
+                  <a:srgbClr val="141414"/>
+                </a:solidFill>
+                <a:latin typeface="Arial"/>
+              </a:rPr>
+              <a:t>EKS (Amazon Elastic Container Service for Kubernetes)</a:t>
+            </a:r>
+            <a:endParaRPr lang="en-US" sz="1400" b="0" strike="noStrike" spc="-1" dirty="0">
+              <a:latin typeface="Arial"/>
+            </a:endParaRPr>
+          </a:p>
+          <a:p>
+            <a:pPr marL="285840" indent="-285480" algn="just">
+              <a:lnSpc>
+                <a:spcPct val="100000"/>
+              </a:lnSpc>
+              <a:spcBef>
+                <a:spcPts val="281"/>
+              </a:spcBef>
+              <a:buClr>
+                <a:srgbClr val="141414"/>
+              </a:buClr>
+              <a:buFont typeface="Arial"/>
+              <a:buChar char="•"/>
+            </a:pPr>
+            <a:r>
+              <a:rPr lang="en-US" sz="1400" b="0" strike="noStrike" spc="-1" dirty="0">
+                <a:solidFill>
+                  <a:srgbClr val="141414"/>
+                </a:solidFill>
+                <a:latin typeface="Arial"/>
+              </a:rPr>
+              <a:t>GKE (Google Kubernetes Engine)</a:t>
+            </a:r>
+            <a:endParaRPr lang="en-US" sz="1400" b="0" strike="noStrike" spc="-1" dirty="0">
+              <a:latin typeface="Arial"/>
+            </a:endParaRPr>
+          </a:p>
+          <a:p>
+            <a:pPr marL="285840" indent="-285480" algn="just">
+              <a:lnSpc>
+                <a:spcPct val="100000"/>
+              </a:lnSpc>
+              <a:spcBef>
+                <a:spcPts val="281"/>
+              </a:spcBef>
+              <a:buClr>
+                <a:srgbClr val="141414"/>
+              </a:buClr>
+              <a:buFont typeface="Arial"/>
+              <a:buChar char="•"/>
+            </a:pPr>
+            <a:r>
+              <a:rPr lang="en-US" sz="1400" b="0" strike="noStrike" spc="-1" dirty="0">
+                <a:solidFill>
+                  <a:srgbClr val="141414"/>
+                </a:solidFill>
+                <a:latin typeface="Arial"/>
+              </a:rPr>
+              <a:t>AKS - Azure Kubernetes Service</a:t>
+            </a:r>
+            <a:endParaRPr lang="en-US" sz="1400" b="0" strike="noStrike" spc="-1" dirty="0">
+              <a:latin typeface="Arial"/>
+            </a:endParaRPr>
+          </a:p>
+          <a:p>
+            <a:pPr algn="just">
+              <a:spcBef>
+                <a:spcPts val="281"/>
+              </a:spcBef>
+            </a:pPr>
+            <a:endParaRPr lang="en-US" sz="1400" b="0" strike="noStrike" spc="-1" dirty="0">
+              <a:latin typeface="Arial"/>
+            </a:endParaRPr>
+          </a:p>
+          <a:p>
+            <a:pPr algn="just">
+              <a:lnSpc>
+                <a:spcPct val="100000"/>
+              </a:lnSpc>
+              <a:spcBef>
+                <a:spcPts val="281"/>
+              </a:spcBef>
+            </a:pPr>
+            <a:endParaRPr lang="en-US" sz="1400" b="0" strike="noStrike" spc="-1" dirty="0">
+              <a:latin typeface="Arial"/>
+            </a:endParaRPr>
+          </a:p>
+          <a:p>
+            <a:pPr algn="just">
+              <a:lnSpc>
+                <a:spcPct val="100000"/>
+              </a:lnSpc>
+              <a:spcBef>
+                <a:spcPts val="281"/>
+              </a:spcBef>
+            </a:pPr>
+            <a:endParaRPr lang="en-US" sz="1400" b="0" strike="noStrike" spc="-1" dirty="0">
+              <a:latin typeface="Arial"/>
+            </a:endParaRPr>
+          </a:p>
+          <a:p>
+            <a:pPr algn="just">
+              <a:lnSpc>
+                <a:spcPct val="100000"/>
+              </a:lnSpc>
+              <a:spcBef>
+                <a:spcPts val="281"/>
+              </a:spcBef>
+            </a:pPr>
+            <a:endParaRPr lang="en-US" sz="1400" b="0" strike="noStrike" spc="-1" dirty="0">
+              <a:latin typeface="Arial"/>
+            </a:endParaRPr>
+          </a:p>
+          <a:p>
+            <a:pPr algn="just">
+              <a:lnSpc>
+                <a:spcPct val="100000"/>
+              </a:lnSpc>
+              <a:spcBef>
+                <a:spcPts val="281"/>
+              </a:spcBef>
+            </a:pPr>
+            <a:endParaRPr lang="en-US" sz="1400" b="0" strike="noStrike" spc="-1" dirty="0">
+              <a:latin typeface="Arial"/>
+            </a:endParaRPr>
+          </a:p>
+          <a:p>
+            <a:pPr algn="just">
+              <a:lnSpc>
+                <a:spcPct val="100000"/>
+              </a:lnSpc>
+              <a:spcBef>
+                <a:spcPts val="281"/>
+              </a:spcBef>
+            </a:pPr>
+            <a:endParaRPr lang="en-US" sz="1400" b="0" strike="noStrike" spc="-1" dirty="0">
+              <a:latin typeface="Arial"/>
+            </a:endParaRPr>
+          </a:p>
+        </p:txBody>
+      </p:sp>
+    </p:spTree>
+  </p:cSld>
+  <p:clrMapOvr>
+    <a:masterClrMapping/>
+  </p:clrMapOvr>
+</p:sld>
+</file>
+
+<file path=ppt/slides/slide27.xml><?xml version="1.0" encoding="utf-8"?>
+<p:sld xmlns:a="http://schemas.openxmlformats.org/drawingml/2006/main" xmlns:r="http://schemas.openxmlformats.org/officeDocument/2006/relationships" xmlns:p="http://schemas.openxmlformats.org/presentationml/2006/main">
+  <p:cSld>
+    <p:spTree>
+      <p:nvGrpSpPr>
+        <p:cNvPr id="1" name=""/>
+        <p:cNvGrpSpPr/>
+        <p:nvPr/>
+      </p:nvGrpSpPr>
+      <p:grpSpPr>
+        <a:xfrm>
+          <a:off x="0" y="0"/>
+          <a:ext cx="0" cy="0"/>
+          <a:chOff x="0" y="0"/>
+          <a:chExt cx="0" cy="0"/>
+        </a:xfrm>
+      </p:grpSpPr>
+      <p:sp>
+        <p:nvSpPr>
+          <p:cNvPr id="253" name="TextShape 1"/>
+          <p:cNvSpPr txBox="1"/>
+          <p:nvPr/>
+        </p:nvSpPr>
+        <p:spPr>
+          <a:xfrm>
+            <a:off x="-155160" y="4743360"/>
+            <a:ext cx="538920" cy="375480"/>
+          </a:xfrm>
+          <a:prstGeom prst="rect">
+            <a:avLst/>
+          </a:prstGeom>
+          <a:noFill/>
+          <a:ln>
+            <a:noFill/>
+          </a:ln>
+        </p:spPr>
+        <p:txBody>
+          <a:bodyPr anchor="ctr"/>
+          <a:lstStyle/>
+          <a:p>
+            <a:pPr algn="r">
+              <a:lnSpc>
+                <a:spcPct val="100000"/>
+              </a:lnSpc>
+            </a:pPr>
+            <a:fld id="{072B23BC-C43A-4D58-A567-5EA551F197E3}" type="slidenum">
+              <a:rPr lang="en-US" sz="1050" b="1" strike="noStrike" spc="-1">
+                <a:solidFill>
+                  <a:srgbClr val="FFFFFF"/>
+                </a:solidFill>
+                <a:latin typeface="Arial"/>
+              </a:rPr>
+              <a:t>27</a:t>
+            </a:fld>
+            <a:endParaRPr lang="en-US" sz="1050" b="0" strike="noStrike" spc="-1">
+              <a:latin typeface="Times New Roman"/>
+            </a:endParaRPr>
+          </a:p>
+        </p:txBody>
+      </p:sp>
+      <p:sp>
+        <p:nvSpPr>
+          <p:cNvPr id="254" name="TextShape 2"/>
+          <p:cNvSpPr txBox="1"/>
+          <p:nvPr/>
+        </p:nvSpPr>
+        <p:spPr>
+          <a:xfrm>
+            <a:off x="114480" y="552600"/>
+            <a:ext cx="8915040" cy="4152600"/>
+          </a:xfrm>
+          <a:prstGeom prst="rect">
+            <a:avLst/>
+          </a:prstGeom>
+          <a:noFill/>
+          <a:ln w="9360">
+            <a:noFill/>
+          </a:ln>
+        </p:spPr>
+        <p:txBody>
+          <a:bodyPr lIns="90000" tIns="45000" rIns="90000" bIns="45000">
+            <a:normAutofit/>
+          </a:bodyPr>
+          <a:lstStyle/>
+          <a:p>
+            <a:pPr marL="285840" indent="-285480">
+              <a:lnSpc>
+                <a:spcPct val="100000"/>
+              </a:lnSpc>
+              <a:spcBef>
+                <a:spcPts val="360"/>
+              </a:spcBef>
+              <a:buClr>
+                <a:srgbClr val="50B3CF"/>
+              </a:buClr>
+              <a:buFont typeface="Wingdings" charset="2"/>
+              <a:buChar char=""/>
+            </a:pPr>
+            <a:r>
+              <a:rPr lang="en-US" sz="1800" b="0" strike="noStrike" spc="-1" dirty="0">
+                <a:solidFill>
+                  <a:srgbClr val="141414"/>
+                </a:solidFill>
+                <a:latin typeface="Arial"/>
+                <a:hlinkClick r:id="rId2"/>
+              </a:rPr>
+              <a:t>https://kubernetes.io/</a:t>
+            </a:r>
+            <a:endParaRPr lang="en-US" sz="1800" b="0" strike="noStrike" spc="-1" dirty="0">
+              <a:solidFill>
+                <a:srgbClr val="50B3CF"/>
+              </a:solidFill>
+              <a:latin typeface="Arial"/>
+            </a:endParaRPr>
+          </a:p>
+          <a:p>
+            <a:pPr marL="285840" indent="-285480">
+              <a:lnSpc>
+                <a:spcPct val="100000"/>
+              </a:lnSpc>
+              <a:spcBef>
+                <a:spcPts val="360"/>
+              </a:spcBef>
+              <a:buClr>
+                <a:srgbClr val="50B3CF"/>
+              </a:buClr>
+              <a:buFont typeface="Wingdings" charset="2"/>
+              <a:buChar char=""/>
+            </a:pPr>
+            <a:r>
+              <a:rPr lang="en-US" sz="1800" b="0" strike="noStrike" spc="-1" dirty="0">
+                <a:solidFill>
+                  <a:srgbClr val="141414"/>
+                </a:solidFill>
+                <a:latin typeface="Arial"/>
+                <a:hlinkClick r:id="rId3"/>
+              </a:rPr>
+              <a:t>https://kubernetes.io/blog/2018/04/30/zero-downtime-deployment-kubernetes-jenkins</a:t>
+            </a:r>
+            <a:r>
+              <a:rPr lang="en-US" sz="1800" b="0" strike="noStrike" spc="-1" dirty="0" smtClean="0">
+                <a:solidFill>
+                  <a:srgbClr val="141414"/>
+                </a:solidFill>
+                <a:latin typeface="Arial"/>
+                <a:hlinkClick r:id="rId3"/>
+              </a:rPr>
+              <a:t>/</a:t>
+            </a:r>
+            <a:endParaRPr lang="en-US" sz="1800" b="0" strike="noStrike" spc="-1" dirty="0" smtClean="0">
+              <a:solidFill>
+                <a:srgbClr val="141414"/>
+              </a:solidFill>
+              <a:latin typeface="Arial"/>
+            </a:endParaRPr>
+          </a:p>
+          <a:p>
+            <a:pPr marL="285840" indent="-285480">
+              <a:lnSpc>
+                <a:spcPct val="100000"/>
+              </a:lnSpc>
+              <a:spcBef>
+                <a:spcPts val="360"/>
+              </a:spcBef>
+              <a:buClr>
+                <a:srgbClr val="50B3CF"/>
+              </a:buClr>
+              <a:buFont typeface="Wingdings" charset="2"/>
+              <a:buChar char=""/>
+            </a:pPr>
+            <a:r>
+              <a:rPr lang="en-US" spc="-1" dirty="0">
+                <a:solidFill>
+                  <a:srgbClr val="141414"/>
+                </a:solidFill>
+              </a:rPr>
+              <a:t>GIT Hub Code base</a:t>
+            </a:r>
+          </a:p>
+          <a:p>
+            <a:pPr marL="360">
+              <a:lnSpc>
+                <a:spcPct val="100000"/>
+              </a:lnSpc>
+              <a:spcBef>
+                <a:spcPts val="360"/>
+              </a:spcBef>
+              <a:buClr>
+                <a:srgbClr val="50B3CF"/>
+              </a:buClr>
+            </a:pPr>
+            <a:r>
+              <a:rPr lang="en-US" spc="-1" dirty="0">
+                <a:solidFill>
+                  <a:srgbClr val="50B3CF"/>
+                </a:solidFill>
+              </a:rPr>
+              <a:t>     </a:t>
+            </a:r>
+            <a:r>
+              <a:rPr lang="en-US" spc="-1" dirty="0">
+                <a:solidFill>
+                  <a:srgbClr val="50B3CF"/>
+                </a:solidFill>
+                <a:hlinkClick r:id="rId4"/>
+              </a:rPr>
+              <a:t>https://github.com/nilaybose/mkdemo</a:t>
+            </a:r>
+            <a:endParaRPr lang="en-US" spc="-1" dirty="0">
+              <a:solidFill>
+                <a:srgbClr val="50B3CF"/>
+              </a:solidFill>
+            </a:endParaRPr>
+          </a:p>
+          <a:p>
+            <a:pPr marL="285840" indent="-285480">
+              <a:lnSpc>
+                <a:spcPct val="100000"/>
+              </a:lnSpc>
+              <a:spcBef>
+                <a:spcPts val="360"/>
+              </a:spcBef>
+              <a:buClr>
+                <a:srgbClr val="50B3CF"/>
+              </a:buClr>
+              <a:buFont typeface="Wingdings" charset="2"/>
+              <a:buChar char=""/>
+            </a:pPr>
+            <a:r>
+              <a:rPr lang="en-US" spc="-1" dirty="0" smtClean="0">
+                <a:solidFill>
+                  <a:srgbClr val="141414"/>
+                </a:solidFill>
+                <a:latin typeface="Arial"/>
+              </a:rPr>
+              <a:t>Docker Image Path</a:t>
+            </a:r>
+          </a:p>
+          <a:p>
+            <a:pPr marL="360">
+              <a:lnSpc>
+                <a:spcPct val="100000"/>
+              </a:lnSpc>
+              <a:spcBef>
+                <a:spcPts val="360"/>
+              </a:spcBef>
+              <a:buClr>
+                <a:srgbClr val="50B3CF"/>
+              </a:buClr>
+            </a:pPr>
+            <a:r>
+              <a:rPr lang="en-US" spc="-1" dirty="0">
+                <a:solidFill>
+                  <a:srgbClr val="141414"/>
+                </a:solidFill>
+                <a:latin typeface="Arial"/>
+              </a:rPr>
+              <a:t> </a:t>
+            </a:r>
+            <a:r>
+              <a:rPr lang="en-US" spc="-1" dirty="0">
+                <a:solidFill>
+                  <a:srgbClr val="141414"/>
+                </a:solidFill>
+              </a:rPr>
+              <a:t>    </a:t>
+            </a:r>
+            <a:r>
+              <a:rPr lang="en-US" spc="-1" dirty="0" err="1">
+                <a:solidFill>
+                  <a:srgbClr val="141414"/>
+                </a:solidFill>
+              </a:rPr>
+              <a:t>docker</a:t>
+            </a:r>
+            <a:r>
+              <a:rPr lang="en-US" spc="-1" dirty="0">
+                <a:solidFill>
+                  <a:srgbClr val="141414"/>
+                </a:solidFill>
+              </a:rPr>
+              <a:t> pull </a:t>
+            </a:r>
+            <a:r>
+              <a:rPr lang="en-US" spc="-1" dirty="0" err="1">
+                <a:solidFill>
+                  <a:srgbClr val="141414"/>
+                </a:solidFill>
+              </a:rPr>
+              <a:t>nilaybose</a:t>
+            </a:r>
+            <a:r>
+              <a:rPr lang="en-US" spc="-1" dirty="0">
+                <a:solidFill>
+                  <a:srgbClr val="141414"/>
+                </a:solidFill>
+              </a:rPr>
+              <a:t>/</a:t>
+            </a:r>
+            <a:r>
+              <a:rPr lang="en-US" spc="-1" dirty="0" err="1">
+                <a:solidFill>
+                  <a:srgbClr val="141414"/>
+                </a:solidFill>
+              </a:rPr>
+              <a:t>mkubedemo</a:t>
+            </a:r>
+            <a:endParaRPr lang="en-US" sz="1800" b="0" strike="noStrike" spc="-1" dirty="0">
+              <a:solidFill>
+                <a:srgbClr val="141414"/>
+              </a:solidFill>
+              <a:latin typeface="Arial"/>
+            </a:endParaRPr>
+          </a:p>
+          <a:p>
+            <a:pPr marL="360">
+              <a:lnSpc>
+                <a:spcPct val="100000"/>
+              </a:lnSpc>
+              <a:spcBef>
+                <a:spcPts val="360"/>
+              </a:spcBef>
+              <a:buClr>
+                <a:srgbClr val="50B3CF"/>
+              </a:buClr>
+            </a:pPr>
+            <a:endParaRPr lang="en-US" sz="1800" b="0" strike="noStrike" spc="-1" dirty="0" smtClean="0">
+              <a:solidFill>
+                <a:srgbClr val="141414"/>
+              </a:solidFill>
+              <a:latin typeface="Arial"/>
+            </a:endParaRPr>
+          </a:p>
+          <a:p>
+            <a:pPr marL="360">
+              <a:lnSpc>
+                <a:spcPct val="100000"/>
+              </a:lnSpc>
+              <a:spcBef>
+                <a:spcPts val="360"/>
+              </a:spcBef>
+              <a:buClr>
+                <a:srgbClr val="50B3CF"/>
+              </a:buClr>
+            </a:pPr>
+            <a:endParaRPr lang="en-US" sz="1800" b="0" strike="noStrike" spc="-1" dirty="0">
+              <a:solidFill>
+                <a:srgbClr val="50B3CF"/>
+              </a:solidFill>
+              <a:latin typeface="Arial"/>
+            </a:endParaRPr>
+          </a:p>
+          <a:p>
+            <a:pPr marL="360">
+              <a:lnSpc>
+                <a:spcPct val="100000"/>
+              </a:lnSpc>
+              <a:spcBef>
+                <a:spcPts val="360"/>
+              </a:spcBef>
+              <a:buClr>
+                <a:srgbClr val="50B3CF"/>
+              </a:buClr>
+            </a:pPr>
+            <a:endParaRPr lang="en-US" sz="1800" b="0" strike="noStrike" spc="-1" dirty="0">
+              <a:solidFill>
+                <a:srgbClr val="50B3CF"/>
+              </a:solidFill>
+              <a:latin typeface="Arial"/>
+            </a:endParaRPr>
+          </a:p>
+          <a:p>
+            <a:pPr>
+              <a:lnSpc>
+                <a:spcPct val="100000"/>
+              </a:lnSpc>
+              <a:spcBef>
+                <a:spcPts val="360"/>
+              </a:spcBef>
+            </a:pPr>
+            <a:endParaRPr lang="en-US" sz="1800" b="0" strike="noStrike" spc="-1" dirty="0">
+              <a:solidFill>
+                <a:srgbClr val="50B3CF"/>
+              </a:solidFill>
+              <a:latin typeface="Arial"/>
+            </a:endParaRPr>
+          </a:p>
+        </p:txBody>
+      </p:sp>
+      <p:sp>
+        <p:nvSpPr>
+          <p:cNvPr id="255" name="TextShape 3"/>
+          <p:cNvSpPr txBox="1"/>
+          <p:nvPr/>
+        </p:nvSpPr>
+        <p:spPr>
+          <a:xfrm>
+            <a:off x="114480" y="100080"/>
+            <a:ext cx="8915040" cy="297000"/>
+          </a:xfrm>
+          <a:prstGeom prst="rect">
+            <a:avLst/>
+          </a:prstGeom>
+          <a:noFill/>
+          <a:ln>
+            <a:noFill/>
+          </a:ln>
+        </p:spPr>
+        <p:txBody>
+          <a:bodyPr lIns="0" anchor="ctr"/>
+          <a:lstStyle/>
+          <a:p>
+            <a:pPr>
+              <a:lnSpc>
+                <a:spcPct val="100000"/>
+              </a:lnSpc>
+            </a:pPr>
+            <a:r>
+              <a:rPr lang="en-US" sz="2200" b="0" strike="noStrike" spc="-1">
+                <a:solidFill>
+                  <a:srgbClr val="23D2FF"/>
+                </a:solidFill>
+                <a:latin typeface="Arial"/>
+              </a:rPr>
+              <a:t>Reference &amp; Links</a:t>
+            </a:r>
+            <a:endParaRPr lang="en-US" sz="2200" b="0" strike="noStrike" spc="-1">
+              <a:solidFill>
+                <a:srgbClr val="50B3CF"/>
+              </a:solidFill>
+              <a:latin typeface="Arial"/>
+            </a:endParaRPr>
+          </a:p>
+        </p:txBody>
+      </p:sp>
+    </p:spTree>
+  </p:cSld>
+  <p:clrMapOvr>
+    <a:masterClrMapping/>
+  </p:clrMapOvr>
+</p:sld>
+</file>
+
+<file path=ppt/slides/slide28.xml><?xml version="1.0" encoding="utf-8"?>
+<p:sld xmlns:a="http://schemas.openxmlformats.org/drawingml/2006/main" xmlns:r="http://schemas.openxmlformats.org/officeDocument/2006/relationships" xmlns:p="http://schemas.openxmlformats.org/presentationml/2006/main">
+  <p:cSld>
+    <p:spTree>
+      <p:nvGrpSpPr>
+        <p:cNvPr id="1" name=""/>
+        <p:cNvGrpSpPr/>
+        <p:nvPr/>
+      </p:nvGrpSpPr>
+      <p:grpSpPr>
+        <a:xfrm>
+          <a:off x="0" y="0"/>
+          <a:ext cx="0" cy="0"/>
+          <a:chOff x="0" y="0"/>
+          <a:chExt cx="0" cy="0"/>
+        </a:xfrm>
+      </p:grpSpPr>
+      <p:sp>
+        <p:nvSpPr>
+          <p:cNvPr id="256" name="TextShape 1"/>
+          <p:cNvSpPr txBox="1"/>
+          <p:nvPr/>
+        </p:nvSpPr>
+        <p:spPr>
+          <a:xfrm>
+            <a:off x="0" y="4830840"/>
+            <a:ext cx="456840" cy="342720"/>
+          </a:xfrm>
+          <a:prstGeom prst="rect">
+            <a:avLst/>
+          </a:prstGeom>
+          <a:noFill/>
+          <a:ln>
+            <a:noFill/>
+          </a:ln>
+        </p:spPr>
+        <p:txBody>
+          <a:bodyPr anchor="ctr"/>
+          <a:lstStyle/>
+          <a:p>
+            <a:pPr algn="r">
+              <a:lnSpc>
+                <a:spcPct val="100000"/>
+              </a:lnSpc>
+            </a:pPr>
+            <a:fld id="{E142D481-1E04-41FC-9359-C1CC6138C014}" type="slidenum">
+              <a:rPr lang="en-US" sz="1050" b="1" strike="noStrike" spc="-1">
+                <a:solidFill>
+                  <a:srgbClr val="FFFFFF"/>
+                </a:solidFill>
+                <a:latin typeface="Arial"/>
+              </a:rPr>
+              <a:t>28</a:t>
             </a:fld>
             <a:endParaRPr lang="en-US" sz="1050" b="0" strike="noStrike" spc="-1">
               <a:latin typeface="Times New Roman"/>
@@ -18519,22 +19702,6 @@
           </a:bodyPr>
           <a:lstStyle/>
           <a:p>
-            <a:pPr>
-              <a:lnSpc>
-                <a:spcPct val="100000"/>
-              </a:lnSpc>
-              <a:spcBef>
-                <a:spcPts val="281"/>
-              </a:spcBef>
-            </a:pPr>
-            <a:endParaRPr lang="en-US" sz="3200" b="0" strike="noStrike" spc="-1">
-              <a:solidFill>
-                <a:srgbClr val="50B3CF"/>
-              </a:solidFill>
-              <a:latin typeface="Arial"/>
-            </a:endParaRPr>
-          </a:p>
-          <a:p>
             <a:pPr marL="285840" indent="-285480">
               <a:lnSpc>
                 <a:spcPct val="100000"/>
@@ -18549,15 +19716,24 @@
               <a:buChar char=""/>
             </a:pPr>
             <a:r>
-              <a:rPr lang="en-US" sz="1400" b="0" strike="noStrike" spc="-1">
+              <a:rPr lang="en-US" sz="1400" b="0" strike="noStrike" spc="-1" dirty="0" smtClean="0">
                 <a:solidFill>
                   <a:srgbClr val="141414"/>
                 </a:solidFill>
                 <a:latin typeface="Arial"/>
               </a:rPr>
-              <a:t>Virtual Machines and Containers provide application Isolated Running Environments</a:t>
-            </a:r>
-            <a:endParaRPr lang="en-US" sz="1400" b="0" strike="noStrike" spc="-1">
+              <a:t>Virtual </a:t>
+            </a:r>
+            <a:r>
+              <a:rPr lang="en-US" sz="1400" b="0" strike="noStrike" spc="-1" dirty="0">
+                <a:solidFill>
+                  <a:srgbClr val="141414"/>
+                </a:solidFill>
+                <a:latin typeface="Arial"/>
+              </a:rPr>
+              <a:t>Machines and Containers provide application Isolated Running Environments</a:t>
+            </a:r>
+            <a:endParaRPr lang="en-US" sz="1400" b="0" strike="noStrike" spc="-1" dirty="0">
               <a:solidFill>
                 <a:srgbClr val="50B3CF"/>
               </a:solidFill>
@@ -18573,7 +19749,7 @@
                 <a:spcPts val="281"/>
               </a:spcBef>
             </a:pPr>
-            <a:endParaRPr lang="en-US" sz="1400" b="0" strike="noStrike" spc="-1">
+            <a:endParaRPr lang="en-US" sz="1400" b="0" strike="noStrike" spc="-1" dirty="0">
               <a:solidFill>
                 <a:srgbClr val="50B3CF"/>
               </a:solidFill>
@@ -18589,7 +19765,7 @@
                 <a:spcPts val="281"/>
               </a:spcBef>
             </a:pPr>
-            <a:endParaRPr lang="en-US" sz="1400" b="0" strike="noStrike" spc="-1">
+            <a:endParaRPr lang="en-US" sz="1400" b="0" strike="noStrike" spc="-1" dirty="0">
               <a:solidFill>
                 <a:srgbClr val="50B3CF"/>
               </a:solidFill>
@@ -18605,7 +19781,7 @@
                 <a:spcPts val="281"/>
               </a:spcBef>
             </a:pPr>
-            <a:endParaRPr lang="en-US" sz="1400" b="0" strike="noStrike" spc="-1">
+            <a:endParaRPr lang="en-US" sz="1400" b="0" strike="noStrike" spc="-1" dirty="0">
               <a:solidFill>
                 <a:srgbClr val="50B3CF"/>
               </a:solidFill>
@@ -18621,7 +19797,7 @@
                 <a:spcPts val="281"/>
               </a:spcBef>
             </a:pPr>
-            <a:endParaRPr lang="en-US" sz="1400" b="0" strike="noStrike" spc="-1">
+            <a:endParaRPr lang="en-US" sz="1400" b="0" strike="noStrike" spc="-1" dirty="0">
               <a:solidFill>
                 <a:srgbClr val="50B3CF"/>
               </a:solidFill>
@@ -18637,7 +19813,7 @@
                 <a:spcPts val="281"/>
               </a:spcBef>
             </a:pPr>
-            <a:endParaRPr lang="en-US" sz="1400" b="0" strike="noStrike" spc="-1">
+            <a:endParaRPr lang="en-US" sz="1400" b="0" strike="noStrike" spc="-1" dirty="0">
               <a:solidFill>
                 <a:srgbClr val="50B3CF"/>
               </a:solidFill>
@@ -18653,7 +19829,7 @@
                 <a:spcPts val="281"/>
               </a:spcBef>
             </a:pPr>
-            <a:endParaRPr lang="en-US" sz="1400" b="0" strike="noStrike" spc="-1">
+            <a:endParaRPr lang="en-US" sz="1400" b="0" strike="noStrike" spc="-1" dirty="0">
               <a:solidFill>
                 <a:srgbClr val="50B3CF"/>
               </a:solidFill>
@@ -18669,7 +19845,7 @@
                 <a:spcPts val="281"/>
               </a:spcBef>
             </a:pPr>
-            <a:endParaRPr lang="en-US" sz="1400" b="0" strike="noStrike" spc="-1">
+            <a:endParaRPr lang="en-US" sz="1400" b="0" strike="noStrike" spc="-1" dirty="0">
               <a:solidFill>
                 <a:srgbClr val="50B3CF"/>
               </a:solidFill>
@@ -18685,7 +19861,7 @@
                 <a:spcPts val="281"/>
               </a:spcBef>
             </a:pPr>
-            <a:endParaRPr lang="en-US" sz="1400" b="0" strike="noStrike" spc="-1">
+            <a:endParaRPr lang="en-US" sz="1400" b="0" strike="noStrike" spc="-1" dirty="0">
               <a:solidFill>
                 <a:srgbClr val="50B3CF"/>
               </a:solidFill>
@@ -18701,7 +19877,7 @@
                 <a:spcPts val="281"/>
               </a:spcBef>
             </a:pPr>
-            <a:endParaRPr lang="en-US" sz="1400" b="0" strike="noStrike" spc="-1">
+            <a:endParaRPr lang="en-US" sz="1400" b="0" strike="noStrike" spc="-1" dirty="0">
               <a:solidFill>
                 <a:srgbClr val="50B3CF"/>
               </a:solidFill>
@@ -18717,7 +19893,7 @@
                 <a:spcPts val="281"/>
               </a:spcBef>
             </a:pPr>
-            <a:endParaRPr lang="en-US" sz="1400" b="0" strike="noStrike" spc="-1">
+            <a:endParaRPr lang="en-US" sz="1400" b="0" strike="noStrike" spc="-1" dirty="0">
               <a:solidFill>
                 <a:srgbClr val="50B3CF"/>
               </a:solidFill>
@@ -18733,7 +19909,7 @@
                 <a:spcPts val="281"/>
               </a:spcBef>
             </a:pPr>
-            <a:endParaRPr lang="en-US" sz="1400" b="0" strike="noStrike" spc="-1">
+            <a:endParaRPr lang="en-US" sz="1400" b="0" strike="noStrike" spc="-1" dirty="0">
               <a:solidFill>
                 <a:srgbClr val="50B3CF"/>
               </a:solidFill>
@@ -18749,7 +19925,7 @@
                 <a:spcPts val="281"/>
               </a:spcBef>
             </a:pPr>
-            <a:endParaRPr lang="en-US" sz="1400" b="0" strike="noStrike" spc="-1">
+            <a:endParaRPr lang="en-US" sz="1400" b="0" strike="noStrike" spc="-1" dirty="0">
               <a:solidFill>
                 <a:srgbClr val="50B3CF"/>
               </a:solidFill>
@@ -18770,8 +19946,8 @@
         </p:blipFill>
         <p:spPr>
           <a:xfrm>
-            <a:off x="350640" y="984240"/>
-            <a:ext cx="8442360" cy="3825720"/>
+            <a:off x="287140" y="1104900"/>
+            <a:ext cx="8442360" cy="3476460"/>
           </a:xfrm>
           <a:prstGeom prst="rect">
             <a:avLst/>
@@ -19257,7 +20433,7 @@
               <a:buChar char="•"/>
             </a:pPr>
             <a:r>
-              <a:rPr lang="en-US" sz="1400" b="0" strike="noStrike" spc="-1">
+              <a:rPr lang="en-US" sz="1400" b="0" strike="noStrike" spc="-1" dirty="0">
                 <a:solidFill>
                   <a:srgbClr val="141414"/>
                 </a:solidFill>
@@ -19265,7 +20441,7 @@
               </a:rPr>
               <a:t>Developed in Google and open sourced in 2014</a:t>
             </a:r>
-            <a:endParaRPr lang="en-US" sz="1400" b="0" strike="noStrike" spc="-1">
+            <a:endParaRPr lang="en-US" sz="1400" b="0" strike="noStrike" spc="-1" dirty="0">
               <a:solidFill>
                 <a:srgbClr val="50B3CF"/>
               </a:solidFill>
@@ -19287,7 +20463,7 @@
               <a:buChar char="•"/>
             </a:pPr>
             <a:r>
-              <a:rPr lang="en-US" sz="1400" b="0" u="sng" strike="noStrike" spc="-1">
+              <a:rPr lang="en-US" sz="1400" b="0" u="sng" strike="noStrike" spc="-1" dirty="0">
                 <a:solidFill>
                   <a:srgbClr val="D36522"/>
                 </a:solidFill>
@@ -19298,7 +20474,7 @@
               <a:t>Kubernetes</a:t>
             </a:r>
             <a:r>
-              <a:rPr lang="en-US" sz="1400" b="0" strike="noStrike" spc="-1">
+              <a:rPr lang="en-US" sz="1400" b="0" strike="noStrike" spc="-1" dirty="0">
                 <a:solidFill>
                   <a:srgbClr val="141414"/>
                 </a:solidFill>
@@ -19306,7 +20482,7 @@
               </a:rPr>
               <a:t> is an open-source system for automating deployment, scaling, and management of containerized applications</a:t>
             </a:r>
-            <a:endParaRPr lang="en-US" sz="1400" b="0" strike="noStrike" spc="-1">
+            <a:endParaRPr lang="en-US" sz="1400" b="0" strike="noStrike" spc="-1" dirty="0">
               <a:solidFill>
                 <a:srgbClr val="50B3CF"/>
               </a:solidFill>
@@ -19328,7 +20504,7 @@
               <a:buChar char="•"/>
             </a:pPr>
             <a:r>
-              <a:rPr lang="en-US" sz="1400" b="0" strike="noStrike" spc="-1">
+              <a:rPr lang="en-US" sz="1400" b="0" strike="noStrike" spc="-1" dirty="0">
                 <a:solidFill>
                   <a:srgbClr val="141414"/>
                 </a:solidFill>
@@ -19336,7 +20512,7 @@
               </a:rPr>
               <a:t>Kubernetes exposes the whole data center as a single deployment platform. The system is composed of a master node and any number of worker nodes. </a:t>
             </a:r>
-            <a:endParaRPr lang="en-US" sz="1400" b="0" strike="noStrike" spc="-1">
+            <a:endParaRPr lang="en-US" sz="1400" b="0" strike="noStrike" spc="-1" dirty="0">
               <a:solidFill>
                 <a:srgbClr val="50B3CF"/>
               </a:solidFill>
@@ -19358,7 +20534,7 @@
               <a:buChar char="•"/>
             </a:pPr>
             <a:r>
-              <a:rPr lang="en-US" sz="1400" b="0" strike="noStrike" spc="-1">
+              <a:rPr lang="en-US" sz="1400" b="0" strike="noStrike" spc="-1" dirty="0">
                 <a:solidFill>
                   <a:srgbClr val="141414"/>
                 </a:solidFill>
@@ -19366,7 +20542,7 @@
               </a:rPr>
               <a:t>It abstracts away the underlying infrastructure and, by doing so, simplifies development, deployment, and management for both development and the operations teams. </a:t>
             </a:r>
-            <a:endParaRPr lang="en-US" sz="1400" b="0" strike="noStrike" spc="-1">
+            <a:endParaRPr lang="en-US" sz="1400" b="0" strike="noStrike" spc="-1" dirty="0">
               <a:solidFill>
                 <a:srgbClr val="50B3CF"/>
               </a:solidFill>
@@ -19382,7 +20558,7 @@
                 <a:spcPts val="281"/>
               </a:spcBef>
             </a:pPr>
-            <a:endParaRPr lang="en-US" sz="1400" b="0" strike="noStrike" spc="-1">
+            <a:endParaRPr lang="en-US" sz="1400" b="0" strike="noStrike" spc="-1" dirty="0">
               <a:solidFill>
                 <a:srgbClr val="50B3CF"/>
               </a:solidFill>
@@ -19398,7 +20574,7 @@
                 <a:spcPts val="281"/>
               </a:spcBef>
             </a:pPr>
-            <a:endParaRPr lang="en-US" sz="1400" b="0" strike="noStrike" spc="-1">
+            <a:endParaRPr lang="en-US" sz="1400" b="0" strike="noStrike" spc="-1" dirty="0">
               <a:solidFill>
                 <a:srgbClr val="50B3CF"/>
               </a:solidFill>
@@ -19436,7 +20612,7 @@
               </a:lnSpc>
             </a:pPr>
             <a:r>
-              <a:rPr lang="en-US" sz="2200" b="0" strike="noStrike" spc="-1">
+              <a:rPr lang="en-US" sz="2200" b="0" strike="noStrike" spc="-1" dirty="0">
                 <a:solidFill>
                   <a:srgbClr val="23D2FF"/>
                 </a:solidFill>
@@ -19444,7 +20620,7 @@
               </a:rPr>
               <a:t>Understanding Kubernetes</a:t>
             </a:r>
-            <a:endParaRPr lang="en-US" sz="2200" b="0" strike="noStrike" spc="-1">
+            <a:endParaRPr lang="en-US" sz="2200" b="0" strike="noStrike" spc="-1" dirty="0">
               <a:solidFill>
                 <a:srgbClr val="50B3CF"/>
               </a:solidFill>
@@ -19573,7 +20749,7 @@
               </a:lnSpc>
             </a:pPr>
             <a:r>
-              <a:rPr lang="en-US" sz="2200" b="0" strike="noStrike" spc="-1">
+              <a:rPr lang="en-US" sz="2200" b="0" strike="noStrike" spc="-1" dirty="0">
                 <a:solidFill>
                   <a:srgbClr val="23D2FF"/>
                 </a:solidFill>
@@ -19581,7 +20757,7 @@
               </a:rPr>
               <a:t>Kubernetes Internals</a:t>
             </a:r>
-            <a:endParaRPr lang="en-US" sz="2200" b="0" strike="noStrike" spc="-1">
+            <a:endParaRPr lang="en-US" sz="2200" b="0" strike="noStrike" spc="-1" dirty="0">
               <a:solidFill>
                 <a:srgbClr val="50B3CF"/>
               </a:solidFill>
@@ -19664,7 +20840,7 @@
               <a:buChar char="•"/>
             </a:pPr>
             <a:r>
-              <a:rPr lang="en-US" sz="1400" b="0" strike="noStrike" spc="-1">
+              <a:rPr lang="en-US" sz="1400" b="0" strike="noStrike" spc="-1" dirty="0">
                 <a:solidFill>
                   <a:srgbClr val="141414"/>
                 </a:solidFill>
@@ -19673,7 +20849,7 @@
               <a:t>The Kubernetes </a:t>
             </a:r>
             <a:r>
-              <a:rPr lang="en-US" sz="1400" b="1" strike="noStrike" spc="-1">
+              <a:rPr lang="en-US" sz="1400" b="1" strike="noStrike" spc="-1" dirty="0">
                 <a:solidFill>
                   <a:srgbClr val="141414"/>
                 </a:solidFill>
@@ -19682,7 +20858,7 @@
               <a:t>API Server</a:t>
             </a:r>
             <a:r>
-              <a:rPr lang="en-US" sz="1400" b="0" strike="noStrike" spc="-1">
+              <a:rPr lang="en-US" sz="1400" b="0" strike="noStrike" spc="-1" dirty="0">
                 <a:solidFill>
                   <a:srgbClr val="141414"/>
                 </a:solidFill>
@@ -19690,7 +20866,7 @@
               </a:rPr>
               <a:t>, which we and the other Control Plane components communicate</a:t>
             </a:r>
-            <a:endParaRPr lang="en-US" sz="1400" b="0" strike="noStrike" spc="-1">
+            <a:endParaRPr lang="en-US" sz="1400" b="0" strike="noStrike" spc="-1" dirty="0">
               <a:latin typeface="Arial"/>
             </a:endParaRPr>
           </a:p>
@@ -19709,7 +20885,7 @@
               <a:buChar char="•"/>
             </a:pPr>
             <a:r>
-              <a:rPr lang="en-US" sz="1400" b="0" strike="noStrike" spc="-1">
+              <a:rPr lang="en-US" sz="1400" b="0" strike="noStrike" spc="-1" dirty="0">
                 <a:solidFill>
                   <a:srgbClr val="141414"/>
                 </a:solidFill>
@@ -19717,7 +20893,7 @@
               </a:rPr>
               <a:t>The Scheduler, which schedules your apps (assigns a worker node to each deployable component of your application) </a:t>
             </a:r>
-            <a:endParaRPr lang="en-US" sz="1400" b="0" strike="noStrike" spc="-1">
+            <a:endParaRPr lang="en-US" sz="1400" b="0" strike="noStrike" spc="-1" dirty="0">
               <a:latin typeface="Arial"/>
             </a:endParaRPr>
           </a:p>
@@ -19736,7 +20912,7 @@
               <a:buChar char="•"/>
             </a:pPr>
             <a:r>
-              <a:rPr lang="en-US" sz="1400" b="0" strike="noStrike" spc="-1">
+              <a:rPr lang="en-US" sz="1400" b="0" strike="noStrike" spc="-1" dirty="0">
                 <a:solidFill>
                   <a:srgbClr val="141414"/>
                 </a:solidFill>
@@ -19744,7 +20920,7 @@
               </a:rPr>
               <a:t>The Controller Manager, which performs cluster-level functions, such as replicating components, keeping track of worker nodes, handling node failures, and so on </a:t>
             </a:r>
-            <a:endParaRPr lang="en-US" sz="1400" b="0" strike="noStrike" spc="-1">
+            <a:endParaRPr lang="en-US" sz="1400" b="0" strike="noStrike" spc="-1" dirty="0">
               <a:latin typeface="Arial"/>
             </a:endParaRPr>
           </a:p>
@@ -19763,15 +20939,24 @@
               <a:buChar char="•"/>
             </a:pPr>
             <a:r>
-              <a:rPr lang="en-US" sz="1400" b="0" strike="noStrike" spc="-1">
+              <a:rPr lang="en-US" sz="1400" b="0" strike="noStrike" spc="-1" dirty="0" err="1">
                 <a:solidFill>
                   <a:srgbClr val="141414"/>
                 </a:solidFill>
                 <a:latin typeface="Arial"/>
               </a:rPr>
-              <a:t>etcd, a reliable distributed data store that persistently stores the cluster configuration.</a:t>
-            </a:r>
-            <a:endParaRPr lang="en-US" sz="1400" b="0" strike="noStrike" spc="-1">
+              <a:t>etcd</a:t>
+            </a:r>
+            <a:r>
+              <a:rPr lang="en-US" sz="1400" b="0" strike="noStrike" spc="-1" dirty="0">
+                <a:solidFill>
+                  <a:srgbClr val="141414"/>
+                </a:solidFill>
+                <a:latin typeface="Arial"/>
+              </a:rPr>
+              <a:t>, a reliable distributed data store that persistently stores the cluster configuration.</a:t>
+            </a:r>
+            <a:endParaRPr lang="en-US" sz="1400" b="0" strike="noStrike" spc="-1" dirty="0">
               <a:latin typeface="Arial"/>
             </a:endParaRPr>
           </a:p>
@@ -19790,15 +20975,33 @@
               <a:buChar char="•"/>
             </a:pPr>
             <a:r>
-              <a:rPr lang="en-US" sz="1400" b="0" strike="noStrike" spc="-1">
+              <a:rPr lang="en-US" sz="1400" b="0" strike="noStrike" spc="-1" dirty="0">
                 <a:solidFill>
                   <a:srgbClr val="141414"/>
                 </a:solidFill>
                 <a:latin typeface="Arial"/>
               </a:rPr>
-              <a:t>The Kubelet, which talks to the API server and manages containers on its node </a:t>
-            </a:r>
-            <a:endParaRPr lang="en-US" sz="1400" b="0" strike="noStrike" spc="-1">
+              <a:t>The </a:t>
+            </a:r>
+            <a:r>
+              <a:rPr lang="en-US" sz="1400" b="0" strike="noStrike" spc="-1" dirty="0" err="1">
+                <a:solidFill>
+                  <a:srgbClr val="141414"/>
+                </a:solidFill>
+                <a:latin typeface="Arial"/>
+              </a:rPr>
+              <a:t>Kubelet</a:t>
+            </a:r>
+            <a:r>
+              <a:rPr lang="en-US" sz="1400" b="0" strike="noStrike" spc="-1" dirty="0">
+                <a:solidFill>
+                  <a:srgbClr val="141414"/>
+                </a:solidFill>
+                <a:latin typeface="Arial"/>
+              </a:rPr>
+              <a:t>, which talks to the API server and manages containers on its node </a:t>
+            </a:r>
+            <a:endParaRPr lang="en-US" sz="1400" b="0" strike="noStrike" spc="-1" dirty="0">
               <a:latin typeface="Arial"/>
             </a:endParaRPr>
           </a:p>
@@ -19817,15 +21020,33 @@
               <a:buChar char="•"/>
             </a:pPr>
             <a:r>
-              <a:rPr lang="en-US" sz="1400" b="0" strike="noStrike" spc="-1">
+              <a:rPr lang="en-US" sz="1400" b="0" strike="noStrike" spc="-1" dirty="0">
                 <a:solidFill>
                   <a:srgbClr val="141414"/>
                 </a:solidFill>
                 <a:latin typeface="Arial"/>
               </a:rPr>
-              <a:t>The Kubernetes Service Proxy (kube-proxy), which load-balances network traffic between application components</a:t>
-            </a:r>
-            <a:endParaRPr lang="en-US" sz="1400" b="0" strike="noStrike" spc="-1">
+              <a:t>The Kubernetes Service Proxy (</a:t>
+            </a:r>
+            <a:r>
+              <a:rPr lang="en-US" sz="1400" b="0" strike="noStrike" spc="-1" dirty="0" err="1">
+                <a:solidFill>
+                  <a:srgbClr val="141414"/>
+                </a:solidFill>
+                <a:latin typeface="Arial"/>
+              </a:rPr>
+              <a:t>kube</a:t>
+            </a:r>
+            <a:r>
+              <a:rPr lang="en-US" sz="1400" b="0" strike="noStrike" spc="-1" dirty="0">
+                <a:solidFill>
+                  <a:srgbClr val="141414"/>
+                </a:solidFill>
+                <a:latin typeface="Arial"/>
+              </a:rPr>
+              <a:t>-proxy), which load-balances network traffic between application components</a:t>
+            </a:r>
+            <a:endParaRPr lang="en-US" sz="1400" b="0" strike="noStrike" spc="-1" dirty="0">
               <a:latin typeface="Arial"/>
             </a:endParaRPr>
           </a:p>
@@ -19838,7 +21059,7 @@
                 <a:spcPts val="281"/>
               </a:spcBef>
             </a:pPr>
-            <a:endParaRPr lang="en-US" sz="1400" b="0" strike="noStrike" spc="-1">
+            <a:endParaRPr lang="en-US" sz="1400" b="0" strike="noStrike" spc="-1" dirty="0">
               <a:latin typeface="Arial"/>
             </a:endParaRPr>
           </a:p>
@@ -19851,7 +21072,7 @@
                 <a:spcPts val="281"/>
               </a:spcBef>
             </a:pPr>
-            <a:endParaRPr lang="en-US" sz="1400" b="0" strike="noStrike" spc="-1">
+            <a:endParaRPr lang="en-US" sz="1400" b="0" strike="noStrike" spc="-1" dirty="0">
               <a:latin typeface="Arial"/>
             </a:endParaRPr>
           </a:p>

--- a/docs/Tech Talk - Kubernetes.pptx
+++ b/docs/Tech Talk - Kubernetes.pptx
@@ -8,7 +8,7 @@
     <p:sldMasterId id="2147483687" r:id="rId4"/>
   </p:sldMasterIdLst>
   <p:notesMasterIdLst>
-    <p:notesMasterId r:id="rId33"/>
+    <p:notesMasterId r:id="rId32"/>
   </p:notesMasterIdLst>
   <p:sldIdLst>
     <p:sldId id="256" r:id="rId5"/>
@@ -30,15 +30,14 @@
     <p:sldId id="277" r:id="rId21"/>
     <p:sldId id="269" r:id="rId22"/>
     <p:sldId id="281" r:id="rId23"/>
-    <p:sldId id="280" r:id="rId24"/>
-    <p:sldId id="282" r:id="rId25"/>
-    <p:sldId id="270" r:id="rId26"/>
-    <p:sldId id="271" r:id="rId27"/>
-    <p:sldId id="272" r:id="rId28"/>
-    <p:sldId id="273" r:id="rId29"/>
-    <p:sldId id="274" r:id="rId30"/>
-    <p:sldId id="275" r:id="rId31"/>
-    <p:sldId id="276" r:id="rId32"/>
+    <p:sldId id="282" r:id="rId24"/>
+    <p:sldId id="270" r:id="rId25"/>
+    <p:sldId id="271" r:id="rId26"/>
+    <p:sldId id="272" r:id="rId27"/>
+    <p:sldId id="273" r:id="rId28"/>
+    <p:sldId id="274" r:id="rId29"/>
+    <p:sldId id="275" r:id="rId30"/>
+    <p:sldId id="276" r:id="rId31"/>
   </p:sldIdLst>
   <p:sldSz cx="9144000" cy="5143500" type="screen16x9"/>
   <p:notesSz cx="6858000" cy="9144000"/>
@@ -14798,13 +14797,13 @@
               <a:t>Kubernetes Deploying First Application </a:t>
             </a:r>
             <a:r>
-              <a:rPr lang="en-US" sz="2200" b="0" strike="noStrike" spc="-1" dirty="0" err="1">
+              <a:rPr lang="en-US" sz="2200" b="0" strike="noStrike" spc="-1" dirty="0" smtClean="0">
                 <a:solidFill>
                   <a:srgbClr val="23D2FF"/>
                 </a:solidFill>
                 <a:latin typeface="Arial"/>
               </a:rPr>
-              <a:t>Contd</a:t>
+              <a:t>Contd.</a:t>
             </a:r>
             <a:endParaRPr lang="en-US" sz="2200" b="0" strike="noStrike" spc="-1" dirty="0">
               <a:solidFill>
@@ -14872,7 +14871,25 @@
                 </a:solidFill>
                 <a:latin typeface="Arial"/>
               </a:rPr>
-              <a:t>Validate the PODS and the Internal Cluster IP</a:t>
+              <a:t>Validate the </a:t>
+            </a:r>
+            <a:r>
+              <a:rPr lang="en-US" sz="1400" spc="-1" dirty="0" smtClean="0">
+                <a:solidFill>
+                  <a:srgbClr val="141414"/>
+                </a:solidFill>
+                <a:latin typeface="Arial"/>
+              </a:rPr>
+              <a:t>Pods and </a:t>
+            </a:r>
+            <a:r>
+              <a:rPr lang="en-US" sz="1400" spc="-1" dirty="0" smtClean="0">
+                <a:solidFill>
+                  <a:srgbClr val="141414"/>
+                </a:solidFill>
+                <a:latin typeface="Arial"/>
+              </a:rPr>
+              <a:t>the Internal Cluster IP</a:t>
             </a:r>
           </a:p>
           <a:p>
@@ -14970,7 +14987,7 @@
       </p:sp>
       <p:pic>
         <p:nvPicPr>
-          <p:cNvPr id="2" name="Picture 1"/>
+          <p:cNvPr id="3" name="Picture 2"/>
           <p:cNvPicPr>
             <a:picLocks noChangeAspect="1"/>
           </p:cNvPicPr>
@@ -14984,8 +15001,32 @@
         </p:blipFill>
         <p:spPr>
           <a:xfrm>
-            <a:off x="0" y="1004409"/>
-            <a:ext cx="9144000" cy="1525338"/>
+            <a:off x="0" y="2209800"/>
+            <a:ext cx="9144000" cy="2933700"/>
+          </a:xfrm>
+          <a:prstGeom prst="rect">
+            <a:avLst/>
+          </a:prstGeom>
+        </p:spPr>
+      </p:pic>
+      <p:pic>
+        <p:nvPicPr>
+          <p:cNvPr id="4" name="Picture 3"/>
+          <p:cNvPicPr>
+            <a:picLocks noChangeAspect="1"/>
+          </p:cNvPicPr>
+          <p:nvPr/>
+        </p:nvPicPr>
+        <p:blipFill>
+          <a:blip r:embed="rId3"/>
+          <a:stretch>
+            <a:fillRect/>
+          </a:stretch>
+        </p:blipFill>
+        <p:spPr>
+          <a:xfrm>
+            <a:off x="152400" y="939800"/>
+            <a:ext cx="8877300" cy="715347"/>
           </a:xfrm>
           <a:prstGeom prst="rect">
             <a:avLst/>
@@ -15553,7 +15594,7 @@
         </p:nvSpPr>
         <p:spPr>
           <a:xfrm>
-            <a:off x="114480" y="100080"/>
+            <a:off x="114480" y="102960"/>
             <a:ext cx="8915040" cy="297000"/>
           </a:xfrm>
           <a:prstGeom prst="rect">
@@ -15580,16 +15621,16 @@
                 </a:solidFill>
                 <a:latin typeface="Arial"/>
               </a:rPr>
-              <a:t>Kubernetes Deploying First Application </a:t>
-            </a:r>
-            <a:r>
-              <a:rPr lang="en-US" sz="2200" b="0" strike="noStrike" spc="-1" dirty="0" err="1">
+              <a:t>Kubernetes </a:t>
+            </a:r>
+            <a:r>
+              <a:rPr lang="en-US" sz="2200" b="0" strike="noStrike" spc="-1" dirty="0" smtClean="0">
                 <a:solidFill>
                   <a:srgbClr val="23D2FF"/>
                 </a:solidFill>
                 <a:latin typeface="Arial"/>
               </a:rPr>
-              <a:t>Contd</a:t>
+              <a:t>Scaling up Deployment</a:t>
             </a:r>
             <a:endParaRPr lang="en-US" sz="2200" b="0" strike="noStrike" spc="-1" dirty="0">
               <a:solidFill>
@@ -15651,14 +15692,114 @@
               <a:buChar char="•"/>
             </a:pPr>
             <a:r>
-              <a:rPr lang="en-US" sz="1400" b="0" strike="noStrike" spc="-1" dirty="0" smtClean="0">
+              <a:rPr lang="en-US" sz="1400" spc="-1" dirty="0" smtClean="0">
                 <a:solidFill>
                   <a:srgbClr val="141414"/>
                 </a:solidFill>
                 <a:latin typeface="Arial"/>
               </a:rPr>
-              <a:t>Dashboard Reflecting status of Pods</a:t>
-            </a:r>
+              <a:t>Increase Replica from 3 to 5</a:t>
+            </a:r>
+          </a:p>
+          <a:p>
+            <a:pPr marL="360" algn="just">
+              <a:lnSpc>
+                <a:spcPct val="100000"/>
+              </a:lnSpc>
+              <a:spcBef>
+                <a:spcPts val="281"/>
+              </a:spcBef>
+              <a:buClr>
+                <a:srgbClr val="141414"/>
+              </a:buClr>
+            </a:pPr>
+            <a:endParaRPr lang="en-US" sz="1400" spc="-1" dirty="0" smtClean="0">
+              <a:solidFill>
+                <a:srgbClr val="141414"/>
+              </a:solidFill>
+              <a:latin typeface="Arial"/>
+            </a:endParaRPr>
+          </a:p>
+          <a:p>
+            <a:pPr marL="457560" lvl="1" algn="just">
+              <a:spcBef>
+                <a:spcPts val="281"/>
+              </a:spcBef>
+              <a:buClr>
+                <a:srgbClr val="141414"/>
+              </a:buClr>
+            </a:pPr>
+            <a:r>
+              <a:rPr lang="en-US" sz="1400" dirty="0" err="1"/>
+              <a:t>kubectl</a:t>
+            </a:r>
+            <a:r>
+              <a:rPr lang="en-US" sz="1400" dirty="0"/>
+              <a:t> scale deployment spboot-v1 --replicas=5</a:t>
+            </a:r>
+            <a:endParaRPr lang="en-US" sz="1400" spc="-1" dirty="0">
+              <a:solidFill>
+                <a:srgbClr val="141414"/>
+              </a:solidFill>
+              <a:latin typeface="Arial"/>
+            </a:endParaRPr>
+          </a:p>
+          <a:p>
+            <a:pPr marL="285840" indent="-285480" algn="just">
+              <a:lnSpc>
+                <a:spcPct val="100000"/>
+              </a:lnSpc>
+              <a:spcBef>
+                <a:spcPts val="281"/>
+              </a:spcBef>
+              <a:buClr>
+                <a:srgbClr val="141414"/>
+              </a:buClr>
+              <a:buFont typeface="Arial"/>
+              <a:buChar char="•"/>
+            </a:pPr>
+            <a:endParaRPr lang="en-US" sz="1400" spc="-1" dirty="0" smtClean="0">
+              <a:solidFill>
+                <a:srgbClr val="141414"/>
+              </a:solidFill>
+              <a:latin typeface="Arial"/>
+            </a:endParaRPr>
+          </a:p>
+          <a:p>
+            <a:pPr marL="285840" indent="-285480" algn="just">
+              <a:lnSpc>
+                <a:spcPct val="100000"/>
+              </a:lnSpc>
+              <a:spcBef>
+                <a:spcPts val="281"/>
+              </a:spcBef>
+              <a:buClr>
+                <a:srgbClr val="141414"/>
+              </a:buClr>
+              <a:buFont typeface="Arial"/>
+              <a:buChar char="•"/>
+            </a:pPr>
+            <a:endParaRPr lang="en-US" sz="1400" b="0" strike="noStrike" spc="-1" dirty="0">
+              <a:solidFill>
+                <a:srgbClr val="141414"/>
+              </a:solidFill>
+              <a:latin typeface="Arial"/>
+            </a:endParaRPr>
+          </a:p>
+          <a:p>
+            <a:pPr marL="285840" indent="-285480" algn="just">
+              <a:lnSpc>
+                <a:spcPct val="100000"/>
+              </a:lnSpc>
+              <a:spcBef>
+                <a:spcPts val="281"/>
+              </a:spcBef>
+              <a:buClr>
+                <a:srgbClr val="141414"/>
+              </a:buClr>
+              <a:buFont typeface="Arial"/>
+              <a:buChar char="•"/>
+            </a:pPr>
             <a:endParaRPr lang="en-US" sz="1400" b="0" strike="noStrike" spc="-1" dirty="0">
               <a:latin typeface="Arial"/>
             </a:endParaRPr>
@@ -15733,8 +15874,8 @@
         </p:blipFill>
         <p:spPr>
           <a:xfrm>
-            <a:off x="0" y="823863"/>
-            <a:ext cx="9144000" cy="3574075"/>
+            <a:off x="0" y="1397000"/>
+            <a:ext cx="9144000" cy="1240198"/>
           </a:xfrm>
           <a:prstGeom prst="rect">
             <a:avLst/>
@@ -15744,7 +15885,7 @@
     </p:spTree>
     <p:extLst>
       <p:ext uri="{BB962C8B-B14F-4D97-AF65-F5344CB8AC3E}">
-        <p14:creationId xmlns:p14="http://schemas.microsoft.com/office/powerpoint/2010/main" val="1119286947"/>
+        <p14:creationId xmlns:p14="http://schemas.microsoft.com/office/powerpoint/2010/main" val="3888819319"/>
       </p:ext>
     </p:extLst>
   </p:cSld>
@@ -15780,7 +15921,7 @@
       </p:grpSpPr>
       <p:sp>
         <p:nvSpPr>
-          <p:cNvPr id="231" name="TextShape 1"/>
+          <p:cNvPr id="235" name="TextShape 1"/>
           <p:cNvSpPr txBox="1"/>
           <p:nvPr/>
         </p:nvSpPr>
@@ -15806,7 +15947,7 @@
                 <a:spcPct val="100000"/>
               </a:lnSpc>
             </a:pPr>
-            <a:fld id="{7A13DADD-3EB9-489F-AC67-712445F46DC3}" type="slidenum">
+            <a:fld id="{ADC29B24-62E0-4078-B1CF-65B27D6573BF}" type="slidenum">
               <a:rPr lang="en-US" sz="1050" b="1" strike="noStrike" spc="-1">
                 <a:solidFill>
                   <a:srgbClr val="FFFFFF"/>
@@ -15823,13 +15964,13 @@
       </p:sp>
       <p:sp>
         <p:nvSpPr>
-          <p:cNvPr id="232" name="TextShape 2"/>
+          <p:cNvPr id="236" name="TextShape 2"/>
           <p:cNvSpPr txBox="1"/>
           <p:nvPr/>
         </p:nvSpPr>
         <p:spPr>
           <a:xfrm>
-            <a:off x="114480" y="102960"/>
+            <a:off x="114480" y="100080"/>
             <a:ext cx="8915040" cy="297000"/>
           </a:xfrm>
           <a:prstGeom prst="rect">
@@ -15856,16 +15997,7 @@
                 </a:solidFill>
                 <a:latin typeface="Arial"/>
               </a:rPr>
-              <a:t>Kubernetes </a:t>
-            </a:r>
-            <a:r>
-              <a:rPr lang="en-US" sz="2200" b="0" strike="noStrike" spc="-1" dirty="0" smtClean="0">
-                <a:solidFill>
-                  <a:srgbClr val="23D2FF"/>
-                </a:solidFill>
-                <a:latin typeface="Arial"/>
-              </a:rPr>
-              <a:t>Scaling up Deployment</a:t>
+              <a:t>Kubernetes Volumes </a:t>
             </a:r>
             <a:endParaRPr lang="en-US" sz="2200" b="0" strike="noStrike" spc="-1" dirty="0">
               <a:solidFill>
@@ -15878,13 +16010,13 @@
       </p:sp>
       <p:sp>
         <p:nvSpPr>
-          <p:cNvPr id="233" name="CustomShape 3"/>
+          <p:cNvPr id="237" name="CustomShape 3"/>
           <p:cNvSpPr/>
           <p:nvPr/>
         </p:nvSpPr>
         <p:spPr>
           <a:xfrm>
-            <a:off x="0" y="478440"/>
+            <a:off x="44640" y="541800"/>
             <a:ext cx="8915040" cy="4264920"/>
           </a:xfrm>
           <a:prstGeom prst="rect">
@@ -15914,104 +16046,182 @@
           <a:lstStyle/>
           <a:p>
             <a:pPr marL="285840" indent="-285480" algn="just">
-              <a:lnSpc>
-                <a:spcPct val="100000"/>
-              </a:lnSpc>
               <a:spcBef>
                 <a:spcPts val="281"/>
               </a:spcBef>
               <a:buClr>
                 <a:srgbClr val="141414"/>
               </a:buClr>
-              <a:buFont typeface="Arial"/>
-              <a:buChar char="•"/>
-            </a:pPr>
-            <a:r>
-              <a:rPr lang="en-US" sz="1400" spc="-1" dirty="0" smtClean="0">
+              <a:buSzPct val="45000"/>
+              <a:buFont typeface="Symbol" charset="2"/>
+              <a:buChar char=""/>
+            </a:pPr>
+            <a:r>
+              <a:rPr lang="en-US" sz="1400" b="0" strike="noStrike" spc="-1" dirty="0">
                 <a:solidFill>
                   <a:srgbClr val="141414"/>
                 </a:solidFill>
                 <a:latin typeface="Arial"/>
+                <a:ea typeface="Noto Sans CJK SC Regular"/>
               </a:rPr>
-              <a:t>Increase Replica from 3 to 5</a:t>
-            </a:r>
+              <a:t>Kubernetes volumes are a component of a pod and are thus defined in the pod’s specification—much like containers. </a:t>
+            </a:r>
+            <a:endParaRPr lang="en-US" sz="1400" b="0" strike="noStrike" spc="-1" dirty="0">
+              <a:latin typeface="Arial"/>
+            </a:endParaRPr>
           </a:p>
           <a:p>
             <a:pPr marL="285840" indent="-285480" algn="just">
-              <a:lnSpc>
-                <a:spcPct val="100000"/>
-              </a:lnSpc>
               <a:spcBef>
                 <a:spcPts val="281"/>
               </a:spcBef>
               <a:buClr>
                 <a:srgbClr val="141414"/>
               </a:buClr>
-              <a:buFont typeface="Arial"/>
-              <a:buChar char="•"/>
-            </a:pPr>
-            <a:endParaRPr lang="en-US" sz="1400" spc="-1" dirty="0">
-              <a:solidFill>
-                <a:srgbClr val="141414"/>
-              </a:solidFill>
+              <a:buSzPct val="45000"/>
+              <a:buFont typeface="Symbol" charset="2"/>
+              <a:buChar char=""/>
+            </a:pPr>
+            <a:r>
+              <a:rPr lang="en-US" sz="1400" b="0" strike="noStrike" spc="-1" dirty="0">
+                <a:solidFill>
+                  <a:srgbClr val="141414"/>
+                </a:solidFill>
+                <a:latin typeface="Arial"/>
+              </a:rPr>
+              <a:t>A volume is available to all containers in the pod, but it must be mounted in each container that needs to access it.</a:t>
+            </a:r>
+            <a:endParaRPr lang="en-US" sz="1400" b="0" strike="noStrike" spc="-1" dirty="0">
               <a:latin typeface="Arial"/>
             </a:endParaRPr>
           </a:p>
           <a:p>
             <a:pPr marL="285840" indent="-285480" algn="just">
-              <a:lnSpc>
-                <a:spcPct val="100000"/>
-              </a:lnSpc>
               <a:spcBef>
                 <a:spcPts val="281"/>
               </a:spcBef>
               <a:buClr>
                 <a:srgbClr val="141414"/>
               </a:buClr>
-              <a:buFont typeface="Arial"/>
-              <a:buChar char="•"/>
-            </a:pPr>
-            <a:endParaRPr lang="en-US" sz="1400" spc="-1" dirty="0" smtClean="0">
-              <a:solidFill>
-                <a:srgbClr val="141414"/>
-              </a:solidFill>
+              <a:buSzPct val="45000"/>
+              <a:buFont typeface="Symbol" charset="2"/>
+              <a:buChar char=""/>
+            </a:pPr>
+            <a:r>
+              <a:rPr lang="en-US" sz="1400" b="0" strike="noStrike" spc="-1" dirty="0">
+                <a:solidFill>
+                  <a:srgbClr val="141414"/>
+                </a:solidFill>
+                <a:latin typeface="Arial"/>
+              </a:rPr>
+              <a:t>A </a:t>
+            </a:r>
+            <a:r>
+              <a:rPr lang="en-US" sz="1400" b="0" strike="noStrike" spc="-1" dirty="0" err="1">
+                <a:solidFill>
+                  <a:srgbClr val="141414"/>
+                </a:solidFill>
+                <a:latin typeface="Arial"/>
+              </a:rPr>
+              <a:t>hostPath</a:t>
+            </a:r>
+            <a:r>
+              <a:rPr lang="en-US" sz="1400" b="0" strike="noStrike" spc="-1" dirty="0">
+                <a:solidFill>
+                  <a:srgbClr val="141414"/>
+                </a:solidFill>
+                <a:latin typeface="Arial"/>
+              </a:rPr>
+              <a:t> volume points to a specific file or directory on the node’s file system</a:t>
+            </a:r>
+            <a:endParaRPr lang="en-US" sz="1400" b="0" strike="noStrike" spc="-1" dirty="0">
               <a:latin typeface="Arial"/>
             </a:endParaRPr>
           </a:p>
           <a:p>
             <a:pPr marL="285840" indent="-285480" algn="just">
-              <a:lnSpc>
-                <a:spcPct val="100000"/>
-              </a:lnSpc>
               <a:spcBef>
                 <a:spcPts val="281"/>
               </a:spcBef>
               <a:buClr>
                 <a:srgbClr val="141414"/>
               </a:buClr>
-              <a:buFont typeface="Arial"/>
-              <a:buChar char="•"/>
-            </a:pPr>
+              <a:buSzPct val="45000"/>
+              <a:buFont typeface="Symbol" charset="2"/>
+              <a:buChar char=""/>
+            </a:pPr>
+            <a:r>
+              <a:rPr lang="en-US" sz="1400" b="0" strike="noStrike" spc="-1" dirty="0">
+                <a:solidFill>
+                  <a:srgbClr val="141414"/>
+                </a:solidFill>
+                <a:latin typeface="Arial"/>
+              </a:rPr>
+              <a:t>Pods running on the same node and using the same path in their host - Path volume see the same files</a:t>
+            </a:r>
             <a:endParaRPr lang="en-US" sz="1400" b="0" strike="noStrike" spc="-1" dirty="0">
-              <a:solidFill>
-                <a:srgbClr val="141414"/>
-              </a:solidFill>
               <a:latin typeface="Arial"/>
             </a:endParaRPr>
           </a:p>
           <a:p>
             <a:pPr marL="285840" indent="-285480" algn="just">
-              <a:lnSpc>
-                <a:spcPct val="100000"/>
-              </a:lnSpc>
               <a:spcBef>
                 <a:spcPts val="281"/>
               </a:spcBef>
               <a:buClr>
                 <a:srgbClr val="141414"/>
               </a:buClr>
-              <a:buFont typeface="Arial"/>
-              <a:buChar char="•"/>
+              <a:buSzPct val="45000"/>
+              <a:buFont typeface="Symbol" charset="2"/>
+              <a:buChar char=""/>
+            </a:pPr>
+            <a:endParaRPr lang="en-US" sz="1400" b="0" strike="noStrike" spc="-1" dirty="0">
+              <a:latin typeface="Arial"/>
+            </a:endParaRPr>
+          </a:p>
+          <a:p>
+            <a:pPr marL="285840" indent="-285480" algn="just">
+              <a:spcBef>
+                <a:spcPts val="281"/>
+              </a:spcBef>
+              <a:buClr>
+                <a:srgbClr val="141414"/>
+              </a:buClr>
+              <a:buSzPct val="45000"/>
+              <a:buFont typeface="Symbol" charset="2"/>
+              <a:buChar char=""/>
+            </a:pPr>
+            <a:endParaRPr lang="en-US" sz="1400" b="0" strike="noStrike" spc="-1" dirty="0">
+              <a:latin typeface="Arial"/>
+            </a:endParaRPr>
+          </a:p>
+          <a:p>
+            <a:pPr algn="just">
+              <a:spcBef>
+                <a:spcPts val="281"/>
+              </a:spcBef>
+            </a:pPr>
+            <a:r>
+              <a:rPr lang="en-US" sz="1400" b="0" strike="noStrike" spc="-1" dirty="0">
+                <a:solidFill>
+                  <a:srgbClr val="141414"/>
+                </a:solidFill>
+                <a:latin typeface="Arial"/>
+              </a:rPr>
+              <a:t>	</a:t>
+            </a:r>
+            <a:endParaRPr lang="en-US" sz="1400" b="0" strike="noStrike" spc="-1" dirty="0">
+              <a:latin typeface="Arial"/>
+            </a:endParaRPr>
+          </a:p>
+          <a:p>
+            <a:pPr algn="just">
+              <a:lnSpc>
+                <a:spcPct val="100000"/>
+              </a:lnSpc>
+              <a:spcBef>
+                <a:spcPts val="281"/>
+              </a:spcBef>
             </a:pPr>
             <a:endParaRPr lang="en-US" sz="1400" b="0" strike="noStrike" spc="-1" dirty="0">
               <a:latin typeface="Arial"/>
@@ -16073,127 +16283,28 @@
       </p:sp>
       <p:pic>
         <p:nvPicPr>
-          <p:cNvPr id="3" name="Picture 2"/>
-          <p:cNvPicPr>
-            <a:picLocks noChangeAspect="1"/>
-          </p:cNvPicPr>
+          <p:cNvPr id="238" name="Picture 237"/>
+          <p:cNvPicPr/>
           <p:nvPr/>
         </p:nvPicPr>
         <p:blipFill>
           <a:blip r:embed="rId2"/>
-          <a:stretch>
-            <a:fillRect/>
-          </a:stretch>
+          <a:stretch/>
         </p:blipFill>
         <p:spPr>
           <a:xfrm>
-            <a:off x="0" y="969395"/>
-            <a:ext cx="9144000" cy="3204710"/>
-          </a:xfrm>
-          <a:prstGeom prst="rect">
-            <a:avLst/>
-          </a:prstGeom>
+            <a:off x="711000" y="2011680"/>
+            <a:ext cx="7152840" cy="2733480"/>
+          </a:xfrm>
+          <a:prstGeom prst="rect">
+            <a:avLst/>
+          </a:prstGeom>
+          <a:ln>
+            <a:noFill/>
+          </a:ln>
         </p:spPr>
       </p:pic>
-      <p:cxnSp>
-        <p:nvCxnSpPr>
-          <p:cNvPr id="5" name="Straight Connector 4"/>
-          <p:cNvCxnSpPr/>
-          <p:nvPr/>
-        </p:nvCxnSpPr>
-        <p:spPr>
-          <a:xfrm>
-            <a:off x="3942893" y="1748333"/>
-            <a:ext cx="2538374" cy="2619547"/>
-          </a:xfrm>
-          <a:prstGeom prst="line">
-            <a:avLst/>
-          </a:prstGeom>
-        </p:spPr>
-        <p:style>
-          <a:lnRef idx="1">
-            <a:schemeClr val="accent1"/>
-          </a:lnRef>
-          <a:fillRef idx="0">
-            <a:schemeClr val="accent1"/>
-          </a:fillRef>
-          <a:effectRef idx="0">
-            <a:schemeClr val="accent1"/>
-          </a:effectRef>
-          <a:fontRef idx="minor">
-            <a:schemeClr val="tx1"/>
-          </a:fontRef>
-        </p:style>
-      </p:cxnSp>
-      <p:sp>
-        <p:nvSpPr>
-          <p:cNvPr id="6" name="TextBox 5"/>
-          <p:cNvSpPr txBox="1"/>
-          <p:nvPr/>
-        </p:nvSpPr>
-        <p:spPr>
-          <a:xfrm>
-            <a:off x="6547104" y="4308901"/>
-            <a:ext cx="2194560" cy="369332"/>
-          </a:xfrm>
-          <a:prstGeom prst="rect">
-            <a:avLst/>
-          </a:prstGeom>
-          <a:noFill/>
-        </p:spPr>
-        <p:txBody>
-          <a:bodyPr wrap="square" rtlCol="0">
-            <a:spAutoFit/>
-          </a:bodyPr>
-          <a:lstStyle/>
-          <a:p>
-            <a:r>
-              <a:rPr lang="en-US" dirty="0" smtClean="0"/>
-              <a:t>Creating new pods</a:t>
-            </a:r>
-            <a:endParaRPr lang="en-US" dirty="0"/>
-          </a:p>
-        </p:txBody>
-      </p:sp>
-      <p:cxnSp>
-        <p:nvCxnSpPr>
-          <p:cNvPr id="8" name="Straight Arrow Connector 7"/>
-          <p:cNvCxnSpPr/>
-          <p:nvPr/>
-        </p:nvCxnSpPr>
-        <p:spPr>
-          <a:xfrm>
-            <a:off x="3877056" y="2296973"/>
-            <a:ext cx="2604211" cy="2070907"/>
-          </a:xfrm>
-          <a:prstGeom prst="straightConnector1">
-            <a:avLst/>
-          </a:prstGeom>
-          <a:ln>
-            <a:tailEnd type="triangle"/>
-          </a:ln>
-        </p:spPr>
-        <p:style>
-          <a:lnRef idx="1">
-            <a:schemeClr val="accent1"/>
-          </a:lnRef>
-          <a:fillRef idx="0">
-            <a:schemeClr val="accent1"/>
-          </a:fillRef>
-          <a:effectRef idx="0">
-            <a:schemeClr val="accent1"/>
-          </a:effectRef>
-          <a:fontRef idx="minor">
-            <a:schemeClr val="tx1"/>
-          </a:fontRef>
-        </p:style>
-      </p:cxnSp>
     </p:spTree>
-    <p:extLst>
-      <p:ext uri="{BB962C8B-B14F-4D97-AF65-F5344CB8AC3E}">
-        <p14:creationId xmlns:p14="http://schemas.microsoft.com/office/powerpoint/2010/main" val="3888819319"/>
-      </p:ext>
-    </p:extLst>
   </p:cSld>
   <p:clrMapOvr>
     <a:masterClrMapping/>
@@ -16227,7 +16338,7 @@
       </p:grpSpPr>
       <p:sp>
         <p:nvSpPr>
-          <p:cNvPr id="235" name="TextShape 1"/>
+          <p:cNvPr id="239" name="TextShape 1"/>
           <p:cNvSpPr txBox="1"/>
           <p:nvPr/>
         </p:nvSpPr>
@@ -16253,7 +16364,7 @@
                 <a:spcPct val="100000"/>
               </a:lnSpc>
             </a:pPr>
-            <a:fld id="{ADC29B24-62E0-4078-B1CF-65B27D6573BF}" type="slidenum">
+            <a:fld id="{F24E0619-CAAA-445B-9D78-0A8F29A6C0F3}" type="slidenum">
               <a:rPr lang="en-US" sz="1050" b="1" strike="noStrike" spc="-1">
                 <a:solidFill>
                   <a:srgbClr val="FFFFFF"/>
@@ -16270,7 +16381,7 @@
       </p:sp>
       <p:sp>
         <p:nvSpPr>
-          <p:cNvPr id="236" name="TextShape 2"/>
+          <p:cNvPr id="240" name="TextShape 2"/>
           <p:cNvSpPr txBox="1"/>
           <p:nvPr/>
         </p:nvSpPr>
@@ -16303,7 +16414,7 @@
                 </a:solidFill>
                 <a:latin typeface="Arial"/>
               </a:rPr>
-              <a:t>Kubernetes Volumes </a:t>
+              <a:t>Kubernetes Logging </a:t>
             </a:r>
             <a:endParaRPr lang="en-US" sz="2200" b="0" strike="noStrike" spc="-1" dirty="0">
               <a:solidFill>
@@ -16316,7 +16427,7 @@
       </p:sp>
       <p:sp>
         <p:nvSpPr>
-          <p:cNvPr id="237" name="CustomShape 3"/>
+          <p:cNvPr id="241" name="CustomShape 3"/>
           <p:cNvSpPr/>
           <p:nvPr/>
         </p:nvSpPr>
@@ -16368,9 +16479,8 @@
                   <a:srgbClr val="141414"/>
                 </a:solidFill>
                 <a:latin typeface="Arial"/>
-                <a:ea typeface="Noto Sans CJK SC Regular"/>
               </a:rPr>
-              <a:t>Kubernetes volumes are a component of a pod and are thus defined in the pod’s specification—much like containers. </a:t>
+              <a:t>Application and systems logs can help you understand what is happening inside your cluster</a:t>
             </a:r>
             <a:endParaRPr lang="en-US" sz="1400" b="0" strike="noStrike" spc="-1" dirty="0">
               <a:latin typeface="Arial"/>
@@ -16395,7 +16505,7 @@
                 </a:solidFill>
                 <a:latin typeface="Arial"/>
               </a:rPr>
-              <a:t>A volume is available to all containers in the pod, but it must be mounted in each container that needs to access it.</a:t>
+              <a:t>The native functionality provided by a container engine or run time is usually not enough for a complete logging solution</a:t>
             </a:r>
             <a:endParaRPr lang="en-US" sz="1400" b="0" strike="noStrike" spc="-1" dirty="0">
               <a:latin typeface="Arial"/>
@@ -16414,22 +16524,22 @@
               <a:buChar char=""/>
             </a:pPr>
             <a:r>
-              <a:rPr lang="en-US" sz="1400" b="0" strike="noStrike" spc="-1" dirty="0">
+              <a:rPr lang="en-US" sz="1400" spc="-1" dirty="0">
                 <a:solidFill>
                   <a:srgbClr val="141414"/>
                 </a:solidFill>
                 <a:latin typeface="Arial"/>
               </a:rPr>
-              <a:t>A </a:t>
-            </a:r>
-            <a:r>
-              <a:rPr lang="en-US" sz="1400" b="0" strike="noStrike" spc="-1" dirty="0" err="1">
+              <a:t>I</a:t>
+            </a:r>
+            <a:r>
+              <a:rPr lang="en-US" sz="1400" b="0" strike="noStrike" spc="-1" dirty="0" smtClean="0">
                 <a:solidFill>
                   <a:srgbClr val="141414"/>
                 </a:solidFill>
                 <a:latin typeface="Arial"/>
               </a:rPr>
-              <a:t>hostPath</a:t>
+              <a:t>f </a:t>
             </a:r>
             <a:r>
               <a:rPr lang="en-US" sz="1400" b="0" strike="noStrike" spc="-1" dirty="0">
@@ -16438,7 +16548,7 @@
                 </a:solidFill>
                 <a:latin typeface="Arial"/>
               </a:rPr>
-              <a:t> volume points to a specific file or directory on the node’s file system</a:t>
+              <a:t>a container crashes, a pod is evicted, or a node dies, We still want to access your application’s logs. </a:t>
             </a:r>
             <a:endParaRPr lang="en-US" sz="1400" b="0" strike="noStrike" spc="-1" dirty="0">
               <a:latin typeface="Arial"/>
@@ -16463,7 +16573,7 @@
                 </a:solidFill>
                 <a:latin typeface="Arial"/>
               </a:rPr>
-              <a:t>Pods running on the same node and using the same path in their host - Path volume see the same files</a:t>
+              <a:t>As such, logs should have a separate storage and life cycle independent of nodes, pods, or containers</a:t>
             </a:r>
             <a:endParaRPr lang="en-US" sz="1400" b="0" strike="noStrike" spc="-1" dirty="0">
               <a:latin typeface="Arial"/>
@@ -16481,6 +16591,15 @@
               <a:buFont typeface="Symbol" charset="2"/>
               <a:buChar char=""/>
             </a:pPr>
+            <a:r>
+              <a:rPr lang="en-US" sz="1400" b="0" strike="noStrike" spc="-1" dirty="0">
+                <a:solidFill>
+                  <a:srgbClr val="141414"/>
+                </a:solidFill>
+                <a:latin typeface="Arial"/>
+              </a:rPr>
+              <a:t>Kubernetes provides no native storage solution for log data, but we can integrate many existing logging solutions into your Kubernetes cluster.</a:t>
+            </a:r>
             <a:endParaRPr lang="en-US" sz="1400" b="0" strike="noStrike" spc="-1" dirty="0">
               <a:latin typeface="Arial"/>
             </a:endParaRPr>
@@ -16502,6 +16621,54 @@
             </a:endParaRPr>
           </a:p>
           <a:p>
+            <a:pPr marL="285840" indent="-285480" algn="just">
+              <a:spcBef>
+                <a:spcPts val="281"/>
+              </a:spcBef>
+              <a:buClr>
+                <a:srgbClr val="141414"/>
+              </a:buClr>
+              <a:buSzPct val="45000"/>
+              <a:buFont typeface="Symbol" charset="2"/>
+              <a:buChar char=""/>
+            </a:pPr>
+            <a:endParaRPr lang="en-US" sz="1400" b="0" strike="noStrike" spc="-1" dirty="0">
+              <a:latin typeface="Arial"/>
+            </a:endParaRPr>
+          </a:p>
+          <a:p>
+            <a:pPr marL="285840" indent="-285480" algn="just">
+              <a:spcBef>
+                <a:spcPts val="281"/>
+              </a:spcBef>
+              <a:buClr>
+                <a:srgbClr val="141414"/>
+              </a:buClr>
+              <a:buSzPct val="45000"/>
+              <a:buFont typeface="Symbol" charset="2"/>
+              <a:buChar char=""/>
+            </a:pPr>
+            <a:endParaRPr lang="en-US" sz="1400" b="0" strike="noStrike" spc="-1" dirty="0">
+              <a:latin typeface="Arial"/>
+            </a:endParaRPr>
+          </a:p>
+          <a:p>
+            <a:pPr marL="285840" indent="-285480" algn="just">
+              <a:spcBef>
+                <a:spcPts val="281"/>
+              </a:spcBef>
+              <a:buClr>
+                <a:srgbClr val="141414"/>
+              </a:buClr>
+              <a:buSzPct val="45000"/>
+              <a:buFont typeface="Symbol" charset="2"/>
+              <a:buChar char=""/>
+            </a:pPr>
+            <a:endParaRPr lang="en-US" sz="1400" b="0" strike="noStrike" spc="-1" dirty="0">
+              <a:latin typeface="Arial"/>
+            </a:endParaRPr>
+          </a:p>
+          <a:p>
             <a:pPr algn="just">
               <a:spcBef>
                 <a:spcPts val="281"/>
@@ -16589,7 +16756,7 @@
       </p:sp>
       <p:pic>
         <p:nvPicPr>
-          <p:cNvPr id="238" name="Picture 237"/>
+          <p:cNvPr id="242" name="Picture 241"/>
           <p:cNvPicPr/>
           <p:nvPr/>
         </p:nvPicPr>
@@ -16599,8 +16766,8 @@
         </p:blipFill>
         <p:spPr>
           <a:xfrm>
-            <a:off x="711000" y="2011680"/>
-            <a:ext cx="7152840" cy="2733480"/>
+            <a:off x="1090440" y="2286000"/>
+            <a:ext cx="7029000" cy="2403000"/>
           </a:xfrm>
           <a:prstGeom prst="rect">
             <a:avLst/>
@@ -16615,13 +16782,6 @@
   <p:clrMapOvr>
     <a:masterClrMapping/>
   </p:clrMapOvr>
-  <p:timing>
-    <p:tnLst>
-      <p:par>
-        <p:cTn xmlns:p14="http://schemas.microsoft.com/office/powerpoint/2010/main" id="1" dur="indefinite" restart="never" nodeType="tmRoot"/>
-      </p:par>
-    </p:tnLst>
-  </p:timing>
 </p:sld>
 </file>
 
@@ -16644,7 +16804,7 @@
       </p:grpSpPr>
       <p:sp>
         <p:nvSpPr>
-          <p:cNvPr id="239" name="TextShape 1"/>
+          <p:cNvPr id="243" name="TextShape 1"/>
           <p:cNvSpPr txBox="1"/>
           <p:nvPr/>
         </p:nvSpPr>
@@ -16670,7 +16830,7 @@
                 <a:spcPct val="100000"/>
               </a:lnSpc>
             </a:pPr>
-            <a:fld id="{F24E0619-CAAA-445B-9D78-0A8F29A6C0F3}" type="slidenum">
+            <a:fld id="{E670FD5C-43CE-444F-97C7-491B5336255D}" type="slidenum">
               <a:rPr lang="en-US" sz="1050" b="1" strike="noStrike" spc="-1">
                 <a:solidFill>
                   <a:srgbClr val="FFFFFF"/>
@@ -16687,7 +16847,7 @@
       </p:sp>
       <p:sp>
         <p:nvSpPr>
-          <p:cNvPr id="240" name="TextShape 2"/>
+          <p:cNvPr id="244" name="TextShape 2"/>
           <p:cNvSpPr txBox="1"/>
           <p:nvPr/>
         </p:nvSpPr>
@@ -16720,7 +16880,7 @@
                 </a:solidFill>
                 <a:latin typeface="Arial"/>
               </a:rPr>
-              <a:t>Kubernetes Logging </a:t>
+              <a:t>Kubernetes Blue/ Green Deployment</a:t>
             </a:r>
             <a:endParaRPr lang="en-US" sz="2200" b="0" strike="noStrike" spc="-1" dirty="0">
               <a:solidFill>
@@ -16733,7 +16893,7 @@
       </p:sp>
       <p:sp>
         <p:nvSpPr>
-          <p:cNvPr id="241" name="CustomShape 3"/>
+          <p:cNvPr id="245" name="CustomShape 3"/>
           <p:cNvSpPr/>
           <p:nvPr/>
         </p:nvSpPr>
@@ -16768,293 +16928,121 @@
           </a:bodyPr>
           <a:lstStyle/>
           <a:p>
-            <a:pPr marL="285840" indent="-285480" algn="just">
+            <a:pPr algn="just">
+              <a:lnSpc>
+                <a:spcPct val="100000"/>
+              </a:lnSpc>
               <a:spcBef>
                 <a:spcPts val="281"/>
               </a:spcBef>
-              <a:buClr>
-                <a:srgbClr val="141414"/>
-              </a:buClr>
-              <a:buSzPct val="45000"/>
-              <a:buFont typeface="Symbol" charset="2"/>
-              <a:buChar char=""/>
-            </a:pPr>
-            <a:r>
-              <a:rPr lang="en-US" sz="1400" b="0" strike="noStrike" spc="-1" dirty="0">
+            </a:pPr>
+            <a:r>
+              <a:rPr lang="en-US" sz="1400" b="0" strike="noStrike" spc="-1">
                 <a:solidFill>
                   <a:srgbClr val="141414"/>
                 </a:solidFill>
                 <a:latin typeface="Arial"/>
               </a:rPr>
-              <a:t>Application and systems logs can help you understand what is happening inside your cluster</a:t>
-            </a:r>
-            <a:endParaRPr lang="en-US" sz="1400" b="0" strike="noStrike" spc="-1" dirty="0">
-              <a:latin typeface="Arial"/>
-            </a:endParaRPr>
-          </a:p>
-          <a:p>
-            <a:pPr marL="285840" indent="-285480" algn="just">
+              <a:t>A blue/green deployment is a change management strategy for releasing software code. Blue/green deployments require two identical hardware environments that are configured exactly the same way. While one environment is active and serving end users, the other environment remains idle</a:t>
+            </a:r>
+            <a:endParaRPr lang="en-US" sz="1400" b="0" strike="noStrike" spc="-1">
+              <a:latin typeface="Arial"/>
+            </a:endParaRPr>
+          </a:p>
+          <a:p>
+            <a:pPr algn="just">
+              <a:lnSpc>
+                <a:spcPct val="100000"/>
+              </a:lnSpc>
               <a:spcBef>
                 <a:spcPts val="281"/>
               </a:spcBef>
-              <a:buClr>
-                <a:srgbClr val="141414"/>
-              </a:buClr>
-              <a:buSzPct val="45000"/>
-              <a:buFont typeface="Symbol" charset="2"/>
-              <a:buChar char=""/>
-            </a:pPr>
-            <a:r>
-              <a:rPr lang="en-US" sz="1400" b="0" strike="noStrike" spc="-1" dirty="0">
+            </a:pPr>
+            <a:endParaRPr lang="en-US" sz="1400" b="0" strike="noStrike" spc="-1">
+              <a:latin typeface="Arial"/>
+            </a:endParaRPr>
+          </a:p>
+          <a:p>
+            <a:pPr algn="just">
+              <a:spcBef>
+                <a:spcPts val="281"/>
+              </a:spcBef>
+            </a:pPr>
+            <a:r>
+              <a:rPr lang="en-US" sz="1400" b="0" strike="noStrike" spc="-1">
                 <a:solidFill>
                   <a:srgbClr val="141414"/>
                 </a:solidFill>
                 <a:latin typeface="Arial"/>
               </a:rPr>
-              <a:t>The native functionality provided by a container engine or run time is usually not enough for a complete logging solution</a:t>
-            </a:r>
-            <a:endParaRPr lang="en-US" sz="1400" b="0" strike="noStrike" spc="-1" dirty="0">
-              <a:latin typeface="Arial"/>
-            </a:endParaRPr>
-          </a:p>
-          <a:p>
-            <a:pPr marL="285840" indent="-285480" algn="just">
+              <a:t>Container technology offers a stand-alone environment to run the desired service, which makes it super easy to create identical environments as required in the blue/green deployment</a:t>
+            </a:r>
+            <a:endParaRPr lang="en-US" sz="1400" b="0" strike="noStrike" spc="-1">
+              <a:latin typeface="Arial"/>
+            </a:endParaRPr>
+          </a:p>
+          <a:p>
+            <a:pPr algn="just">
+              <a:lnSpc>
+                <a:spcPct val="100000"/>
+              </a:lnSpc>
               <a:spcBef>
                 <a:spcPts val="281"/>
               </a:spcBef>
-              <a:buClr>
-                <a:srgbClr val="141414"/>
-              </a:buClr>
-              <a:buSzPct val="45000"/>
-              <a:buFont typeface="Symbol" charset="2"/>
-              <a:buChar char=""/>
-            </a:pPr>
-            <a:r>
-              <a:rPr lang="en-US" sz="1400" spc="-1" dirty="0">
-                <a:solidFill>
-                  <a:srgbClr val="141414"/>
-                </a:solidFill>
-                <a:latin typeface="Arial"/>
-              </a:rPr>
-              <a:t>I</a:t>
-            </a:r>
-            <a:r>
-              <a:rPr lang="en-US" sz="1400" b="0" strike="noStrike" spc="-1" dirty="0" smtClean="0">
-                <a:solidFill>
-                  <a:srgbClr val="141414"/>
-                </a:solidFill>
-                <a:latin typeface="Arial"/>
-              </a:rPr>
-              <a:t>f </a:t>
-            </a:r>
-            <a:r>
-              <a:rPr lang="en-US" sz="1400" b="0" strike="noStrike" spc="-1" dirty="0">
-                <a:solidFill>
-                  <a:srgbClr val="141414"/>
-                </a:solidFill>
-                <a:latin typeface="Arial"/>
-              </a:rPr>
-              <a:t>a container crashes, a pod is evicted, or a node dies, We still want to access your application’s logs. </a:t>
-            </a:r>
-            <a:endParaRPr lang="en-US" sz="1400" b="0" strike="noStrike" spc="-1" dirty="0">
-              <a:latin typeface="Arial"/>
-            </a:endParaRPr>
-          </a:p>
-          <a:p>
-            <a:pPr marL="285840" indent="-285480" algn="just">
+            </a:pPr>
+            <a:endParaRPr lang="en-US" sz="1400" b="0" strike="noStrike" spc="-1">
+              <a:latin typeface="Arial"/>
+            </a:endParaRPr>
+          </a:p>
+          <a:p>
+            <a:pPr algn="just">
+              <a:lnSpc>
+                <a:spcPct val="100000"/>
+              </a:lnSpc>
               <a:spcBef>
                 <a:spcPts val="281"/>
               </a:spcBef>
-              <a:buClr>
-                <a:srgbClr val="141414"/>
-              </a:buClr>
-              <a:buSzPct val="45000"/>
-              <a:buFont typeface="Symbol" charset="2"/>
-              <a:buChar char=""/>
-            </a:pPr>
-            <a:r>
-              <a:rPr lang="en-US" sz="1400" b="0" strike="noStrike" spc="-1" dirty="0">
-                <a:solidFill>
-                  <a:srgbClr val="141414"/>
-                </a:solidFill>
-                <a:latin typeface="Arial"/>
-              </a:rPr>
-              <a:t>As such, logs should have a separate storage and life cycle independent of nodes, pods, or containers</a:t>
-            </a:r>
-            <a:endParaRPr lang="en-US" sz="1400" b="0" strike="noStrike" spc="-1" dirty="0">
-              <a:latin typeface="Arial"/>
-            </a:endParaRPr>
-          </a:p>
-          <a:p>
-            <a:pPr marL="285840" indent="-285480" algn="just">
+            </a:pPr>
+            <a:endParaRPr lang="en-US" sz="1400" b="0" strike="noStrike" spc="-1">
+              <a:latin typeface="Arial"/>
+            </a:endParaRPr>
+          </a:p>
+          <a:p>
+            <a:pPr algn="just">
+              <a:lnSpc>
+                <a:spcPct val="100000"/>
+              </a:lnSpc>
               <a:spcBef>
                 <a:spcPts val="281"/>
               </a:spcBef>
-              <a:buClr>
-                <a:srgbClr val="141414"/>
-              </a:buClr>
-              <a:buSzPct val="45000"/>
-              <a:buFont typeface="Symbol" charset="2"/>
-              <a:buChar char=""/>
-            </a:pPr>
-            <a:r>
-              <a:rPr lang="en-US" sz="1400" b="0" strike="noStrike" spc="-1" dirty="0">
-                <a:solidFill>
-                  <a:srgbClr val="141414"/>
-                </a:solidFill>
-                <a:latin typeface="Arial"/>
-              </a:rPr>
-              <a:t>Kubernetes provides no native storage solution for log data, but we can integrate many existing logging solutions into your Kubernetes cluster.</a:t>
-            </a:r>
-            <a:endParaRPr lang="en-US" sz="1400" b="0" strike="noStrike" spc="-1" dirty="0">
-              <a:latin typeface="Arial"/>
-            </a:endParaRPr>
-          </a:p>
-          <a:p>
-            <a:pPr marL="285840" indent="-285480" algn="just">
+            </a:pPr>
+            <a:endParaRPr lang="en-US" sz="1400" b="0" strike="noStrike" spc="-1">
+              <a:latin typeface="Arial"/>
+            </a:endParaRPr>
+          </a:p>
+          <a:p>
+            <a:pPr algn="just">
+              <a:lnSpc>
+                <a:spcPct val="100000"/>
+              </a:lnSpc>
               <a:spcBef>
                 <a:spcPts val="281"/>
               </a:spcBef>
-              <a:buClr>
-                <a:srgbClr val="141414"/>
-              </a:buClr>
-              <a:buSzPct val="45000"/>
-              <a:buFont typeface="Symbol" charset="2"/>
-              <a:buChar char=""/>
-            </a:pPr>
-            <a:endParaRPr lang="en-US" sz="1400" b="0" strike="noStrike" spc="-1" dirty="0">
-              <a:latin typeface="Arial"/>
-            </a:endParaRPr>
-          </a:p>
-          <a:p>
-            <a:pPr marL="285840" indent="-285480" algn="just">
+            </a:pPr>
+            <a:endParaRPr lang="en-US" sz="1400" b="0" strike="noStrike" spc="-1">
+              <a:latin typeface="Arial"/>
+            </a:endParaRPr>
+          </a:p>
+          <a:p>
+            <a:pPr algn="just">
+              <a:lnSpc>
+                <a:spcPct val="100000"/>
+              </a:lnSpc>
               <a:spcBef>
                 <a:spcPts val="281"/>
               </a:spcBef>
-              <a:buClr>
-                <a:srgbClr val="141414"/>
-              </a:buClr>
-              <a:buSzPct val="45000"/>
-              <a:buFont typeface="Symbol" charset="2"/>
-              <a:buChar char=""/>
-            </a:pPr>
-            <a:endParaRPr lang="en-US" sz="1400" b="0" strike="noStrike" spc="-1" dirty="0">
-              <a:latin typeface="Arial"/>
-            </a:endParaRPr>
-          </a:p>
-          <a:p>
-            <a:pPr marL="285840" indent="-285480" algn="just">
-              <a:spcBef>
-                <a:spcPts val="281"/>
-              </a:spcBef>
-              <a:buClr>
-                <a:srgbClr val="141414"/>
-              </a:buClr>
-              <a:buSzPct val="45000"/>
-              <a:buFont typeface="Symbol" charset="2"/>
-              <a:buChar char=""/>
-            </a:pPr>
-            <a:endParaRPr lang="en-US" sz="1400" b="0" strike="noStrike" spc="-1" dirty="0">
-              <a:latin typeface="Arial"/>
-            </a:endParaRPr>
-          </a:p>
-          <a:p>
-            <a:pPr marL="285840" indent="-285480" algn="just">
-              <a:spcBef>
-                <a:spcPts val="281"/>
-              </a:spcBef>
-              <a:buClr>
-                <a:srgbClr val="141414"/>
-              </a:buClr>
-              <a:buSzPct val="45000"/>
-              <a:buFont typeface="Symbol" charset="2"/>
-              <a:buChar char=""/>
-            </a:pPr>
-            <a:endParaRPr lang="en-US" sz="1400" b="0" strike="noStrike" spc="-1" dirty="0">
-              <a:latin typeface="Arial"/>
-            </a:endParaRPr>
-          </a:p>
-          <a:p>
-            <a:pPr algn="just">
-              <a:spcBef>
-                <a:spcPts val="281"/>
-              </a:spcBef>
-            </a:pPr>
-            <a:r>
-              <a:rPr lang="en-US" sz="1400" b="0" strike="noStrike" spc="-1" dirty="0">
-                <a:solidFill>
-                  <a:srgbClr val="141414"/>
-                </a:solidFill>
-                <a:latin typeface="Arial"/>
-              </a:rPr>
-              <a:t>	</a:t>
-            </a:r>
-            <a:endParaRPr lang="en-US" sz="1400" b="0" strike="noStrike" spc="-1" dirty="0">
-              <a:latin typeface="Arial"/>
-            </a:endParaRPr>
-          </a:p>
-          <a:p>
-            <a:pPr algn="just">
-              <a:lnSpc>
-                <a:spcPct val="100000"/>
-              </a:lnSpc>
-              <a:spcBef>
-                <a:spcPts val="281"/>
-              </a:spcBef>
-            </a:pPr>
-            <a:endParaRPr lang="en-US" sz="1400" b="0" strike="noStrike" spc="-1" dirty="0">
-              <a:latin typeface="Arial"/>
-            </a:endParaRPr>
-          </a:p>
-          <a:p>
-            <a:pPr algn="just">
-              <a:lnSpc>
-                <a:spcPct val="100000"/>
-              </a:lnSpc>
-              <a:spcBef>
-                <a:spcPts val="281"/>
-              </a:spcBef>
-            </a:pPr>
-            <a:endParaRPr lang="en-US" sz="1400" b="0" strike="noStrike" spc="-1" dirty="0">
-              <a:latin typeface="Arial"/>
-            </a:endParaRPr>
-          </a:p>
-          <a:p>
-            <a:pPr algn="just">
-              <a:lnSpc>
-                <a:spcPct val="100000"/>
-              </a:lnSpc>
-              <a:spcBef>
-                <a:spcPts val="281"/>
-              </a:spcBef>
-            </a:pPr>
-            <a:endParaRPr lang="en-US" sz="1400" b="0" strike="noStrike" spc="-1" dirty="0">
-              <a:latin typeface="Arial"/>
-            </a:endParaRPr>
-          </a:p>
-          <a:p>
-            <a:pPr algn="just">
-              <a:lnSpc>
-                <a:spcPct val="100000"/>
-              </a:lnSpc>
-              <a:spcBef>
-                <a:spcPts val="281"/>
-              </a:spcBef>
-            </a:pPr>
-            <a:endParaRPr lang="en-US" sz="1400" b="0" strike="noStrike" spc="-1" dirty="0">
-              <a:latin typeface="Arial"/>
-            </a:endParaRPr>
-          </a:p>
-          <a:p>
-            <a:pPr algn="just">
-              <a:lnSpc>
-                <a:spcPct val="100000"/>
-              </a:lnSpc>
-              <a:spcBef>
-                <a:spcPts val="281"/>
-              </a:spcBef>
-            </a:pPr>
-            <a:endParaRPr lang="en-US" sz="1400" b="0" strike="noStrike" spc="-1" dirty="0">
+            </a:pPr>
+            <a:endParaRPr lang="en-US" sz="1400" b="0" strike="noStrike" spc="-1">
               <a:latin typeface="Arial"/>
             </a:endParaRPr>
           </a:p>
@@ -17062,7 +17050,7 @@
       </p:sp>
       <p:pic>
         <p:nvPicPr>
-          <p:cNvPr id="242" name="Picture 241"/>
+          <p:cNvPr id="246" name="Picture 245"/>
           <p:cNvPicPr/>
           <p:nvPr/>
         </p:nvPicPr>
@@ -17072,8 +17060,8 @@
         </p:blipFill>
         <p:spPr>
           <a:xfrm>
-            <a:off x="1090440" y="2286000"/>
-            <a:ext cx="7029000" cy="2403000"/>
+            <a:off x="95760" y="2103120"/>
+            <a:ext cx="9019800" cy="2747520"/>
           </a:xfrm>
           <a:prstGeom prst="rect">
             <a:avLst/>
@@ -17110,7 +17098,7 @@
       </p:grpSpPr>
       <p:sp>
         <p:nvSpPr>
-          <p:cNvPr id="243" name="TextShape 1"/>
+          <p:cNvPr id="247" name="TextShape 1"/>
           <p:cNvSpPr txBox="1"/>
           <p:nvPr/>
         </p:nvSpPr>
@@ -17136,7 +17124,7 @@
                 <a:spcPct val="100000"/>
               </a:lnSpc>
             </a:pPr>
-            <a:fld id="{E670FD5C-43CE-444F-97C7-491B5336255D}" type="slidenum">
+            <a:fld id="{D569C93D-E44B-4A72-ACFF-C28167A1485D}" type="slidenum">
               <a:rPr lang="en-US" sz="1050" b="1" strike="noStrike" spc="-1">
                 <a:solidFill>
                   <a:srgbClr val="FFFFFF"/>
@@ -17153,7 +17141,7 @@
       </p:sp>
       <p:sp>
         <p:nvSpPr>
-          <p:cNvPr id="244" name="TextShape 2"/>
+          <p:cNvPr id="248" name="TextShape 2"/>
           <p:cNvSpPr txBox="1"/>
           <p:nvPr/>
         </p:nvSpPr>
@@ -17186,7 +17174,7 @@
                 </a:solidFill>
                 <a:latin typeface="Arial"/>
               </a:rPr>
-              <a:t>Kubernetes Blue/ Green Deployment</a:t>
+              <a:t>Kubernetes Advanced Topics</a:t>
             </a:r>
             <a:endParaRPr lang="en-US" sz="2200" b="0" strike="noStrike" spc="-1" dirty="0">
               <a:solidFill>
@@ -17199,7 +17187,7 @@
       </p:sp>
       <p:sp>
         <p:nvSpPr>
-          <p:cNvPr id="245" name="CustomShape 3"/>
+          <p:cNvPr id="249" name="CustomShape 3"/>
           <p:cNvSpPr/>
           <p:nvPr/>
         </p:nvSpPr>
@@ -17234,13 +17222,18 @@
           </a:bodyPr>
           <a:lstStyle/>
           <a:p>
-            <a:pPr algn="just">
+            <a:pPr marL="285840" indent="-285480" algn="just">
               <a:lnSpc>
                 <a:spcPct val="100000"/>
               </a:lnSpc>
               <a:spcBef>
                 <a:spcPts val="281"/>
               </a:spcBef>
+              <a:buClr>
+                <a:srgbClr val="141414"/>
+              </a:buClr>
+              <a:buFont typeface="Arial"/>
+              <a:buChar char="•"/>
             </a:pPr>
             <a:r>
               <a:rPr lang="en-US" sz="1400" b="0" strike="noStrike" spc="-1">
@@ -17249,30 +17242,25 @@
                 </a:solidFill>
                 <a:latin typeface="Arial"/>
               </a:rPr>
-              <a:t>A blue/green deployment is a change management strategy for releasing software code. Blue/green deployments require two identical hardware environments that are configured exactly the same way. While one environment is active and serving end users, the other environment remains idle</a:t>
+              <a:t>Auto scaling</a:t>
             </a:r>
             <a:endParaRPr lang="en-US" sz="1400" b="0" strike="noStrike" spc="-1">
               <a:latin typeface="Arial"/>
             </a:endParaRPr>
           </a:p>
           <a:p>
-            <a:pPr algn="just">
+            <a:pPr marL="285840" indent="-285480" algn="just">
               <a:lnSpc>
                 <a:spcPct val="100000"/>
               </a:lnSpc>
               <a:spcBef>
                 <a:spcPts val="281"/>
               </a:spcBef>
-            </a:pPr>
-            <a:endParaRPr lang="en-US" sz="1400" b="0" strike="noStrike" spc="-1">
-              <a:latin typeface="Arial"/>
-            </a:endParaRPr>
-          </a:p>
-          <a:p>
-            <a:pPr algn="just">
-              <a:spcBef>
-                <a:spcPts val="281"/>
-              </a:spcBef>
+              <a:buClr>
+                <a:srgbClr val="141414"/>
+              </a:buClr>
+              <a:buFont typeface="Arial"/>
+              <a:buChar char="•"/>
             </a:pPr>
             <a:r>
               <a:rPr lang="en-US" sz="1400" b="0" strike="noStrike" spc="-1">
@@ -17281,13 +17269,67 @@
                 </a:solidFill>
                 <a:latin typeface="Arial"/>
               </a:rPr>
-              <a:t>Container technology offers a stand-alone environment to run the desired service, which makes it super easy to create identical environments as required in the blue/green deployment</a:t>
+              <a:t>Persistent Volumes</a:t>
             </a:r>
             <a:endParaRPr lang="en-US" sz="1400" b="0" strike="noStrike" spc="-1">
               <a:latin typeface="Arial"/>
             </a:endParaRPr>
           </a:p>
           <a:p>
+            <a:pPr marL="285840" indent="-285480" algn="just">
+              <a:lnSpc>
+                <a:spcPct val="100000"/>
+              </a:lnSpc>
+              <a:spcBef>
+                <a:spcPts val="281"/>
+              </a:spcBef>
+              <a:buClr>
+                <a:srgbClr val="141414"/>
+              </a:buClr>
+              <a:buFont typeface="Arial"/>
+              <a:buChar char="•"/>
+            </a:pPr>
+            <a:r>
+              <a:rPr lang="en-US" sz="1400" b="0" strike="noStrike" spc="-1">
+                <a:solidFill>
+                  <a:srgbClr val="141414"/>
+                </a:solidFill>
+                <a:latin typeface="Arial"/>
+              </a:rPr>
+              <a:t>Stateful Replica Sets</a:t>
+            </a:r>
+            <a:endParaRPr lang="en-US" sz="1400" b="0" strike="noStrike" spc="-1">
+              <a:latin typeface="Arial"/>
+            </a:endParaRPr>
+          </a:p>
+          <a:p>
+            <a:pPr marL="285840" indent="-285480" algn="just">
+              <a:lnSpc>
+                <a:spcPct val="100000"/>
+              </a:lnSpc>
+              <a:spcBef>
+                <a:spcPts val="281"/>
+              </a:spcBef>
+              <a:buClr>
+                <a:srgbClr val="141414"/>
+              </a:buClr>
+              <a:buFont typeface="Arial"/>
+              <a:buChar char="•"/>
+            </a:pPr>
+            <a:r>
+              <a:rPr lang="en-US" sz="1400" b="0" strike="noStrike" spc="-1">
+                <a:solidFill>
+                  <a:srgbClr val="141414"/>
+                </a:solidFill>
+                <a:latin typeface="Arial"/>
+              </a:rPr>
+              <a:t>Secrets</a:t>
+            </a:r>
+            <a:endParaRPr lang="en-US" sz="1400" b="0" strike="noStrike" spc="-1">
+              <a:latin typeface="Arial"/>
+            </a:endParaRPr>
+          </a:p>
+          <a:p>
             <a:pPr algn="just">
               <a:lnSpc>
                 <a:spcPct val="100000"/>
@@ -17354,29 +17396,6 @@
           </a:p>
         </p:txBody>
       </p:sp>
-      <p:pic>
-        <p:nvPicPr>
-          <p:cNvPr id="246" name="Picture 245"/>
-          <p:cNvPicPr/>
-          <p:nvPr/>
-        </p:nvPicPr>
-        <p:blipFill>
-          <a:blip r:embed="rId2"/>
-          <a:stretch/>
-        </p:blipFill>
-        <p:spPr>
-          <a:xfrm>
-            <a:off x="95760" y="2103120"/>
-            <a:ext cx="9019800" cy="2747520"/>
-          </a:xfrm>
-          <a:prstGeom prst="rect">
-            <a:avLst/>
-          </a:prstGeom>
-          <a:ln>
-            <a:noFill/>
-          </a:ln>
-        </p:spPr>
-      </p:pic>
     </p:spTree>
   </p:cSld>
   <p:clrMapOvr>
@@ -17404,7 +17423,7 @@
       </p:grpSpPr>
       <p:sp>
         <p:nvSpPr>
-          <p:cNvPr id="247" name="TextShape 1"/>
+          <p:cNvPr id="250" name="TextShape 1"/>
           <p:cNvSpPr txBox="1"/>
           <p:nvPr/>
         </p:nvSpPr>
@@ -17430,7 +17449,7 @@
                 <a:spcPct val="100000"/>
               </a:lnSpc>
             </a:pPr>
-            <a:fld id="{D569C93D-E44B-4A72-ACFF-C28167A1485D}" type="slidenum">
+            <a:fld id="{DB86DB81-2B6F-4CEF-9207-F3B97FE855D2}" type="slidenum">
               <a:rPr lang="en-US" sz="1050" b="1" strike="noStrike" spc="-1">
                 <a:solidFill>
                   <a:srgbClr val="FFFFFF"/>
@@ -17447,7 +17466,7 @@
       </p:sp>
       <p:sp>
         <p:nvSpPr>
-          <p:cNvPr id="248" name="TextShape 2"/>
+          <p:cNvPr id="251" name="TextShape 2"/>
           <p:cNvSpPr txBox="1"/>
           <p:nvPr/>
         </p:nvSpPr>
@@ -17480,7 +17499,7 @@
                 </a:solidFill>
                 <a:latin typeface="Arial"/>
               </a:rPr>
-              <a:t>Kubernetes Advanced Topics</a:t>
+              <a:t>Commercial Kubernetes</a:t>
             </a:r>
             <a:endParaRPr lang="en-US" sz="2200" b="0" strike="noStrike" spc="-1" dirty="0">
               <a:solidFill>
@@ -17493,7 +17512,7 @@
       </p:sp>
       <p:sp>
         <p:nvSpPr>
-          <p:cNvPr id="249" name="CustomShape 3"/>
+          <p:cNvPr id="252" name="CustomShape 3"/>
           <p:cNvSpPr/>
           <p:nvPr/>
         </p:nvSpPr>
@@ -17542,15 +17561,15 @@
               <a:buChar char="•"/>
             </a:pPr>
             <a:r>
-              <a:rPr lang="en-US" sz="1400" b="0" strike="noStrike" spc="-1">
+              <a:rPr lang="en-US" sz="1400" b="0" strike="noStrike" spc="-1" dirty="0">
                 <a:solidFill>
                   <a:srgbClr val="141414"/>
                 </a:solidFill>
                 <a:latin typeface="Arial"/>
               </a:rPr>
-              <a:t>Auto scaling</a:t>
-            </a:r>
-            <a:endParaRPr lang="en-US" sz="1400" b="0" strike="noStrike" spc="-1">
+              <a:t>Open Shift ( Red Hat ) – Used in Heritage World Pay</a:t>
+            </a:r>
+            <a:endParaRPr lang="en-US" sz="1400" b="0" strike="noStrike" spc="-1" dirty="0">
               <a:latin typeface="Arial"/>
             </a:endParaRPr>
           </a:p>
@@ -17569,15 +17588,15 @@
               <a:buChar char="•"/>
             </a:pPr>
             <a:r>
-              <a:rPr lang="en-US" sz="1400" b="0" strike="noStrike" spc="-1">
+              <a:rPr lang="en-US" sz="1400" b="0" strike="noStrike" spc="-1" dirty="0">
                 <a:solidFill>
                   <a:srgbClr val="141414"/>
                 </a:solidFill>
                 <a:latin typeface="Arial"/>
               </a:rPr>
-              <a:t>Persistent Volumes</a:t>
-            </a:r>
-            <a:endParaRPr lang="en-US" sz="1400" b="0" strike="noStrike" spc="-1">
+              <a:t>EKS (Amazon Elastic Container Service for Kubernetes)</a:t>
+            </a:r>
+            <a:endParaRPr lang="en-US" sz="1400" b="0" strike="noStrike" spc="-1" dirty="0">
               <a:latin typeface="Arial"/>
             </a:endParaRPr>
           </a:p>
@@ -17596,15 +17615,15 @@
               <a:buChar char="•"/>
             </a:pPr>
             <a:r>
-              <a:rPr lang="en-US" sz="1400" b="0" strike="noStrike" spc="-1">
+              <a:rPr lang="en-US" sz="1400" b="0" strike="noStrike" spc="-1" dirty="0">
                 <a:solidFill>
                   <a:srgbClr val="141414"/>
                 </a:solidFill>
                 <a:latin typeface="Arial"/>
               </a:rPr>
-              <a:t>Stateful Replica Sets</a:t>
-            </a:r>
-            <a:endParaRPr lang="en-US" sz="1400" b="0" strike="noStrike" spc="-1">
+              <a:t>GKE (Google Kubernetes Engine)</a:t>
+            </a:r>
+            <a:endParaRPr lang="en-US" sz="1400" b="0" strike="noStrike" spc="-1" dirty="0">
               <a:latin typeface="Arial"/>
             </a:endParaRPr>
           </a:p>
@@ -17623,28 +17642,25 @@
               <a:buChar char="•"/>
             </a:pPr>
             <a:r>
-              <a:rPr lang="en-US" sz="1400" b="0" strike="noStrike" spc="-1">
+              <a:rPr lang="en-US" sz="1400" b="0" strike="noStrike" spc="-1" dirty="0">
                 <a:solidFill>
                   <a:srgbClr val="141414"/>
                 </a:solidFill>
                 <a:latin typeface="Arial"/>
               </a:rPr>
-              <a:t>Secrets</a:t>
-            </a:r>
-            <a:endParaRPr lang="en-US" sz="1400" b="0" strike="noStrike" spc="-1">
+              <a:t>AKS - Azure Kubernetes Service</a:t>
+            </a:r>
+            <a:endParaRPr lang="en-US" sz="1400" b="0" strike="noStrike" spc="-1" dirty="0">
               <a:latin typeface="Arial"/>
             </a:endParaRPr>
           </a:p>
           <a:p>
             <a:pPr algn="just">
-              <a:lnSpc>
-                <a:spcPct val="100000"/>
-              </a:lnSpc>
               <a:spcBef>
                 <a:spcPts val="281"/>
               </a:spcBef>
             </a:pPr>
-            <a:endParaRPr lang="en-US" sz="1400" b="0" strike="noStrike" spc="-1">
+            <a:endParaRPr lang="en-US" sz="1400" b="0" strike="noStrike" spc="-1" dirty="0">
               <a:latin typeface="Arial"/>
             </a:endParaRPr>
           </a:p>
@@ -17657,7 +17673,7 @@
                 <a:spcPts val="281"/>
               </a:spcBef>
             </a:pPr>
-            <a:endParaRPr lang="en-US" sz="1400" b="0" strike="noStrike" spc="-1">
+            <a:endParaRPr lang="en-US" sz="1400" b="0" strike="noStrike" spc="-1" dirty="0">
               <a:latin typeface="Arial"/>
             </a:endParaRPr>
           </a:p>
@@ -17670,7 +17686,7 @@
                 <a:spcPts val="281"/>
               </a:spcBef>
             </a:pPr>
-            <a:endParaRPr lang="en-US" sz="1400" b="0" strike="noStrike" spc="-1">
+            <a:endParaRPr lang="en-US" sz="1400" b="0" strike="noStrike" spc="-1" dirty="0">
               <a:latin typeface="Arial"/>
             </a:endParaRPr>
           </a:p>
@@ -17683,7 +17699,7 @@
                 <a:spcPts val="281"/>
               </a:spcBef>
             </a:pPr>
-            <a:endParaRPr lang="en-US" sz="1400" b="0" strike="noStrike" spc="-1">
+            <a:endParaRPr lang="en-US" sz="1400" b="0" strike="noStrike" spc="-1" dirty="0">
               <a:latin typeface="Arial"/>
             </a:endParaRPr>
           </a:p>
@@ -17696,7 +17712,20 @@
                 <a:spcPts val="281"/>
               </a:spcBef>
             </a:pPr>
-            <a:endParaRPr lang="en-US" sz="1400" b="0" strike="noStrike" spc="-1">
+            <a:endParaRPr lang="en-US" sz="1400" b="0" strike="noStrike" spc="-1" dirty="0">
+              <a:latin typeface="Arial"/>
+            </a:endParaRPr>
+          </a:p>
+          <a:p>
+            <a:pPr algn="just">
+              <a:lnSpc>
+                <a:spcPct val="100000"/>
+              </a:lnSpc>
+              <a:spcBef>
+                <a:spcPts val="281"/>
+              </a:spcBef>
+            </a:pPr>
+            <a:endParaRPr lang="en-US" sz="1400" b="0" strike="noStrike" spc="-1" dirty="0">
               <a:latin typeface="Arial"/>
             </a:endParaRPr>
           </a:p>
@@ -17729,7 +17758,7 @@
       </p:grpSpPr>
       <p:sp>
         <p:nvSpPr>
-          <p:cNvPr id="250" name="TextShape 1"/>
+          <p:cNvPr id="253" name="TextShape 1"/>
           <p:cNvSpPr txBox="1"/>
           <p:nvPr/>
         </p:nvSpPr>
@@ -17755,7 +17784,7 @@
                 <a:spcPct val="100000"/>
               </a:lnSpc>
             </a:pPr>
-            <a:fld id="{DB86DB81-2B6F-4CEF-9207-F3B97FE855D2}" type="slidenum">
+            <a:fld id="{072B23BC-C43A-4D58-A567-5EA551F197E3}" type="slidenum">
               <a:rPr lang="en-US" sz="1050" b="1" strike="noStrike" spc="-1">
                 <a:solidFill>
                   <a:srgbClr val="FFFFFF"/>
@@ -17772,7 +17801,336 @@
       </p:sp>
       <p:sp>
         <p:nvSpPr>
-          <p:cNvPr id="251" name="TextShape 2"/>
+          <p:cNvPr id="254" name="TextShape 2"/>
+          <p:cNvSpPr txBox="1"/>
+          <p:nvPr/>
+        </p:nvSpPr>
+        <p:spPr>
+          <a:xfrm>
+            <a:off x="114480" y="552600"/>
+            <a:ext cx="8915040" cy="4152600"/>
+          </a:xfrm>
+          <a:prstGeom prst="rect">
+            <a:avLst/>
+          </a:prstGeom>
+          <a:noFill/>
+          <a:ln w="9360">
+            <a:noFill/>
+          </a:ln>
+        </p:spPr>
+        <p:txBody>
+          <a:bodyPr lIns="90000" tIns="45000" rIns="90000" bIns="45000">
+            <a:normAutofit/>
+          </a:bodyPr>
+          <a:lstStyle/>
+          <a:p>
+            <a:pPr marL="285840" indent="-285480">
+              <a:lnSpc>
+                <a:spcPct val="100000"/>
+              </a:lnSpc>
+              <a:spcBef>
+                <a:spcPts val="360"/>
+              </a:spcBef>
+              <a:buClr>
+                <a:srgbClr val="50B3CF"/>
+              </a:buClr>
+              <a:buFont typeface="Wingdings" charset="2"/>
+              <a:buChar char=""/>
+            </a:pPr>
+            <a:r>
+              <a:rPr lang="en-US" sz="1800" b="0" strike="noStrike" spc="-1" dirty="0">
+                <a:solidFill>
+                  <a:srgbClr val="141414"/>
+                </a:solidFill>
+                <a:latin typeface="Arial"/>
+                <a:hlinkClick r:id="rId2"/>
+              </a:rPr>
+              <a:t>https://kubernetes.io/</a:t>
+            </a:r>
+            <a:endParaRPr lang="en-US" sz="1800" b="0" strike="noStrike" spc="-1" dirty="0">
+              <a:solidFill>
+                <a:srgbClr val="50B3CF"/>
+              </a:solidFill>
+              <a:latin typeface="Arial"/>
+            </a:endParaRPr>
+          </a:p>
+          <a:p>
+            <a:pPr marL="285840" indent="-285480">
+              <a:lnSpc>
+                <a:spcPct val="100000"/>
+              </a:lnSpc>
+              <a:spcBef>
+                <a:spcPts val="360"/>
+              </a:spcBef>
+              <a:buClr>
+                <a:srgbClr val="50B3CF"/>
+              </a:buClr>
+              <a:buFont typeface="Wingdings" charset="2"/>
+              <a:buChar char=""/>
+            </a:pPr>
+            <a:r>
+              <a:rPr lang="en-US" sz="1800" b="0" strike="noStrike" spc="-1" dirty="0">
+                <a:solidFill>
+                  <a:srgbClr val="141414"/>
+                </a:solidFill>
+                <a:latin typeface="Arial"/>
+                <a:hlinkClick r:id="rId3"/>
+              </a:rPr>
+              <a:t>https://kubernetes.io/blog/2018/04/30/zero-downtime-deployment-kubernetes-jenkins</a:t>
+            </a:r>
+            <a:r>
+              <a:rPr lang="en-US" sz="1800" b="0" strike="noStrike" spc="-1" dirty="0" smtClean="0">
+                <a:solidFill>
+                  <a:srgbClr val="141414"/>
+                </a:solidFill>
+                <a:latin typeface="Arial"/>
+                <a:hlinkClick r:id="rId3"/>
+              </a:rPr>
+              <a:t>/</a:t>
+            </a:r>
+            <a:endParaRPr lang="en-US" sz="1800" b="0" strike="noStrike" spc="-1" dirty="0" smtClean="0">
+              <a:solidFill>
+                <a:srgbClr val="141414"/>
+              </a:solidFill>
+              <a:latin typeface="Arial"/>
+            </a:endParaRPr>
+          </a:p>
+          <a:p>
+            <a:pPr marL="285840" indent="-285480">
+              <a:lnSpc>
+                <a:spcPct val="100000"/>
+              </a:lnSpc>
+              <a:spcBef>
+                <a:spcPts val="360"/>
+              </a:spcBef>
+              <a:buClr>
+                <a:srgbClr val="50B3CF"/>
+              </a:buClr>
+              <a:buFont typeface="Wingdings" charset="2"/>
+              <a:buChar char=""/>
+            </a:pPr>
+            <a:r>
+              <a:rPr lang="en-US" spc="-1" dirty="0">
+                <a:solidFill>
+                  <a:srgbClr val="141414"/>
+                </a:solidFill>
+              </a:rPr>
+              <a:t>GIT Hub Code base</a:t>
+            </a:r>
+          </a:p>
+          <a:p>
+            <a:pPr marL="360">
+              <a:lnSpc>
+                <a:spcPct val="100000"/>
+              </a:lnSpc>
+              <a:spcBef>
+                <a:spcPts val="360"/>
+              </a:spcBef>
+              <a:buClr>
+                <a:srgbClr val="50B3CF"/>
+              </a:buClr>
+            </a:pPr>
+            <a:r>
+              <a:rPr lang="en-US" spc="-1" dirty="0">
+                <a:solidFill>
+                  <a:srgbClr val="50B3CF"/>
+                </a:solidFill>
+              </a:rPr>
+              <a:t>     </a:t>
+            </a:r>
+            <a:r>
+              <a:rPr lang="en-US" spc="-1" dirty="0">
+                <a:solidFill>
+                  <a:srgbClr val="50B3CF"/>
+                </a:solidFill>
+                <a:hlinkClick r:id="rId4"/>
+              </a:rPr>
+              <a:t>https://github.com/nilaybose/mkdemo</a:t>
+            </a:r>
+            <a:endParaRPr lang="en-US" spc="-1" dirty="0">
+              <a:solidFill>
+                <a:srgbClr val="50B3CF"/>
+              </a:solidFill>
+            </a:endParaRPr>
+          </a:p>
+          <a:p>
+            <a:pPr marL="285840" indent="-285480">
+              <a:lnSpc>
+                <a:spcPct val="100000"/>
+              </a:lnSpc>
+              <a:spcBef>
+                <a:spcPts val="360"/>
+              </a:spcBef>
+              <a:buClr>
+                <a:srgbClr val="50B3CF"/>
+              </a:buClr>
+              <a:buFont typeface="Wingdings" charset="2"/>
+              <a:buChar char=""/>
+            </a:pPr>
+            <a:r>
+              <a:rPr lang="en-US" spc="-1" dirty="0" smtClean="0">
+                <a:solidFill>
+                  <a:srgbClr val="141414"/>
+                </a:solidFill>
+                <a:latin typeface="Arial"/>
+              </a:rPr>
+              <a:t>Docker Image Path</a:t>
+            </a:r>
+          </a:p>
+          <a:p>
+            <a:pPr marL="360">
+              <a:lnSpc>
+                <a:spcPct val="100000"/>
+              </a:lnSpc>
+              <a:spcBef>
+                <a:spcPts val="360"/>
+              </a:spcBef>
+              <a:buClr>
+                <a:srgbClr val="50B3CF"/>
+              </a:buClr>
+            </a:pPr>
+            <a:r>
+              <a:rPr lang="en-US" spc="-1" dirty="0">
+                <a:solidFill>
+                  <a:srgbClr val="141414"/>
+                </a:solidFill>
+                <a:latin typeface="Arial"/>
+              </a:rPr>
+              <a:t> </a:t>
+            </a:r>
+            <a:r>
+              <a:rPr lang="en-US" spc="-1" dirty="0">
+                <a:solidFill>
+                  <a:srgbClr val="141414"/>
+                </a:solidFill>
+              </a:rPr>
+              <a:t>    </a:t>
+            </a:r>
+            <a:r>
+              <a:rPr lang="en-US" spc="-1" dirty="0" err="1">
+                <a:solidFill>
+                  <a:srgbClr val="141414"/>
+                </a:solidFill>
+              </a:rPr>
+              <a:t>docker</a:t>
+            </a:r>
+            <a:r>
+              <a:rPr lang="en-US" spc="-1" dirty="0">
+                <a:solidFill>
+                  <a:srgbClr val="141414"/>
+                </a:solidFill>
+              </a:rPr>
+              <a:t> pull </a:t>
+            </a:r>
+            <a:r>
+              <a:rPr lang="en-US" spc="-1" dirty="0" err="1">
+                <a:solidFill>
+                  <a:srgbClr val="141414"/>
+                </a:solidFill>
+              </a:rPr>
+              <a:t>nilaybose</a:t>
+            </a:r>
+            <a:r>
+              <a:rPr lang="en-US" spc="-1" dirty="0">
+                <a:solidFill>
+                  <a:srgbClr val="141414"/>
+                </a:solidFill>
+              </a:rPr>
+              <a:t>/</a:t>
+            </a:r>
+            <a:r>
+              <a:rPr lang="en-US" spc="-1" dirty="0" err="1">
+                <a:solidFill>
+                  <a:srgbClr val="141414"/>
+                </a:solidFill>
+              </a:rPr>
+              <a:t>mkubedemo</a:t>
+            </a:r>
+            <a:endParaRPr lang="en-US" sz="1800" b="0" strike="noStrike" spc="-1" dirty="0">
+              <a:solidFill>
+                <a:srgbClr val="141414"/>
+              </a:solidFill>
+              <a:latin typeface="Arial"/>
+            </a:endParaRPr>
+          </a:p>
+          <a:p>
+            <a:pPr marL="360">
+              <a:lnSpc>
+                <a:spcPct val="100000"/>
+              </a:lnSpc>
+              <a:spcBef>
+                <a:spcPts val="360"/>
+              </a:spcBef>
+              <a:buClr>
+                <a:srgbClr val="50B3CF"/>
+              </a:buClr>
+            </a:pPr>
+            <a:endParaRPr lang="en-US" sz="1800" b="0" strike="noStrike" spc="-1" dirty="0" smtClean="0">
+              <a:solidFill>
+                <a:srgbClr val="141414"/>
+              </a:solidFill>
+              <a:latin typeface="Arial"/>
+            </a:endParaRPr>
+          </a:p>
+          <a:p>
+            <a:pPr marL="360">
+              <a:lnSpc>
+                <a:spcPct val="100000"/>
+              </a:lnSpc>
+              <a:spcBef>
+                <a:spcPts val="360"/>
+              </a:spcBef>
+              <a:buClr>
+                <a:srgbClr val="50B3CF"/>
+              </a:buClr>
+            </a:pPr>
+            <a:endParaRPr lang="en-US" sz="1800" b="0" strike="noStrike" spc="-1" dirty="0">
+              <a:solidFill>
+                <a:srgbClr val="50B3CF"/>
+              </a:solidFill>
+              <a:latin typeface="Arial"/>
+            </a:endParaRPr>
+          </a:p>
+          <a:p>
+            <a:pPr marL="360">
+              <a:lnSpc>
+                <a:spcPct val="100000"/>
+              </a:lnSpc>
+              <a:spcBef>
+                <a:spcPts val="360"/>
+              </a:spcBef>
+              <a:buClr>
+                <a:srgbClr val="50B3CF"/>
+              </a:buClr>
+            </a:pPr>
+            <a:endParaRPr lang="en-US" sz="1800" b="0" strike="noStrike" spc="-1" dirty="0">
+              <a:solidFill>
+                <a:srgbClr val="50B3CF"/>
+              </a:solidFill>
+              <a:latin typeface="Arial"/>
+            </a:endParaRPr>
+          </a:p>
+          <a:p>
+            <a:pPr>
+              <a:lnSpc>
+                <a:spcPct val="100000"/>
+              </a:lnSpc>
+              <a:spcBef>
+                <a:spcPts val="360"/>
+              </a:spcBef>
+            </a:pPr>
+            <a:endParaRPr lang="en-US" sz="1800" b="0" strike="noStrike" spc="-1" dirty="0">
+              <a:solidFill>
+                <a:srgbClr val="50B3CF"/>
+              </a:solidFill>
+              <a:latin typeface="Arial"/>
+            </a:endParaRPr>
+          </a:p>
+        </p:txBody>
+      </p:sp>
+      <p:sp>
+        <p:nvSpPr>
+          <p:cNvPr id="255" name="TextShape 3"/>
           <p:cNvSpPr txBox="1"/>
           <p:nvPr/>
         </p:nvSpPr>
@@ -17799,239 +18157,18 @@
               </a:lnSpc>
             </a:pPr>
             <a:r>
-              <a:rPr lang="en-US" sz="2200" b="0" strike="noStrike" spc="-1" dirty="0">
+              <a:rPr lang="en-US" sz="2200" b="0" strike="noStrike" spc="-1">
                 <a:solidFill>
                   <a:srgbClr val="23D2FF"/>
                 </a:solidFill>
                 <a:latin typeface="Arial"/>
               </a:rPr>
-              <a:t>Commercial Kubernetes</a:t>
-            </a:r>
-            <a:endParaRPr lang="en-US" sz="2200" b="0" strike="noStrike" spc="-1" dirty="0">
-              <a:solidFill>
-                <a:srgbClr val="50B3CF"/>
-              </a:solidFill>
-              <a:latin typeface="Arial"/>
-            </a:endParaRPr>
-          </a:p>
-        </p:txBody>
-      </p:sp>
-      <p:sp>
-        <p:nvSpPr>
-          <p:cNvPr id="252" name="CustomShape 3"/>
-          <p:cNvSpPr/>
-          <p:nvPr/>
-        </p:nvSpPr>
-        <p:spPr>
-          <a:xfrm>
-            <a:off x="44640" y="541800"/>
-            <a:ext cx="8915040" cy="4264920"/>
-          </a:xfrm>
-          <a:prstGeom prst="rect">
-            <a:avLst/>
-          </a:prstGeom>
-          <a:noFill/>
-          <a:ln>
-            <a:noFill/>
-          </a:ln>
-        </p:spPr>
-        <p:style>
-          <a:lnRef idx="0">
-            <a:scrgbClr r="0" g="0" b="0"/>
-          </a:lnRef>
-          <a:fillRef idx="0">
-            <a:scrgbClr r="0" g="0" b="0"/>
-          </a:fillRef>
-          <a:effectRef idx="0">
-            <a:scrgbClr r="0" g="0" b="0"/>
-          </a:effectRef>
-          <a:fontRef idx="minor"/>
-        </p:style>
-        <p:txBody>
-          <a:bodyPr lIns="90000" tIns="45000" rIns="90000" bIns="45000">
-            <a:normAutofit/>
-          </a:bodyPr>
-          <a:lstStyle/>
-          <a:p>
-            <a:pPr marL="285840" indent="-285480" algn="just">
-              <a:lnSpc>
-                <a:spcPct val="100000"/>
-              </a:lnSpc>
-              <a:spcBef>
-                <a:spcPts val="281"/>
-              </a:spcBef>
-              <a:buClr>
-                <a:srgbClr val="141414"/>
-              </a:buClr>
-              <a:buFont typeface="Arial"/>
-              <a:buChar char="•"/>
-            </a:pPr>
-            <a:r>
-              <a:rPr lang="en-US" sz="1400" b="0" strike="noStrike" spc="-1" dirty="0">
-                <a:solidFill>
-                  <a:srgbClr val="141414"/>
-                </a:solidFill>
-                <a:latin typeface="Arial"/>
-              </a:rPr>
-              <a:t>Open Shift ( Red Hat ) – Used in Heritage World Pay</a:t>
-            </a:r>
-            <a:endParaRPr lang="en-US" sz="1400" b="0" strike="noStrike" spc="-1" dirty="0">
-              <a:latin typeface="Arial"/>
-            </a:endParaRPr>
-          </a:p>
-          <a:p>
-            <a:pPr marL="285840" indent="-285480" algn="just">
-              <a:lnSpc>
-                <a:spcPct val="100000"/>
-              </a:lnSpc>
-              <a:spcBef>
-                <a:spcPts val="281"/>
-              </a:spcBef>
-              <a:buClr>
-                <a:srgbClr val="141414"/>
-              </a:buClr>
-              <a:buFont typeface="Arial"/>
-              <a:buChar char="•"/>
-            </a:pPr>
-            <a:r>
-              <a:rPr lang="en-US" sz="1400" b="0" strike="noStrike" spc="-1" dirty="0">
-                <a:solidFill>
-                  <a:srgbClr val="141414"/>
-                </a:solidFill>
-                <a:latin typeface="Arial"/>
-              </a:rPr>
-              <a:t>EKS (Amazon Elastic Container Service for Kubernetes)</a:t>
-            </a:r>
-            <a:endParaRPr lang="en-US" sz="1400" b="0" strike="noStrike" spc="-1" dirty="0">
-              <a:latin typeface="Arial"/>
-            </a:endParaRPr>
-          </a:p>
-          <a:p>
-            <a:pPr marL="285840" indent="-285480" algn="just">
-              <a:lnSpc>
-                <a:spcPct val="100000"/>
-              </a:lnSpc>
-              <a:spcBef>
-                <a:spcPts val="281"/>
-              </a:spcBef>
-              <a:buClr>
-                <a:srgbClr val="141414"/>
-              </a:buClr>
-              <a:buFont typeface="Arial"/>
-              <a:buChar char="•"/>
-            </a:pPr>
-            <a:r>
-              <a:rPr lang="en-US" sz="1400" b="0" strike="noStrike" spc="-1" dirty="0">
-                <a:solidFill>
-                  <a:srgbClr val="141414"/>
-                </a:solidFill>
-                <a:latin typeface="Arial"/>
-              </a:rPr>
-              <a:t>GKE (Google Kubernetes Engine)</a:t>
-            </a:r>
-            <a:endParaRPr lang="en-US" sz="1400" b="0" strike="noStrike" spc="-1" dirty="0">
-              <a:latin typeface="Arial"/>
-            </a:endParaRPr>
-          </a:p>
-          <a:p>
-            <a:pPr marL="285840" indent="-285480" algn="just">
-              <a:lnSpc>
-                <a:spcPct val="100000"/>
-              </a:lnSpc>
-              <a:spcBef>
-                <a:spcPts val="281"/>
-              </a:spcBef>
-              <a:buClr>
-                <a:srgbClr val="141414"/>
-              </a:buClr>
-              <a:buFont typeface="Arial"/>
-              <a:buChar char="•"/>
-            </a:pPr>
-            <a:r>
-              <a:rPr lang="en-US" sz="1400" b="0" strike="noStrike" spc="-1" dirty="0">
-                <a:solidFill>
-                  <a:srgbClr val="141414"/>
-                </a:solidFill>
-                <a:latin typeface="Arial"/>
-              </a:rPr>
-              <a:t>AKS - Azure Kubernetes Service</a:t>
-            </a:r>
-            <a:endParaRPr lang="en-US" sz="1400" b="0" strike="noStrike" spc="-1" dirty="0">
-              <a:latin typeface="Arial"/>
-            </a:endParaRPr>
-          </a:p>
-          <a:p>
-            <a:pPr algn="just">
-              <a:spcBef>
-                <a:spcPts val="281"/>
-              </a:spcBef>
-            </a:pPr>
-            <a:endParaRPr lang="en-US" sz="1400" b="0" strike="noStrike" spc="-1" dirty="0">
-              <a:latin typeface="Arial"/>
-            </a:endParaRPr>
-          </a:p>
-          <a:p>
-            <a:pPr algn="just">
-              <a:lnSpc>
-                <a:spcPct val="100000"/>
-              </a:lnSpc>
-              <a:spcBef>
-                <a:spcPts val="281"/>
-              </a:spcBef>
-            </a:pPr>
-            <a:endParaRPr lang="en-US" sz="1400" b="0" strike="noStrike" spc="-1" dirty="0">
-              <a:latin typeface="Arial"/>
-            </a:endParaRPr>
-          </a:p>
-          <a:p>
-            <a:pPr algn="just">
-              <a:lnSpc>
-                <a:spcPct val="100000"/>
-              </a:lnSpc>
-              <a:spcBef>
-                <a:spcPts val="281"/>
-              </a:spcBef>
-            </a:pPr>
-            <a:endParaRPr lang="en-US" sz="1400" b="0" strike="noStrike" spc="-1" dirty="0">
-              <a:latin typeface="Arial"/>
-            </a:endParaRPr>
-          </a:p>
-          <a:p>
-            <a:pPr algn="just">
-              <a:lnSpc>
-                <a:spcPct val="100000"/>
-              </a:lnSpc>
-              <a:spcBef>
-                <a:spcPts val="281"/>
-              </a:spcBef>
-            </a:pPr>
-            <a:endParaRPr lang="en-US" sz="1400" b="0" strike="noStrike" spc="-1" dirty="0">
-              <a:latin typeface="Arial"/>
-            </a:endParaRPr>
-          </a:p>
-          <a:p>
-            <a:pPr algn="just">
-              <a:lnSpc>
-                <a:spcPct val="100000"/>
-              </a:lnSpc>
-              <a:spcBef>
-                <a:spcPts val="281"/>
-              </a:spcBef>
-            </a:pPr>
-            <a:endParaRPr lang="en-US" sz="1400" b="0" strike="noStrike" spc="-1" dirty="0">
-              <a:latin typeface="Arial"/>
-            </a:endParaRPr>
-          </a:p>
-          <a:p>
-            <a:pPr algn="just">
-              <a:lnSpc>
-                <a:spcPct val="100000"/>
-              </a:lnSpc>
-              <a:spcBef>
-                <a:spcPts val="281"/>
-              </a:spcBef>
-            </a:pPr>
-            <a:endParaRPr lang="en-US" sz="1400" b="0" strike="noStrike" spc="-1" dirty="0">
+              <a:t>Reference &amp; Links</a:t>
+            </a:r>
+            <a:endParaRPr lang="en-US" sz="2200" b="0" strike="noStrike" spc="-1">
+              <a:solidFill>
+                <a:srgbClr val="50B3CF"/>
+              </a:solidFill>
               <a:latin typeface="Arial"/>
             </a:endParaRPr>
           </a:p>
@@ -18064,14 +18201,14 @@
       </p:grpSpPr>
       <p:sp>
         <p:nvSpPr>
-          <p:cNvPr id="253" name="TextShape 1"/>
+          <p:cNvPr id="256" name="TextShape 1"/>
           <p:cNvSpPr txBox="1"/>
           <p:nvPr/>
         </p:nvSpPr>
         <p:spPr>
           <a:xfrm>
-            <a:off x="-155160" y="4743360"/>
-            <a:ext cx="538920" cy="375480"/>
+            <a:off x="0" y="4830840"/>
+            <a:ext cx="456840" cy="342720"/>
           </a:xfrm>
           <a:prstGeom prst="rect">
             <a:avLst/>
@@ -18090,7 +18227,7 @@
                 <a:spcPct val="100000"/>
               </a:lnSpc>
             </a:pPr>
-            <a:fld id="{072B23BC-C43A-4D58-A567-5EA551F197E3}" type="slidenum">
+            <a:fld id="{E142D481-1E04-41FC-9359-C1CC6138C014}" type="slidenum">
               <a:rPr lang="en-US" sz="1050" b="1" strike="noStrike" spc="-1">
                 <a:solidFill>
                   <a:srgbClr val="FFFFFF"/>
@@ -18098,449 +18235,6 @@
                 <a:latin typeface="Arial"/>
               </a:rPr>
               <a:t>27</a:t>
-            </a:fld>
-            <a:endParaRPr lang="en-US" sz="1050" b="0" strike="noStrike" spc="-1">
-              <a:latin typeface="Times New Roman"/>
-            </a:endParaRPr>
-          </a:p>
-        </p:txBody>
-      </p:sp>
-      <p:sp>
-        <p:nvSpPr>
-          <p:cNvPr id="254" name="TextShape 2"/>
-          <p:cNvSpPr txBox="1"/>
-          <p:nvPr/>
-        </p:nvSpPr>
-        <p:spPr>
-          <a:xfrm>
-            <a:off x="114480" y="552600"/>
-            <a:ext cx="8915040" cy="4152600"/>
-          </a:xfrm>
-          <a:prstGeom prst="rect">
-            <a:avLst/>
-          </a:prstGeom>
-          <a:noFill/>
-          <a:ln w="9360">
-            <a:noFill/>
-          </a:ln>
-        </p:spPr>
-        <p:txBody>
-          <a:bodyPr lIns="90000" tIns="45000" rIns="90000" bIns="45000">
-            <a:normAutofit/>
-          </a:bodyPr>
-          <a:lstStyle/>
-          <a:p>
-            <a:pPr marL="285840" indent="-285480">
-              <a:lnSpc>
-                <a:spcPct val="100000"/>
-              </a:lnSpc>
-              <a:spcBef>
-                <a:spcPts val="360"/>
-              </a:spcBef>
-              <a:buClr>
-                <a:srgbClr val="50B3CF"/>
-              </a:buClr>
-              <a:buFont typeface="Wingdings" charset="2"/>
-              <a:buChar char=""/>
-            </a:pPr>
-            <a:r>
-              <a:rPr lang="en-US" sz="1800" b="0" strike="noStrike" spc="-1" dirty="0">
-                <a:solidFill>
-                  <a:srgbClr val="141414"/>
-                </a:solidFill>
-                <a:latin typeface="Arial"/>
-                <a:hlinkClick r:id="rId2"/>
-              </a:rPr>
-              <a:t>https://kubernetes.io/</a:t>
-            </a:r>
-            <a:endParaRPr lang="en-US" sz="1800" b="0" strike="noStrike" spc="-1" dirty="0">
-              <a:solidFill>
-                <a:srgbClr val="50B3CF"/>
-              </a:solidFill>
-              <a:latin typeface="Arial"/>
-            </a:endParaRPr>
-          </a:p>
-          <a:p>
-            <a:pPr marL="285840" indent="-285480">
-              <a:lnSpc>
-                <a:spcPct val="100000"/>
-              </a:lnSpc>
-              <a:spcBef>
-                <a:spcPts val="360"/>
-              </a:spcBef>
-              <a:buClr>
-                <a:srgbClr val="50B3CF"/>
-              </a:buClr>
-              <a:buFont typeface="Wingdings" charset="2"/>
-              <a:buChar char=""/>
-            </a:pPr>
-            <a:r>
-              <a:rPr lang="en-US" sz="1800" b="0" strike="noStrike" spc="-1" dirty="0">
-                <a:solidFill>
-                  <a:srgbClr val="141414"/>
-                </a:solidFill>
-                <a:latin typeface="Arial"/>
-                <a:hlinkClick r:id="rId3"/>
-              </a:rPr>
-              <a:t>https://kubernetes.io/blog/2018/04/30/zero-downtime-deployment-kubernetes-jenkins</a:t>
-            </a:r>
-            <a:r>
-              <a:rPr lang="en-US" sz="1800" b="0" strike="noStrike" spc="-1" dirty="0" smtClean="0">
-                <a:solidFill>
-                  <a:srgbClr val="141414"/>
-                </a:solidFill>
-                <a:latin typeface="Arial"/>
-                <a:hlinkClick r:id="rId3"/>
-              </a:rPr>
-              <a:t>/</a:t>
-            </a:r>
-            <a:endParaRPr lang="en-US" sz="1800" b="0" strike="noStrike" spc="-1" dirty="0" smtClean="0">
-              <a:solidFill>
-                <a:srgbClr val="141414"/>
-              </a:solidFill>
-              <a:latin typeface="Arial"/>
-            </a:endParaRPr>
-          </a:p>
-          <a:p>
-            <a:pPr marL="285840" indent="-285480">
-              <a:lnSpc>
-                <a:spcPct val="100000"/>
-              </a:lnSpc>
-              <a:spcBef>
-                <a:spcPts val="360"/>
-              </a:spcBef>
-              <a:buClr>
-                <a:srgbClr val="50B3CF"/>
-              </a:buClr>
-              <a:buFont typeface="Wingdings" charset="2"/>
-              <a:buChar char=""/>
-            </a:pPr>
-            <a:r>
-              <a:rPr lang="en-US" spc="-1" dirty="0">
-                <a:solidFill>
-                  <a:srgbClr val="141414"/>
-                </a:solidFill>
-              </a:rPr>
-              <a:t>GIT Hub Code base</a:t>
-            </a:r>
-          </a:p>
-          <a:p>
-            <a:pPr marL="360">
-              <a:lnSpc>
-                <a:spcPct val="100000"/>
-              </a:lnSpc>
-              <a:spcBef>
-                <a:spcPts val="360"/>
-              </a:spcBef>
-              <a:buClr>
-                <a:srgbClr val="50B3CF"/>
-              </a:buClr>
-            </a:pPr>
-            <a:r>
-              <a:rPr lang="en-US" spc="-1" dirty="0">
-                <a:solidFill>
-                  <a:srgbClr val="50B3CF"/>
-                </a:solidFill>
-              </a:rPr>
-              <a:t>     </a:t>
-            </a:r>
-            <a:r>
-              <a:rPr lang="en-US" spc="-1" dirty="0">
-                <a:solidFill>
-                  <a:srgbClr val="50B3CF"/>
-                </a:solidFill>
-                <a:hlinkClick r:id="rId4"/>
-              </a:rPr>
-              <a:t>https://github.com/nilaybose/mkdemo</a:t>
-            </a:r>
-            <a:endParaRPr lang="en-US" spc="-1" dirty="0">
-              <a:solidFill>
-                <a:srgbClr val="50B3CF"/>
-              </a:solidFill>
-            </a:endParaRPr>
-          </a:p>
-          <a:p>
-            <a:pPr marL="285840" indent="-285480">
-              <a:lnSpc>
-                <a:spcPct val="100000"/>
-              </a:lnSpc>
-              <a:spcBef>
-                <a:spcPts val="360"/>
-              </a:spcBef>
-              <a:buClr>
-                <a:srgbClr val="50B3CF"/>
-              </a:buClr>
-              <a:buFont typeface="Wingdings" charset="2"/>
-              <a:buChar char=""/>
-            </a:pPr>
-            <a:r>
-              <a:rPr lang="en-US" spc="-1" dirty="0" smtClean="0">
-                <a:solidFill>
-                  <a:srgbClr val="141414"/>
-                </a:solidFill>
-                <a:latin typeface="Arial"/>
-              </a:rPr>
-              <a:t>Docker Image Path</a:t>
-            </a:r>
-          </a:p>
-          <a:p>
-            <a:pPr marL="360">
-              <a:lnSpc>
-                <a:spcPct val="100000"/>
-              </a:lnSpc>
-              <a:spcBef>
-                <a:spcPts val="360"/>
-              </a:spcBef>
-              <a:buClr>
-                <a:srgbClr val="50B3CF"/>
-              </a:buClr>
-            </a:pPr>
-            <a:r>
-              <a:rPr lang="en-US" spc="-1" dirty="0">
-                <a:solidFill>
-                  <a:srgbClr val="141414"/>
-                </a:solidFill>
-                <a:latin typeface="Arial"/>
-              </a:rPr>
-              <a:t> </a:t>
-            </a:r>
-            <a:r>
-              <a:rPr lang="en-US" spc="-1" dirty="0">
-                <a:solidFill>
-                  <a:srgbClr val="141414"/>
-                </a:solidFill>
-              </a:rPr>
-              <a:t>    </a:t>
-            </a:r>
-            <a:r>
-              <a:rPr lang="en-US" spc="-1" dirty="0" err="1">
-                <a:solidFill>
-                  <a:srgbClr val="141414"/>
-                </a:solidFill>
-              </a:rPr>
-              <a:t>docker</a:t>
-            </a:r>
-            <a:r>
-              <a:rPr lang="en-US" spc="-1" dirty="0">
-                <a:solidFill>
-                  <a:srgbClr val="141414"/>
-                </a:solidFill>
-              </a:rPr>
-              <a:t> pull </a:t>
-            </a:r>
-            <a:r>
-              <a:rPr lang="en-US" spc="-1" dirty="0" err="1">
-                <a:solidFill>
-                  <a:srgbClr val="141414"/>
-                </a:solidFill>
-              </a:rPr>
-              <a:t>nilaybose</a:t>
-            </a:r>
-            <a:r>
-              <a:rPr lang="en-US" spc="-1" dirty="0">
-                <a:solidFill>
-                  <a:srgbClr val="141414"/>
-                </a:solidFill>
-              </a:rPr>
-              <a:t>/</a:t>
-            </a:r>
-            <a:r>
-              <a:rPr lang="en-US" spc="-1" dirty="0" err="1">
-                <a:solidFill>
-                  <a:srgbClr val="141414"/>
-                </a:solidFill>
-              </a:rPr>
-              <a:t>mkubedemo</a:t>
-            </a:r>
-            <a:endParaRPr lang="en-US" sz="1800" b="0" strike="noStrike" spc="-1" dirty="0">
-              <a:solidFill>
-                <a:srgbClr val="141414"/>
-              </a:solidFill>
-              <a:latin typeface="Arial"/>
-            </a:endParaRPr>
-          </a:p>
-          <a:p>
-            <a:pPr marL="360">
-              <a:lnSpc>
-                <a:spcPct val="100000"/>
-              </a:lnSpc>
-              <a:spcBef>
-                <a:spcPts val="360"/>
-              </a:spcBef>
-              <a:buClr>
-                <a:srgbClr val="50B3CF"/>
-              </a:buClr>
-            </a:pPr>
-            <a:endParaRPr lang="en-US" sz="1800" b="0" strike="noStrike" spc="-1" dirty="0" smtClean="0">
-              <a:solidFill>
-                <a:srgbClr val="141414"/>
-              </a:solidFill>
-              <a:latin typeface="Arial"/>
-            </a:endParaRPr>
-          </a:p>
-          <a:p>
-            <a:pPr marL="360">
-              <a:lnSpc>
-                <a:spcPct val="100000"/>
-              </a:lnSpc>
-              <a:spcBef>
-                <a:spcPts val="360"/>
-              </a:spcBef>
-              <a:buClr>
-                <a:srgbClr val="50B3CF"/>
-              </a:buClr>
-            </a:pPr>
-            <a:endParaRPr lang="en-US" sz="1800" b="0" strike="noStrike" spc="-1" dirty="0">
-              <a:solidFill>
-                <a:srgbClr val="50B3CF"/>
-              </a:solidFill>
-              <a:latin typeface="Arial"/>
-            </a:endParaRPr>
-          </a:p>
-          <a:p>
-            <a:pPr marL="360">
-              <a:lnSpc>
-                <a:spcPct val="100000"/>
-              </a:lnSpc>
-              <a:spcBef>
-                <a:spcPts val="360"/>
-              </a:spcBef>
-              <a:buClr>
-                <a:srgbClr val="50B3CF"/>
-              </a:buClr>
-            </a:pPr>
-            <a:endParaRPr lang="en-US" sz="1800" b="0" strike="noStrike" spc="-1" dirty="0">
-              <a:solidFill>
-                <a:srgbClr val="50B3CF"/>
-              </a:solidFill>
-              <a:latin typeface="Arial"/>
-            </a:endParaRPr>
-          </a:p>
-          <a:p>
-            <a:pPr>
-              <a:lnSpc>
-                <a:spcPct val="100000"/>
-              </a:lnSpc>
-              <a:spcBef>
-                <a:spcPts val="360"/>
-              </a:spcBef>
-            </a:pPr>
-            <a:endParaRPr lang="en-US" sz="1800" b="0" strike="noStrike" spc="-1" dirty="0">
-              <a:solidFill>
-                <a:srgbClr val="50B3CF"/>
-              </a:solidFill>
-              <a:latin typeface="Arial"/>
-            </a:endParaRPr>
-          </a:p>
-        </p:txBody>
-      </p:sp>
-      <p:sp>
-        <p:nvSpPr>
-          <p:cNvPr id="255" name="TextShape 3"/>
-          <p:cNvSpPr txBox="1"/>
-          <p:nvPr/>
-        </p:nvSpPr>
-        <p:spPr>
-          <a:xfrm>
-            <a:off x="114480" y="100080"/>
-            <a:ext cx="8915040" cy="297000"/>
-          </a:xfrm>
-          <a:prstGeom prst="rect">
-            <a:avLst/>
-          </a:prstGeom>
-          <a:noFill/>
-          <a:ln>
-            <a:noFill/>
-          </a:ln>
-        </p:spPr>
-        <p:txBody>
-          <a:bodyPr lIns="0" anchor="ctr"/>
-          <a:lstStyle/>
-          <a:p>
-            <a:pPr>
-              <a:lnSpc>
-                <a:spcPct val="100000"/>
-              </a:lnSpc>
-            </a:pPr>
-            <a:r>
-              <a:rPr lang="en-US" sz="2200" b="0" strike="noStrike" spc="-1">
-                <a:solidFill>
-                  <a:srgbClr val="23D2FF"/>
-                </a:solidFill>
-                <a:latin typeface="Arial"/>
-              </a:rPr>
-              <a:t>Reference &amp; Links</a:t>
-            </a:r>
-            <a:endParaRPr lang="en-US" sz="2200" b="0" strike="noStrike" spc="-1">
-              <a:solidFill>
-                <a:srgbClr val="50B3CF"/>
-              </a:solidFill>
-              <a:latin typeface="Arial"/>
-            </a:endParaRPr>
-          </a:p>
-        </p:txBody>
-      </p:sp>
-    </p:spTree>
-  </p:cSld>
-  <p:clrMapOvr>
-    <a:masterClrMapping/>
-  </p:clrMapOvr>
-</p:sld>
-</file>
-
-<file path=ppt/slides/slide28.xml><?xml version="1.0" encoding="utf-8"?>
-<p:sld xmlns:a="http://schemas.openxmlformats.org/drawingml/2006/main" xmlns:r="http://schemas.openxmlformats.org/officeDocument/2006/relationships" xmlns:p="http://schemas.openxmlformats.org/presentationml/2006/main">
-  <p:cSld>
-    <p:spTree>
-      <p:nvGrpSpPr>
-        <p:cNvPr id="1" name=""/>
-        <p:cNvGrpSpPr/>
-        <p:nvPr/>
-      </p:nvGrpSpPr>
-      <p:grpSpPr>
-        <a:xfrm>
-          <a:off x="0" y="0"/>
-          <a:ext cx="0" cy="0"/>
-          <a:chOff x="0" y="0"/>
-          <a:chExt cx="0" cy="0"/>
-        </a:xfrm>
-      </p:grpSpPr>
-      <p:sp>
-        <p:nvSpPr>
-          <p:cNvPr id="256" name="TextShape 1"/>
-          <p:cNvSpPr txBox="1"/>
-          <p:nvPr/>
-        </p:nvSpPr>
-        <p:spPr>
-          <a:xfrm>
-            <a:off x="0" y="4830840"/>
-            <a:ext cx="456840" cy="342720"/>
-          </a:xfrm>
-          <a:prstGeom prst="rect">
-            <a:avLst/>
-          </a:prstGeom>
-          <a:noFill/>
-          <a:ln>
-            <a:noFill/>
-          </a:ln>
-        </p:spPr>
-        <p:txBody>
-          <a:bodyPr anchor="ctr"/>
-          <a:lstStyle/>
-          <a:p>
-            <a:pPr algn="r">
-              <a:lnSpc>
-                <a:spcPct val="100000"/>
-              </a:lnSpc>
-            </a:pPr>
-            <a:fld id="{E142D481-1E04-41FC-9359-C1CC6138C014}" type="slidenum">
-              <a:rPr lang="en-US" sz="1050" b="1" strike="noStrike" spc="-1">
-                <a:solidFill>
-                  <a:srgbClr val="FFFFFF"/>
-                </a:solidFill>
-                <a:latin typeface="Arial"/>
-              </a:rPr>
-              <a:t>28</a:t>
             </a:fld>
             <a:endParaRPr lang="en-US" sz="1050" b="0" strike="noStrike" spc="-1">
               <a:latin typeface="Times New Roman"/>
